--- a/presentation/2025-10-20/rybakov.pptx
+++ b/presentation/2025-10-20/rybakov.pptx
@@ -5,19 +5,21 @@
     <p:sldMasterId id="2147483648" r:id="rId1"/>
   </p:sldMasterIdLst>
   <p:notesMasterIdLst>
-    <p:notesMasterId r:id="rId12"/>
+    <p:notesMasterId r:id="rId14"/>
   </p:notesMasterIdLst>
   <p:sldIdLst>
     <p:sldId id="260" r:id="rId2"/>
     <p:sldId id="263" r:id="rId3"/>
     <p:sldId id="264" r:id="rId4"/>
     <p:sldId id="265" r:id="rId5"/>
-    <p:sldId id="261" r:id="rId6"/>
-    <p:sldId id="262" r:id="rId7"/>
-    <p:sldId id="256" r:id="rId8"/>
-    <p:sldId id="257" r:id="rId9"/>
-    <p:sldId id="258" r:id="rId10"/>
-    <p:sldId id="259" r:id="rId11"/>
+    <p:sldId id="266" r:id="rId6"/>
+    <p:sldId id="261" r:id="rId7"/>
+    <p:sldId id="262" r:id="rId8"/>
+    <p:sldId id="267" r:id="rId9"/>
+    <p:sldId id="256" r:id="rId10"/>
+    <p:sldId id="257" r:id="rId11"/>
+    <p:sldId id="258" r:id="rId12"/>
+    <p:sldId id="259" r:id="rId13"/>
   </p:sldIdLst>
   <p:sldSz cx="9144000" cy="5143500" type="screen16x9"/>
   <p:notesSz cx="6858000" cy="9144000"/>
@@ -202,7 +204,7 @@
             <a:fld id="{1BE50F79-1054-49FA-A970-84082D3AA2CC}" type="datetimeFigureOut">
               <a:rPr lang="ru-RU" smtClean="0"/>
               <a:pPr/>
-              <a:t>21.10.2025</a:t>
+              <a:t>22.10.2025</a:t>
             </a:fld>
             <a:endParaRPr lang="ru-RU"/>
           </a:p>
@@ -468,6 +470,88 @@
 </p:notesMaster>
 </file>
 
+<file path=ppt/notesSlides/notesSlide1.xml><?xml version="1.0" encoding="utf-8"?>
+<p:notes xmlns:a="http://schemas.openxmlformats.org/drawingml/2006/main" xmlns:r="http://schemas.openxmlformats.org/officeDocument/2006/relationships" xmlns:p="http://schemas.openxmlformats.org/presentationml/2006/main">
+  <p:cSld>
+    <p:spTree>
+      <p:nvGrpSpPr>
+        <p:cNvPr id="1" name=""/>
+        <p:cNvGrpSpPr/>
+        <p:nvPr/>
+      </p:nvGrpSpPr>
+      <p:grpSpPr>
+        <a:xfrm>
+          <a:off x="0" y="0"/>
+          <a:ext cx="0" cy="0"/>
+          <a:chOff x="0" y="0"/>
+          <a:chExt cx="0" cy="0"/>
+        </a:xfrm>
+      </p:grpSpPr>
+      <p:sp>
+        <p:nvSpPr>
+          <p:cNvPr id="2" name="Образ слайда 1"/>
+          <p:cNvSpPr>
+            <a:spLocks noGrp="1" noRot="1" noChangeAspect="1"/>
+          </p:cNvSpPr>
+          <p:nvPr>
+            <p:ph type="sldImg"/>
+          </p:nvPr>
+        </p:nvSpPr>
+        <p:spPr/>
+      </p:sp>
+      <p:sp>
+        <p:nvSpPr>
+          <p:cNvPr id="3" name="Заметки 2"/>
+          <p:cNvSpPr>
+            <a:spLocks noGrp="1"/>
+          </p:cNvSpPr>
+          <p:nvPr>
+            <p:ph type="body" idx="1"/>
+          </p:nvPr>
+        </p:nvSpPr>
+        <p:spPr/>
+        <p:txBody>
+          <a:bodyPr>
+            <a:normAutofit/>
+          </a:bodyPr>
+          <a:lstStyle/>
+          <a:p>
+            <a:endParaRPr lang="ru-RU"/>
+          </a:p>
+        </p:txBody>
+      </p:sp>
+      <p:sp>
+        <p:nvSpPr>
+          <p:cNvPr id="4" name="Номер слайда 3"/>
+          <p:cNvSpPr>
+            <a:spLocks noGrp="1"/>
+          </p:cNvSpPr>
+          <p:nvPr>
+            <p:ph type="sldNum" sz="quarter" idx="10"/>
+          </p:nvPr>
+        </p:nvSpPr>
+        <p:spPr/>
+        <p:txBody>
+          <a:bodyPr/>
+          <a:lstStyle/>
+          <a:p>
+            <a:fld id="{C695ECB9-005B-4223-8FE7-4C5EF5D893D1}" type="slidenum">
+              <a:rPr lang="ru-RU" smtClean="0"/>
+              <a:pPr/>
+              <a:t>1</a:t>
+            </a:fld>
+            <a:endParaRPr lang="ru-RU"/>
+          </a:p>
+        </p:txBody>
+      </p:sp>
+    </p:spTree>
+  </p:cSld>
+  <p:clrMapOvr>
+    <a:masterClrMapping/>
+  </p:clrMapOvr>
+</p:notes>
+</file>
+
 <file path=ppt/slideLayouts/slideLayout1.xml><?xml version="1.0" encoding="utf-8"?>
 <p:sldLayout xmlns:a="http://schemas.openxmlformats.org/drawingml/2006/main" xmlns:r="http://schemas.openxmlformats.org/officeDocument/2006/relationships" xmlns:p="http://schemas.openxmlformats.org/presentationml/2006/main" type="title" preserve="1">
   <p:cSld name="Титульный слайд">
@@ -647,10 +731,10 @@
           <a:bodyPr/>
           <a:lstStyle/>
           <a:p>
-            <a:fld id="{5A8E2698-5C99-4EF4-95CC-33C07C7F4905}" type="datetime1">
+            <a:fld id="{BBB958B1-EDA8-42A1-AE2D-4124A694A0E8}" type="datetime1">
               <a:rPr lang="ru-RU" smtClean="0"/>
               <a:pPr/>
-              <a:t>21.10.2025</a:t>
+              <a:t>22.10.2025</a:t>
             </a:fld>
             <a:endParaRPr lang="ru-RU"/>
           </a:p>
@@ -695,7 +779,11 @@
               <a:pPr/>
               <a:t>‹#›</a:t>
             </a:fld>
-            <a:endParaRPr lang="ru-RU"/>
+            <a:r>
+              <a:rPr lang="en-US" dirty="0" smtClean="0"/>
+              <a:t>/100</a:t>
+            </a:r>
+            <a:endParaRPr lang="ru-RU" dirty="0"/>
           </a:p>
         </p:txBody>
       </p:sp>
@@ -814,10 +902,10 @@
           <a:bodyPr/>
           <a:lstStyle/>
           <a:p>
-            <a:fld id="{C52A082A-0A02-484C-AC8B-1E710C1443F0}" type="datetime1">
+            <a:fld id="{F5082214-6EF5-420F-8764-778BA08A8EB4}" type="datetime1">
               <a:rPr lang="ru-RU" smtClean="0"/>
               <a:pPr/>
-              <a:t>21.10.2025</a:t>
+              <a:t>22.10.2025</a:t>
             </a:fld>
             <a:endParaRPr lang="ru-RU"/>
           </a:p>
@@ -991,10 +1079,10 @@
           <a:bodyPr/>
           <a:lstStyle/>
           <a:p>
-            <a:fld id="{F51E97B9-D57F-42E7-9296-F585A5993395}" type="datetime1">
+            <a:fld id="{47734903-560B-4E3F-BD59-D24270FDD534}" type="datetime1">
               <a:rPr lang="ru-RU" smtClean="0"/>
               <a:pPr/>
-              <a:t>21.10.2025</a:t>
+              <a:t>22.10.2025</a:t>
             </a:fld>
             <a:endParaRPr lang="ru-RU"/>
           </a:p>
@@ -1158,10 +1246,10 @@
           <a:bodyPr/>
           <a:lstStyle/>
           <a:p>
-            <a:fld id="{AFD64C3F-421D-4082-96F1-D246C07EB59D}" type="datetime1">
+            <a:fld id="{05433127-8868-4873-9816-0C4668E903A9}" type="datetime1">
               <a:rPr lang="ru-RU" smtClean="0"/>
               <a:pPr/>
-              <a:t>21.10.2025</a:t>
+              <a:t>22.10.2025</a:t>
             </a:fld>
             <a:endParaRPr lang="ru-RU"/>
           </a:p>
@@ -1401,10 +1489,10 @@
           <a:bodyPr/>
           <a:lstStyle/>
           <a:p>
-            <a:fld id="{BA8F1C0F-FD46-460A-8299-8046B0658717}" type="datetime1">
+            <a:fld id="{904841C2-5D71-43A3-8C9A-3E503F0F9044}" type="datetime1">
               <a:rPr lang="ru-RU" smtClean="0"/>
               <a:pPr/>
-              <a:t>21.10.2025</a:t>
+              <a:t>22.10.2025</a:t>
             </a:fld>
             <a:endParaRPr lang="ru-RU"/>
           </a:p>
@@ -1686,10 +1774,10 @@
           <a:bodyPr/>
           <a:lstStyle/>
           <a:p>
-            <a:fld id="{5272DE92-306A-43AE-9BD3-F4A6D5DCB523}" type="datetime1">
+            <a:fld id="{FCBA6D7E-72FE-4592-BD81-81BD81EAD993}" type="datetime1">
               <a:rPr lang="ru-RU" smtClean="0"/>
               <a:pPr/>
-              <a:t>21.10.2025</a:t>
+              <a:t>22.10.2025</a:t>
             </a:fld>
             <a:endParaRPr lang="ru-RU"/>
           </a:p>
@@ -2105,10 +2193,10 @@
           <a:bodyPr/>
           <a:lstStyle/>
           <a:p>
-            <a:fld id="{2CA9B2A1-A580-4B8D-A28E-8FAA77E3B292}" type="datetime1">
+            <a:fld id="{B552A487-6D59-4185-A8F1-12CCE2BBC55C}" type="datetime1">
               <a:rPr lang="ru-RU" smtClean="0"/>
               <a:pPr/>
-              <a:t>21.10.2025</a:t>
+              <a:t>22.10.2025</a:t>
             </a:fld>
             <a:endParaRPr lang="ru-RU"/>
           </a:p>
@@ -2220,10 +2308,10 @@
           <a:bodyPr/>
           <a:lstStyle/>
           <a:p>
-            <a:fld id="{A8A75462-A7F6-48CC-83D6-C17C90BA9D99}" type="datetime1">
+            <a:fld id="{08154B60-AF7D-47D3-A8EE-5FEEA0D822F6}" type="datetime1">
               <a:rPr lang="ru-RU" smtClean="0"/>
               <a:pPr/>
-              <a:t>21.10.2025</a:t>
+              <a:t>22.10.2025</a:t>
             </a:fld>
             <a:endParaRPr lang="ru-RU"/>
           </a:p>
@@ -2312,10 +2400,10 @@
           <a:bodyPr/>
           <a:lstStyle/>
           <a:p>
-            <a:fld id="{5A864124-695A-40CD-A9AA-3667F22603D9}" type="datetime1">
+            <a:fld id="{68B6BAEF-30BA-4C56-B202-30588D1AF887}" type="datetime1">
               <a:rPr lang="ru-RU" smtClean="0"/>
               <a:pPr/>
-              <a:t>21.10.2025</a:t>
+              <a:t>22.10.2025</a:t>
             </a:fld>
             <a:endParaRPr lang="ru-RU"/>
           </a:p>
@@ -2586,10 +2674,10 @@
           <a:bodyPr/>
           <a:lstStyle/>
           <a:p>
-            <a:fld id="{C000220F-8513-47CE-8C5E-5E25CB04E9BE}" type="datetime1">
+            <a:fld id="{593BD080-E403-404F-9D47-FD01B0B1658F}" type="datetime1">
               <a:rPr lang="ru-RU" smtClean="0"/>
               <a:pPr/>
-              <a:t>21.10.2025</a:t>
+              <a:t>22.10.2025</a:t>
             </a:fld>
             <a:endParaRPr lang="ru-RU"/>
           </a:p>
@@ -2836,10 +2924,10 @@
           <a:bodyPr/>
           <a:lstStyle/>
           <a:p>
-            <a:fld id="{7DB8A04F-FD5D-406A-82FE-FFF0204D9640}" type="datetime1">
+            <a:fld id="{EFAE9CEA-7067-4922-8C7E-15587B004886}" type="datetime1">
               <a:rPr lang="ru-RU" smtClean="0"/>
               <a:pPr/>
-              <a:t>21.10.2025</a:t>
+              <a:t>22.10.2025</a:t>
             </a:fld>
             <a:endParaRPr lang="ru-RU"/>
           </a:p>
@@ -3046,10 +3134,10 @@
             </a:lvl1pPr>
           </a:lstStyle>
           <a:p>
-            <a:fld id="{0CBD7822-DFA6-4829-BAA8-1A17CDAB2ED4}" type="datetime1">
+            <a:fld id="{94500B10-4806-4016-B971-BECDF94A1D33}" type="datetime1">
               <a:rPr lang="ru-RU" smtClean="0"/>
               <a:pPr/>
-              <a:t>21.10.2025</a:t>
+              <a:t>22.10.2025</a:t>
             </a:fld>
             <a:endParaRPr lang="ru-RU"/>
           </a:p>
@@ -3457,42 +3545,6 @@
       </p:sp>
       <p:sp>
         <p:nvSpPr>
-          <p:cNvPr id="4" name="Номер слайда 3"/>
-          <p:cNvSpPr>
-            <a:spLocks noGrp="1"/>
-          </p:cNvSpPr>
-          <p:nvPr>
-            <p:ph type="sldNum" sz="quarter" idx="12"/>
-          </p:nvPr>
-        </p:nvSpPr>
-        <p:spPr/>
-        <p:txBody>
-          <a:bodyPr/>
-          <a:lstStyle/>
-          <a:p>
-            <a:fld id="{C5FC9A33-0AA4-4ABC-8991-60B335115267}" type="slidenum">
-              <a:rPr lang="ru-RU" smtClean="0">
-                <a:solidFill>
-                  <a:schemeClr val="accent1">
-                    <a:lumMod val="75000"/>
-                  </a:schemeClr>
-                </a:solidFill>
-              </a:rPr>
-              <a:pPr/>
-              <a:t>1</a:t>
-            </a:fld>
-            <a:endParaRPr lang="ru-RU" dirty="0">
-              <a:solidFill>
-                <a:schemeClr val="accent1">
-                  <a:lumMod val="75000"/>
-                </a:schemeClr>
-              </a:solidFill>
-            </a:endParaRPr>
-          </a:p>
-        </p:txBody>
-      </p:sp>
-      <p:sp>
-        <p:nvSpPr>
           <p:cNvPr id="9" name="TextBox 8"/>
           <p:cNvSpPr txBox="1"/>
           <p:nvPr/>
@@ -3554,7 +3606,7 @@
           <p:nvPr/>
         </p:nvPicPr>
         <p:blipFill>
-          <a:blip r:embed="rId2" cstate="print"/>
+          <a:blip r:embed="rId3" cstate="print"/>
           <a:stretch>
             <a:fillRect/>
           </a:stretch>
@@ -3606,19 +3658,7 @@
                 <a:latin typeface="Times New Roman" pitchFamily="18" charset="0"/>
                 <a:cs typeface="Times New Roman" pitchFamily="18" charset="0"/>
               </a:rPr>
-              <a:t>Возникновение </a:t>
-            </a:r>
-            <a:r>
-              <a:rPr lang="ru-RU" b="1" dirty="0" smtClean="0">
-                <a:solidFill>
-                  <a:schemeClr val="accent1">
-                    <a:lumMod val="75000"/>
-                  </a:schemeClr>
-                </a:solidFill>
-                <a:latin typeface="Times New Roman" pitchFamily="18" charset="0"/>
-                <a:cs typeface="Times New Roman" pitchFamily="18" charset="0"/>
-              </a:rPr>
-              <a:t>самопересечений поверхностной расчетной сетки</a:t>
+              <a:t>Возникновение самопересечений поверхностной расчетной сетки</a:t>
             </a:r>
             <a:endParaRPr lang="ru-RU" b="1" dirty="0">
               <a:solidFill>
@@ -3629,6 +3669,34 @@
               <a:latin typeface="Times New Roman" pitchFamily="18" charset="0"/>
               <a:cs typeface="Times New Roman" pitchFamily="18" charset="0"/>
             </a:endParaRPr>
+          </a:p>
+        </p:txBody>
+      </p:sp>
+      <p:sp>
+        <p:nvSpPr>
+          <p:cNvPr id="7" name="Номер слайда 6"/>
+          <p:cNvSpPr>
+            <a:spLocks noGrp="1"/>
+          </p:cNvSpPr>
+          <p:nvPr>
+            <p:ph type="sldNum" sz="quarter" idx="12"/>
+          </p:nvPr>
+        </p:nvSpPr>
+        <p:spPr/>
+        <p:txBody>
+          <a:bodyPr/>
+          <a:lstStyle/>
+          <a:p>
+            <a:fld id="{C5FC9A33-0AA4-4ABC-8991-60B335115267}" type="slidenum">
+              <a:rPr lang="ru-RU" smtClean="0"/>
+              <a:pPr/>
+              <a:t>1</a:t>
+            </a:fld>
+            <a:r>
+              <a:rPr lang="en-US" smtClean="0"/>
+              <a:t>/100</a:t>
+            </a:r>
+            <a:endParaRPr lang="ru-RU" dirty="0"/>
           </a:p>
         </p:txBody>
       </p:sp>
@@ -3700,7 +3768,224 @@
       </p:sp>
       <p:sp>
         <p:nvSpPr>
-          <p:cNvPr id="4" name="Номер слайда 3"/>
+          <p:cNvPr id="5" name="TextBox 4"/>
+          <p:cNvSpPr txBox="1"/>
+          <p:nvPr/>
+        </p:nvSpPr>
+        <p:spPr>
+          <a:xfrm>
+            <a:off x="0" y="0"/>
+            <a:ext cx="9144000" cy="369332"/>
+          </a:xfrm>
+          <a:prstGeom prst="rect">
+            <a:avLst/>
+          </a:prstGeom>
+          <a:solidFill>
+            <a:schemeClr val="bg1">
+              <a:lumMod val="85000"/>
+            </a:schemeClr>
+          </a:solidFill>
+        </p:spPr>
+        <p:txBody>
+          <a:bodyPr wrap="square" rtlCol="0">
+            <a:spAutoFit/>
+          </a:bodyPr>
+          <a:lstStyle/>
+          <a:p>
+            <a:pPr algn="ctr"/>
+            <a:r>
+              <a:rPr lang="ru-RU" b="1" dirty="0" smtClean="0">
+                <a:solidFill>
+                  <a:schemeClr val="accent1">
+                    <a:lumMod val="75000"/>
+                  </a:schemeClr>
+                </a:solidFill>
+                <a:latin typeface="Times New Roman" pitchFamily="18" charset="0"/>
+                <a:cs typeface="Times New Roman" pitchFamily="18" charset="0"/>
+              </a:rPr>
+              <a:t>Удаление самопересечений </a:t>
+            </a:r>
+            <a:r>
+              <a:rPr lang="ru-RU" b="1" dirty="0" err="1" smtClean="0">
+                <a:solidFill>
+                  <a:schemeClr val="accent1">
+                    <a:lumMod val="75000"/>
+                  </a:schemeClr>
+                </a:solidFill>
+                <a:latin typeface="Times New Roman" pitchFamily="18" charset="0"/>
+                <a:cs typeface="Times New Roman" pitchFamily="18" charset="0"/>
+              </a:rPr>
+              <a:t>псевдотрехмерного</a:t>
+            </a:r>
+            <a:r>
+              <a:rPr lang="ru-RU" b="1" dirty="0" smtClean="0">
+                <a:solidFill>
+                  <a:schemeClr val="accent1">
+                    <a:lumMod val="75000"/>
+                  </a:schemeClr>
+                </a:solidFill>
+                <a:latin typeface="Times New Roman" pitchFamily="18" charset="0"/>
+                <a:cs typeface="Times New Roman" pitchFamily="18" charset="0"/>
+              </a:rPr>
+              <a:t> профиля –</a:t>
+            </a:r>
+            <a:r>
+              <a:rPr lang="en-US" b="1" dirty="0" smtClean="0">
+                <a:solidFill>
+                  <a:schemeClr val="accent1">
+                    <a:lumMod val="75000"/>
+                  </a:schemeClr>
+                </a:solidFill>
+                <a:latin typeface="Times New Roman" pitchFamily="18" charset="0"/>
+                <a:cs typeface="Times New Roman" pitchFamily="18" charset="0"/>
+              </a:rPr>
+              <a:t> </a:t>
+            </a:r>
+            <a:r>
+              <a:rPr lang="ru-RU" b="1" dirty="0" smtClean="0">
+                <a:solidFill>
+                  <a:schemeClr val="accent1">
+                    <a:lumMod val="75000"/>
+                  </a:schemeClr>
+                </a:solidFill>
+                <a:latin typeface="Times New Roman" pitchFamily="18" charset="0"/>
+                <a:cs typeface="Times New Roman" pitchFamily="18" charset="0"/>
+              </a:rPr>
+              <a:t>коррекция профиля</a:t>
+            </a:r>
+            <a:endParaRPr lang="ru-RU" b="1" dirty="0">
+              <a:solidFill>
+                <a:schemeClr val="accent1">
+                  <a:lumMod val="75000"/>
+                </a:schemeClr>
+              </a:solidFill>
+              <a:latin typeface="Times New Roman" pitchFamily="18" charset="0"/>
+              <a:cs typeface="Times New Roman" pitchFamily="18" charset="0"/>
+            </a:endParaRPr>
+          </a:p>
+        </p:txBody>
+      </p:sp>
+      <p:sp>
+        <p:nvSpPr>
+          <p:cNvPr id="9" name="TextBox 8"/>
+          <p:cNvSpPr txBox="1"/>
+          <p:nvPr/>
+        </p:nvSpPr>
+        <p:spPr>
+          <a:xfrm>
+            <a:off x="4644008" y="3507854"/>
+            <a:ext cx="4176464" cy="830997"/>
+          </a:xfrm>
+          <a:prstGeom prst="rect">
+            <a:avLst/>
+          </a:prstGeom>
+          <a:noFill/>
+        </p:spPr>
+        <p:txBody>
+          <a:bodyPr wrap="square" rtlCol="0">
+            <a:spAutoFit/>
+          </a:bodyPr>
+          <a:lstStyle/>
+          <a:p>
+            <a:r>
+              <a:rPr lang="ru-RU" sz="1600" dirty="0" smtClean="0">
+                <a:latin typeface="Times New Roman" pitchFamily="18" charset="0"/>
+                <a:cs typeface="Times New Roman" pitchFamily="18" charset="0"/>
+              </a:rPr>
+              <a:t>После удаления самопересечений сетка может перестать быть </a:t>
+            </a:r>
+            <a:r>
+              <a:rPr lang="ru-RU" sz="1600" dirty="0" err="1" smtClean="0">
+                <a:latin typeface="Times New Roman" pitchFamily="18" charset="0"/>
+                <a:cs typeface="Times New Roman" pitchFamily="18" charset="0"/>
+              </a:rPr>
+              <a:t>псевдотрехмерным</a:t>
+            </a:r>
+            <a:r>
+              <a:rPr lang="ru-RU" sz="1600" dirty="0" smtClean="0">
+                <a:latin typeface="Times New Roman" pitchFamily="18" charset="0"/>
+                <a:cs typeface="Times New Roman" pitchFamily="18" charset="0"/>
+              </a:rPr>
+              <a:t> профилем, что потребует ее коррекции.</a:t>
+            </a:r>
+          </a:p>
+        </p:txBody>
+      </p:sp>
+      <p:pic>
+        <p:nvPicPr>
+          <p:cNvPr id="11" name="Рисунок 10" descr="int_pseudo3d_after_delete_self_intersections.png"/>
+          <p:cNvPicPr>
+            <a:picLocks noChangeAspect="1"/>
+          </p:cNvPicPr>
+          <p:nvPr/>
+        </p:nvPicPr>
+        <p:blipFill>
+          <a:blip r:embed="rId2" cstate="print"/>
+          <a:stretch>
+            <a:fillRect/>
+          </a:stretch>
+        </p:blipFill>
+        <p:spPr>
+          <a:xfrm>
+            <a:off x="4591041" y="519522"/>
+            <a:ext cx="3653367" cy="2520000"/>
+          </a:xfrm>
+          <a:prstGeom prst="rect">
+            <a:avLst/>
+          </a:prstGeom>
+        </p:spPr>
+      </p:pic>
+      <p:pic>
+        <p:nvPicPr>
+          <p:cNvPr id="12" name="Рисунок 11" descr="int_pseudo3d_before_self_intersections_2.png"/>
+          <p:cNvPicPr>
+            <a:picLocks noChangeAspect="1"/>
+          </p:cNvPicPr>
+          <p:nvPr/>
+        </p:nvPicPr>
+        <p:blipFill>
+          <a:blip r:embed="rId3" cstate="print"/>
+          <a:stretch>
+            <a:fillRect/>
+          </a:stretch>
+        </p:blipFill>
+        <p:spPr>
+          <a:xfrm>
+            <a:off x="774615" y="519522"/>
+            <a:ext cx="3652379" cy="2520000"/>
+          </a:xfrm>
+          <a:prstGeom prst="rect">
+            <a:avLst/>
+          </a:prstGeom>
+        </p:spPr>
+      </p:pic>
+      <p:pic>
+        <p:nvPicPr>
+          <p:cNvPr id="13" name="Рисунок 12" descr="int_pseudo3d_after_delete_self_intersections_needs_profile_correction.png"/>
+          <p:cNvPicPr>
+            <a:picLocks noChangeAspect="1"/>
+          </p:cNvPicPr>
+          <p:nvPr/>
+        </p:nvPicPr>
+        <p:blipFill>
+          <a:blip r:embed="rId4" cstate="print"/>
+          <a:stretch>
+            <a:fillRect/>
+          </a:stretch>
+        </p:blipFill>
+        <p:spPr>
+          <a:xfrm>
+            <a:off x="1547664" y="3219822"/>
+            <a:ext cx="2086681" cy="1439340"/>
+          </a:xfrm>
+          <a:prstGeom prst="rect">
+            <a:avLst/>
+          </a:prstGeom>
+        </p:spPr>
+      </p:pic>
+      <p:sp>
+        <p:nvSpPr>
+          <p:cNvPr id="10" name="Номер слайда 9"/>
           <p:cNvSpPr>
             <a:spLocks noGrp="1"/>
           </p:cNvSpPr>
@@ -3714,22 +3999,494 @@
           <a:lstStyle/>
           <a:p>
             <a:fld id="{C5FC9A33-0AA4-4ABC-8991-60B335115267}" type="slidenum">
-              <a:rPr lang="ru-RU" smtClean="0">
+              <a:rPr lang="ru-RU" smtClean="0"/>
+              <a:pPr/>
+              <a:t>10</a:t>
+            </a:fld>
+            <a:r>
+              <a:rPr lang="en-US" smtClean="0"/>
+              <a:t>/100</a:t>
+            </a:r>
+            <a:endParaRPr lang="ru-RU" dirty="0"/>
+          </a:p>
+        </p:txBody>
+      </p:sp>
+    </p:spTree>
+  </p:cSld>
+  <p:clrMapOvr>
+    <a:masterClrMapping/>
+  </p:clrMapOvr>
+  <p:timing>
+    <p:tnLst>
+      <p:par>
+        <p:cTn id="1" dur="indefinite" restart="never" nodeType="tmRoot"/>
+      </p:par>
+    </p:tnLst>
+  </p:timing>
+</p:sld>
+</file>
+
+<file path=ppt/slides/slide11.xml><?xml version="1.0" encoding="utf-8"?>
+<p:sld xmlns:a="http://schemas.openxmlformats.org/drawingml/2006/main" xmlns:r="http://schemas.openxmlformats.org/officeDocument/2006/relationships" xmlns:p="http://schemas.openxmlformats.org/presentationml/2006/main">
+  <p:cSld>
+    <p:spTree>
+      <p:nvGrpSpPr>
+        <p:cNvPr id="1" name=""/>
+        <p:cNvGrpSpPr/>
+        <p:nvPr/>
+      </p:nvGrpSpPr>
+      <p:grpSpPr>
+        <a:xfrm>
+          <a:off x="0" y="0"/>
+          <a:ext cx="0" cy="0"/>
+          <a:chOff x="0" y="0"/>
+          <a:chExt cx="0" cy="0"/>
+        </a:xfrm>
+      </p:grpSpPr>
+      <p:sp>
+        <p:nvSpPr>
+          <p:cNvPr id="8" name="TextBox 7"/>
+          <p:cNvSpPr txBox="1"/>
+          <p:nvPr/>
+        </p:nvSpPr>
+        <p:spPr>
+          <a:xfrm>
+            <a:off x="0" y="4774168"/>
+            <a:ext cx="9144000" cy="369332"/>
+          </a:xfrm>
+          <a:prstGeom prst="rect">
+            <a:avLst/>
+          </a:prstGeom>
+          <a:solidFill>
+            <a:schemeClr val="bg1">
+              <a:lumMod val="85000"/>
+            </a:schemeClr>
+          </a:solidFill>
+        </p:spPr>
+        <p:txBody>
+          <a:bodyPr wrap="square" rtlCol="0">
+            <a:spAutoFit/>
+          </a:bodyPr>
+          <a:lstStyle/>
+          <a:p>
+            <a:pPr algn="ctr"/>
+            <a:endParaRPr lang="ru-RU" b="1" dirty="0">
+              <a:latin typeface="Times New Roman" pitchFamily="18" charset="0"/>
+              <a:cs typeface="Times New Roman" pitchFamily="18" charset="0"/>
+            </a:endParaRPr>
+          </a:p>
+        </p:txBody>
+      </p:sp>
+      <p:sp>
+        <p:nvSpPr>
+          <p:cNvPr id="5" name="TextBox 4"/>
+          <p:cNvSpPr txBox="1"/>
+          <p:nvPr/>
+        </p:nvSpPr>
+        <p:spPr>
+          <a:xfrm>
+            <a:off x="0" y="0"/>
+            <a:ext cx="9144000" cy="369332"/>
+          </a:xfrm>
+          <a:prstGeom prst="rect">
+            <a:avLst/>
+          </a:prstGeom>
+          <a:solidFill>
+            <a:schemeClr val="bg1">
+              <a:lumMod val="85000"/>
+            </a:schemeClr>
+          </a:solidFill>
+        </p:spPr>
+        <p:txBody>
+          <a:bodyPr wrap="square" rtlCol="0">
+            <a:spAutoFit/>
+          </a:bodyPr>
+          <a:lstStyle/>
+          <a:p>
+            <a:pPr algn="ctr"/>
+            <a:r>
+              <a:rPr lang="ru-RU" b="1" dirty="0" smtClean="0">
                 <a:solidFill>
                   <a:schemeClr val="accent1">
                     <a:lumMod val="75000"/>
                   </a:schemeClr>
                 </a:solidFill>
-              </a:rPr>
-              <a:pPr/>
-              <a:t>10</a:t>
-            </a:fld>
-            <a:endParaRPr lang="ru-RU" dirty="0">
+                <a:latin typeface="Times New Roman" pitchFamily="18" charset="0"/>
+                <a:cs typeface="Times New Roman" pitchFamily="18" charset="0"/>
+              </a:rPr>
+              <a:t>Удаление самопересечений </a:t>
+            </a:r>
+            <a:r>
+              <a:rPr lang="ru-RU" b="1" dirty="0" err="1" smtClean="0">
+                <a:solidFill>
+                  <a:schemeClr val="accent1">
+                    <a:lumMod val="75000"/>
+                  </a:schemeClr>
+                </a:solidFill>
+                <a:latin typeface="Times New Roman" pitchFamily="18" charset="0"/>
+                <a:cs typeface="Times New Roman" pitchFamily="18" charset="0"/>
+              </a:rPr>
+              <a:t>псевдотрехмерного</a:t>
+            </a:r>
+            <a:r>
+              <a:rPr lang="ru-RU" b="1" dirty="0" smtClean="0">
+                <a:solidFill>
+                  <a:schemeClr val="accent1">
+                    <a:lumMod val="75000"/>
+                  </a:schemeClr>
+                </a:solidFill>
+                <a:latin typeface="Times New Roman" pitchFamily="18" charset="0"/>
+                <a:cs typeface="Times New Roman" pitchFamily="18" charset="0"/>
+              </a:rPr>
+              <a:t> профиля –</a:t>
+            </a:r>
+            <a:r>
+              <a:rPr lang="en-US" b="1" dirty="0" smtClean="0">
+                <a:solidFill>
+                  <a:schemeClr val="accent1">
+                    <a:lumMod val="75000"/>
+                  </a:schemeClr>
+                </a:solidFill>
+                <a:latin typeface="Times New Roman" pitchFamily="18" charset="0"/>
+                <a:cs typeface="Times New Roman" pitchFamily="18" charset="0"/>
+              </a:rPr>
+              <a:t> </a:t>
+            </a:r>
+            <a:r>
+              <a:rPr lang="ru-RU" b="1" dirty="0" smtClean="0">
+                <a:solidFill>
+                  <a:schemeClr val="accent1">
+                    <a:lumMod val="75000"/>
+                  </a:schemeClr>
+                </a:solidFill>
+                <a:latin typeface="Times New Roman" pitchFamily="18" charset="0"/>
+                <a:cs typeface="Times New Roman" pitchFamily="18" charset="0"/>
+              </a:rPr>
+              <a:t>с сохранением профиля</a:t>
+            </a:r>
+            <a:endParaRPr lang="ru-RU" b="1" dirty="0">
               <a:solidFill>
                 <a:schemeClr val="accent1">
                   <a:lumMod val="75000"/>
                 </a:schemeClr>
               </a:solidFill>
+              <a:latin typeface="Times New Roman" pitchFamily="18" charset="0"/>
+              <a:cs typeface="Times New Roman" pitchFamily="18" charset="0"/>
+            </a:endParaRPr>
+          </a:p>
+        </p:txBody>
+      </p:sp>
+      <p:sp>
+        <p:nvSpPr>
+          <p:cNvPr id="9" name="TextBox 8"/>
+          <p:cNvSpPr txBox="1"/>
+          <p:nvPr/>
+        </p:nvSpPr>
+        <p:spPr>
+          <a:xfrm>
+            <a:off x="7020272" y="555526"/>
+            <a:ext cx="2016224" cy="3785652"/>
+          </a:xfrm>
+          <a:prstGeom prst="rect">
+            <a:avLst/>
+          </a:prstGeom>
+          <a:noFill/>
+        </p:spPr>
+        <p:txBody>
+          <a:bodyPr wrap="square" rtlCol="0">
+            <a:spAutoFit/>
+          </a:bodyPr>
+          <a:lstStyle/>
+          <a:p>
+            <a:r>
+              <a:rPr lang="ru-RU" sz="1600" b="1" dirty="0" smtClean="0">
+                <a:latin typeface="Times New Roman" pitchFamily="18" charset="0"/>
+                <a:cs typeface="Times New Roman" pitchFamily="18" charset="0"/>
+              </a:rPr>
+              <a:t>Шаги удаления самопересечений:</a:t>
+            </a:r>
+          </a:p>
+          <a:p>
+            <a:endParaRPr lang="ru-RU" sz="1600" dirty="0" smtClean="0">
+              <a:latin typeface="Times New Roman" pitchFamily="18" charset="0"/>
+              <a:cs typeface="Times New Roman" pitchFamily="18" charset="0"/>
+            </a:endParaRPr>
+          </a:p>
+          <a:p>
+            <a:r>
+              <a:rPr lang="ru-RU" sz="1600" dirty="0" smtClean="0">
+                <a:latin typeface="Times New Roman" pitchFamily="18" charset="0"/>
+                <a:cs typeface="Times New Roman" pitchFamily="18" charset="0"/>
+              </a:rPr>
+              <a:t>построение подложки в пространстве;</a:t>
+            </a:r>
+          </a:p>
+          <a:p>
+            <a:endParaRPr lang="ru-RU" sz="1600" dirty="0">
+              <a:latin typeface="Times New Roman" pitchFamily="18" charset="0"/>
+              <a:cs typeface="Times New Roman" pitchFamily="18" charset="0"/>
+            </a:endParaRPr>
+          </a:p>
+          <a:p>
+            <a:r>
+              <a:rPr lang="ru-RU" sz="1600" dirty="0" smtClean="0">
+                <a:latin typeface="Times New Roman" pitchFamily="18" charset="0"/>
+                <a:cs typeface="Times New Roman" pitchFamily="18" charset="0"/>
+              </a:rPr>
+              <a:t>поиск внешней поверхности путем обхода подложки;</a:t>
+            </a:r>
+          </a:p>
+          <a:p>
+            <a:endParaRPr lang="ru-RU" sz="1600" dirty="0">
+              <a:latin typeface="Times New Roman" pitchFamily="18" charset="0"/>
+              <a:cs typeface="Times New Roman" pitchFamily="18" charset="0"/>
+            </a:endParaRPr>
+          </a:p>
+          <a:p>
+            <a:r>
+              <a:rPr lang="ru-RU" sz="1600" dirty="0" smtClean="0">
+                <a:latin typeface="Times New Roman" pitchFamily="18" charset="0"/>
+                <a:cs typeface="Times New Roman" pitchFamily="18" charset="0"/>
+              </a:rPr>
+              <a:t>удаление лишних ячеек путем стягивания сетки по граничным ребрам.</a:t>
+            </a:r>
+          </a:p>
+        </p:txBody>
+      </p:sp>
+      <p:pic>
+        <p:nvPicPr>
+          <p:cNvPr id="10" name="Рисунок 9" descr="wing_class.png"/>
+          <p:cNvPicPr>
+            <a:picLocks noChangeAspect="1"/>
+          </p:cNvPicPr>
+          <p:nvPr/>
+        </p:nvPicPr>
+        <p:blipFill>
+          <a:blip r:embed="rId2" cstate="print"/>
+          <a:stretch>
+            <a:fillRect/>
+          </a:stretch>
+        </p:blipFill>
+        <p:spPr>
+          <a:xfrm>
+            <a:off x="2368215" y="2607966"/>
+            <a:ext cx="2221204" cy="1908000"/>
+          </a:xfrm>
+          <a:prstGeom prst="rect">
+            <a:avLst/>
+          </a:prstGeom>
+        </p:spPr>
+      </p:pic>
+      <p:pic>
+        <p:nvPicPr>
+          <p:cNvPr id="14" name="Рисунок 13" descr="wing_original.png"/>
+          <p:cNvPicPr>
+            <a:picLocks noChangeAspect="1"/>
+          </p:cNvPicPr>
+          <p:nvPr/>
+        </p:nvPicPr>
+        <p:blipFill>
+          <a:blip r:embed="rId3" cstate="print"/>
+          <a:stretch>
+            <a:fillRect/>
+          </a:stretch>
+        </p:blipFill>
+        <p:spPr>
+          <a:xfrm>
+            <a:off x="106467" y="620688"/>
+            <a:ext cx="2238694" cy="1908000"/>
+          </a:xfrm>
+          <a:prstGeom prst="rect">
+            <a:avLst/>
+          </a:prstGeom>
+        </p:spPr>
+      </p:pic>
+      <p:pic>
+        <p:nvPicPr>
+          <p:cNvPr id="15" name="Рисунок 14" descr="wing_pt_active.png"/>
+          <p:cNvPicPr>
+            <a:picLocks noChangeAspect="1"/>
+          </p:cNvPicPr>
+          <p:nvPr/>
+        </p:nvPicPr>
+        <p:blipFill>
+          <a:blip r:embed="rId4" cstate="print"/>
+          <a:stretch>
+            <a:fillRect/>
+          </a:stretch>
+        </p:blipFill>
+        <p:spPr>
+          <a:xfrm>
+            <a:off x="96914" y="2607966"/>
+            <a:ext cx="2257800" cy="1908000"/>
+          </a:xfrm>
+          <a:prstGeom prst="rect">
+            <a:avLst/>
+          </a:prstGeom>
+        </p:spPr>
+      </p:pic>
+      <p:pic>
+        <p:nvPicPr>
+          <p:cNvPr id="16" name="Рисунок 15" descr="wing_pt_all.png"/>
+          <p:cNvPicPr>
+            <a:picLocks noChangeAspect="1"/>
+          </p:cNvPicPr>
+          <p:nvPr/>
+        </p:nvPicPr>
+        <p:blipFill>
+          <a:blip r:embed="rId5" cstate="print"/>
+          <a:stretch>
+            <a:fillRect/>
+          </a:stretch>
+        </p:blipFill>
+        <p:spPr>
+          <a:xfrm>
+            <a:off x="2366633" y="620688"/>
+            <a:ext cx="2224369" cy="1908000"/>
+          </a:xfrm>
+          <a:prstGeom prst="rect">
+            <a:avLst/>
+          </a:prstGeom>
+        </p:spPr>
+      </p:pic>
+      <p:pic>
+        <p:nvPicPr>
+          <p:cNvPr id="17" name="Рисунок 16" descr="wing_pt_leafs.png"/>
+          <p:cNvPicPr>
+            <a:picLocks noChangeAspect="1"/>
+          </p:cNvPicPr>
+          <p:nvPr/>
+        </p:nvPicPr>
+        <p:blipFill>
+          <a:blip r:embed="rId6" cstate="print"/>
+          <a:stretch>
+            <a:fillRect/>
+          </a:stretch>
+        </p:blipFill>
+        <p:spPr>
+          <a:xfrm>
+            <a:off x="4670889" y="620688"/>
+            <a:ext cx="2277375" cy="1908000"/>
+          </a:xfrm>
+          <a:prstGeom prst="rect">
+            <a:avLst/>
+          </a:prstGeom>
+        </p:spPr>
+      </p:pic>
+      <p:pic>
+        <p:nvPicPr>
+          <p:cNvPr id="18" name="Рисунок 17" descr="wing_reduce.png"/>
+          <p:cNvPicPr>
+            <a:picLocks noChangeAspect="1"/>
+          </p:cNvPicPr>
+          <p:nvPr/>
+        </p:nvPicPr>
+        <p:blipFill>
+          <a:blip r:embed="rId7" cstate="print"/>
+          <a:stretch>
+            <a:fillRect/>
+          </a:stretch>
+        </p:blipFill>
+        <p:spPr>
+          <a:xfrm>
+            <a:off x="4695066" y="2607966"/>
+            <a:ext cx="2229020" cy="1908000"/>
+          </a:xfrm>
+          <a:prstGeom prst="rect">
+            <a:avLst/>
+          </a:prstGeom>
+        </p:spPr>
+      </p:pic>
+      <p:sp>
+        <p:nvSpPr>
+          <p:cNvPr id="12" name="Номер слайда 11"/>
+          <p:cNvSpPr>
+            <a:spLocks noGrp="1"/>
+          </p:cNvSpPr>
+          <p:nvPr>
+            <p:ph type="sldNum" sz="quarter" idx="12"/>
+          </p:nvPr>
+        </p:nvSpPr>
+        <p:spPr/>
+        <p:txBody>
+          <a:bodyPr/>
+          <a:lstStyle/>
+          <a:p>
+            <a:fld id="{C5FC9A33-0AA4-4ABC-8991-60B335115267}" type="slidenum">
+              <a:rPr lang="ru-RU" smtClean="0"/>
+              <a:pPr/>
+              <a:t>11</a:t>
+            </a:fld>
+            <a:r>
+              <a:rPr lang="en-US" smtClean="0"/>
+              <a:t>/100</a:t>
+            </a:r>
+            <a:endParaRPr lang="ru-RU" dirty="0"/>
+          </a:p>
+        </p:txBody>
+      </p:sp>
+    </p:spTree>
+  </p:cSld>
+  <p:clrMapOvr>
+    <a:masterClrMapping/>
+  </p:clrMapOvr>
+  <p:timing>
+    <p:tnLst>
+      <p:par>
+        <p:cTn id="1" dur="indefinite" restart="never" nodeType="tmRoot"/>
+      </p:par>
+    </p:tnLst>
+  </p:timing>
+</p:sld>
+</file>
+
+<file path=ppt/slides/slide12.xml><?xml version="1.0" encoding="utf-8"?>
+<p:sld xmlns:a="http://schemas.openxmlformats.org/drawingml/2006/main" xmlns:r="http://schemas.openxmlformats.org/officeDocument/2006/relationships" xmlns:p="http://schemas.openxmlformats.org/presentationml/2006/main">
+  <p:cSld>
+    <p:spTree>
+      <p:nvGrpSpPr>
+        <p:cNvPr id="1" name=""/>
+        <p:cNvGrpSpPr/>
+        <p:nvPr/>
+      </p:nvGrpSpPr>
+      <p:grpSpPr>
+        <a:xfrm>
+          <a:off x="0" y="0"/>
+          <a:ext cx="0" cy="0"/>
+          <a:chOff x="0" y="0"/>
+          <a:chExt cx="0" cy="0"/>
+        </a:xfrm>
+      </p:grpSpPr>
+      <p:sp>
+        <p:nvSpPr>
+          <p:cNvPr id="8" name="TextBox 7"/>
+          <p:cNvSpPr txBox="1"/>
+          <p:nvPr/>
+        </p:nvSpPr>
+        <p:spPr>
+          <a:xfrm>
+            <a:off x="0" y="4774168"/>
+            <a:ext cx="9144000" cy="369332"/>
+          </a:xfrm>
+          <a:prstGeom prst="rect">
+            <a:avLst/>
+          </a:prstGeom>
+          <a:solidFill>
+            <a:schemeClr val="bg1">
+              <a:lumMod val="85000"/>
+            </a:schemeClr>
+          </a:solidFill>
+        </p:spPr>
+        <p:txBody>
+          <a:bodyPr wrap="square" rtlCol="0">
+            <a:spAutoFit/>
+          </a:bodyPr>
+          <a:lstStyle/>
+          <a:p>
+            <a:pPr algn="ctr"/>
+            <a:endParaRPr lang="ru-RU" b="1" dirty="0">
+              <a:latin typeface="Times New Roman" pitchFamily="18" charset="0"/>
+              <a:cs typeface="Times New Roman" pitchFamily="18" charset="0"/>
             </a:endParaRPr>
           </a:p>
         </p:txBody>
@@ -3979,6 +4736,34 @@
               </a:rPr>
               <a:t>Требуется коррекция профиля.</a:t>
             </a:r>
+          </a:p>
+        </p:txBody>
+      </p:sp>
+      <p:sp>
+        <p:nvSpPr>
+          <p:cNvPr id="10" name="Номер слайда 9"/>
+          <p:cNvSpPr>
+            <a:spLocks noGrp="1"/>
+          </p:cNvSpPr>
+          <p:nvPr>
+            <p:ph type="sldNum" sz="quarter" idx="12"/>
+          </p:nvPr>
+        </p:nvSpPr>
+        <p:spPr/>
+        <p:txBody>
+          <a:bodyPr/>
+          <a:lstStyle/>
+          <a:p>
+            <a:fld id="{C5FC9A33-0AA4-4ABC-8991-60B335115267}" type="slidenum">
+              <a:rPr lang="ru-RU" smtClean="0"/>
+              <a:pPr/>
+              <a:t>12</a:t>
+            </a:fld>
+            <a:r>
+              <a:rPr lang="en-US" smtClean="0"/>
+              <a:t>/100</a:t>
+            </a:r>
+            <a:endParaRPr lang="ru-RU" dirty="0"/>
           </a:p>
         </p:txBody>
       </p:sp>
@@ -4074,42 +4859,6 @@
       </p:sp>
       <p:sp>
         <p:nvSpPr>
-          <p:cNvPr id="4" name="Номер слайда 3"/>
-          <p:cNvSpPr>
-            <a:spLocks noGrp="1"/>
-          </p:cNvSpPr>
-          <p:nvPr>
-            <p:ph type="sldNum" sz="quarter" idx="12"/>
-          </p:nvPr>
-        </p:nvSpPr>
-        <p:spPr/>
-        <p:txBody>
-          <a:bodyPr/>
-          <a:lstStyle/>
-          <a:p>
-            <a:fld id="{C5FC9A33-0AA4-4ABC-8991-60B335115267}" type="slidenum">
-              <a:rPr lang="ru-RU" smtClean="0">
-                <a:solidFill>
-                  <a:schemeClr val="accent1">
-                    <a:lumMod val="75000"/>
-                  </a:schemeClr>
-                </a:solidFill>
-              </a:rPr>
-              <a:pPr/>
-              <a:t>2</a:t>
-            </a:fld>
-            <a:endParaRPr lang="ru-RU" dirty="0">
-              <a:solidFill>
-                <a:schemeClr val="accent1">
-                  <a:lumMod val="75000"/>
-                </a:schemeClr>
-              </a:solidFill>
-            </a:endParaRPr>
-          </a:p>
-        </p:txBody>
-      </p:sp>
-      <p:sp>
-        <p:nvSpPr>
           <p:cNvPr id="9" name="TextBox 8"/>
           <p:cNvSpPr txBox="1"/>
           <p:nvPr/>
@@ -4135,61 +4884,50 @@
                 <a:latin typeface="Times New Roman" pitchFamily="18" charset="0"/>
                 <a:cs typeface="Times New Roman" pitchFamily="18" charset="0"/>
               </a:rPr>
-              <a:t>Основные особенности поиска и удаления пересечения двух поверхностных сеток в существующих решениях: </a:t>
+              <a:t>Основные особенности поиска и удаления пересечения двух поверхностных сеток в существующих решениях: поиск пересечения в виде отдельных ломаных</a:t>
+            </a:r>
+            <a:r>
+              <a:rPr lang="en-US" sz="1600" dirty="0" smtClean="0">
+                <a:latin typeface="Times New Roman" pitchFamily="18" charset="0"/>
+                <a:cs typeface="Times New Roman" pitchFamily="18" charset="0"/>
+              </a:rPr>
+              <a:t>, </a:t>
             </a:r>
             <a:r>
               <a:rPr lang="ru-RU" sz="1600" dirty="0" smtClean="0">
                 <a:latin typeface="Times New Roman" pitchFamily="18" charset="0"/>
                 <a:cs typeface="Times New Roman" pitchFamily="18" charset="0"/>
               </a:rPr>
-              <a:t>поиск пересечения в виде отдельных ломаных</a:t>
+              <a:t>обход с использованием </a:t>
             </a:r>
             <a:r>
               <a:rPr lang="en-US" sz="1600" dirty="0" smtClean="0">
                 <a:latin typeface="Times New Roman" pitchFamily="18" charset="0"/>
                 <a:cs typeface="Times New Roman" pitchFamily="18" charset="0"/>
               </a:rPr>
-              <a:t>, </a:t>
+              <a:t>TNOIT (tracing of the </a:t>
+            </a:r>
+            <a:r>
+              <a:rPr lang="en-US" sz="1600" dirty="0" err="1" smtClean="0">
+                <a:latin typeface="Times New Roman" pitchFamily="18" charset="0"/>
+                <a:cs typeface="Times New Roman" pitchFamily="18" charset="0"/>
+              </a:rPr>
+              <a:t>neighbours</a:t>
+            </a:r>
+            <a:r>
+              <a:rPr lang="en-US" sz="1600" dirty="0" smtClean="0">
+                <a:latin typeface="Times New Roman" pitchFamily="18" charset="0"/>
+                <a:cs typeface="Times New Roman" pitchFamily="18" charset="0"/>
+              </a:rPr>
+              <a:t> of intersecting triangles), </a:t>
             </a:r>
             <a:r>
               <a:rPr lang="ru-RU" sz="1600" dirty="0" smtClean="0">
                 <a:latin typeface="Times New Roman" pitchFamily="18" charset="0"/>
                 <a:cs typeface="Times New Roman" pitchFamily="18" charset="0"/>
               </a:rPr>
-              <a:t>обход с использованием </a:t>
-            </a:r>
-            <a:r>
-              <a:rPr lang="en-US" sz="1600" dirty="0" smtClean="0">
-                <a:latin typeface="Times New Roman" pitchFamily="18" charset="0"/>
-                <a:cs typeface="Times New Roman" pitchFamily="18" charset="0"/>
-              </a:rPr>
-              <a:t>TNOIT (tracing of the </a:t>
-            </a:r>
-            <a:r>
-              <a:rPr lang="en-US" sz="1600" dirty="0" err="1" smtClean="0">
-                <a:latin typeface="Times New Roman" pitchFamily="18" charset="0"/>
-                <a:cs typeface="Times New Roman" pitchFamily="18" charset="0"/>
-              </a:rPr>
-              <a:t>neighbours</a:t>
-            </a:r>
-            <a:r>
-              <a:rPr lang="en-US" sz="1600" dirty="0" smtClean="0">
-                <a:latin typeface="Times New Roman" pitchFamily="18" charset="0"/>
-                <a:cs typeface="Times New Roman" pitchFamily="18" charset="0"/>
-              </a:rPr>
-              <a:t> of intersecting triangles), </a:t>
-            </a:r>
-            <a:r>
-              <a:rPr lang="ru-RU" sz="1600" dirty="0" smtClean="0">
-                <a:latin typeface="Times New Roman" pitchFamily="18" charset="0"/>
-                <a:cs typeface="Times New Roman" pitchFamily="18" charset="0"/>
-              </a:rPr>
               <a:t>локальное дробление ячейки по ломаной, коррекция расчетной сетки, компенсация ошибок с плавающей арифметикой.</a:t>
             </a:r>
-            <a:endParaRPr lang="ru-RU" sz="1600" dirty="0" smtClean="0">
-              <a:latin typeface="Times New Roman" pitchFamily="18" charset="0"/>
-              <a:cs typeface="Times New Roman" pitchFamily="18" charset="0"/>
-            </a:endParaRPr>
           </a:p>
         </p:txBody>
       </p:sp>
@@ -4409,91 +5147,35 @@
                 <a:latin typeface="Bahnschrift Light Condensed" pitchFamily="34" charset="0"/>
                 <a:cs typeface="Times New Roman" pitchFamily="18" charset="0"/>
               </a:rPr>
-              <a:t> </a:t>
+              <a:t> D., Marcum D., </a:t>
+            </a:r>
+            <a:r>
+              <a:rPr lang="en-US" sz="1000" dirty="0" err="1" smtClean="0">
+                <a:latin typeface="Bahnschrift Light Condensed" pitchFamily="34" charset="0"/>
+                <a:cs typeface="Times New Roman" pitchFamily="18" charset="0"/>
+              </a:rPr>
+              <a:t>Remotigue</a:t>
             </a:r>
             <a:r>
               <a:rPr lang="en-US" sz="1000" dirty="0" smtClean="0">
                 <a:latin typeface="Bahnschrift Light Condensed" pitchFamily="34" charset="0"/>
                 <a:cs typeface="Times New Roman" pitchFamily="18" charset="0"/>
               </a:rPr>
-              <a:t>D., Marcum D., </a:t>
+              <a:t> M., Blades E. Repairing unstructured triangular mesh intersections. // International Journal for Numerical Methods in Engineering, 2013, 93(3):266–275, </a:t>
             </a:r>
             <a:r>
               <a:rPr lang="en-US" sz="1000" dirty="0" err="1" smtClean="0">
                 <a:latin typeface="Bahnschrift Light Condensed" pitchFamily="34" charset="0"/>
                 <a:cs typeface="Times New Roman" pitchFamily="18" charset="0"/>
               </a:rPr>
-              <a:t>Remotigue</a:t>
+              <a:t>doi</a:t>
             </a:r>
             <a:r>
               <a:rPr lang="en-US" sz="1000" dirty="0" smtClean="0">
                 <a:latin typeface="Bahnschrift Light Condensed" pitchFamily="34" charset="0"/>
                 <a:cs typeface="Times New Roman" pitchFamily="18" charset="0"/>
               </a:rPr>
-              <a:t> M., Blades E. Repairing unstructured triangular mesh intersections. </a:t>
-            </a:r>
-            <a:r>
-              <a:rPr lang="en-US" sz="1000" dirty="0" smtClean="0">
-                <a:latin typeface="Bahnschrift Light Condensed" pitchFamily="34" charset="0"/>
-                <a:cs typeface="Times New Roman" pitchFamily="18" charset="0"/>
-              </a:rPr>
-              <a:t>// International Journal for Numerical </a:t>
-            </a:r>
-            <a:r>
-              <a:rPr lang="en-US" sz="1000" dirty="0" smtClean="0">
-                <a:latin typeface="Bahnschrift Light Condensed" pitchFamily="34" charset="0"/>
-                <a:cs typeface="Times New Roman" pitchFamily="18" charset="0"/>
-              </a:rPr>
-              <a:t>Methods </a:t>
-            </a:r>
-            <a:r>
-              <a:rPr lang="en-US" sz="1000" dirty="0" smtClean="0">
-                <a:latin typeface="Bahnschrift Light Condensed" pitchFamily="34" charset="0"/>
-                <a:cs typeface="Times New Roman" pitchFamily="18" charset="0"/>
-              </a:rPr>
-              <a:t>in Engineering, </a:t>
-            </a:r>
-            <a:r>
-              <a:rPr lang="en-US" sz="1000" dirty="0" smtClean="0">
-                <a:latin typeface="Bahnschrift Light Condensed" pitchFamily="34" charset="0"/>
-                <a:cs typeface="Times New Roman" pitchFamily="18" charset="0"/>
-              </a:rPr>
-              <a:t>2013, 93(3</a:t>
-            </a:r>
-            <a:r>
-              <a:rPr lang="en-US" sz="1000" dirty="0" smtClean="0">
-                <a:latin typeface="Bahnschrift Light Condensed" pitchFamily="34" charset="0"/>
-                <a:cs typeface="Times New Roman" pitchFamily="18" charset="0"/>
-              </a:rPr>
-              <a:t>):</a:t>
-            </a:r>
-            <a:r>
-              <a:rPr lang="en-US" sz="1000" dirty="0" smtClean="0">
-                <a:latin typeface="Bahnschrift Light Condensed" pitchFamily="34" charset="0"/>
-                <a:cs typeface="Times New Roman" pitchFamily="18" charset="0"/>
-              </a:rPr>
-              <a:t>266–275, </a:t>
-            </a:r>
-            <a:r>
-              <a:rPr lang="en-US" sz="1000" dirty="0" err="1" smtClean="0">
-                <a:latin typeface="Bahnschrift Light Condensed" pitchFamily="34" charset="0"/>
-                <a:cs typeface="Times New Roman" pitchFamily="18" charset="0"/>
-              </a:rPr>
-              <a:t>doi</a:t>
-            </a:r>
-            <a:r>
-              <a:rPr lang="en-US" sz="1000" dirty="0" smtClean="0">
-                <a:latin typeface="Bahnschrift Light Condensed" pitchFamily="34" charset="0"/>
-                <a:cs typeface="Times New Roman" pitchFamily="18" charset="0"/>
-              </a:rPr>
-              <a:t>: </a:t>
-            </a:r>
-            <a:r>
-              <a:rPr lang="en-US" sz="1000" dirty="0" smtClean="0">
-                <a:latin typeface="Bahnschrift Light Condensed" pitchFamily="34" charset="0"/>
-                <a:cs typeface="Times New Roman" pitchFamily="18" charset="0"/>
-              </a:rPr>
-              <a:t>10.1002/nme.4385</a:t>
+              <a:t>: 10.1002/nme.4385</a:t>
             </a:r>
           </a:p>
         </p:txBody>
@@ -4555,10 +5237,34 @@
               </a:rPr>
               <a:t> площадью.</a:t>
             </a:r>
-            <a:endParaRPr lang="ru-RU" sz="1600" dirty="0" smtClean="0">
-              <a:latin typeface="Times New Roman" pitchFamily="18" charset="0"/>
-              <a:cs typeface="Times New Roman" pitchFamily="18" charset="0"/>
-            </a:endParaRPr>
+          </a:p>
+        </p:txBody>
+      </p:sp>
+      <p:sp>
+        <p:nvSpPr>
+          <p:cNvPr id="10" name="Номер слайда 9"/>
+          <p:cNvSpPr>
+            <a:spLocks noGrp="1"/>
+          </p:cNvSpPr>
+          <p:nvPr>
+            <p:ph type="sldNum" sz="quarter" idx="12"/>
+          </p:nvPr>
+        </p:nvSpPr>
+        <p:spPr/>
+        <p:txBody>
+          <a:bodyPr/>
+          <a:lstStyle/>
+          <a:p>
+            <a:fld id="{C5FC9A33-0AA4-4ABC-8991-60B335115267}" type="slidenum">
+              <a:rPr lang="ru-RU" smtClean="0"/>
+              <a:pPr/>
+              <a:t>2</a:t>
+            </a:fld>
+            <a:r>
+              <a:rPr lang="en-US" smtClean="0"/>
+              <a:t>/100</a:t>
+            </a:r>
+            <a:endParaRPr lang="ru-RU" dirty="0"/>
           </a:p>
         </p:txBody>
       </p:sp>
@@ -4630,42 +5336,6 @@
       </p:sp>
       <p:sp>
         <p:nvSpPr>
-          <p:cNvPr id="4" name="Номер слайда 3"/>
-          <p:cNvSpPr>
-            <a:spLocks noGrp="1"/>
-          </p:cNvSpPr>
-          <p:nvPr>
-            <p:ph type="sldNum" sz="quarter" idx="12"/>
-          </p:nvPr>
-        </p:nvSpPr>
-        <p:spPr/>
-        <p:txBody>
-          <a:bodyPr/>
-          <a:lstStyle/>
-          <a:p>
-            <a:fld id="{C5FC9A33-0AA4-4ABC-8991-60B335115267}" type="slidenum">
-              <a:rPr lang="ru-RU" smtClean="0">
-                <a:solidFill>
-                  <a:schemeClr val="accent1">
-                    <a:lumMod val="75000"/>
-                  </a:schemeClr>
-                </a:solidFill>
-              </a:rPr>
-              <a:pPr/>
-              <a:t>3</a:t>
-            </a:fld>
-            <a:endParaRPr lang="ru-RU" dirty="0">
-              <a:solidFill>
-                <a:schemeClr val="accent1">
-                  <a:lumMod val="75000"/>
-                </a:schemeClr>
-              </a:solidFill>
-            </a:endParaRPr>
-          </a:p>
-        </p:txBody>
-      </p:sp>
-      <p:sp>
-        <p:nvSpPr>
           <p:cNvPr id="9" name="TextBox 8"/>
           <p:cNvSpPr txBox="1"/>
           <p:nvPr/>
@@ -4734,7 +5404,21 @@
                 <a:latin typeface="Times New Roman" pitchFamily="18" charset="0"/>
                 <a:cs typeface="Times New Roman" pitchFamily="18" charset="0"/>
               </a:rPr>
-              <a:t> Если следующая ячейка обхода является потенциально пересекающейся, то выполняется поиск ее пересечения с другими ячейками. По найденному пересечению выполняется дробление ячейки на более мелкие, а также дробление всех конфликтующих с ней ячеек. После этой операции в сетке могут появляться ребра с количеством инцидентных ячеек, больше двух.</a:t>
+              <a:t> Если следующая ячейка обхода является потенциально пересекающейся, то выполняется поиск ее пересечения с другими ячейками. По найденному пересечению выполняется </a:t>
+            </a:r>
+            <a:r>
+              <a:rPr lang="ru-RU" sz="1600" b="1" dirty="0" smtClean="0">
+                <a:latin typeface="Times New Roman" pitchFamily="18" charset="0"/>
+                <a:cs typeface="Times New Roman" pitchFamily="18" charset="0"/>
+              </a:rPr>
+              <a:t>дробление ячейки</a:t>
+            </a:r>
+            <a:r>
+              <a:rPr lang="ru-RU" sz="1600" dirty="0" smtClean="0">
+                <a:latin typeface="Times New Roman" pitchFamily="18" charset="0"/>
+                <a:cs typeface="Times New Roman" pitchFamily="18" charset="0"/>
+              </a:rPr>
+              <a:t> на более мелкие, а также дробление всех конфликтующих с ней ячеек. После этой операции в сетке могут появляться ребра с количеством инцидентных ячеек, больше двух.</a:t>
             </a:r>
           </a:p>
           <a:p>
@@ -4756,19 +5440,8 @@
                 <a:latin typeface="Times New Roman" pitchFamily="18" charset="0"/>
                 <a:cs typeface="Times New Roman" pitchFamily="18" charset="0"/>
               </a:rPr>
-              <a:t>  После завершения обхода все </a:t>
-            </a:r>
-            <a:r>
-              <a:rPr lang="ru-RU" sz="1600" dirty="0" smtClean="0">
-                <a:latin typeface="Times New Roman" pitchFamily="18" charset="0"/>
-                <a:cs typeface="Times New Roman" pitchFamily="18" charset="0"/>
-              </a:rPr>
-              <a:t>ячейки, которые не были посещены, признаются лишними и удаляются. Результатом является внешняя поверхность исходной сетки, находящаяся в корректном состоянии.</a:t>
-            </a:r>
-            <a:endParaRPr lang="ru-RU" sz="1600" dirty="0" smtClean="0">
-              <a:latin typeface="Times New Roman" pitchFamily="18" charset="0"/>
-              <a:cs typeface="Times New Roman" pitchFamily="18" charset="0"/>
-            </a:endParaRPr>
+              <a:t>  После завершения обхода все ячейки, которые не были посещены, признаются лишними и удаляются. Результатом является внешняя поверхность исходной сетки, находящаяся в корректном состоянии.</a:t>
+            </a:r>
           </a:p>
         </p:txBody>
       </p:sp>
@@ -4856,6 +5529,34 @@
           <a:effectLst/>
         </p:spPr>
       </p:pic>
+      <p:sp>
+        <p:nvSpPr>
+          <p:cNvPr id="7" name="Номер слайда 6"/>
+          <p:cNvSpPr>
+            <a:spLocks noGrp="1"/>
+          </p:cNvSpPr>
+          <p:nvPr>
+            <p:ph type="sldNum" sz="quarter" idx="12"/>
+          </p:nvPr>
+        </p:nvSpPr>
+        <p:spPr/>
+        <p:txBody>
+          <a:bodyPr/>
+          <a:lstStyle/>
+          <a:p>
+            <a:fld id="{C5FC9A33-0AA4-4ABC-8991-60B335115267}" type="slidenum">
+              <a:rPr lang="ru-RU" smtClean="0"/>
+              <a:pPr/>
+              <a:t>3</a:t>
+            </a:fld>
+            <a:r>
+              <a:rPr lang="en-US" smtClean="0"/>
+              <a:t>/100</a:t>
+            </a:r>
+            <a:endParaRPr lang="ru-RU" dirty="0"/>
+          </a:p>
+        </p:txBody>
+      </p:sp>
     </p:spTree>
   </p:cSld>
   <p:clrMapOvr>
@@ -4924,42 +5625,6 @@
       </p:sp>
       <p:sp>
         <p:nvSpPr>
-          <p:cNvPr id="4" name="Номер слайда 3"/>
-          <p:cNvSpPr>
-            <a:spLocks noGrp="1"/>
-          </p:cNvSpPr>
-          <p:nvPr>
-            <p:ph type="sldNum" sz="quarter" idx="12"/>
-          </p:nvPr>
-        </p:nvSpPr>
-        <p:spPr/>
-        <p:txBody>
-          <a:bodyPr/>
-          <a:lstStyle/>
-          <a:p>
-            <a:fld id="{C5FC9A33-0AA4-4ABC-8991-60B335115267}" type="slidenum">
-              <a:rPr lang="ru-RU" smtClean="0">
-                <a:solidFill>
-                  <a:schemeClr val="accent1">
-                    <a:lumMod val="75000"/>
-                  </a:schemeClr>
-                </a:solidFill>
-              </a:rPr>
-              <a:pPr/>
-              <a:t>4</a:t>
-            </a:fld>
-            <a:endParaRPr lang="ru-RU" dirty="0">
-              <a:solidFill>
-                <a:schemeClr val="accent1">
-                  <a:lumMod val="75000"/>
-                </a:schemeClr>
-              </a:solidFill>
-            </a:endParaRPr>
-          </a:p>
-        </p:txBody>
-      </p:sp>
-      <p:sp>
-        <p:nvSpPr>
           <p:cNvPr id="9" name="TextBox 8"/>
           <p:cNvSpPr txBox="1"/>
           <p:nvPr/>
@@ -5020,21 +5685,7 @@
                 <a:latin typeface="Times New Roman" pitchFamily="18" charset="0"/>
                 <a:cs typeface="Times New Roman" pitchFamily="18" charset="0"/>
               </a:rPr>
-              <a:t>n </a:t>
-            </a:r>
-            <a:r>
-              <a:rPr lang="en-US" sz="1600" i="1" dirty="0" smtClean="0">
-                <a:latin typeface="Times New Roman" pitchFamily="18" charset="0"/>
-                <a:cs typeface="Times New Roman" pitchFamily="18" charset="0"/>
-              </a:rPr>
-              <a:t>log</a:t>
-            </a:r>
-            <a:r>
-              <a:rPr lang="en-US" sz="1600" i="1" dirty="0" smtClean="0">
-                <a:latin typeface="Times New Roman" pitchFamily="18" charset="0"/>
-                <a:cs typeface="Times New Roman" pitchFamily="18" charset="0"/>
-              </a:rPr>
-              <a:t> n</a:t>
+              <a:t>n log n</a:t>
             </a:r>
             <a:r>
               <a:rPr lang="en-US" sz="1600" dirty="0" smtClean="0">
@@ -5050,10 +5701,6 @@
               </a:rPr>
               <a:t>от количества ячеек. </a:t>
             </a:r>
-            <a:endParaRPr lang="ru-RU" sz="1600" dirty="0" smtClean="0">
-              <a:latin typeface="Times New Roman" pitchFamily="18" charset="0"/>
-              <a:cs typeface="Times New Roman" pitchFamily="18" charset="0"/>
-            </a:endParaRPr>
           </a:p>
         </p:txBody>
       </p:sp>
@@ -5252,6 +5899,34 @@
               <a:latin typeface="Times New Roman" pitchFamily="18" charset="0"/>
               <a:cs typeface="Times New Roman" pitchFamily="18" charset="0"/>
             </a:endParaRPr>
+          </a:p>
+        </p:txBody>
+      </p:sp>
+      <p:sp>
+        <p:nvSpPr>
+          <p:cNvPr id="11" name="Номер слайда 10"/>
+          <p:cNvSpPr>
+            <a:spLocks noGrp="1"/>
+          </p:cNvSpPr>
+          <p:nvPr>
+            <p:ph type="sldNum" sz="quarter" idx="12"/>
+          </p:nvPr>
+        </p:nvSpPr>
+        <p:spPr/>
+        <p:txBody>
+          <a:bodyPr/>
+          <a:lstStyle/>
+          <a:p>
+            <a:fld id="{C5FC9A33-0AA4-4ABC-8991-60B335115267}" type="slidenum">
+              <a:rPr lang="ru-RU" smtClean="0"/>
+              <a:pPr/>
+              <a:t>4</a:t>
+            </a:fld>
+            <a:r>
+              <a:rPr lang="en-US" smtClean="0"/>
+              <a:t>/100</a:t>
+            </a:r>
+            <a:endParaRPr lang="ru-RU" dirty="0"/>
           </a:p>
         </p:txBody>
       </p:sp>
@@ -5289,26 +5964,35 @@
       </p:grpSpPr>
       <p:pic>
         <p:nvPicPr>
-          <p:cNvPr id="14" name="Рисунок 13" descr="int_primitives_intersection.png"/>
+          <p:cNvPr id="1029" name="Picture 5"/>
           <p:cNvPicPr>
-            <a:picLocks noChangeAspect="1"/>
+            <a:picLocks noChangeAspect="1" noChangeArrowheads="1"/>
           </p:cNvPicPr>
           <p:nvPr/>
         </p:nvPicPr>
         <p:blipFill>
           <a:blip r:embed="rId2" cstate="print"/>
+          <a:srcRect/>
           <a:stretch>
             <a:fillRect/>
           </a:stretch>
         </p:blipFill>
-        <p:spPr>
-          <a:xfrm>
-            <a:off x="3192059" y="411510"/>
-            <a:ext cx="5772429" cy="4284000"/>
-          </a:xfrm>
-          <a:prstGeom prst="rect">
-            <a:avLst/>
-          </a:prstGeom>
+        <p:spPr bwMode="auto">
+          <a:xfrm>
+            <a:off x="7525966" y="3461143"/>
+            <a:ext cx="286394" cy="324000"/>
+          </a:xfrm>
+          <a:prstGeom prst="rect">
+            <a:avLst/>
+          </a:prstGeom>
+          <a:noFill/>
+          <a:ln w="9525">
+            <a:noFill/>
+            <a:miter lim="800000"/>
+            <a:headEnd/>
+            <a:tailEnd/>
+          </a:ln>
+          <a:effectLst/>
         </p:spPr>
       </p:pic>
       <p:sp>
@@ -5347,36 +6031,56 @@
       </p:sp>
       <p:sp>
         <p:nvSpPr>
-          <p:cNvPr id="4" name="Номер слайда 3"/>
-          <p:cNvSpPr>
-            <a:spLocks noGrp="1"/>
-          </p:cNvSpPr>
-          <p:nvPr>
-            <p:ph type="sldNum" sz="quarter" idx="12"/>
-          </p:nvPr>
-        </p:nvSpPr>
-        <p:spPr/>
-        <p:txBody>
-          <a:bodyPr/>
-          <a:lstStyle/>
-          <a:p>
-            <a:fld id="{C5FC9A33-0AA4-4ABC-8991-60B335115267}" type="slidenum">
-              <a:rPr lang="ru-RU" smtClean="0">
-                <a:solidFill>
-                  <a:schemeClr val="accent1">
-                    <a:lumMod val="75000"/>
-                  </a:schemeClr>
-                </a:solidFill>
-              </a:rPr>
-              <a:pPr/>
-              <a:t>5</a:t>
-            </a:fld>
-            <a:endParaRPr lang="ru-RU" dirty="0">
-              <a:solidFill>
-                <a:schemeClr val="accent1">
-                  <a:lumMod val="75000"/>
-                </a:schemeClr>
-              </a:solidFill>
+          <p:cNvPr id="9" name="TextBox 8"/>
+          <p:cNvSpPr txBox="1"/>
+          <p:nvPr/>
+        </p:nvSpPr>
+        <p:spPr>
+          <a:xfrm>
+            <a:off x="3491880" y="483518"/>
+            <a:ext cx="5544616" cy="1077218"/>
+          </a:xfrm>
+          <a:prstGeom prst="rect">
+            <a:avLst/>
+          </a:prstGeom>
+          <a:noFill/>
+        </p:spPr>
+        <p:txBody>
+          <a:bodyPr wrap="square" rtlCol="0">
+            <a:spAutoFit/>
+          </a:bodyPr>
+          <a:lstStyle/>
+          <a:p>
+            <a:r>
+              <a:rPr lang="ru-RU" sz="1600" dirty="0" smtClean="0">
+                <a:latin typeface="Times New Roman" pitchFamily="18" charset="0"/>
+                <a:cs typeface="Times New Roman" pitchFamily="18" charset="0"/>
+              </a:rPr>
+              <a:t>Во время обхода внешней поверхности по необходимости выполняется дробление ячеек.</a:t>
+            </a:r>
+            <a:endParaRPr lang="ru-RU" sz="1600" dirty="0" smtClean="0">
+              <a:latin typeface="Times New Roman" pitchFamily="18" charset="0"/>
+              <a:cs typeface="Times New Roman" pitchFamily="18" charset="0"/>
+            </a:endParaRPr>
+          </a:p>
+          <a:p>
+            <a:r>
+              <a:rPr lang="ru-RU" sz="1600" dirty="0" smtClean="0">
+                <a:latin typeface="Times New Roman" pitchFamily="18" charset="0"/>
+                <a:cs typeface="Times New Roman" pitchFamily="18" charset="0"/>
+              </a:rPr>
+              <a:t>При переходе чере</a:t>
+            </a:r>
+            <a:r>
+              <a:rPr lang="ru-RU" sz="1600" dirty="0" smtClean="0">
+                <a:latin typeface="Times New Roman" pitchFamily="18" charset="0"/>
+                <a:cs typeface="Times New Roman" pitchFamily="18" charset="0"/>
+              </a:rPr>
+              <a:t>з ребро, имеющее более двух инцидентных ячеек требуется выбрать следующую ячейку.</a:t>
+            </a:r>
+            <a:endParaRPr lang="ru-RU" sz="1600" dirty="0" smtClean="0">
+              <a:latin typeface="Times New Roman" pitchFamily="18" charset="0"/>
+              <a:cs typeface="Times New Roman" pitchFamily="18" charset="0"/>
             </a:endParaRPr>
           </a:p>
         </p:txBody>
@@ -5418,19 +6122,7 @@
                 <a:latin typeface="Times New Roman" pitchFamily="18" charset="0"/>
                 <a:cs typeface="Times New Roman" pitchFamily="18" charset="0"/>
               </a:rPr>
-              <a:t>Поиск </a:t>
-            </a:r>
-            <a:r>
-              <a:rPr lang="ru-RU" b="1" dirty="0" smtClean="0">
-                <a:solidFill>
-                  <a:schemeClr val="accent1">
-                    <a:lumMod val="75000"/>
-                  </a:schemeClr>
-                </a:solidFill>
-                <a:latin typeface="Times New Roman" pitchFamily="18" charset="0"/>
-                <a:cs typeface="Times New Roman" pitchFamily="18" charset="0"/>
-              </a:rPr>
-              <a:t>пересечений ячейки с другими ячейками</a:t>
+              <a:t>Обход внешней поверхности</a:t>
             </a:r>
             <a:endParaRPr lang="ru-RU" b="1" dirty="0">
               <a:solidFill>
@@ -5446,202 +6138,138 @@
       </p:sp>
       <p:sp>
         <p:nvSpPr>
-          <p:cNvPr id="9" name="TextBox 8"/>
-          <p:cNvSpPr txBox="1"/>
-          <p:nvPr/>
-        </p:nvSpPr>
-        <p:spPr>
-          <a:xfrm>
-            <a:off x="107504" y="411510"/>
-            <a:ext cx="3024336" cy="1077218"/>
-          </a:xfrm>
-          <a:prstGeom prst="rect">
-            <a:avLst/>
-          </a:prstGeom>
-          <a:noFill/>
-        </p:spPr>
-        <p:txBody>
-          <a:bodyPr wrap="square" rtlCol="0">
-            <a:spAutoFit/>
-          </a:bodyPr>
-          <a:lstStyle/>
-          <a:p>
-            <a:r>
-              <a:rPr lang="ru-RU" sz="1600" dirty="0" smtClean="0">
-                <a:latin typeface="Times New Roman" pitchFamily="18" charset="0"/>
-                <a:cs typeface="Times New Roman" pitchFamily="18" charset="0"/>
-              </a:rPr>
-              <a:t>Операции для работы с</a:t>
-            </a:r>
-            <a:r>
-              <a:rPr lang="ru-RU" sz="1600" dirty="0">
-                <a:latin typeface="Times New Roman" pitchFamily="18" charset="0"/>
-                <a:cs typeface="Times New Roman" pitchFamily="18" charset="0"/>
-              </a:rPr>
-              <a:t> </a:t>
-            </a:r>
-            <a:r>
-              <a:rPr lang="ru-RU" sz="1600" dirty="0" smtClean="0">
-                <a:latin typeface="Times New Roman" pitchFamily="18" charset="0"/>
-                <a:cs typeface="Times New Roman" pitchFamily="18" charset="0"/>
-              </a:rPr>
-              <a:t>геометрическими примитивами: точка, прямая, отрезок, плоскость, треугольник.</a:t>
-            </a:r>
-          </a:p>
-        </p:txBody>
-      </p:sp>
-      <p:sp>
-        <p:nvSpPr>
-          <p:cNvPr id="13" name="TextBox 12"/>
-          <p:cNvSpPr txBox="1"/>
-          <p:nvPr/>
-        </p:nvSpPr>
-        <p:spPr>
-          <a:xfrm>
-            <a:off x="107504" y="1563638"/>
-            <a:ext cx="4176464" cy="1077218"/>
-          </a:xfrm>
-          <a:prstGeom prst="rect">
-            <a:avLst/>
-          </a:prstGeom>
-          <a:noFill/>
-        </p:spPr>
-        <p:txBody>
-          <a:bodyPr wrap="square" rtlCol="0">
-            <a:spAutoFit/>
-          </a:bodyPr>
-          <a:lstStyle/>
-          <a:p>
-            <a:r>
-              <a:rPr lang="ru-RU" sz="1600" dirty="0" smtClean="0">
-                <a:latin typeface="Times New Roman" pitchFamily="18" charset="0"/>
-                <a:cs typeface="Times New Roman" pitchFamily="18" charset="0"/>
-              </a:rPr>
-              <a:t>При работе с геометрическими примитивами </a:t>
-            </a:r>
-            <a:r>
-              <a:rPr lang="ru-RU" sz="1600" dirty="0" smtClean="0">
-                <a:latin typeface="Times New Roman" pitchFamily="18" charset="0"/>
-                <a:cs typeface="Times New Roman" pitchFamily="18" charset="0"/>
-              </a:rPr>
-              <a:t>используются рациональные координаты, в которых </a:t>
-            </a:r>
-            <a:r>
-              <a:rPr lang="ru-RU" sz="1600" dirty="0" smtClean="0">
-                <a:latin typeface="Times New Roman" pitchFamily="18" charset="0"/>
-                <a:cs typeface="Times New Roman" pitchFamily="18" charset="0"/>
-              </a:rPr>
-              <a:t>результаты пересечения находятся без потери </a:t>
-            </a:r>
-            <a:r>
-              <a:rPr lang="ru-RU" sz="1600" dirty="0" smtClean="0">
-                <a:latin typeface="Times New Roman" pitchFamily="18" charset="0"/>
-                <a:cs typeface="Times New Roman" pitchFamily="18" charset="0"/>
-              </a:rPr>
-              <a:t>точности.</a:t>
-            </a:r>
-            <a:endParaRPr lang="ru-RU" sz="1600" dirty="0" smtClean="0">
-              <a:latin typeface="Times New Roman" pitchFamily="18" charset="0"/>
-              <a:cs typeface="Times New Roman" pitchFamily="18" charset="0"/>
-            </a:endParaRPr>
-          </a:p>
-        </p:txBody>
-      </p:sp>
-      <p:sp>
-        <p:nvSpPr>
-          <p:cNvPr id="10" name="TextBox 9"/>
-          <p:cNvSpPr txBox="1"/>
-          <p:nvPr/>
-        </p:nvSpPr>
-        <p:spPr>
-          <a:xfrm>
-            <a:off x="3491880" y="2787774"/>
-            <a:ext cx="2304256" cy="1815882"/>
-          </a:xfrm>
-          <a:prstGeom prst="rect">
-            <a:avLst/>
-          </a:prstGeom>
-          <a:noFill/>
-        </p:spPr>
-        <p:txBody>
-          <a:bodyPr wrap="square" rtlCol="0">
-            <a:spAutoFit/>
-          </a:bodyPr>
-          <a:lstStyle/>
-          <a:p>
-            <a:r>
-              <a:rPr lang="ru-RU" sz="1600" dirty="0" smtClean="0">
-                <a:latin typeface="Times New Roman" pitchFamily="18" charset="0"/>
-                <a:cs typeface="Times New Roman" pitchFamily="18" charset="0"/>
-              </a:rPr>
-              <a:t>Две ячейки могут пересекаться по точке, отрезку, </a:t>
-            </a:r>
-            <a:r>
-              <a:rPr lang="en-US" sz="1600" i="1" dirty="0" smtClean="0">
-                <a:latin typeface="Times New Roman" pitchFamily="18" charset="0"/>
-                <a:cs typeface="Times New Roman" pitchFamily="18" charset="0"/>
-              </a:rPr>
-              <a:t>n</a:t>
-            </a:r>
-            <a:r>
-              <a:rPr lang="en-US" sz="1600" dirty="0" smtClean="0">
-                <a:latin typeface="Times New Roman" pitchFamily="18" charset="0"/>
-                <a:cs typeface="Times New Roman" pitchFamily="18" charset="0"/>
-              </a:rPr>
-              <a:t>-</a:t>
-            </a:r>
-            <a:r>
-              <a:rPr lang="ru-RU" sz="1600" dirty="0" smtClean="0">
-                <a:latin typeface="Times New Roman" pitchFamily="18" charset="0"/>
-                <a:cs typeface="Times New Roman" pitchFamily="18" charset="0"/>
-              </a:rPr>
-              <a:t>угольнику</a:t>
-            </a:r>
-          </a:p>
-          <a:p>
-            <a:r>
-              <a:rPr lang="ru-RU" sz="1600" i="1" dirty="0" smtClean="0">
-                <a:latin typeface="Times New Roman" pitchFamily="18" charset="0"/>
-                <a:cs typeface="Times New Roman" pitchFamily="18" charset="0"/>
-              </a:rPr>
-              <a:t>(</a:t>
-            </a:r>
-            <a:r>
-              <a:rPr lang="en-US" sz="1600" i="1" dirty="0" smtClean="0">
-                <a:latin typeface="Times New Roman" pitchFamily="18" charset="0"/>
-                <a:cs typeface="Times New Roman" pitchFamily="18" charset="0"/>
-              </a:rPr>
-              <a:t>3 </a:t>
-            </a:r>
-            <a:r>
-              <a:rPr lang="en-US" sz="1600" i="1" dirty="0" smtClean="0">
-                <a:latin typeface="Times New Roman" pitchFamily="18" charset="0"/>
-                <a:cs typeface="Times New Roman" pitchFamily="18" charset="0"/>
-                <a:sym typeface="Symbol"/>
-              </a:rPr>
-              <a:t> n  6)</a:t>
-            </a:r>
-            <a:r>
-              <a:rPr lang="ru-RU" sz="1600" dirty="0" smtClean="0">
-                <a:latin typeface="Times New Roman" pitchFamily="18" charset="0"/>
-                <a:cs typeface="Times New Roman" pitchFamily="18" charset="0"/>
-                <a:sym typeface="Symbol"/>
-              </a:rPr>
-              <a:t>. Пересечение может быть описано в виде набора точек и отрезков.</a:t>
-            </a:r>
+          <p:cNvPr id="11" name="Номер слайда 10"/>
+          <p:cNvSpPr>
+            <a:spLocks noGrp="1"/>
+          </p:cNvSpPr>
+          <p:nvPr>
+            <p:ph type="sldNum" sz="quarter" idx="12"/>
+          </p:nvPr>
+        </p:nvSpPr>
+        <p:spPr/>
+        <p:txBody>
+          <a:bodyPr/>
+          <a:lstStyle/>
+          <a:p>
+            <a:fld id="{C5FC9A33-0AA4-4ABC-8991-60B335115267}" type="slidenum">
+              <a:rPr lang="ru-RU" smtClean="0"/>
+              <a:pPr/>
+              <a:t>5</a:t>
+            </a:fld>
+            <a:r>
+              <a:rPr lang="en-US" smtClean="0"/>
+              <a:t>/100</a:t>
+            </a:r>
+            <a:endParaRPr lang="ru-RU" dirty="0"/>
           </a:p>
         </p:txBody>
       </p:sp>
       <p:pic>
         <p:nvPicPr>
-          <p:cNvPr id="3074" name="Picture 2"/>
+          <p:cNvPr id="12" name="Рисунок 11" descr="int_walk_faces_with_cut.png"/>
+          <p:cNvPicPr>
+            <a:picLocks noChangeAspect="1"/>
+          </p:cNvPicPr>
+          <p:nvPr/>
+        </p:nvPicPr>
+        <p:blipFill>
+          <a:blip r:embed="rId3" cstate="print"/>
+          <a:stretch>
+            <a:fillRect/>
+          </a:stretch>
+        </p:blipFill>
+        <p:spPr>
+          <a:xfrm>
+            <a:off x="251520" y="771550"/>
+            <a:ext cx="3102802" cy="3672408"/>
+          </a:xfrm>
+          <a:prstGeom prst="rect">
+            <a:avLst/>
+          </a:prstGeom>
+        </p:spPr>
+      </p:pic>
+      <p:pic>
+        <p:nvPicPr>
+          <p:cNvPr id="13" name="Рисунок 12" descr="int_walk_centre_big.png"/>
+          <p:cNvPicPr>
+            <a:picLocks noChangeAspect="1"/>
+          </p:cNvPicPr>
+          <p:nvPr/>
+        </p:nvPicPr>
+        <p:blipFill>
+          <a:blip r:embed="rId4" cstate="print"/>
+          <a:stretch>
+            <a:fillRect/>
+          </a:stretch>
+        </p:blipFill>
+        <p:spPr>
+          <a:xfrm>
+            <a:off x="5220804" y="2203654"/>
+            <a:ext cx="1871476" cy="1069850"/>
+          </a:xfrm>
+          <a:prstGeom prst="rect">
+            <a:avLst/>
+          </a:prstGeom>
+        </p:spPr>
+      </p:pic>
+      <p:pic>
+        <p:nvPicPr>
+          <p:cNvPr id="14" name="Рисунок 13" descr="int_walk_not_simple_big.png"/>
+          <p:cNvPicPr>
+            <a:picLocks noChangeAspect="1"/>
+          </p:cNvPicPr>
+          <p:nvPr/>
+        </p:nvPicPr>
+        <p:blipFill>
+          <a:blip r:embed="rId5" cstate="print"/>
+          <a:stretch>
+            <a:fillRect/>
+          </a:stretch>
+        </p:blipFill>
+        <p:spPr>
+          <a:xfrm>
+            <a:off x="7328093" y="2196034"/>
+            <a:ext cx="1420371" cy="1085090"/>
+          </a:xfrm>
+          <a:prstGeom prst="rect">
+            <a:avLst/>
+          </a:prstGeom>
+        </p:spPr>
+      </p:pic>
+      <p:pic>
+        <p:nvPicPr>
+          <p:cNvPr id="15" name="Рисунок 14" descr="int_walk_simple_big.png"/>
+          <p:cNvPicPr>
+            <a:picLocks noChangeAspect="1"/>
+          </p:cNvPicPr>
+          <p:nvPr/>
+        </p:nvPicPr>
+        <p:blipFill>
+          <a:blip r:embed="rId6" cstate="print"/>
+          <a:stretch>
+            <a:fillRect/>
+          </a:stretch>
+        </p:blipFill>
+        <p:spPr>
+          <a:xfrm>
+            <a:off x="3707904" y="2212798"/>
+            <a:ext cx="1060706" cy="1051562"/>
+          </a:xfrm>
+          <a:prstGeom prst="rect">
+            <a:avLst/>
+          </a:prstGeom>
+        </p:spPr>
+      </p:pic>
+      <p:pic>
+        <p:nvPicPr>
+          <p:cNvPr id="1026" name="Picture 2"/>
           <p:cNvPicPr>
             <a:picLocks noChangeAspect="1" noChangeArrowheads="1"/>
           </p:cNvPicPr>
           <p:nvPr/>
         </p:nvPicPr>
         <p:blipFill>
-          <a:blip r:embed="rId3" cstate="print"/>
+          <a:blip r:embed="rId7" cstate="print"/>
           <a:srcRect/>
           <a:stretch>
             <a:fillRect/>
@@ -5649,8 +6277,8 @@
         </p:blipFill>
         <p:spPr bwMode="auto">
           <a:xfrm>
-            <a:off x="179512" y="2787774"/>
-            <a:ext cx="3110745" cy="1728192"/>
+            <a:off x="3616493" y="3461143"/>
+            <a:ext cx="2179643" cy="324000"/>
           </a:xfrm>
           <a:prstGeom prst="rect">
             <a:avLst/>
@@ -5665,6 +6293,208 @@
           <a:effectLst/>
         </p:spPr>
       </p:pic>
+      <p:pic>
+        <p:nvPicPr>
+          <p:cNvPr id="1027" name="Picture 3"/>
+          <p:cNvPicPr>
+            <a:picLocks noChangeAspect="1" noChangeArrowheads="1"/>
+          </p:cNvPicPr>
+          <p:nvPr/>
+        </p:nvPicPr>
+        <p:blipFill>
+          <a:blip r:embed="rId8" cstate="print"/>
+          <a:srcRect/>
+          <a:stretch>
+            <a:fillRect/>
+          </a:stretch>
+        </p:blipFill>
+        <p:spPr bwMode="auto">
+          <a:xfrm>
+            <a:off x="7740352" y="3461143"/>
+            <a:ext cx="1106141" cy="324000"/>
+          </a:xfrm>
+          <a:prstGeom prst="rect">
+            <a:avLst/>
+          </a:prstGeom>
+          <a:noFill/>
+          <a:ln w="9525">
+            <a:noFill/>
+            <a:miter lim="800000"/>
+            <a:headEnd/>
+            <a:tailEnd/>
+          </a:ln>
+          <a:effectLst/>
+        </p:spPr>
+      </p:pic>
+      <p:pic>
+        <p:nvPicPr>
+          <p:cNvPr id="1028" name="Picture 4"/>
+          <p:cNvPicPr>
+            <a:picLocks noChangeAspect="1" noChangeArrowheads="1"/>
+          </p:cNvPicPr>
+          <p:nvPr/>
+        </p:nvPicPr>
+        <p:blipFill>
+          <a:blip r:embed="rId9" cstate="print"/>
+          <a:srcRect/>
+          <a:stretch>
+            <a:fillRect/>
+          </a:stretch>
+        </p:blipFill>
+        <p:spPr bwMode="auto">
+          <a:xfrm>
+            <a:off x="6563983" y="3461143"/>
+            <a:ext cx="960345" cy="324000"/>
+          </a:xfrm>
+          <a:prstGeom prst="rect">
+            <a:avLst/>
+          </a:prstGeom>
+          <a:noFill/>
+          <a:ln w="9525">
+            <a:noFill/>
+            <a:miter lim="800000"/>
+            <a:headEnd/>
+            <a:tailEnd/>
+          </a:ln>
+          <a:effectLst/>
+        </p:spPr>
+      </p:pic>
+      <p:sp>
+        <p:nvSpPr>
+          <p:cNvPr id="17" name="TextBox 16"/>
+          <p:cNvSpPr txBox="1"/>
+          <p:nvPr/>
+        </p:nvSpPr>
+        <p:spPr>
+          <a:xfrm>
+            <a:off x="3491880" y="1779662"/>
+            <a:ext cx="1620688" cy="338554"/>
+          </a:xfrm>
+          <a:prstGeom prst="rect">
+            <a:avLst/>
+          </a:prstGeom>
+          <a:noFill/>
+        </p:spPr>
+        <p:txBody>
+          <a:bodyPr wrap="square" rtlCol="0">
+            <a:spAutoFit/>
+          </a:bodyPr>
+          <a:lstStyle/>
+          <a:p>
+            <a:r>
+              <a:rPr lang="ru-RU" sz="1600" dirty="0" smtClean="0">
+                <a:latin typeface="Times New Roman" pitchFamily="18" charset="0"/>
+                <a:cs typeface="Times New Roman" pitchFamily="18" charset="0"/>
+              </a:rPr>
+              <a:t>Простая сетка</a:t>
+            </a:r>
+            <a:endParaRPr lang="ru-RU" sz="1600" dirty="0" smtClean="0">
+              <a:latin typeface="Times New Roman" pitchFamily="18" charset="0"/>
+              <a:cs typeface="Times New Roman" pitchFamily="18" charset="0"/>
+            </a:endParaRPr>
+          </a:p>
+        </p:txBody>
+      </p:sp>
+      <p:sp>
+        <p:nvSpPr>
+          <p:cNvPr id="18" name="TextBox 17"/>
+          <p:cNvSpPr txBox="1"/>
+          <p:nvPr/>
+        </p:nvSpPr>
+        <p:spPr>
+          <a:xfrm>
+            <a:off x="7271792" y="1779662"/>
+            <a:ext cx="1620688" cy="338554"/>
+          </a:xfrm>
+          <a:prstGeom prst="rect">
+            <a:avLst/>
+          </a:prstGeom>
+          <a:noFill/>
+        </p:spPr>
+        <p:txBody>
+          <a:bodyPr wrap="square" rtlCol="0">
+            <a:spAutoFit/>
+          </a:bodyPr>
+          <a:lstStyle/>
+          <a:p>
+            <a:r>
+              <a:rPr lang="ru-RU" sz="1600" dirty="0" smtClean="0">
+                <a:latin typeface="Times New Roman" pitchFamily="18" charset="0"/>
+                <a:cs typeface="Times New Roman" pitchFamily="18" charset="0"/>
+              </a:rPr>
+              <a:t>Общий случай</a:t>
+            </a:r>
+            <a:endParaRPr lang="ru-RU" sz="1600" dirty="0" smtClean="0">
+              <a:latin typeface="Times New Roman" pitchFamily="18" charset="0"/>
+              <a:cs typeface="Times New Roman" pitchFamily="18" charset="0"/>
+            </a:endParaRPr>
+          </a:p>
+        </p:txBody>
+      </p:sp>
+      <p:sp>
+        <p:nvSpPr>
+          <p:cNvPr id="19" name="TextBox 18"/>
+          <p:cNvSpPr txBox="1"/>
+          <p:nvPr/>
+        </p:nvSpPr>
+        <p:spPr>
+          <a:xfrm>
+            <a:off x="3491880" y="4155926"/>
+            <a:ext cx="5400600" cy="584775"/>
+          </a:xfrm>
+          <a:prstGeom prst="rect">
+            <a:avLst/>
+          </a:prstGeom>
+          <a:noFill/>
+        </p:spPr>
+        <p:txBody>
+          <a:bodyPr wrap="square" rtlCol="0">
+            <a:spAutoFit/>
+          </a:bodyPr>
+          <a:lstStyle/>
+          <a:p>
+            <a:r>
+              <a:rPr lang="ru-RU" sz="1600" dirty="0" smtClean="0">
+                <a:latin typeface="Times New Roman" pitchFamily="18" charset="0"/>
+                <a:cs typeface="Times New Roman" pitchFamily="18" charset="0"/>
+              </a:rPr>
+              <a:t>В качестве следующей  выбирается ячейка с максимальным значением функции</a:t>
+            </a:r>
+            <a:r>
+              <a:rPr lang="en-US" sz="1600" dirty="0" smtClean="0">
+                <a:latin typeface="Times New Roman" pitchFamily="18" charset="0"/>
+                <a:cs typeface="Times New Roman" pitchFamily="18" charset="0"/>
+              </a:rPr>
+              <a:t> </a:t>
+            </a:r>
+            <a:r>
+              <a:rPr lang="ru-RU" sz="1600" dirty="0" smtClean="0">
+                <a:latin typeface="Times New Roman" pitchFamily="18" charset="0"/>
+                <a:cs typeface="Times New Roman" pitchFamily="18" charset="0"/>
+              </a:rPr>
+              <a:t> </a:t>
+            </a:r>
+            <a:r>
+              <a:rPr lang="en-US" sz="1600" i="1" dirty="0" smtClean="0">
+                <a:latin typeface="Times New Roman" pitchFamily="18" charset="0"/>
+                <a:cs typeface="Times New Roman" pitchFamily="18" charset="0"/>
+              </a:rPr>
+              <a:t>f</a:t>
+            </a:r>
+            <a:r>
+              <a:rPr lang="en-US" sz="1600" dirty="0" smtClean="0">
+                <a:latin typeface="Times New Roman" pitchFamily="18" charset="0"/>
+                <a:cs typeface="Times New Roman" pitchFamily="18" charset="0"/>
+              </a:rPr>
+              <a:t>.</a:t>
+            </a:r>
+            <a:endParaRPr lang="ru-RU" sz="1600" dirty="0" smtClean="0">
+              <a:latin typeface="Times New Roman" pitchFamily="18" charset="0"/>
+              <a:cs typeface="Times New Roman" pitchFamily="18" charset="0"/>
+            </a:endParaRPr>
+          </a:p>
+        </p:txBody>
+      </p:sp>
     </p:spTree>
   </p:cSld>
   <p:clrMapOvr>
@@ -5697,162 +6527,9 @@
           <a:chExt cx="0" cy="0"/>
         </a:xfrm>
       </p:grpSpPr>
-      <p:sp>
-        <p:nvSpPr>
-          <p:cNvPr id="8" name="TextBox 7"/>
-          <p:cNvSpPr txBox="1"/>
-          <p:nvPr/>
-        </p:nvSpPr>
-        <p:spPr>
-          <a:xfrm>
-            <a:off x="0" y="4774168"/>
-            <a:ext cx="9144000" cy="369332"/>
-          </a:xfrm>
-          <a:prstGeom prst="rect">
-            <a:avLst/>
-          </a:prstGeom>
-          <a:solidFill>
-            <a:schemeClr val="bg1">
-              <a:lumMod val="85000"/>
-            </a:schemeClr>
-          </a:solidFill>
-        </p:spPr>
-        <p:txBody>
-          <a:bodyPr wrap="square" rtlCol="0">
-            <a:spAutoFit/>
-          </a:bodyPr>
-          <a:lstStyle/>
-          <a:p>
-            <a:pPr algn="ctr"/>
-            <a:endParaRPr lang="ru-RU" b="1" dirty="0">
-              <a:latin typeface="Times New Roman" pitchFamily="18" charset="0"/>
-              <a:cs typeface="Times New Roman" pitchFamily="18" charset="0"/>
-            </a:endParaRPr>
-          </a:p>
-        </p:txBody>
-      </p:sp>
-      <p:sp>
-        <p:nvSpPr>
-          <p:cNvPr id="4" name="Номер слайда 3"/>
-          <p:cNvSpPr>
-            <a:spLocks noGrp="1"/>
-          </p:cNvSpPr>
-          <p:nvPr>
-            <p:ph type="sldNum" sz="quarter" idx="12"/>
-          </p:nvPr>
-        </p:nvSpPr>
-        <p:spPr/>
-        <p:txBody>
-          <a:bodyPr/>
-          <a:lstStyle/>
-          <a:p>
-            <a:fld id="{C5FC9A33-0AA4-4ABC-8991-60B335115267}" type="slidenum">
-              <a:rPr lang="ru-RU" smtClean="0">
-                <a:solidFill>
-                  <a:schemeClr val="accent1">
-                    <a:lumMod val="75000"/>
-                  </a:schemeClr>
-                </a:solidFill>
-              </a:rPr>
-              <a:pPr/>
-              <a:t>6</a:t>
-            </a:fld>
-            <a:endParaRPr lang="ru-RU" dirty="0">
-              <a:solidFill>
-                <a:schemeClr val="accent1">
-                  <a:lumMod val="75000"/>
-                </a:schemeClr>
-              </a:solidFill>
-            </a:endParaRPr>
-          </a:p>
-        </p:txBody>
-      </p:sp>
-      <p:sp>
-        <p:nvSpPr>
-          <p:cNvPr id="5" name="TextBox 4"/>
-          <p:cNvSpPr txBox="1"/>
-          <p:nvPr/>
-        </p:nvSpPr>
-        <p:spPr>
-          <a:xfrm>
-            <a:off x="0" y="0"/>
-            <a:ext cx="9144000" cy="369332"/>
-          </a:xfrm>
-          <a:prstGeom prst="rect">
-            <a:avLst/>
-          </a:prstGeom>
-          <a:solidFill>
-            <a:schemeClr val="bg1">
-              <a:lumMod val="85000"/>
-            </a:schemeClr>
-          </a:solidFill>
-        </p:spPr>
-        <p:txBody>
-          <a:bodyPr wrap="square" rtlCol="0">
-            <a:spAutoFit/>
-          </a:bodyPr>
-          <a:lstStyle/>
-          <a:p>
-            <a:pPr algn="ctr"/>
-            <a:r>
-              <a:rPr lang="ru-RU" b="1" dirty="0" smtClean="0">
-                <a:solidFill>
-                  <a:schemeClr val="accent1">
-                    <a:lumMod val="75000"/>
-                  </a:schemeClr>
-                </a:solidFill>
-                <a:latin typeface="Times New Roman" pitchFamily="18" charset="0"/>
-                <a:cs typeface="Times New Roman" pitchFamily="18" charset="0"/>
-              </a:rPr>
-              <a:t>Дробление ячейки по множеству отрезков и точек</a:t>
-            </a:r>
-            <a:endParaRPr lang="ru-RU" b="1" dirty="0">
-              <a:solidFill>
-                <a:schemeClr val="accent1">
-                  <a:lumMod val="75000"/>
-                </a:schemeClr>
-              </a:solidFill>
-              <a:latin typeface="Times New Roman" pitchFamily="18" charset="0"/>
-              <a:cs typeface="Times New Roman" pitchFamily="18" charset="0"/>
-            </a:endParaRPr>
-          </a:p>
-        </p:txBody>
-      </p:sp>
-      <p:sp>
-        <p:nvSpPr>
-          <p:cNvPr id="12" name="TextBox 11"/>
-          <p:cNvSpPr txBox="1"/>
-          <p:nvPr/>
-        </p:nvSpPr>
-        <p:spPr>
-          <a:xfrm>
-            <a:off x="107504" y="3651870"/>
-            <a:ext cx="8928992" cy="1077218"/>
-          </a:xfrm>
-          <a:prstGeom prst="rect">
-            <a:avLst/>
-          </a:prstGeom>
-          <a:noFill/>
-        </p:spPr>
-        <p:txBody>
-          <a:bodyPr wrap="square" rtlCol="0">
-            <a:spAutoFit/>
-          </a:bodyPr>
-          <a:lstStyle/>
-          <a:p>
-            <a:r>
-              <a:rPr lang="ru-RU" sz="1600" dirty="0" smtClean="0">
-                <a:latin typeface="Times New Roman" pitchFamily="18" charset="0"/>
-                <a:cs typeface="Times New Roman" pitchFamily="18" charset="0"/>
-              </a:rPr>
-              <a:t>Для разбиения ячейки на более мелкие треугольники по множеству отрезков и точек необходимо устранить конфликты отрезков и выполнить триангуляцию по множеству точек с фиксацией отдельных ребер. После триангуляции исходная ячейка удаляется из сетки, а результаты триангуляции добавляются в нее.</a:t>
-            </a:r>
-          </a:p>
-        </p:txBody>
-      </p:sp>
       <p:pic>
         <p:nvPicPr>
-          <p:cNvPr id="10" name="Рисунок 9" descr="int_triangulate_1_1.png"/>
+          <p:cNvPr id="14" name="Рисунок 13" descr="int_primitives_intersection.png"/>
           <p:cNvPicPr>
             <a:picLocks noChangeAspect="1"/>
           </p:cNvPicPr>
@@ -5866,182 +6543,321 @@
         </p:blipFill>
         <p:spPr>
           <a:xfrm>
-            <a:off x="301657" y="411510"/>
-            <a:ext cx="2036643" cy="1512000"/>
+            <a:off x="3192059" y="411510"/>
+            <a:ext cx="5772429" cy="4284000"/>
           </a:xfrm>
           <a:prstGeom prst="rect">
             <a:avLst/>
           </a:prstGeom>
         </p:spPr>
       </p:pic>
+      <p:sp>
+        <p:nvSpPr>
+          <p:cNvPr id="8" name="TextBox 7"/>
+          <p:cNvSpPr txBox="1"/>
+          <p:nvPr/>
+        </p:nvSpPr>
+        <p:spPr>
+          <a:xfrm>
+            <a:off x="0" y="4774168"/>
+            <a:ext cx="9144000" cy="369332"/>
+          </a:xfrm>
+          <a:prstGeom prst="rect">
+            <a:avLst/>
+          </a:prstGeom>
+          <a:solidFill>
+            <a:schemeClr val="bg1">
+              <a:lumMod val="85000"/>
+            </a:schemeClr>
+          </a:solidFill>
+        </p:spPr>
+        <p:txBody>
+          <a:bodyPr wrap="square" rtlCol="0">
+            <a:spAutoFit/>
+          </a:bodyPr>
+          <a:lstStyle/>
+          <a:p>
+            <a:pPr algn="ctr"/>
+            <a:endParaRPr lang="ru-RU" b="1" dirty="0">
+              <a:latin typeface="Times New Roman" pitchFamily="18" charset="0"/>
+              <a:cs typeface="Times New Roman" pitchFamily="18" charset="0"/>
+            </a:endParaRPr>
+          </a:p>
+        </p:txBody>
+      </p:sp>
+      <p:sp>
+        <p:nvSpPr>
+          <p:cNvPr id="5" name="TextBox 4"/>
+          <p:cNvSpPr txBox="1"/>
+          <p:nvPr/>
+        </p:nvSpPr>
+        <p:spPr>
+          <a:xfrm>
+            <a:off x="0" y="0"/>
+            <a:ext cx="9144000" cy="369332"/>
+          </a:xfrm>
+          <a:prstGeom prst="rect">
+            <a:avLst/>
+          </a:prstGeom>
+          <a:solidFill>
+            <a:schemeClr val="bg1">
+              <a:lumMod val="85000"/>
+            </a:schemeClr>
+          </a:solidFill>
+        </p:spPr>
+        <p:txBody>
+          <a:bodyPr wrap="square" rtlCol="0">
+            <a:spAutoFit/>
+          </a:bodyPr>
+          <a:lstStyle/>
+          <a:p>
+            <a:pPr algn="ctr"/>
+            <a:r>
+              <a:rPr lang="ru-RU" b="1" dirty="0" smtClean="0">
+                <a:solidFill>
+                  <a:schemeClr val="accent1">
+                    <a:lumMod val="75000"/>
+                  </a:schemeClr>
+                </a:solidFill>
+                <a:latin typeface="Times New Roman" pitchFamily="18" charset="0"/>
+                <a:cs typeface="Times New Roman" pitchFamily="18" charset="0"/>
+              </a:rPr>
+              <a:t>Поиск пересечений ячейки с другими ячейками</a:t>
+            </a:r>
+            <a:endParaRPr lang="ru-RU" b="1" dirty="0">
+              <a:solidFill>
+                <a:schemeClr val="accent1">
+                  <a:lumMod val="75000"/>
+                </a:schemeClr>
+              </a:solidFill>
+              <a:latin typeface="Times New Roman" pitchFamily="18" charset="0"/>
+              <a:cs typeface="Times New Roman" pitchFamily="18" charset="0"/>
+            </a:endParaRPr>
+          </a:p>
+        </p:txBody>
+      </p:sp>
+      <p:sp>
+        <p:nvSpPr>
+          <p:cNvPr id="9" name="TextBox 8"/>
+          <p:cNvSpPr txBox="1"/>
+          <p:nvPr/>
+        </p:nvSpPr>
+        <p:spPr>
+          <a:xfrm>
+            <a:off x="107504" y="411510"/>
+            <a:ext cx="3024336" cy="1077218"/>
+          </a:xfrm>
+          <a:prstGeom prst="rect">
+            <a:avLst/>
+          </a:prstGeom>
+          <a:noFill/>
+        </p:spPr>
+        <p:txBody>
+          <a:bodyPr wrap="square" rtlCol="0">
+            <a:spAutoFit/>
+          </a:bodyPr>
+          <a:lstStyle/>
+          <a:p>
+            <a:r>
+              <a:rPr lang="ru-RU" sz="1600" dirty="0" smtClean="0">
+                <a:latin typeface="Times New Roman" pitchFamily="18" charset="0"/>
+                <a:cs typeface="Times New Roman" pitchFamily="18" charset="0"/>
+              </a:rPr>
+              <a:t>Операции для работы с</a:t>
+            </a:r>
+            <a:r>
+              <a:rPr lang="ru-RU" sz="1600" dirty="0">
+                <a:latin typeface="Times New Roman" pitchFamily="18" charset="0"/>
+                <a:cs typeface="Times New Roman" pitchFamily="18" charset="0"/>
+              </a:rPr>
+              <a:t> </a:t>
+            </a:r>
+            <a:r>
+              <a:rPr lang="ru-RU" sz="1600" dirty="0" smtClean="0">
+                <a:latin typeface="Times New Roman" pitchFamily="18" charset="0"/>
+                <a:cs typeface="Times New Roman" pitchFamily="18" charset="0"/>
+              </a:rPr>
+              <a:t>геометрическими примитивами: точка, прямая, отрезок, плоскость, треугольник.</a:t>
+            </a:r>
+          </a:p>
+        </p:txBody>
+      </p:sp>
+      <p:sp>
+        <p:nvSpPr>
+          <p:cNvPr id="13" name="TextBox 12"/>
+          <p:cNvSpPr txBox="1"/>
+          <p:nvPr/>
+        </p:nvSpPr>
+        <p:spPr>
+          <a:xfrm>
+            <a:off x="107504" y="1563638"/>
+            <a:ext cx="4176464" cy="1077218"/>
+          </a:xfrm>
+          <a:prstGeom prst="rect">
+            <a:avLst/>
+          </a:prstGeom>
+          <a:noFill/>
+        </p:spPr>
+        <p:txBody>
+          <a:bodyPr wrap="square" rtlCol="0">
+            <a:spAutoFit/>
+          </a:bodyPr>
+          <a:lstStyle/>
+          <a:p>
+            <a:r>
+              <a:rPr lang="ru-RU" sz="1600" dirty="0" smtClean="0">
+                <a:latin typeface="Times New Roman" pitchFamily="18" charset="0"/>
+                <a:cs typeface="Times New Roman" pitchFamily="18" charset="0"/>
+              </a:rPr>
+              <a:t>При работе с геометрическими примитивами используются рациональные координаты, в которых результаты пересечения находятся без потери точности.</a:t>
+            </a:r>
+          </a:p>
+        </p:txBody>
+      </p:sp>
+      <p:sp>
+        <p:nvSpPr>
+          <p:cNvPr id="10" name="TextBox 9"/>
+          <p:cNvSpPr txBox="1"/>
+          <p:nvPr/>
+        </p:nvSpPr>
+        <p:spPr>
+          <a:xfrm>
+            <a:off x="3491880" y="2741895"/>
+            <a:ext cx="2304256" cy="2062103"/>
+          </a:xfrm>
+          <a:prstGeom prst="rect">
+            <a:avLst/>
+          </a:prstGeom>
+          <a:noFill/>
+        </p:spPr>
+        <p:txBody>
+          <a:bodyPr wrap="square" rtlCol="0">
+            <a:spAutoFit/>
+          </a:bodyPr>
+          <a:lstStyle/>
+          <a:p>
+            <a:r>
+              <a:rPr lang="ru-RU" sz="1600" dirty="0" smtClean="0">
+                <a:latin typeface="Times New Roman" pitchFamily="18" charset="0"/>
+                <a:cs typeface="Times New Roman" pitchFamily="18" charset="0"/>
+              </a:rPr>
+              <a:t>Две ячейки могут пересекаться плоскому выпуклому объекту с </a:t>
+            </a:r>
+            <a:r>
+              <a:rPr lang="en-US" sz="1600" i="1" dirty="0" smtClean="0">
+                <a:latin typeface="Times New Roman" pitchFamily="18" charset="0"/>
+                <a:cs typeface="Times New Roman" pitchFamily="18" charset="0"/>
+              </a:rPr>
+              <a:t>n</a:t>
+            </a:r>
+            <a:r>
+              <a:rPr lang="ru-RU" sz="1600" i="1" dirty="0" smtClean="0">
+                <a:latin typeface="Times New Roman" pitchFamily="18" charset="0"/>
+                <a:cs typeface="Times New Roman" pitchFamily="18" charset="0"/>
+              </a:rPr>
+              <a:t> </a:t>
+            </a:r>
+            <a:r>
+              <a:rPr lang="ru-RU" sz="1600" dirty="0" smtClean="0">
+                <a:latin typeface="Times New Roman" pitchFamily="18" charset="0"/>
+                <a:cs typeface="Times New Roman" pitchFamily="18" charset="0"/>
+              </a:rPr>
+              <a:t>вершинами </a:t>
+            </a:r>
+            <a:r>
+              <a:rPr lang="ru-RU" sz="1600" i="1" dirty="0" smtClean="0">
+                <a:latin typeface="Times New Roman" pitchFamily="18" charset="0"/>
+                <a:cs typeface="Times New Roman" pitchFamily="18" charset="0"/>
+              </a:rPr>
+              <a:t>(1</a:t>
+            </a:r>
+            <a:r>
+              <a:rPr lang="en-US" sz="1600" i="1" dirty="0" smtClean="0">
+                <a:latin typeface="Times New Roman" pitchFamily="18" charset="0"/>
+                <a:cs typeface="Times New Roman" pitchFamily="18" charset="0"/>
+              </a:rPr>
+              <a:t> </a:t>
+            </a:r>
+            <a:r>
+              <a:rPr lang="en-US" sz="1600" i="1" dirty="0" smtClean="0">
+                <a:latin typeface="Times New Roman" pitchFamily="18" charset="0"/>
+                <a:cs typeface="Times New Roman" pitchFamily="18" charset="0"/>
+                <a:sym typeface="Symbol"/>
+              </a:rPr>
+              <a:t> n  6)</a:t>
+            </a:r>
+            <a:r>
+              <a:rPr lang="ru-RU" sz="1600" dirty="0" smtClean="0">
+                <a:latin typeface="Times New Roman" pitchFamily="18" charset="0"/>
+                <a:cs typeface="Times New Roman" pitchFamily="18" charset="0"/>
+                <a:sym typeface="Symbol"/>
+              </a:rPr>
+              <a:t>. Пересечение может быть описано в виде набора точек и отрезков.</a:t>
+            </a:r>
+          </a:p>
+        </p:txBody>
+      </p:sp>
       <p:pic>
         <p:nvPicPr>
-          <p:cNvPr id="11" name="Рисунок 10" descr="int_triangulate_1_2.png"/>
+          <p:cNvPr id="3074" name="Picture 2"/>
           <p:cNvPicPr>
-            <a:picLocks noChangeAspect="1"/>
+            <a:picLocks noChangeAspect="1" noChangeArrowheads="1"/>
           </p:cNvPicPr>
           <p:nvPr/>
         </p:nvPicPr>
         <p:blipFill>
           <a:blip r:embed="rId3" cstate="print"/>
+          <a:srcRect/>
           <a:stretch>
             <a:fillRect/>
           </a:stretch>
         </p:blipFill>
-        <p:spPr>
-          <a:xfrm>
-            <a:off x="2317881" y="411510"/>
-            <a:ext cx="2038095" cy="1512000"/>
-          </a:xfrm>
-          <a:prstGeom prst="rect">
-            <a:avLst/>
-          </a:prstGeom>
+        <p:spPr bwMode="auto">
+          <a:xfrm>
+            <a:off x="179512" y="2787774"/>
+            <a:ext cx="3110745" cy="1728192"/>
+          </a:xfrm>
+          <a:prstGeom prst="rect">
+            <a:avLst/>
+          </a:prstGeom>
+          <a:noFill/>
+          <a:ln w="9525">
+            <a:noFill/>
+            <a:miter lim="800000"/>
+            <a:headEnd/>
+            <a:tailEnd/>
+          </a:ln>
+          <a:effectLst/>
         </p:spPr>
       </p:pic>
-      <p:pic>
-        <p:nvPicPr>
-          <p:cNvPr id="15" name="Рисунок 14" descr="int_triangulate_2_1.png"/>
-          <p:cNvPicPr>
-            <a:picLocks noChangeAspect="1"/>
-          </p:cNvPicPr>
-          <p:nvPr/>
-        </p:nvPicPr>
-        <p:blipFill>
-          <a:blip r:embed="rId4" cstate="print"/>
-          <a:stretch>
-            <a:fillRect/>
-          </a:stretch>
-        </p:blipFill>
-        <p:spPr>
-          <a:xfrm>
-            <a:off x="4788024" y="411510"/>
-            <a:ext cx="2036643" cy="1512000"/>
-          </a:xfrm>
-          <a:prstGeom prst="rect">
-            <a:avLst/>
-          </a:prstGeom>
-        </p:spPr>
-      </p:pic>
-      <p:pic>
-        <p:nvPicPr>
-          <p:cNvPr id="16" name="Рисунок 15" descr="int_triangulate_2_2.png"/>
-          <p:cNvPicPr>
-            <a:picLocks noChangeAspect="1"/>
-          </p:cNvPicPr>
-          <p:nvPr/>
-        </p:nvPicPr>
-        <p:blipFill>
-          <a:blip r:embed="rId5" cstate="print"/>
-          <a:stretch>
-            <a:fillRect/>
-          </a:stretch>
-        </p:blipFill>
-        <p:spPr>
-          <a:xfrm>
-            <a:off x="6804248" y="411510"/>
-            <a:ext cx="2038095" cy="1512000"/>
-          </a:xfrm>
-          <a:prstGeom prst="rect">
-            <a:avLst/>
-          </a:prstGeom>
-        </p:spPr>
-      </p:pic>
-      <p:pic>
-        <p:nvPicPr>
-          <p:cNvPr id="17" name="Рисунок 16" descr="int_triangulate_3_1.png"/>
-          <p:cNvPicPr>
-            <a:picLocks noChangeAspect="1"/>
-          </p:cNvPicPr>
-          <p:nvPr/>
-        </p:nvPicPr>
-        <p:blipFill>
-          <a:blip r:embed="rId6" cstate="print"/>
-          <a:stretch>
-            <a:fillRect/>
-          </a:stretch>
-        </p:blipFill>
-        <p:spPr>
-          <a:xfrm>
-            <a:off x="300931" y="2067862"/>
-            <a:ext cx="2038095" cy="1512000"/>
-          </a:xfrm>
-          <a:prstGeom prst="rect">
-            <a:avLst/>
-          </a:prstGeom>
-        </p:spPr>
-      </p:pic>
-      <p:pic>
-        <p:nvPicPr>
-          <p:cNvPr id="18" name="Рисунок 17" descr="int_triangulate_3_2.png"/>
-          <p:cNvPicPr>
-            <a:picLocks noChangeAspect="1"/>
-          </p:cNvPicPr>
-          <p:nvPr/>
-        </p:nvPicPr>
-        <p:blipFill>
-          <a:blip r:embed="rId7" cstate="print"/>
-          <a:stretch>
-            <a:fillRect/>
-          </a:stretch>
-        </p:blipFill>
-        <p:spPr>
-          <a:xfrm>
-            <a:off x="2318607" y="2067862"/>
-            <a:ext cx="2036643" cy="1512000"/>
-          </a:xfrm>
-          <a:prstGeom prst="rect">
-            <a:avLst/>
-          </a:prstGeom>
-        </p:spPr>
-      </p:pic>
-      <p:pic>
-        <p:nvPicPr>
-          <p:cNvPr id="19" name="Рисунок 18" descr="int_triangulate_4_1.png"/>
-          <p:cNvPicPr>
-            <a:picLocks noChangeAspect="1"/>
-          </p:cNvPicPr>
-          <p:nvPr/>
-        </p:nvPicPr>
-        <p:blipFill>
-          <a:blip r:embed="rId8" cstate="print"/>
-          <a:stretch>
-            <a:fillRect/>
-          </a:stretch>
-        </p:blipFill>
-        <p:spPr>
-          <a:xfrm>
-            <a:off x="4788024" y="2067862"/>
-            <a:ext cx="2036643" cy="1512000"/>
-          </a:xfrm>
-          <a:prstGeom prst="rect">
-            <a:avLst/>
-          </a:prstGeom>
-        </p:spPr>
-      </p:pic>
-      <p:pic>
-        <p:nvPicPr>
-          <p:cNvPr id="20" name="Рисунок 19" descr="int_triangulate_4_2.png"/>
-          <p:cNvPicPr>
-            <a:picLocks noChangeAspect="1"/>
-          </p:cNvPicPr>
-          <p:nvPr/>
-        </p:nvPicPr>
-        <p:blipFill>
-          <a:blip r:embed="rId9" cstate="print"/>
-          <a:stretch>
-            <a:fillRect/>
-          </a:stretch>
-        </p:blipFill>
-        <p:spPr>
-          <a:xfrm>
-            <a:off x="6804248" y="2067862"/>
-            <a:ext cx="2038095" cy="1512000"/>
-          </a:xfrm>
-          <a:prstGeom prst="rect">
-            <a:avLst/>
-          </a:prstGeom>
-        </p:spPr>
-      </p:pic>
+      <p:sp>
+        <p:nvSpPr>
+          <p:cNvPr id="11" name="Номер слайда 10"/>
+          <p:cNvSpPr>
+            <a:spLocks noGrp="1"/>
+          </p:cNvSpPr>
+          <p:nvPr>
+            <p:ph type="sldNum" sz="quarter" idx="12"/>
+          </p:nvPr>
+        </p:nvSpPr>
+        <p:spPr/>
+        <p:txBody>
+          <a:bodyPr/>
+          <a:lstStyle/>
+          <a:p>
+            <a:fld id="{C5FC9A33-0AA4-4ABC-8991-60B335115267}" type="slidenum">
+              <a:rPr lang="ru-RU" smtClean="0"/>
+              <a:pPr/>
+              <a:t>6</a:t>
+            </a:fld>
+            <a:r>
+              <a:rPr lang="en-US" smtClean="0"/>
+              <a:t>/100</a:t>
+            </a:r>
+            <a:endParaRPr lang="ru-RU" dirty="0"/>
+          </a:p>
+        </p:txBody>
+      </p:sp>
     </p:spTree>
   </p:cSld>
   <p:clrMapOvr>
@@ -6110,42 +6926,6 @@
       </p:sp>
       <p:sp>
         <p:nvSpPr>
-          <p:cNvPr id="4" name="Номер слайда 3"/>
-          <p:cNvSpPr>
-            <a:spLocks noGrp="1"/>
-          </p:cNvSpPr>
-          <p:nvPr>
-            <p:ph type="sldNum" sz="quarter" idx="12"/>
-          </p:nvPr>
-        </p:nvSpPr>
-        <p:spPr/>
-        <p:txBody>
-          <a:bodyPr/>
-          <a:lstStyle/>
-          <a:p>
-            <a:fld id="{C5FC9A33-0AA4-4ABC-8991-60B335115267}" type="slidenum">
-              <a:rPr lang="ru-RU" smtClean="0">
-                <a:solidFill>
-                  <a:schemeClr val="accent1">
-                    <a:lumMod val="75000"/>
-                  </a:schemeClr>
-                </a:solidFill>
-              </a:rPr>
-              <a:pPr/>
-              <a:t>7</a:t>
-            </a:fld>
-            <a:endParaRPr lang="ru-RU" dirty="0">
-              <a:solidFill>
-                <a:schemeClr val="accent1">
-                  <a:lumMod val="75000"/>
-                </a:schemeClr>
-              </a:solidFill>
-            </a:endParaRPr>
-          </a:p>
-        </p:txBody>
-      </p:sp>
-      <p:sp>
-        <p:nvSpPr>
           <p:cNvPr id="5" name="TextBox 4"/>
           <p:cNvSpPr txBox="1"/>
           <p:nvPr/>
@@ -6181,67 +6961,7 @@
                 <a:latin typeface="Times New Roman" pitchFamily="18" charset="0"/>
                 <a:cs typeface="Times New Roman" pitchFamily="18" charset="0"/>
               </a:rPr>
-              <a:t>Удаление самопересечений </a:t>
-            </a:r>
-            <a:r>
-              <a:rPr lang="ru-RU" b="1" dirty="0" err="1" smtClean="0">
-                <a:solidFill>
-                  <a:schemeClr val="accent1">
-                    <a:lumMod val="75000"/>
-                  </a:schemeClr>
-                </a:solidFill>
-                <a:latin typeface="Times New Roman" pitchFamily="18" charset="0"/>
-                <a:cs typeface="Times New Roman" pitchFamily="18" charset="0"/>
-              </a:rPr>
-              <a:t>псевдотрехмерного</a:t>
-            </a:r>
-            <a:r>
-              <a:rPr lang="ru-RU" b="1" dirty="0" smtClean="0">
-                <a:solidFill>
-                  <a:schemeClr val="accent1">
-                    <a:lumMod val="75000"/>
-                  </a:schemeClr>
-                </a:solidFill>
-                <a:latin typeface="Times New Roman" pitchFamily="18" charset="0"/>
-                <a:cs typeface="Times New Roman" pitchFamily="18" charset="0"/>
-              </a:rPr>
-              <a:t> профиля </a:t>
-            </a:r>
-            <a:r>
-              <a:rPr lang="ru-RU" b="1" dirty="0">
-                <a:solidFill>
-                  <a:schemeClr val="accent1">
-                    <a:lumMod val="75000"/>
-                  </a:schemeClr>
-                </a:solidFill>
-                <a:latin typeface="Times New Roman" pitchFamily="18" charset="0"/>
-                <a:cs typeface="Times New Roman" pitchFamily="18" charset="0"/>
-              </a:rPr>
-              <a:t>-</a:t>
-            </a:r>
-            <a:r>
-              <a:rPr lang="en-US" b="1" dirty="0" smtClean="0">
-                <a:solidFill>
-                  <a:schemeClr val="accent1">
-                    <a:lumMod val="75000"/>
-                  </a:schemeClr>
-                </a:solidFill>
-                <a:latin typeface="Times New Roman" pitchFamily="18" charset="0"/>
-                <a:cs typeface="Times New Roman" pitchFamily="18" charset="0"/>
-              </a:rPr>
-              <a:t> </a:t>
-            </a:r>
-            <a:r>
-              <a:rPr lang="ru-RU" b="1" dirty="0" smtClean="0">
-                <a:solidFill>
-                  <a:schemeClr val="accent1">
-                    <a:lumMod val="75000"/>
-                  </a:schemeClr>
-                </a:solidFill>
-                <a:latin typeface="Times New Roman" pitchFamily="18" charset="0"/>
-                <a:cs typeface="Times New Roman" pitchFamily="18" charset="0"/>
-              </a:rPr>
-              <a:t>коррекция координат</a:t>
+              <a:t>Дробление ячейки по множеству отрезков и точек</a:t>
             </a:r>
             <a:endParaRPr lang="ru-RU" b="1" dirty="0">
               <a:solidFill>
@@ -6255,9 +6975,41 @@
           </a:p>
         </p:txBody>
       </p:sp>
+      <p:sp>
+        <p:nvSpPr>
+          <p:cNvPr id="12" name="TextBox 11"/>
+          <p:cNvSpPr txBox="1"/>
+          <p:nvPr/>
+        </p:nvSpPr>
+        <p:spPr>
+          <a:xfrm>
+            <a:off x="107504" y="3651870"/>
+            <a:ext cx="8928992" cy="1077218"/>
+          </a:xfrm>
+          <a:prstGeom prst="rect">
+            <a:avLst/>
+          </a:prstGeom>
+          <a:noFill/>
+        </p:spPr>
+        <p:txBody>
+          <a:bodyPr wrap="square" rtlCol="0">
+            <a:spAutoFit/>
+          </a:bodyPr>
+          <a:lstStyle/>
+          <a:p>
+            <a:r>
+              <a:rPr lang="ru-RU" sz="1600" dirty="0" smtClean="0">
+                <a:latin typeface="Times New Roman" pitchFamily="18" charset="0"/>
+                <a:cs typeface="Times New Roman" pitchFamily="18" charset="0"/>
+              </a:rPr>
+              <a:t>Для разбиения ячейки на более мелкие треугольники по множеству отрезков и точек необходимо устранить конфликты отрезков и выполнить триангуляцию по множеству точек с фиксацией отдельных ребер. После триангуляции исходная ячейка удаляется из сетки, а результаты триангуляции добавляются в нее.</a:t>
+            </a:r>
+          </a:p>
+        </p:txBody>
+      </p:sp>
       <p:pic>
         <p:nvPicPr>
-          <p:cNvPr id="7" name="Рисунок 6" descr="int_pseudo3d_needs_coordinates_correction.png"/>
+          <p:cNvPr id="10" name="Рисунок 9" descr="int_triangulate_1_1.png"/>
           <p:cNvPicPr>
             <a:picLocks noChangeAspect="1"/>
           </p:cNvPicPr>
@@ -6271,126 +7023,207 @@
         </p:blipFill>
         <p:spPr>
           <a:xfrm>
-            <a:off x="107504" y="771550"/>
-            <a:ext cx="5256584" cy="3626839"/>
+            <a:off x="301657" y="411510"/>
+            <a:ext cx="2036643" cy="1512000"/>
           </a:xfrm>
           <a:prstGeom prst="rect">
             <a:avLst/>
           </a:prstGeom>
         </p:spPr>
       </p:pic>
-      <p:sp>
-        <p:nvSpPr>
-          <p:cNvPr id="9" name="TextBox 8"/>
-          <p:cNvSpPr txBox="1"/>
+      <p:pic>
+        <p:nvPicPr>
+          <p:cNvPr id="11" name="Рисунок 10" descr="int_triangulate_1_2.png"/>
+          <p:cNvPicPr>
+            <a:picLocks noChangeAspect="1"/>
+          </p:cNvPicPr>
           <p:nvPr/>
-        </p:nvSpPr>
-        <p:spPr>
-          <a:xfrm>
-            <a:off x="5143109" y="483518"/>
-            <a:ext cx="3893387" cy="4278094"/>
-          </a:xfrm>
-          <a:prstGeom prst="rect">
-            <a:avLst/>
-          </a:prstGeom>
-          <a:noFill/>
-        </p:spPr>
-        <p:txBody>
-          <a:bodyPr wrap="square" rtlCol="0">
-            <a:spAutoFit/>
-          </a:bodyPr>
-          <a:lstStyle/>
-          <a:p>
-            <a:r>
-              <a:rPr lang="ru-RU" sz="1600" b="1" dirty="0" err="1" smtClean="0">
-                <a:latin typeface="Times New Roman" pitchFamily="18" charset="0"/>
-                <a:cs typeface="Times New Roman" pitchFamily="18" charset="0"/>
-              </a:rPr>
-              <a:t>Псевдотрехмерный</a:t>
-            </a:r>
-            <a:r>
-              <a:rPr lang="ru-RU" sz="1600" b="1" dirty="0" smtClean="0">
-                <a:latin typeface="Times New Roman" pitchFamily="18" charset="0"/>
-                <a:cs typeface="Times New Roman" pitchFamily="18" charset="0"/>
-              </a:rPr>
-              <a:t> профиль</a:t>
-            </a:r>
-            <a:r>
-              <a:rPr lang="ru-RU" sz="1600" dirty="0" smtClean="0">
-                <a:latin typeface="Times New Roman" pitchFamily="18" charset="0"/>
-                <a:cs typeface="Times New Roman" pitchFamily="18" charset="0"/>
-              </a:rPr>
-              <a:t> – незамкнутая поверхностная расчетная сетка, представленная лентой шириной в одну ячейку, заключенной между двумя параллельными плоскостями (</a:t>
-            </a:r>
-            <a:r>
-              <a:rPr lang="en-US" sz="1600" dirty="0" smtClean="0">
-                <a:latin typeface="Times New Roman" pitchFamily="18" charset="0"/>
-                <a:cs typeface="Times New Roman" pitchFamily="18" charset="0"/>
-              </a:rPr>
-              <a:t>back, front)</a:t>
-            </a:r>
-            <a:r>
-              <a:rPr lang="ru-RU" sz="1600" dirty="0" smtClean="0">
-                <a:latin typeface="Times New Roman" pitchFamily="18" charset="0"/>
-                <a:cs typeface="Times New Roman" pitchFamily="18" charset="0"/>
-              </a:rPr>
-              <a:t>. </a:t>
-            </a:r>
-          </a:p>
-          <a:p>
-            <a:endParaRPr lang="ru-RU" sz="1600" dirty="0">
-              <a:latin typeface="Times New Roman" pitchFamily="18" charset="0"/>
-              <a:cs typeface="Times New Roman" pitchFamily="18" charset="0"/>
-            </a:endParaRPr>
-          </a:p>
-          <a:p>
-            <a:r>
-              <a:rPr lang="ru-RU" sz="1600" dirty="0" smtClean="0">
-                <a:latin typeface="Times New Roman" pitchFamily="18" charset="0"/>
-                <a:cs typeface="Times New Roman" pitchFamily="18" charset="0"/>
-              </a:rPr>
-              <a:t>Для удаления самопересечений необходимо точное определение пересечения двух отрезков в пространстве, что затруднено из-за погрешности вычислений.</a:t>
-            </a:r>
-          </a:p>
-          <a:p>
-            <a:endParaRPr lang="ru-RU" sz="1600" dirty="0">
-              <a:latin typeface="Times New Roman" pitchFamily="18" charset="0"/>
-              <a:cs typeface="Times New Roman" pitchFamily="18" charset="0"/>
-            </a:endParaRPr>
-          </a:p>
-          <a:p>
-            <a:r>
-              <a:rPr lang="ru-RU" sz="1600" dirty="0" smtClean="0">
-                <a:latin typeface="Times New Roman" pitchFamily="18" charset="0"/>
-                <a:cs typeface="Times New Roman" pitchFamily="18" charset="0"/>
-              </a:rPr>
-              <a:t>Для решения этой проблемы требуется корректировка координат, что нетрудно выполнить при параллельности плоскостей </a:t>
-            </a:r>
-            <a:r>
-              <a:rPr lang="en-US" sz="1600" dirty="0" smtClean="0">
-                <a:latin typeface="Times New Roman" pitchFamily="18" charset="0"/>
-                <a:cs typeface="Times New Roman" pitchFamily="18" charset="0"/>
-              </a:rPr>
-              <a:t>back, front </a:t>
-            </a:r>
-            <a:r>
-              <a:rPr lang="ru-RU" sz="1600" dirty="0" smtClean="0">
-                <a:latin typeface="Times New Roman" pitchFamily="18" charset="0"/>
-                <a:cs typeface="Times New Roman" pitchFamily="18" charset="0"/>
-              </a:rPr>
-              <a:t>одной из плоскостей </a:t>
-            </a:r>
-            <a:r>
-              <a:rPr lang="en-US" sz="1600" dirty="0" smtClean="0">
-                <a:latin typeface="Times New Roman" pitchFamily="18" charset="0"/>
-                <a:cs typeface="Times New Roman" pitchFamily="18" charset="0"/>
-              </a:rPr>
-              <a:t>OXY, OYZ, OXZ.</a:t>
-            </a:r>
-            <a:endParaRPr lang="ru-RU" sz="1600" dirty="0" smtClean="0">
-              <a:latin typeface="Times New Roman" pitchFamily="18" charset="0"/>
-              <a:cs typeface="Times New Roman" pitchFamily="18" charset="0"/>
-            </a:endParaRPr>
+        </p:nvPicPr>
+        <p:blipFill>
+          <a:blip r:embed="rId3" cstate="print"/>
+          <a:stretch>
+            <a:fillRect/>
+          </a:stretch>
+        </p:blipFill>
+        <p:spPr>
+          <a:xfrm>
+            <a:off x="2317881" y="411510"/>
+            <a:ext cx="2038095" cy="1512000"/>
+          </a:xfrm>
+          <a:prstGeom prst="rect">
+            <a:avLst/>
+          </a:prstGeom>
+        </p:spPr>
+      </p:pic>
+      <p:pic>
+        <p:nvPicPr>
+          <p:cNvPr id="15" name="Рисунок 14" descr="int_triangulate_2_1.png"/>
+          <p:cNvPicPr>
+            <a:picLocks noChangeAspect="1"/>
+          </p:cNvPicPr>
+          <p:nvPr/>
+        </p:nvPicPr>
+        <p:blipFill>
+          <a:blip r:embed="rId4" cstate="print"/>
+          <a:stretch>
+            <a:fillRect/>
+          </a:stretch>
+        </p:blipFill>
+        <p:spPr>
+          <a:xfrm>
+            <a:off x="4788024" y="411510"/>
+            <a:ext cx="2036643" cy="1512000"/>
+          </a:xfrm>
+          <a:prstGeom prst="rect">
+            <a:avLst/>
+          </a:prstGeom>
+        </p:spPr>
+      </p:pic>
+      <p:pic>
+        <p:nvPicPr>
+          <p:cNvPr id="16" name="Рисунок 15" descr="int_triangulate_2_2.png"/>
+          <p:cNvPicPr>
+            <a:picLocks noChangeAspect="1"/>
+          </p:cNvPicPr>
+          <p:nvPr/>
+        </p:nvPicPr>
+        <p:blipFill>
+          <a:blip r:embed="rId5" cstate="print"/>
+          <a:stretch>
+            <a:fillRect/>
+          </a:stretch>
+        </p:blipFill>
+        <p:spPr>
+          <a:xfrm>
+            <a:off x="6804248" y="411510"/>
+            <a:ext cx="2038095" cy="1512000"/>
+          </a:xfrm>
+          <a:prstGeom prst="rect">
+            <a:avLst/>
+          </a:prstGeom>
+        </p:spPr>
+      </p:pic>
+      <p:pic>
+        <p:nvPicPr>
+          <p:cNvPr id="17" name="Рисунок 16" descr="int_triangulate_3_1.png"/>
+          <p:cNvPicPr>
+            <a:picLocks noChangeAspect="1"/>
+          </p:cNvPicPr>
+          <p:nvPr/>
+        </p:nvPicPr>
+        <p:blipFill>
+          <a:blip r:embed="rId6" cstate="print"/>
+          <a:stretch>
+            <a:fillRect/>
+          </a:stretch>
+        </p:blipFill>
+        <p:spPr>
+          <a:xfrm>
+            <a:off x="300931" y="2067862"/>
+            <a:ext cx="2038095" cy="1512000"/>
+          </a:xfrm>
+          <a:prstGeom prst="rect">
+            <a:avLst/>
+          </a:prstGeom>
+        </p:spPr>
+      </p:pic>
+      <p:pic>
+        <p:nvPicPr>
+          <p:cNvPr id="18" name="Рисунок 17" descr="int_triangulate_3_2.png"/>
+          <p:cNvPicPr>
+            <a:picLocks noChangeAspect="1"/>
+          </p:cNvPicPr>
+          <p:nvPr/>
+        </p:nvPicPr>
+        <p:blipFill>
+          <a:blip r:embed="rId7" cstate="print"/>
+          <a:stretch>
+            <a:fillRect/>
+          </a:stretch>
+        </p:blipFill>
+        <p:spPr>
+          <a:xfrm>
+            <a:off x="2318607" y="2067862"/>
+            <a:ext cx="2036643" cy="1512000"/>
+          </a:xfrm>
+          <a:prstGeom prst="rect">
+            <a:avLst/>
+          </a:prstGeom>
+        </p:spPr>
+      </p:pic>
+      <p:pic>
+        <p:nvPicPr>
+          <p:cNvPr id="19" name="Рисунок 18" descr="int_triangulate_4_1.png"/>
+          <p:cNvPicPr>
+            <a:picLocks noChangeAspect="1"/>
+          </p:cNvPicPr>
+          <p:nvPr/>
+        </p:nvPicPr>
+        <p:blipFill>
+          <a:blip r:embed="rId8" cstate="print"/>
+          <a:stretch>
+            <a:fillRect/>
+          </a:stretch>
+        </p:blipFill>
+        <p:spPr>
+          <a:xfrm>
+            <a:off x="4788024" y="2067862"/>
+            <a:ext cx="2036643" cy="1512000"/>
+          </a:xfrm>
+          <a:prstGeom prst="rect">
+            <a:avLst/>
+          </a:prstGeom>
+        </p:spPr>
+      </p:pic>
+      <p:pic>
+        <p:nvPicPr>
+          <p:cNvPr id="20" name="Рисунок 19" descr="int_triangulate_4_2.png"/>
+          <p:cNvPicPr>
+            <a:picLocks noChangeAspect="1"/>
+          </p:cNvPicPr>
+          <p:nvPr/>
+        </p:nvPicPr>
+        <p:blipFill>
+          <a:blip r:embed="rId9" cstate="print"/>
+          <a:stretch>
+            <a:fillRect/>
+          </a:stretch>
+        </p:blipFill>
+        <p:spPr>
+          <a:xfrm>
+            <a:off x="6804248" y="2067862"/>
+            <a:ext cx="2038095" cy="1512000"/>
+          </a:xfrm>
+          <a:prstGeom prst="rect">
+            <a:avLst/>
+          </a:prstGeom>
+        </p:spPr>
+      </p:pic>
+      <p:sp>
+        <p:nvSpPr>
+          <p:cNvPr id="14" name="Номер слайда 13"/>
+          <p:cNvSpPr>
+            <a:spLocks noGrp="1"/>
+          </p:cNvSpPr>
+          <p:nvPr>
+            <p:ph type="sldNum" sz="quarter" idx="12"/>
+          </p:nvPr>
+        </p:nvSpPr>
+        <p:spPr/>
+        <p:txBody>
+          <a:bodyPr/>
+          <a:lstStyle/>
+          <a:p>
+            <a:fld id="{C5FC9A33-0AA4-4ABC-8991-60B335115267}" type="slidenum">
+              <a:rPr lang="ru-RU" smtClean="0"/>
+              <a:pPr/>
+              <a:t>7</a:t>
+            </a:fld>
+            <a:r>
+              <a:rPr lang="en-US" smtClean="0"/>
+              <a:t>/100</a:t>
+            </a:r>
+            <a:endParaRPr lang="ru-RU" dirty="0"/>
           </a:p>
         </p:txBody>
       </p:sp>
@@ -6462,42 +7295,6 @@
       </p:sp>
       <p:sp>
         <p:nvSpPr>
-          <p:cNvPr id="4" name="Номер слайда 3"/>
-          <p:cNvSpPr>
-            <a:spLocks noGrp="1"/>
-          </p:cNvSpPr>
-          <p:nvPr>
-            <p:ph type="sldNum" sz="quarter" idx="12"/>
-          </p:nvPr>
-        </p:nvSpPr>
-        <p:spPr/>
-        <p:txBody>
-          <a:bodyPr/>
-          <a:lstStyle/>
-          <a:p>
-            <a:fld id="{C5FC9A33-0AA4-4ABC-8991-60B335115267}" type="slidenum">
-              <a:rPr lang="ru-RU" smtClean="0">
-                <a:solidFill>
-                  <a:schemeClr val="accent1">
-                    <a:lumMod val="75000"/>
-                  </a:schemeClr>
-                </a:solidFill>
-              </a:rPr>
-              <a:pPr/>
-              <a:t>8</a:t>
-            </a:fld>
-            <a:endParaRPr lang="ru-RU" dirty="0">
-              <a:solidFill>
-                <a:schemeClr val="accent1">
-                  <a:lumMod val="75000"/>
-                </a:schemeClr>
-              </a:solidFill>
-            </a:endParaRPr>
-          </a:p>
-        </p:txBody>
-      </p:sp>
-      <p:sp>
-        <p:nvSpPr>
           <p:cNvPr id="5" name="TextBox 4"/>
           <p:cNvSpPr txBox="1"/>
           <p:nvPr/>
@@ -6533,55 +7330,7 @@
                 <a:latin typeface="Times New Roman" pitchFamily="18" charset="0"/>
                 <a:cs typeface="Times New Roman" pitchFamily="18" charset="0"/>
               </a:rPr>
-              <a:t>Удаление самопересечений </a:t>
-            </a:r>
-            <a:r>
-              <a:rPr lang="ru-RU" b="1" dirty="0" err="1" smtClean="0">
-                <a:solidFill>
-                  <a:schemeClr val="accent1">
-                    <a:lumMod val="75000"/>
-                  </a:schemeClr>
-                </a:solidFill>
-                <a:latin typeface="Times New Roman" pitchFamily="18" charset="0"/>
-                <a:cs typeface="Times New Roman" pitchFamily="18" charset="0"/>
-              </a:rPr>
-              <a:t>псевдотрехмерного</a:t>
-            </a:r>
-            <a:r>
-              <a:rPr lang="ru-RU" b="1" dirty="0" smtClean="0">
-                <a:solidFill>
-                  <a:schemeClr val="accent1">
-                    <a:lumMod val="75000"/>
-                  </a:schemeClr>
-                </a:solidFill>
-                <a:latin typeface="Times New Roman" pitchFamily="18" charset="0"/>
-                <a:cs typeface="Times New Roman" pitchFamily="18" charset="0"/>
-              </a:rPr>
-              <a:t> профиля –</a:t>
-            </a:r>
-            <a:r>
-              <a:rPr lang="en-US" b="1" dirty="0" smtClean="0">
-                <a:solidFill>
-                  <a:schemeClr val="accent1">
-                    <a:lumMod val="75000"/>
-                  </a:schemeClr>
-                </a:solidFill>
-                <a:latin typeface="Times New Roman" pitchFamily="18" charset="0"/>
-                <a:cs typeface="Times New Roman" pitchFamily="18" charset="0"/>
-              </a:rPr>
-              <a:t> </a:t>
-            </a:r>
-            <a:r>
-              <a:rPr lang="ru-RU" b="1" dirty="0" smtClean="0">
-                <a:solidFill>
-                  <a:schemeClr val="accent1">
-                    <a:lumMod val="75000"/>
-                  </a:schemeClr>
-                </a:solidFill>
-                <a:latin typeface="Times New Roman" pitchFamily="18" charset="0"/>
-                <a:cs typeface="Times New Roman" pitchFamily="18" charset="0"/>
-              </a:rPr>
-              <a:t>коррекция профиля</a:t>
+              <a:t>Демонстрация удаления самопересечений</a:t>
             </a:r>
             <a:endParaRPr lang="ru-RU" b="1" dirty="0">
               <a:solidFill>
@@ -6597,53 +7346,40 @@
       </p:sp>
       <p:sp>
         <p:nvSpPr>
-          <p:cNvPr id="9" name="TextBox 8"/>
-          <p:cNvSpPr txBox="1"/>
-          <p:nvPr/>
-        </p:nvSpPr>
-        <p:spPr>
-          <a:xfrm>
-            <a:off x="4644008" y="3507854"/>
-            <a:ext cx="4176464" cy="830997"/>
-          </a:xfrm>
-          <a:prstGeom prst="rect">
-            <a:avLst/>
-          </a:prstGeom>
-          <a:noFill/>
-        </p:spPr>
-        <p:txBody>
-          <a:bodyPr wrap="square" rtlCol="0">
-            <a:spAutoFit/>
-          </a:bodyPr>
-          <a:lstStyle/>
-          <a:p>
-            <a:r>
-              <a:rPr lang="ru-RU" sz="1600" dirty="0" smtClean="0">
-                <a:latin typeface="Times New Roman" pitchFamily="18" charset="0"/>
-                <a:cs typeface="Times New Roman" pitchFamily="18" charset="0"/>
-              </a:rPr>
-              <a:t>После удаления самопересечений сетка может перестать быть </a:t>
-            </a:r>
-            <a:r>
-              <a:rPr lang="ru-RU" sz="1600" dirty="0" err="1" smtClean="0">
-                <a:latin typeface="Times New Roman" pitchFamily="18" charset="0"/>
-                <a:cs typeface="Times New Roman" pitchFamily="18" charset="0"/>
-              </a:rPr>
-              <a:t>псевдотрехмерным</a:t>
-            </a:r>
-            <a:r>
-              <a:rPr lang="ru-RU" sz="1600" dirty="0" smtClean="0">
-                <a:latin typeface="Times New Roman" pitchFamily="18" charset="0"/>
-                <a:cs typeface="Times New Roman" pitchFamily="18" charset="0"/>
-              </a:rPr>
-              <a:t> профилем, что потребует ее коррекции.</a:t>
-            </a:r>
+          <p:cNvPr id="14" name="Номер слайда 13"/>
+          <p:cNvSpPr>
+            <a:spLocks noGrp="1"/>
+          </p:cNvSpPr>
+          <p:nvPr>
+            <p:ph type="sldNum" sz="quarter" idx="12"/>
+          </p:nvPr>
+        </p:nvSpPr>
+        <p:spPr>
+          <a:xfrm>
+            <a:off x="6553200" y="4767264"/>
+            <a:ext cx="2133600" cy="2016000"/>
+          </a:xfrm>
+        </p:spPr>
+        <p:txBody>
+          <a:bodyPr/>
+          <a:lstStyle/>
+          <a:p>
+            <a:fld id="{C5FC9A33-0AA4-4ABC-8991-60B335115267}" type="slidenum">
+              <a:rPr lang="ru-RU" smtClean="0"/>
+              <a:pPr/>
+              <a:t>8</a:t>
+            </a:fld>
+            <a:r>
+              <a:rPr lang="en-US" smtClean="0"/>
+              <a:t>/100</a:t>
+            </a:r>
+            <a:endParaRPr lang="ru-RU" dirty="0"/>
           </a:p>
         </p:txBody>
       </p:sp>
       <p:pic>
         <p:nvPicPr>
-          <p:cNvPr id="11" name="Рисунок 10" descr="int_pseudo3d_after_delete_self_intersections.png"/>
+          <p:cNvPr id="21" name="Рисунок 20" descr="int_self_intersection_off.png"/>
           <p:cNvPicPr>
             <a:picLocks noChangeAspect="1"/>
           </p:cNvPicPr>
@@ -6657,8 +7393,8 @@
         </p:blipFill>
         <p:spPr>
           <a:xfrm>
-            <a:off x="4591041" y="519522"/>
-            <a:ext cx="3653367" cy="2520000"/>
+            <a:off x="971092" y="2607754"/>
+            <a:ext cx="3001919" cy="2016000"/>
           </a:xfrm>
           <a:prstGeom prst="rect">
             <a:avLst/>
@@ -6667,7 +7403,7 @@
       </p:pic>
       <p:pic>
         <p:nvPicPr>
-          <p:cNvPr id="12" name="Рисунок 11" descr="int_pseudo3d_before_self_intersections_2.png"/>
+          <p:cNvPr id="22" name="Рисунок 21" descr="int_self_intersection_off_2.png"/>
           <p:cNvPicPr>
             <a:picLocks noChangeAspect="1"/>
           </p:cNvPicPr>
@@ -6681,8 +7417,8 @@
         </p:blipFill>
         <p:spPr>
           <a:xfrm>
-            <a:off x="774615" y="519522"/>
-            <a:ext cx="3652379" cy="2520000"/>
+            <a:off x="5255568" y="2607754"/>
+            <a:ext cx="3001919" cy="2016000"/>
           </a:xfrm>
           <a:prstGeom prst="rect">
             <a:avLst/>
@@ -6691,7 +7427,7 @@
       </p:pic>
       <p:pic>
         <p:nvPicPr>
-          <p:cNvPr id="13" name="Рисунок 12" descr="int_pseudo3d_after_delete_self_intersections_needs_profile_correction.png"/>
+          <p:cNvPr id="23" name="Рисунок 22" descr="int_self_intersection_on.png"/>
           <p:cNvPicPr>
             <a:picLocks noChangeAspect="1"/>
           </p:cNvPicPr>
@@ -6705,8 +7441,32 @@
         </p:blipFill>
         <p:spPr>
           <a:xfrm>
-            <a:off x="1547664" y="3219822"/>
-            <a:ext cx="2086681" cy="1439340"/>
+            <a:off x="971092" y="447514"/>
+            <a:ext cx="3001919" cy="2016000"/>
+          </a:xfrm>
+          <a:prstGeom prst="rect">
+            <a:avLst/>
+          </a:prstGeom>
+        </p:spPr>
+      </p:pic>
+      <p:pic>
+        <p:nvPicPr>
+          <p:cNvPr id="24" name="Рисунок 23" descr="int_self_intersection_on_2.png"/>
+          <p:cNvPicPr>
+            <a:picLocks noChangeAspect="1"/>
+          </p:cNvPicPr>
+          <p:nvPr/>
+        </p:nvPicPr>
+        <p:blipFill>
+          <a:blip r:embed="rId5" cstate="print"/>
+          <a:stretch>
+            <a:fillRect/>
+          </a:stretch>
+        </p:blipFill>
+        <p:spPr>
+          <a:xfrm>
+            <a:off x="5255568" y="447514"/>
+            <a:ext cx="3001919" cy="2016000"/>
           </a:xfrm>
           <a:prstGeom prst="rect">
             <a:avLst/>
@@ -6781,42 +7541,6 @@
       </p:sp>
       <p:sp>
         <p:nvSpPr>
-          <p:cNvPr id="4" name="Номер слайда 3"/>
-          <p:cNvSpPr>
-            <a:spLocks noGrp="1"/>
-          </p:cNvSpPr>
-          <p:nvPr>
-            <p:ph type="sldNum" sz="quarter" idx="12"/>
-          </p:nvPr>
-        </p:nvSpPr>
-        <p:spPr/>
-        <p:txBody>
-          <a:bodyPr/>
-          <a:lstStyle/>
-          <a:p>
-            <a:fld id="{C5FC9A33-0AA4-4ABC-8991-60B335115267}" type="slidenum">
-              <a:rPr lang="ru-RU" smtClean="0">
-                <a:solidFill>
-                  <a:schemeClr val="accent1">
-                    <a:lumMod val="75000"/>
-                  </a:schemeClr>
-                </a:solidFill>
-              </a:rPr>
-              <a:pPr/>
-              <a:t>9</a:t>
-            </a:fld>
-            <a:endParaRPr lang="ru-RU" dirty="0">
-              <a:solidFill>
-                <a:schemeClr val="accent1">
-                  <a:lumMod val="75000"/>
-                </a:schemeClr>
-              </a:solidFill>
-            </a:endParaRPr>
-          </a:p>
-        </p:txBody>
-      </p:sp>
-      <p:sp>
-        <p:nvSpPr>
           <p:cNvPr id="5" name="TextBox 4"/>
           <p:cNvSpPr txBox="1"/>
           <p:nvPr/>
@@ -6876,7 +7600,19 @@
                 <a:latin typeface="Times New Roman" pitchFamily="18" charset="0"/>
                 <a:cs typeface="Times New Roman" pitchFamily="18" charset="0"/>
               </a:rPr>
-              <a:t> профиля –</a:t>
+              <a:t> профиля </a:t>
+            </a:r>
+            <a:r>
+              <a:rPr lang="ru-RU" b="1" dirty="0">
+                <a:solidFill>
+                  <a:schemeClr val="accent1">
+                    <a:lumMod val="75000"/>
+                  </a:schemeClr>
+                </a:solidFill>
+                <a:latin typeface="Times New Roman" pitchFamily="18" charset="0"/>
+                <a:cs typeface="Times New Roman" pitchFamily="18" charset="0"/>
+              </a:rPr>
+              <a:t>-</a:t>
             </a:r>
             <a:r>
               <a:rPr lang="en-US" b="1" dirty="0" smtClean="0">
@@ -6900,7 +7636,7 @@
                 <a:latin typeface="Times New Roman" pitchFamily="18" charset="0"/>
                 <a:cs typeface="Times New Roman" pitchFamily="18" charset="0"/>
               </a:rPr>
-              <a:t>с сохранением профиля</a:t>
+              <a:t>коррекция координат</a:t>
             </a:r>
             <a:endParaRPr lang="ru-RU" b="1" dirty="0">
               <a:solidFill>
@@ -6914,86 +7650,9 @@
           </a:p>
         </p:txBody>
       </p:sp>
-      <p:sp>
-        <p:nvSpPr>
-          <p:cNvPr id="9" name="TextBox 8"/>
-          <p:cNvSpPr txBox="1"/>
-          <p:nvPr/>
-        </p:nvSpPr>
-        <p:spPr>
-          <a:xfrm>
-            <a:off x="7020272" y="555526"/>
-            <a:ext cx="2016224" cy="3785652"/>
-          </a:xfrm>
-          <a:prstGeom prst="rect">
-            <a:avLst/>
-          </a:prstGeom>
-          <a:noFill/>
-        </p:spPr>
-        <p:txBody>
-          <a:bodyPr wrap="square" rtlCol="0">
-            <a:spAutoFit/>
-          </a:bodyPr>
-          <a:lstStyle/>
-          <a:p>
-            <a:r>
-              <a:rPr lang="ru-RU" sz="1600" b="1" dirty="0" smtClean="0">
-                <a:latin typeface="Times New Roman" pitchFamily="18" charset="0"/>
-                <a:cs typeface="Times New Roman" pitchFamily="18" charset="0"/>
-              </a:rPr>
-              <a:t>Шаги удаления самопересечений:</a:t>
-            </a:r>
-          </a:p>
-          <a:p>
-            <a:endParaRPr lang="ru-RU" sz="1600" dirty="0" smtClean="0">
-              <a:latin typeface="Times New Roman" pitchFamily="18" charset="0"/>
-              <a:cs typeface="Times New Roman" pitchFamily="18" charset="0"/>
-            </a:endParaRPr>
-          </a:p>
-          <a:p>
-            <a:r>
-              <a:rPr lang="ru-RU" sz="1600" dirty="0" smtClean="0">
-                <a:latin typeface="Times New Roman" pitchFamily="18" charset="0"/>
-                <a:cs typeface="Times New Roman" pitchFamily="18" charset="0"/>
-              </a:rPr>
-              <a:t>построение подложки в пространстве;</a:t>
-            </a:r>
-          </a:p>
-          <a:p>
-            <a:endParaRPr lang="ru-RU" sz="1600" dirty="0">
-              <a:latin typeface="Times New Roman" pitchFamily="18" charset="0"/>
-              <a:cs typeface="Times New Roman" pitchFamily="18" charset="0"/>
-            </a:endParaRPr>
-          </a:p>
-          <a:p>
-            <a:r>
-              <a:rPr lang="ru-RU" sz="1600" dirty="0" smtClean="0">
-                <a:latin typeface="Times New Roman" pitchFamily="18" charset="0"/>
-                <a:cs typeface="Times New Roman" pitchFamily="18" charset="0"/>
-              </a:rPr>
-              <a:t>поиск внешней поверхности путем обхода подложки;</a:t>
-            </a:r>
-          </a:p>
-          <a:p>
-            <a:endParaRPr lang="ru-RU" sz="1600" dirty="0">
-              <a:latin typeface="Times New Roman" pitchFamily="18" charset="0"/>
-              <a:cs typeface="Times New Roman" pitchFamily="18" charset="0"/>
-            </a:endParaRPr>
-          </a:p>
-          <a:p>
-            <a:r>
-              <a:rPr lang="ru-RU" sz="1600" dirty="0" smtClean="0">
-                <a:latin typeface="Times New Roman" pitchFamily="18" charset="0"/>
-                <a:cs typeface="Times New Roman" pitchFamily="18" charset="0"/>
-              </a:rPr>
-              <a:t>удаление лишних ячеек путем стягивания сетки по граничным ребрам.</a:t>
-            </a:r>
-          </a:p>
-        </p:txBody>
-      </p:sp>
       <p:pic>
         <p:nvPicPr>
-          <p:cNvPr id="10" name="Рисунок 9" descr="wing_class.png"/>
+          <p:cNvPr id="7" name="Рисунок 6" descr="int_pseudo3d_needs_coordinates_correction.png"/>
           <p:cNvPicPr>
             <a:picLocks noChangeAspect="1"/>
           </p:cNvPicPr>
@@ -7007,134 +7666,157 @@
         </p:blipFill>
         <p:spPr>
           <a:xfrm>
-            <a:off x="2368215" y="2607966"/>
-            <a:ext cx="2221204" cy="1908000"/>
+            <a:off x="107504" y="771550"/>
+            <a:ext cx="5256584" cy="3626839"/>
           </a:xfrm>
           <a:prstGeom prst="rect">
             <a:avLst/>
           </a:prstGeom>
         </p:spPr>
       </p:pic>
-      <p:pic>
-        <p:nvPicPr>
-          <p:cNvPr id="14" name="Рисунок 13" descr="wing_original.png"/>
-          <p:cNvPicPr>
-            <a:picLocks noChangeAspect="1"/>
-          </p:cNvPicPr>
+      <p:sp>
+        <p:nvSpPr>
+          <p:cNvPr id="9" name="TextBox 8"/>
+          <p:cNvSpPr txBox="1"/>
           <p:nvPr/>
-        </p:nvPicPr>
-        <p:blipFill>
-          <a:blip r:embed="rId3" cstate="print"/>
-          <a:stretch>
-            <a:fillRect/>
-          </a:stretch>
-        </p:blipFill>
-        <p:spPr>
-          <a:xfrm>
-            <a:off x="106467" y="620688"/>
-            <a:ext cx="2238694" cy="1908000"/>
-          </a:xfrm>
-          <a:prstGeom prst="rect">
-            <a:avLst/>
-          </a:prstGeom>
-        </p:spPr>
-      </p:pic>
-      <p:pic>
-        <p:nvPicPr>
-          <p:cNvPr id="15" name="Рисунок 14" descr="wing_pt_active.png"/>
-          <p:cNvPicPr>
-            <a:picLocks noChangeAspect="1"/>
-          </p:cNvPicPr>
-          <p:nvPr/>
-        </p:nvPicPr>
-        <p:blipFill>
-          <a:blip r:embed="rId4" cstate="print"/>
-          <a:stretch>
-            <a:fillRect/>
-          </a:stretch>
-        </p:blipFill>
-        <p:spPr>
-          <a:xfrm>
-            <a:off x="96914" y="2607966"/>
-            <a:ext cx="2257800" cy="1908000"/>
-          </a:xfrm>
-          <a:prstGeom prst="rect">
-            <a:avLst/>
-          </a:prstGeom>
-        </p:spPr>
-      </p:pic>
-      <p:pic>
-        <p:nvPicPr>
-          <p:cNvPr id="16" name="Рисунок 15" descr="wing_pt_all.png"/>
-          <p:cNvPicPr>
-            <a:picLocks noChangeAspect="1"/>
-          </p:cNvPicPr>
-          <p:nvPr/>
-        </p:nvPicPr>
-        <p:blipFill>
-          <a:blip r:embed="rId5" cstate="print"/>
-          <a:stretch>
-            <a:fillRect/>
-          </a:stretch>
-        </p:blipFill>
-        <p:spPr>
-          <a:xfrm>
-            <a:off x="2366633" y="620688"/>
-            <a:ext cx="2224369" cy="1908000"/>
-          </a:xfrm>
-          <a:prstGeom prst="rect">
-            <a:avLst/>
-          </a:prstGeom>
-        </p:spPr>
-      </p:pic>
-      <p:pic>
-        <p:nvPicPr>
-          <p:cNvPr id="17" name="Рисунок 16" descr="wing_pt_leafs.png"/>
-          <p:cNvPicPr>
-            <a:picLocks noChangeAspect="1"/>
-          </p:cNvPicPr>
-          <p:nvPr/>
-        </p:nvPicPr>
-        <p:blipFill>
-          <a:blip r:embed="rId6" cstate="print"/>
-          <a:stretch>
-            <a:fillRect/>
-          </a:stretch>
-        </p:blipFill>
-        <p:spPr>
-          <a:xfrm>
-            <a:off x="4670889" y="620688"/>
-            <a:ext cx="2277375" cy="1908000"/>
-          </a:xfrm>
-          <a:prstGeom prst="rect">
-            <a:avLst/>
-          </a:prstGeom>
-        </p:spPr>
-      </p:pic>
-      <p:pic>
-        <p:nvPicPr>
-          <p:cNvPr id="18" name="Рисунок 17" descr="wing_reduce.png"/>
-          <p:cNvPicPr>
-            <a:picLocks noChangeAspect="1"/>
-          </p:cNvPicPr>
-          <p:nvPr/>
-        </p:nvPicPr>
-        <p:blipFill>
-          <a:blip r:embed="rId7" cstate="print"/>
-          <a:stretch>
-            <a:fillRect/>
-          </a:stretch>
-        </p:blipFill>
-        <p:spPr>
-          <a:xfrm>
-            <a:off x="4695066" y="2607966"/>
-            <a:ext cx="2229020" cy="1908000"/>
-          </a:xfrm>
-          <a:prstGeom prst="rect">
-            <a:avLst/>
-          </a:prstGeom>
-        </p:spPr>
-      </p:pic>
+        </p:nvSpPr>
+        <p:spPr>
+          <a:xfrm>
+            <a:off x="5143109" y="483518"/>
+            <a:ext cx="3893387" cy="4278094"/>
+          </a:xfrm>
+          <a:prstGeom prst="rect">
+            <a:avLst/>
+          </a:prstGeom>
+          <a:noFill/>
+        </p:spPr>
+        <p:txBody>
+          <a:bodyPr wrap="square" rtlCol="0">
+            <a:spAutoFit/>
+          </a:bodyPr>
+          <a:lstStyle/>
+          <a:p>
+            <a:r>
+              <a:rPr lang="ru-RU" sz="1600" b="1" dirty="0" err="1" smtClean="0">
+                <a:latin typeface="Times New Roman" pitchFamily="18" charset="0"/>
+                <a:cs typeface="Times New Roman" pitchFamily="18" charset="0"/>
+              </a:rPr>
+              <a:t>Псевдотрехмерный</a:t>
+            </a:r>
+            <a:r>
+              <a:rPr lang="ru-RU" sz="1600" b="1" dirty="0" smtClean="0">
+                <a:latin typeface="Times New Roman" pitchFamily="18" charset="0"/>
+                <a:cs typeface="Times New Roman" pitchFamily="18" charset="0"/>
+              </a:rPr>
+              <a:t> профиль</a:t>
+            </a:r>
+            <a:r>
+              <a:rPr lang="ru-RU" sz="1600" dirty="0" smtClean="0">
+                <a:latin typeface="Times New Roman" pitchFamily="18" charset="0"/>
+                <a:cs typeface="Times New Roman" pitchFamily="18" charset="0"/>
+              </a:rPr>
+              <a:t> – незамкнутая поверхностная расчетная сетка, представленная лентой шириной в одну ячейку, заключенной между двумя параллельными плоскостями (</a:t>
+            </a:r>
+            <a:r>
+              <a:rPr lang="en-US" sz="1600" dirty="0" smtClean="0">
+                <a:latin typeface="Times New Roman" pitchFamily="18" charset="0"/>
+                <a:cs typeface="Times New Roman" pitchFamily="18" charset="0"/>
+              </a:rPr>
+              <a:t>back, front)</a:t>
+            </a:r>
+            <a:r>
+              <a:rPr lang="ru-RU" sz="1600" dirty="0" smtClean="0">
+                <a:latin typeface="Times New Roman" pitchFamily="18" charset="0"/>
+                <a:cs typeface="Times New Roman" pitchFamily="18" charset="0"/>
+              </a:rPr>
+              <a:t>. </a:t>
+            </a:r>
+          </a:p>
+          <a:p>
+            <a:endParaRPr lang="ru-RU" sz="1600" dirty="0">
+              <a:latin typeface="Times New Roman" pitchFamily="18" charset="0"/>
+              <a:cs typeface="Times New Roman" pitchFamily="18" charset="0"/>
+            </a:endParaRPr>
+          </a:p>
+          <a:p>
+            <a:r>
+              <a:rPr lang="ru-RU" sz="1600" dirty="0" smtClean="0">
+                <a:latin typeface="Times New Roman" pitchFamily="18" charset="0"/>
+                <a:cs typeface="Times New Roman" pitchFamily="18" charset="0"/>
+              </a:rPr>
+              <a:t>Для удаления самопересечений необходимо точное определение пересечения двух отрезков в пространстве, что затруднено из-за погрешности вычислений.</a:t>
+            </a:r>
+          </a:p>
+          <a:p>
+            <a:endParaRPr lang="ru-RU" sz="1600" dirty="0">
+              <a:latin typeface="Times New Roman" pitchFamily="18" charset="0"/>
+              <a:cs typeface="Times New Roman" pitchFamily="18" charset="0"/>
+            </a:endParaRPr>
+          </a:p>
+          <a:p>
+            <a:r>
+              <a:rPr lang="ru-RU" sz="1600" dirty="0" smtClean="0">
+                <a:latin typeface="Times New Roman" pitchFamily="18" charset="0"/>
+                <a:cs typeface="Times New Roman" pitchFamily="18" charset="0"/>
+              </a:rPr>
+              <a:t>Для решения этой проблемы требуется корректировка координат, что нетрудно выполнить при параллельности плоскостей </a:t>
+            </a:r>
+            <a:r>
+              <a:rPr lang="en-US" sz="1600" dirty="0" smtClean="0">
+                <a:latin typeface="Times New Roman" pitchFamily="18" charset="0"/>
+                <a:cs typeface="Times New Roman" pitchFamily="18" charset="0"/>
+              </a:rPr>
+              <a:t>back, front </a:t>
+            </a:r>
+            <a:r>
+              <a:rPr lang="ru-RU" sz="1600" dirty="0" smtClean="0">
+                <a:latin typeface="Times New Roman" pitchFamily="18" charset="0"/>
+                <a:cs typeface="Times New Roman" pitchFamily="18" charset="0"/>
+              </a:rPr>
+              <a:t>одной из плоскостей </a:t>
+            </a:r>
+            <a:r>
+              <a:rPr lang="en-US" sz="1600" dirty="0" smtClean="0">
+                <a:latin typeface="Times New Roman" pitchFamily="18" charset="0"/>
+                <a:cs typeface="Times New Roman" pitchFamily="18" charset="0"/>
+              </a:rPr>
+              <a:t>OXY, OYZ, OXZ.</a:t>
+            </a:r>
+            <a:endParaRPr lang="ru-RU" sz="1600" dirty="0" smtClean="0">
+              <a:latin typeface="Times New Roman" pitchFamily="18" charset="0"/>
+              <a:cs typeface="Times New Roman" pitchFamily="18" charset="0"/>
+            </a:endParaRPr>
+          </a:p>
+        </p:txBody>
+      </p:sp>
+      <p:sp>
+        <p:nvSpPr>
+          <p:cNvPr id="10" name="Номер слайда 9"/>
+          <p:cNvSpPr>
+            <a:spLocks noGrp="1"/>
+          </p:cNvSpPr>
+          <p:nvPr>
+            <p:ph type="sldNum" sz="quarter" idx="12"/>
+          </p:nvPr>
+        </p:nvSpPr>
+        <p:spPr/>
+        <p:txBody>
+          <a:bodyPr/>
+          <a:lstStyle/>
+          <a:p>
+            <a:fld id="{C5FC9A33-0AA4-4ABC-8991-60B335115267}" type="slidenum">
+              <a:rPr lang="ru-RU" smtClean="0"/>
+              <a:pPr/>
+              <a:t>9</a:t>
+            </a:fld>
+            <a:r>
+              <a:rPr lang="en-US" smtClean="0"/>
+              <a:t>/100</a:t>
+            </a:r>
+            <a:endParaRPr lang="ru-RU" dirty="0"/>
+          </a:p>
+        </p:txBody>
+      </p:sp>
     </p:spTree>
   </p:cSld>
   <p:clrMapOvr>

--- a/presentation/2025-10-20/rybakov.pptx
+++ b/presentation/2025-10-20/rybakov.pptx
@@ -5,21 +5,24 @@
     <p:sldMasterId id="2147483648" r:id="rId1"/>
   </p:sldMasterIdLst>
   <p:notesMasterIdLst>
-    <p:notesMasterId r:id="rId14"/>
+    <p:notesMasterId r:id="rId17"/>
   </p:notesMasterIdLst>
   <p:sldIdLst>
     <p:sldId id="260" r:id="rId2"/>
-    <p:sldId id="263" r:id="rId3"/>
-    <p:sldId id="264" r:id="rId4"/>
-    <p:sldId id="265" r:id="rId5"/>
-    <p:sldId id="266" r:id="rId6"/>
-    <p:sldId id="261" r:id="rId7"/>
-    <p:sldId id="262" r:id="rId8"/>
-    <p:sldId id="267" r:id="rId9"/>
-    <p:sldId id="256" r:id="rId10"/>
-    <p:sldId id="257" r:id="rId11"/>
-    <p:sldId id="258" r:id="rId12"/>
-    <p:sldId id="259" r:id="rId13"/>
+    <p:sldId id="269" r:id="rId3"/>
+    <p:sldId id="270" r:id="rId4"/>
+    <p:sldId id="268" r:id="rId5"/>
+    <p:sldId id="263" r:id="rId6"/>
+    <p:sldId id="264" r:id="rId7"/>
+    <p:sldId id="265" r:id="rId8"/>
+    <p:sldId id="266" r:id="rId9"/>
+    <p:sldId id="261" r:id="rId10"/>
+    <p:sldId id="262" r:id="rId11"/>
+    <p:sldId id="267" r:id="rId12"/>
+    <p:sldId id="256" r:id="rId13"/>
+    <p:sldId id="257" r:id="rId14"/>
+    <p:sldId id="258" r:id="rId15"/>
+    <p:sldId id="259" r:id="rId16"/>
   </p:sldIdLst>
   <p:sldSz cx="9144000" cy="5143500" type="screen16x9"/>
   <p:notesSz cx="6858000" cy="9144000"/>
@@ -539,6 +542,252 @@
               <a:rPr lang="ru-RU" smtClean="0"/>
               <a:pPr/>
               <a:t>1</a:t>
+            </a:fld>
+            <a:endParaRPr lang="ru-RU"/>
+          </a:p>
+        </p:txBody>
+      </p:sp>
+    </p:spTree>
+  </p:cSld>
+  <p:clrMapOvr>
+    <a:masterClrMapping/>
+  </p:clrMapOvr>
+</p:notes>
+</file>
+
+<file path=ppt/notesSlides/notesSlide2.xml><?xml version="1.0" encoding="utf-8"?>
+<p:notes xmlns:a="http://schemas.openxmlformats.org/drawingml/2006/main" xmlns:r="http://schemas.openxmlformats.org/officeDocument/2006/relationships" xmlns:p="http://schemas.openxmlformats.org/presentationml/2006/main">
+  <p:cSld>
+    <p:spTree>
+      <p:nvGrpSpPr>
+        <p:cNvPr id="1" name=""/>
+        <p:cNvGrpSpPr/>
+        <p:nvPr/>
+      </p:nvGrpSpPr>
+      <p:grpSpPr>
+        <a:xfrm>
+          <a:off x="0" y="0"/>
+          <a:ext cx="0" cy="0"/>
+          <a:chOff x="0" y="0"/>
+          <a:chExt cx="0" cy="0"/>
+        </a:xfrm>
+      </p:grpSpPr>
+      <p:sp>
+        <p:nvSpPr>
+          <p:cNvPr id="2" name="Образ слайда 1"/>
+          <p:cNvSpPr>
+            <a:spLocks noGrp="1" noRot="1" noChangeAspect="1"/>
+          </p:cNvSpPr>
+          <p:nvPr>
+            <p:ph type="sldImg"/>
+          </p:nvPr>
+        </p:nvSpPr>
+        <p:spPr/>
+      </p:sp>
+      <p:sp>
+        <p:nvSpPr>
+          <p:cNvPr id="3" name="Заметки 2"/>
+          <p:cNvSpPr>
+            <a:spLocks noGrp="1"/>
+          </p:cNvSpPr>
+          <p:nvPr>
+            <p:ph type="body" idx="1"/>
+          </p:nvPr>
+        </p:nvSpPr>
+        <p:spPr/>
+        <p:txBody>
+          <a:bodyPr>
+            <a:normAutofit/>
+          </a:bodyPr>
+          <a:lstStyle/>
+          <a:p>
+            <a:endParaRPr lang="ru-RU"/>
+          </a:p>
+        </p:txBody>
+      </p:sp>
+      <p:sp>
+        <p:nvSpPr>
+          <p:cNvPr id="4" name="Номер слайда 3"/>
+          <p:cNvSpPr>
+            <a:spLocks noGrp="1"/>
+          </p:cNvSpPr>
+          <p:nvPr>
+            <p:ph type="sldNum" sz="quarter" idx="10"/>
+          </p:nvPr>
+        </p:nvSpPr>
+        <p:spPr/>
+        <p:txBody>
+          <a:bodyPr/>
+          <a:lstStyle/>
+          <a:p>
+            <a:fld id="{C695ECB9-005B-4223-8FE7-4C5EF5D893D1}" type="slidenum">
+              <a:rPr lang="ru-RU" smtClean="0"/>
+              <a:pPr/>
+              <a:t>2</a:t>
+            </a:fld>
+            <a:endParaRPr lang="ru-RU"/>
+          </a:p>
+        </p:txBody>
+      </p:sp>
+    </p:spTree>
+  </p:cSld>
+  <p:clrMapOvr>
+    <a:masterClrMapping/>
+  </p:clrMapOvr>
+</p:notes>
+</file>
+
+<file path=ppt/notesSlides/notesSlide3.xml><?xml version="1.0" encoding="utf-8"?>
+<p:notes xmlns:a="http://schemas.openxmlformats.org/drawingml/2006/main" xmlns:r="http://schemas.openxmlformats.org/officeDocument/2006/relationships" xmlns:p="http://schemas.openxmlformats.org/presentationml/2006/main">
+  <p:cSld>
+    <p:spTree>
+      <p:nvGrpSpPr>
+        <p:cNvPr id="1" name=""/>
+        <p:cNvGrpSpPr/>
+        <p:nvPr/>
+      </p:nvGrpSpPr>
+      <p:grpSpPr>
+        <a:xfrm>
+          <a:off x="0" y="0"/>
+          <a:ext cx="0" cy="0"/>
+          <a:chOff x="0" y="0"/>
+          <a:chExt cx="0" cy="0"/>
+        </a:xfrm>
+      </p:grpSpPr>
+      <p:sp>
+        <p:nvSpPr>
+          <p:cNvPr id="2" name="Образ слайда 1"/>
+          <p:cNvSpPr>
+            <a:spLocks noGrp="1" noRot="1" noChangeAspect="1"/>
+          </p:cNvSpPr>
+          <p:nvPr>
+            <p:ph type="sldImg"/>
+          </p:nvPr>
+        </p:nvSpPr>
+        <p:spPr/>
+      </p:sp>
+      <p:sp>
+        <p:nvSpPr>
+          <p:cNvPr id="3" name="Заметки 2"/>
+          <p:cNvSpPr>
+            <a:spLocks noGrp="1"/>
+          </p:cNvSpPr>
+          <p:nvPr>
+            <p:ph type="body" idx="1"/>
+          </p:nvPr>
+        </p:nvSpPr>
+        <p:spPr/>
+        <p:txBody>
+          <a:bodyPr>
+            <a:normAutofit/>
+          </a:bodyPr>
+          <a:lstStyle/>
+          <a:p>
+            <a:endParaRPr lang="ru-RU"/>
+          </a:p>
+        </p:txBody>
+      </p:sp>
+      <p:sp>
+        <p:nvSpPr>
+          <p:cNvPr id="4" name="Номер слайда 3"/>
+          <p:cNvSpPr>
+            <a:spLocks noGrp="1"/>
+          </p:cNvSpPr>
+          <p:nvPr>
+            <p:ph type="sldNum" sz="quarter" idx="10"/>
+          </p:nvPr>
+        </p:nvSpPr>
+        <p:spPr/>
+        <p:txBody>
+          <a:bodyPr/>
+          <a:lstStyle/>
+          <a:p>
+            <a:fld id="{C695ECB9-005B-4223-8FE7-4C5EF5D893D1}" type="slidenum">
+              <a:rPr lang="ru-RU" smtClean="0"/>
+              <a:pPr/>
+              <a:t>3</a:t>
+            </a:fld>
+            <a:endParaRPr lang="ru-RU"/>
+          </a:p>
+        </p:txBody>
+      </p:sp>
+    </p:spTree>
+  </p:cSld>
+  <p:clrMapOvr>
+    <a:masterClrMapping/>
+  </p:clrMapOvr>
+</p:notes>
+</file>
+
+<file path=ppt/notesSlides/notesSlide4.xml><?xml version="1.0" encoding="utf-8"?>
+<p:notes xmlns:a="http://schemas.openxmlformats.org/drawingml/2006/main" xmlns:r="http://schemas.openxmlformats.org/officeDocument/2006/relationships" xmlns:p="http://schemas.openxmlformats.org/presentationml/2006/main">
+  <p:cSld>
+    <p:spTree>
+      <p:nvGrpSpPr>
+        <p:cNvPr id="1" name=""/>
+        <p:cNvGrpSpPr/>
+        <p:nvPr/>
+      </p:nvGrpSpPr>
+      <p:grpSpPr>
+        <a:xfrm>
+          <a:off x="0" y="0"/>
+          <a:ext cx="0" cy="0"/>
+          <a:chOff x="0" y="0"/>
+          <a:chExt cx="0" cy="0"/>
+        </a:xfrm>
+      </p:grpSpPr>
+      <p:sp>
+        <p:nvSpPr>
+          <p:cNvPr id="2" name="Образ слайда 1"/>
+          <p:cNvSpPr>
+            <a:spLocks noGrp="1" noRot="1" noChangeAspect="1"/>
+          </p:cNvSpPr>
+          <p:nvPr>
+            <p:ph type="sldImg"/>
+          </p:nvPr>
+        </p:nvSpPr>
+        <p:spPr/>
+      </p:sp>
+      <p:sp>
+        <p:nvSpPr>
+          <p:cNvPr id="3" name="Заметки 2"/>
+          <p:cNvSpPr>
+            <a:spLocks noGrp="1"/>
+          </p:cNvSpPr>
+          <p:nvPr>
+            <p:ph type="body" idx="1"/>
+          </p:nvPr>
+        </p:nvSpPr>
+        <p:spPr/>
+        <p:txBody>
+          <a:bodyPr>
+            <a:normAutofit/>
+          </a:bodyPr>
+          <a:lstStyle/>
+          <a:p>
+            <a:endParaRPr lang="ru-RU"/>
+          </a:p>
+        </p:txBody>
+      </p:sp>
+      <p:sp>
+        <p:nvSpPr>
+          <p:cNvPr id="4" name="Номер слайда 3"/>
+          <p:cNvSpPr>
+            <a:spLocks noGrp="1"/>
+          </p:cNvSpPr>
+          <p:nvPr>
+            <p:ph type="sldNum" sz="quarter" idx="10"/>
+          </p:nvPr>
+        </p:nvSpPr>
+        <p:spPr/>
+        <p:txBody>
+          <a:bodyPr/>
+          <a:lstStyle/>
+          <a:p>
+            <a:fld id="{C695ECB9-005B-4223-8FE7-4C5EF5D893D1}" type="slidenum">
+              <a:rPr lang="ru-RU" smtClean="0"/>
+              <a:pPr/>
+              <a:t>4</a:t>
             </a:fld>
             <a:endParaRPr lang="ru-RU"/>
           </a:p>
@@ -3551,7 +3800,7 @@
         </p:nvSpPr>
         <p:spPr>
           <a:xfrm>
-            <a:off x="323528" y="3435846"/>
+            <a:off x="251520" y="3435846"/>
             <a:ext cx="8712968" cy="1323439"/>
           </a:xfrm>
           <a:prstGeom prst="rect">
@@ -3566,40 +3815,211 @@
           <a:lstStyle/>
           <a:p>
             <a:r>
-              <a:rPr lang="ru-RU" sz="1600" b="1" dirty="0" smtClean="0">
-                <a:latin typeface="Times New Roman" pitchFamily="18" charset="0"/>
-                <a:cs typeface="Times New Roman" pitchFamily="18" charset="0"/>
-              </a:rPr>
-              <a:t>Самопересечение</a:t>
-            </a:r>
-            <a:r>
               <a:rPr lang="ru-RU" sz="1600" dirty="0" smtClean="0">
                 <a:latin typeface="Times New Roman" pitchFamily="18" charset="0"/>
                 <a:cs typeface="Times New Roman" pitchFamily="18" charset="0"/>
               </a:rPr>
-              <a:t> – критический дефект расчетной сетки, который должен быть удален для возможности продолжения корректных расчетов.</a:t>
-            </a:r>
-          </a:p>
-          <a:p>
+              <a:t>Поверхностная расчетная сетки в двумерном случае представлена ломаной без самопересечений с заданными направлениями внешних нормалей ячеек и вычисленными через них внешними нормалями узлов.</a:t>
+            </a:r>
+            <a:r>
+              <a:rPr lang="en-US" sz="1600" dirty="0" smtClean="0">
+                <a:latin typeface="Times New Roman" pitchFamily="18" charset="0"/>
+                <a:cs typeface="Times New Roman" pitchFamily="18" charset="0"/>
+              </a:rPr>
+              <a:t> </a:t>
+            </a:r>
+            <a:r>
+              <a:rPr lang="ru-RU" sz="1600" dirty="0" smtClean="0">
+                <a:latin typeface="Times New Roman" pitchFamily="18" charset="0"/>
+                <a:cs typeface="Times New Roman" pitchFamily="18" charset="0"/>
+              </a:rPr>
+              <a:t>В каждой ячейке задано смещение в направлении нормали </a:t>
+            </a:r>
+            <a:r>
+              <a:rPr lang="en-US" sz="1600" i="1" dirty="0" smtClean="0">
+                <a:latin typeface="Times New Roman" pitchFamily="18" charset="0"/>
+                <a:cs typeface="Times New Roman" pitchFamily="18" charset="0"/>
+              </a:rPr>
+              <a:t>H</a:t>
+            </a:r>
+            <a:r>
+              <a:rPr lang="en-US" sz="1600" i="1" baseline="-25000" dirty="0" smtClean="0">
+                <a:latin typeface="Times New Roman" pitchFamily="18" charset="0"/>
+                <a:cs typeface="Times New Roman" pitchFamily="18" charset="0"/>
+              </a:rPr>
+              <a:t>i</a:t>
+            </a:r>
+            <a:r>
+              <a:rPr lang="en-US" sz="1600" dirty="0" smtClean="0">
+                <a:latin typeface="Times New Roman" pitchFamily="18" charset="0"/>
+                <a:cs typeface="Times New Roman" pitchFamily="18" charset="0"/>
+              </a:rPr>
+              <a:t>. </a:t>
+            </a:r>
+            <a:r>
+              <a:rPr lang="ru-RU" sz="1600" dirty="0" smtClean="0">
+                <a:latin typeface="Times New Roman" pitchFamily="18" charset="0"/>
+                <a:cs typeface="Times New Roman" pitchFamily="18" charset="0"/>
+              </a:rPr>
+              <a:t>Необходимо найти такие новые положения узлов, чтобы площадь </a:t>
+            </a:r>
+            <a:r>
+              <a:rPr lang="en-US" sz="1600" i="1" dirty="0" smtClean="0">
+                <a:latin typeface="Times New Roman" pitchFamily="18" charset="0"/>
+                <a:cs typeface="Times New Roman" pitchFamily="18" charset="0"/>
+              </a:rPr>
+              <a:t>S</a:t>
+            </a:r>
+            <a:r>
+              <a:rPr lang="en-US" sz="1600" i="1" baseline="-25000" dirty="0" smtClean="0">
+                <a:latin typeface="Times New Roman" pitchFamily="18" charset="0"/>
+                <a:cs typeface="Times New Roman" pitchFamily="18" charset="0"/>
+              </a:rPr>
+              <a:t>i</a:t>
+            </a:r>
+            <a:r>
+              <a:rPr lang="en-US" sz="1600" dirty="0" smtClean="0">
+                <a:latin typeface="Times New Roman" pitchFamily="18" charset="0"/>
+                <a:cs typeface="Times New Roman" pitchFamily="18" charset="0"/>
+              </a:rPr>
+              <a:t> </a:t>
+            </a:r>
+            <a:r>
+              <a:rPr lang="ru-RU" sz="1600" dirty="0" smtClean="0">
+                <a:latin typeface="Times New Roman" pitchFamily="18" charset="0"/>
+                <a:cs typeface="Times New Roman" pitchFamily="18" charset="0"/>
+              </a:rPr>
+              <a:t>заметаемая при движении ячейки </a:t>
+            </a:r>
+            <a:r>
+              <a:rPr lang="en-US" sz="1600" i="1" dirty="0" err="1" smtClean="0">
+                <a:latin typeface="Times New Roman" pitchFamily="18" charset="0"/>
+                <a:cs typeface="Times New Roman" pitchFamily="18" charset="0"/>
+              </a:rPr>
+              <a:t>F</a:t>
+            </a:r>
+            <a:r>
+              <a:rPr lang="en-US" sz="1600" i="1" baseline="-25000" dirty="0" err="1" smtClean="0">
+                <a:latin typeface="Times New Roman" pitchFamily="18" charset="0"/>
+                <a:cs typeface="Times New Roman" pitchFamily="18" charset="0"/>
+              </a:rPr>
+              <a:t>i</a:t>
+            </a:r>
+            <a:r>
+              <a:rPr lang="en-US" sz="1600" dirty="0" smtClean="0">
+                <a:latin typeface="Times New Roman" pitchFamily="18" charset="0"/>
+                <a:cs typeface="Times New Roman" pitchFamily="18" charset="0"/>
+              </a:rPr>
+              <a:t> </a:t>
+            </a:r>
+            <a:r>
+              <a:rPr lang="ru-RU" sz="1600" dirty="0" smtClean="0">
+                <a:latin typeface="Times New Roman" pitchFamily="18" charset="0"/>
+                <a:cs typeface="Times New Roman" pitchFamily="18" charset="0"/>
+              </a:rPr>
+              <a:t>как можно меньше отличалась от целевой площади </a:t>
+            </a:r>
+            <a:r>
+              <a:rPr lang="en-US" sz="1600" i="1" dirty="0" smtClean="0">
+                <a:latin typeface="Times New Roman" pitchFamily="18" charset="0"/>
+                <a:cs typeface="Times New Roman" pitchFamily="18" charset="0"/>
+              </a:rPr>
+              <a:t>T</a:t>
+            </a:r>
+            <a:r>
+              <a:rPr lang="en-US" sz="1600" i="1" baseline="-25000" dirty="0" smtClean="0">
+                <a:latin typeface="Times New Roman" pitchFamily="18" charset="0"/>
+                <a:cs typeface="Times New Roman" pitchFamily="18" charset="0"/>
+              </a:rPr>
+              <a:t>i</a:t>
+            </a:r>
+            <a:r>
+              <a:rPr lang="en-US" sz="1600" dirty="0" smtClean="0">
+                <a:latin typeface="Times New Roman" pitchFamily="18" charset="0"/>
+                <a:cs typeface="Times New Roman" pitchFamily="18" charset="0"/>
+              </a:rPr>
+              <a:t>.</a:t>
+            </a:r>
             <a:endParaRPr lang="ru-RU" sz="1600" dirty="0" smtClean="0">
               <a:latin typeface="Times New Roman" pitchFamily="18" charset="0"/>
               <a:cs typeface="Times New Roman" pitchFamily="18" charset="0"/>
             </a:endParaRPr>
           </a:p>
-          <a:p>
-            <a:r>
-              <a:rPr lang="ru-RU" sz="1600" dirty="0" smtClean="0">
-                <a:latin typeface="Times New Roman" pitchFamily="18" charset="0"/>
-                <a:cs typeface="Times New Roman" pitchFamily="18" charset="0"/>
-              </a:rPr>
-              <a:t>Сглаживание сетки может отложить возникновение самопересечений, однако не может предотвратить их появление.</a:t>
-            </a:r>
+        </p:txBody>
+      </p:sp>
+      <p:sp>
+        <p:nvSpPr>
+          <p:cNvPr id="5" name="TextBox 4"/>
+          <p:cNvSpPr txBox="1"/>
+          <p:nvPr/>
+        </p:nvSpPr>
+        <p:spPr>
+          <a:xfrm>
+            <a:off x="0" y="0"/>
+            <a:ext cx="9144000" cy="369332"/>
+          </a:xfrm>
+          <a:prstGeom prst="rect">
+            <a:avLst/>
+          </a:prstGeom>
+          <a:solidFill>
+            <a:schemeClr val="bg1">
+              <a:lumMod val="85000"/>
+            </a:schemeClr>
+          </a:solidFill>
+        </p:spPr>
+        <p:txBody>
+          <a:bodyPr wrap="square" rtlCol="0">
+            <a:spAutoFit/>
+          </a:bodyPr>
+          <a:lstStyle/>
+          <a:p>
+            <a:pPr algn="ctr"/>
+            <a:r>
+              <a:rPr lang="ru-RU" b="1" dirty="0" smtClean="0">
+                <a:solidFill>
+                  <a:schemeClr val="accent1">
+                    <a:lumMod val="75000"/>
+                  </a:schemeClr>
+                </a:solidFill>
+                <a:latin typeface="Times New Roman" pitchFamily="18" charset="0"/>
+                <a:cs typeface="Times New Roman" pitchFamily="18" charset="0"/>
+              </a:rPr>
+              <a:t>Перестроение поверхностной сетки в двумерном случае</a:t>
+            </a:r>
+          </a:p>
+        </p:txBody>
+      </p:sp>
+      <p:sp>
+        <p:nvSpPr>
+          <p:cNvPr id="7" name="Номер слайда 6"/>
+          <p:cNvSpPr>
+            <a:spLocks noGrp="1"/>
+          </p:cNvSpPr>
+          <p:nvPr>
+            <p:ph type="sldNum" sz="quarter" idx="12"/>
+          </p:nvPr>
+        </p:nvSpPr>
+        <p:spPr/>
+        <p:txBody>
+          <a:bodyPr/>
+          <a:lstStyle/>
+          <a:p>
+            <a:fld id="{C5FC9A33-0AA4-4ABC-8991-60B335115267}" type="slidenum">
+              <a:rPr lang="ru-RU" smtClean="0"/>
+              <a:pPr/>
+              <a:t>1</a:t>
+            </a:fld>
+            <a:r>
+              <a:rPr lang="en-US" smtClean="0"/>
+              <a:t>/100</a:t>
+            </a:r>
+            <a:endParaRPr lang="ru-RU" dirty="0"/>
           </a:p>
         </p:txBody>
       </p:sp>
       <p:pic>
         <p:nvPicPr>
-          <p:cNvPr id="10" name="Рисунок 9" descr="int_critical_defect.png"/>
+          <p:cNvPr id="11" name="Рисунок 10" descr="2dr_grid_normals.png"/>
           <p:cNvPicPr>
             <a:picLocks noChangeAspect="1"/>
           </p:cNvPicPr>
@@ -3613,93 +4033,179 @@
         </p:blipFill>
         <p:spPr>
           <a:xfrm>
-            <a:off x="1547664" y="146613"/>
-            <a:ext cx="6264696" cy="3217225"/>
+            <a:off x="575787" y="553872"/>
+            <a:ext cx="5652397" cy="2809966"/>
           </a:xfrm>
           <a:prstGeom prst="rect">
             <a:avLst/>
           </a:prstGeom>
         </p:spPr>
       </p:pic>
-      <p:sp>
-        <p:nvSpPr>
-          <p:cNvPr id="5" name="TextBox 4"/>
-          <p:cNvSpPr txBox="1"/>
-          <p:nvPr/>
-        </p:nvSpPr>
-        <p:spPr>
-          <a:xfrm>
-            <a:off x="0" y="0"/>
-            <a:ext cx="9144000" cy="369332"/>
-          </a:xfrm>
-          <a:prstGeom prst="rect">
-            <a:avLst/>
-          </a:prstGeom>
-          <a:solidFill>
-            <a:schemeClr val="bg1">
-              <a:lumMod val="85000"/>
-            </a:schemeClr>
-          </a:solidFill>
-        </p:spPr>
-        <p:txBody>
-          <a:bodyPr wrap="square" rtlCol="0">
-            <a:spAutoFit/>
-          </a:bodyPr>
-          <a:lstStyle/>
-          <a:p>
-            <a:pPr algn="ctr"/>
-            <a:r>
-              <a:rPr lang="ru-RU" b="1" dirty="0" smtClean="0">
-                <a:solidFill>
-                  <a:schemeClr val="accent1">
-                    <a:lumMod val="75000"/>
-                  </a:schemeClr>
-                </a:solidFill>
-                <a:latin typeface="Times New Roman" pitchFamily="18" charset="0"/>
-                <a:cs typeface="Times New Roman" pitchFamily="18" charset="0"/>
-              </a:rPr>
-              <a:t>Возникновение самопересечений поверхностной расчетной сетки</a:t>
-            </a:r>
-            <a:endParaRPr lang="ru-RU" b="1" dirty="0">
-              <a:solidFill>
-                <a:schemeClr val="accent1">
-                  <a:lumMod val="75000"/>
-                </a:schemeClr>
-              </a:solidFill>
-              <a:latin typeface="Times New Roman" pitchFamily="18" charset="0"/>
-              <a:cs typeface="Times New Roman" pitchFamily="18" charset="0"/>
-            </a:endParaRPr>
-          </a:p>
-        </p:txBody>
-      </p:sp>
-      <p:sp>
-        <p:nvSpPr>
-          <p:cNvPr id="7" name="Номер слайда 6"/>
-          <p:cNvSpPr>
-            <a:spLocks noGrp="1"/>
-          </p:cNvSpPr>
-          <p:nvPr>
-            <p:ph type="sldNum" sz="quarter" idx="12"/>
-          </p:nvPr>
-        </p:nvSpPr>
-        <p:spPr/>
-        <p:txBody>
-          <a:bodyPr/>
-          <a:lstStyle/>
-          <a:p>
-            <a:fld id="{C5FC9A33-0AA4-4ABC-8991-60B335115267}" type="slidenum">
-              <a:rPr lang="ru-RU" smtClean="0"/>
-              <a:pPr/>
-              <a:t>1</a:t>
-            </a:fld>
-            <a:r>
-              <a:rPr lang="en-US" smtClean="0"/>
-              <a:t>/100</a:t>
-            </a:r>
-            <a:endParaRPr lang="ru-RU" dirty="0"/>
-          </a:p>
-        </p:txBody>
-      </p:sp>
+      <p:pic>
+        <p:nvPicPr>
+          <p:cNvPr id="2050" name="Picture 2"/>
+          <p:cNvPicPr>
+            <a:picLocks noChangeAspect="1" noChangeArrowheads="1"/>
+          </p:cNvPicPr>
+          <p:nvPr/>
+        </p:nvPicPr>
+        <p:blipFill>
+          <a:blip r:embed="rId4" cstate="print"/>
+          <a:srcRect/>
+          <a:stretch>
+            <a:fillRect/>
+          </a:stretch>
+        </p:blipFill>
+        <p:spPr bwMode="auto">
+          <a:xfrm>
+            <a:off x="6732240" y="771550"/>
+            <a:ext cx="1736825" cy="542638"/>
+          </a:xfrm>
+          <a:prstGeom prst="rect">
+            <a:avLst/>
+          </a:prstGeom>
+          <a:noFill/>
+          <a:ln w="9525">
+            <a:noFill/>
+            <a:miter lim="800000"/>
+            <a:headEnd/>
+            <a:tailEnd/>
+          </a:ln>
+          <a:effectLst/>
+        </p:spPr>
+      </p:pic>
+      <p:pic>
+        <p:nvPicPr>
+          <p:cNvPr id="2051" name="Picture 3"/>
+          <p:cNvPicPr>
+            <a:picLocks noChangeAspect="1" noChangeArrowheads="1"/>
+          </p:cNvPicPr>
+          <p:nvPr/>
+        </p:nvPicPr>
+        <p:blipFill>
+          <a:blip r:embed="rId5" cstate="print"/>
+          <a:srcRect/>
+          <a:stretch>
+            <a:fillRect/>
+          </a:stretch>
+        </p:blipFill>
+        <p:spPr bwMode="auto">
+          <a:xfrm>
+            <a:off x="6956898" y="1491631"/>
+            <a:ext cx="1152128" cy="363956"/>
+          </a:xfrm>
+          <a:prstGeom prst="rect">
+            <a:avLst/>
+          </a:prstGeom>
+          <a:noFill/>
+          <a:ln w="9525">
+            <a:noFill/>
+            <a:miter lim="800000"/>
+            <a:headEnd/>
+            <a:tailEnd/>
+          </a:ln>
+          <a:effectLst/>
+        </p:spPr>
+      </p:pic>
+      <p:pic>
+        <p:nvPicPr>
+          <p:cNvPr id="2052" name="Picture 4"/>
+          <p:cNvPicPr>
+            <a:picLocks noChangeAspect="1" noChangeArrowheads="1"/>
+          </p:cNvPicPr>
+          <p:nvPr/>
+        </p:nvPicPr>
+        <p:blipFill>
+          <a:blip r:embed="rId6" cstate="print"/>
+          <a:srcRect/>
+          <a:stretch>
+            <a:fillRect/>
+          </a:stretch>
+        </p:blipFill>
+        <p:spPr bwMode="auto">
+          <a:xfrm>
+            <a:off x="6812881" y="2033698"/>
+            <a:ext cx="633041" cy="334170"/>
+          </a:xfrm>
+          <a:prstGeom prst="rect">
+            <a:avLst/>
+          </a:prstGeom>
+          <a:noFill/>
+          <a:ln w="9525">
+            <a:noFill/>
+            <a:miter lim="800000"/>
+            <a:headEnd/>
+            <a:tailEnd/>
+          </a:ln>
+          <a:effectLst/>
+        </p:spPr>
+      </p:pic>
+      <p:pic>
+        <p:nvPicPr>
+          <p:cNvPr id="2053" name="Picture 5"/>
+          <p:cNvPicPr>
+            <a:picLocks noChangeAspect="1" noChangeArrowheads="1"/>
+          </p:cNvPicPr>
+          <p:nvPr/>
+        </p:nvPicPr>
+        <p:blipFill>
+          <a:blip r:embed="rId7" cstate="print"/>
+          <a:srcRect/>
+          <a:stretch>
+            <a:fillRect/>
+          </a:stretch>
+        </p:blipFill>
+        <p:spPr bwMode="auto">
+          <a:xfrm>
+            <a:off x="7460953" y="2051406"/>
+            <a:ext cx="808112" cy="312663"/>
+          </a:xfrm>
+          <a:prstGeom prst="rect">
+            <a:avLst/>
+          </a:prstGeom>
+          <a:noFill/>
+          <a:ln w="9525">
+            <a:noFill/>
+            <a:miter lim="800000"/>
+            <a:headEnd/>
+            <a:tailEnd/>
+          </a:ln>
+          <a:effectLst/>
+        </p:spPr>
+      </p:pic>
+      <p:pic>
+        <p:nvPicPr>
+          <p:cNvPr id="2054" name="Picture 6"/>
+          <p:cNvPicPr>
+            <a:picLocks noChangeAspect="1" noChangeArrowheads="1"/>
+          </p:cNvPicPr>
+          <p:nvPr/>
+        </p:nvPicPr>
+        <p:blipFill>
+          <a:blip r:embed="rId8" cstate="print"/>
+          <a:srcRect/>
+          <a:stretch>
+            <a:fillRect/>
+          </a:stretch>
+        </p:blipFill>
+        <p:spPr bwMode="auto">
+          <a:xfrm>
+            <a:off x="6956897" y="2571750"/>
+            <a:ext cx="1076524" cy="549120"/>
+          </a:xfrm>
+          <a:prstGeom prst="rect">
+            <a:avLst/>
+          </a:prstGeom>
+          <a:noFill/>
+          <a:ln w="9525">
+            <a:noFill/>
+            <a:miter lim="800000"/>
+            <a:headEnd/>
+            <a:tailEnd/>
+          </a:ln>
+          <a:effectLst/>
+        </p:spPr>
+      </p:pic>
     </p:spTree>
   </p:cSld>
   <p:clrMapOvr>
@@ -3803,55 +4309,7 @@
                 <a:latin typeface="Times New Roman" pitchFamily="18" charset="0"/>
                 <a:cs typeface="Times New Roman" pitchFamily="18" charset="0"/>
               </a:rPr>
-              <a:t>Удаление самопересечений </a:t>
-            </a:r>
-            <a:r>
-              <a:rPr lang="ru-RU" b="1" dirty="0" err="1" smtClean="0">
-                <a:solidFill>
-                  <a:schemeClr val="accent1">
-                    <a:lumMod val="75000"/>
-                  </a:schemeClr>
-                </a:solidFill>
-                <a:latin typeface="Times New Roman" pitchFamily="18" charset="0"/>
-                <a:cs typeface="Times New Roman" pitchFamily="18" charset="0"/>
-              </a:rPr>
-              <a:t>псевдотрехмерного</a:t>
-            </a:r>
-            <a:r>
-              <a:rPr lang="ru-RU" b="1" dirty="0" smtClean="0">
-                <a:solidFill>
-                  <a:schemeClr val="accent1">
-                    <a:lumMod val="75000"/>
-                  </a:schemeClr>
-                </a:solidFill>
-                <a:latin typeface="Times New Roman" pitchFamily="18" charset="0"/>
-                <a:cs typeface="Times New Roman" pitchFamily="18" charset="0"/>
-              </a:rPr>
-              <a:t> профиля –</a:t>
-            </a:r>
-            <a:r>
-              <a:rPr lang="en-US" b="1" dirty="0" smtClean="0">
-                <a:solidFill>
-                  <a:schemeClr val="accent1">
-                    <a:lumMod val="75000"/>
-                  </a:schemeClr>
-                </a:solidFill>
-                <a:latin typeface="Times New Roman" pitchFamily="18" charset="0"/>
-                <a:cs typeface="Times New Roman" pitchFamily="18" charset="0"/>
-              </a:rPr>
-              <a:t> </a:t>
-            </a:r>
-            <a:r>
-              <a:rPr lang="ru-RU" b="1" dirty="0" smtClean="0">
-                <a:solidFill>
-                  <a:schemeClr val="accent1">
-                    <a:lumMod val="75000"/>
-                  </a:schemeClr>
-                </a:solidFill>
-                <a:latin typeface="Times New Roman" pitchFamily="18" charset="0"/>
-                <a:cs typeface="Times New Roman" pitchFamily="18" charset="0"/>
-              </a:rPr>
-              <a:t>коррекция профиля</a:t>
+              <a:t>Дробление ячейки по множеству отрезков и точек</a:t>
             </a:r>
             <a:endParaRPr lang="ru-RU" b="1" dirty="0">
               <a:solidFill>
@@ -3867,14 +4325,14 @@
       </p:sp>
       <p:sp>
         <p:nvSpPr>
-          <p:cNvPr id="9" name="TextBox 8"/>
+          <p:cNvPr id="12" name="TextBox 11"/>
           <p:cNvSpPr txBox="1"/>
           <p:nvPr/>
         </p:nvSpPr>
         <p:spPr>
           <a:xfrm>
-            <a:off x="4644008" y="3507854"/>
-            <a:ext cx="4176464" cy="830997"/>
+            <a:off x="107504" y="3651870"/>
+            <a:ext cx="8928992" cy="1077218"/>
           </a:xfrm>
           <a:prstGeom prst="rect">
             <a:avLst/>
@@ -3892,28 +4350,14 @@
                 <a:latin typeface="Times New Roman" pitchFamily="18" charset="0"/>
                 <a:cs typeface="Times New Roman" pitchFamily="18" charset="0"/>
               </a:rPr>
-              <a:t>После удаления самопересечений сетка может перестать быть </a:t>
-            </a:r>
-            <a:r>
-              <a:rPr lang="ru-RU" sz="1600" dirty="0" err="1" smtClean="0">
-                <a:latin typeface="Times New Roman" pitchFamily="18" charset="0"/>
-                <a:cs typeface="Times New Roman" pitchFamily="18" charset="0"/>
-              </a:rPr>
-              <a:t>псевдотрехмерным</a:t>
-            </a:r>
-            <a:r>
-              <a:rPr lang="ru-RU" sz="1600" dirty="0" smtClean="0">
-                <a:latin typeface="Times New Roman" pitchFamily="18" charset="0"/>
-                <a:cs typeface="Times New Roman" pitchFamily="18" charset="0"/>
-              </a:rPr>
-              <a:t> профилем, что потребует ее коррекции.</a:t>
+              <a:t>Для разбиения ячейки на более мелкие треугольники по множеству отрезков и точек необходимо устранить конфликты отрезков и выполнить триангуляцию по множеству точек с фиксацией отдельных ребер. После триангуляции исходная ячейка удаляется из сетки, а результаты триангуляции добавляются в нее.</a:t>
             </a:r>
           </a:p>
         </p:txBody>
       </p:sp>
       <p:pic>
         <p:nvPicPr>
-          <p:cNvPr id="11" name="Рисунок 10" descr="int_pseudo3d_after_delete_self_intersections.png"/>
+          <p:cNvPr id="10" name="Рисунок 9" descr="int_triangulate_1_1.png"/>
           <p:cNvPicPr>
             <a:picLocks noChangeAspect="1"/>
           </p:cNvPicPr>
@@ -3927,8 +4371,8 @@
         </p:blipFill>
         <p:spPr>
           <a:xfrm>
-            <a:off x="4591041" y="519522"/>
-            <a:ext cx="3653367" cy="2520000"/>
+            <a:off x="301657" y="411510"/>
+            <a:ext cx="2036643" cy="1512000"/>
           </a:xfrm>
           <a:prstGeom prst="rect">
             <a:avLst/>
@@ -3937,7 +4381,7 @@
       </p:pic>
       <p:pic>
         <p:nvPicPr>
-          <p:cNvPr id="12" name="Рисунок 11" descr="int_pseudo3d_before_self_intersections_2.png"/>
+          <p:cNvPr id="11" name="Рисунок 10" descr="int_triangulate_1_2.png"/>
           <p:cNvPicPr>
             <a:picLocks noChangeAspect="1"/>
           </p:cNvPicPr>
@@ -3951,8 +4395,8 @@
         </p:blipFill>
         <p:spPr>
           <a:xfrm>
-            <a:off x="774615" y="519522"/>
-            <a:ext cx="3652379" cy="2520000"/>
+            <a:off x="2317881" y="411510"/>
+            <a:ext cx="2038095" cy="1512000"/>
           </a:xfrm>
           <a:prstGeom prst="rect">
             <a:avLst/>
@@ -3961,7 +4405,7 @@
       </p:pic>
       <p:pic>
         <p:nvPicPr>
-          <p:cNvPr id="13" name="Рисунок 12" descr="int_pseudo3d_after_delete_self_intersections_needs_profile_correction.png"/>
+          <p:cNvPr id="15" name="Рисунок 14" descr="int_triangulate_2_1.png"/>
           <p:cNvPicPr>
             <a:picLocks noChangeAspect="1"/>
           </p:cNvPicPr>
@@ -3975,17 +4419,137 @@
         </p:blipFill>
         <p:spPr>
           <a:xfrm>
-            <a:off x="1547664" y="3219822"/>
-            <a:ext cx="2086681" cy="1439340"/>
+            <a:off x="4788024" y="411510"/>
+            <a:ext cx="2036643" cy="1512000"/>
           </a:xfrm>
           <a:prstGeom prst="rect">
             <a:avLst/>
           </a:prstGeom>
         </p:spPr>
       </p:pic>
-      <p:sp>
-        <p:nvSpPr>
-          <p:cNvPr id="10" name="Номер слайда 9"/>
+      <p:pic>
+        <p:nvPicPr>
+          <p:cNvPr id="16" name="Рисунок 15" descr="int_triangulate_2_2.png"/>
+          <p:cNvPicPr>
+            <a:picLocks noChangeAspect="1"/>
+          </p:cNvPicPr>
+          <p:nvPr/>
+        </p:nvPicPr>
+        <p:blipFill>
+          <a:blip r:embed="rId5" cstate="print"/>
+          <a:stretch>
+            <a:fillRect/>
+          </a:stretch>
+        </p:blipFill>
+        <p:spPr>
+          <a:xfrm>
+            <a:off x="6804248" y="411510"/>
+            <a:ext cx="2038095" cy="1512000"/>
+          </a:xfrm>
+          <a:prstGeom prst="rect">
+            <a:avLst/>
+          </a:prstGeom>
+        </p:spPr>
+      </p:pic>
+      <p:pic>
+        <p:nvPicPr>
+          <p:cNvPr id="17" name="Рисунок 16" descr="int_triangulate_3_1.png"/>
+          <p:cNvPicPr>
+            <a:picLocks noChangeAspect="1"/>
+          </p:cNvPicPr>
+          <p:nvPr/>
+        </p:nvPicPr>
+        <p:blipFill>
+          <a:blip r:embed="rId6" cstate="print"/>
+          <a:stretch>
+            <a:fillRect/>
+          </a:stretch>
+        </p:blipFill>
+        <p:spPr>
+          <a:xfrm>
+            <a:off x="300931" y="2067862"/>
+            <a:ext cx="2038095" cy="1512000"/>
+          </a:xfrm>
+          <a:prstGeom prst="rect">
+            <a:avLst/>
+          </a:prstGeom>
+        </p:spPr>
+      </p:pic>
+      <p:pic>
+        <p:nvPicPr>
+          <p:cNvPr id="18" name="Рисунок 17" descr="int_triangulate_3_2.png"/>
+          <p:cNvPicPr>
+            <a:picLocks noChangeAspect="1"/>
+          </p:cNvPicPr>
+          <p:nvPr/>
+        </p:nvPicPr>
+        <p:blipFill>
+          <a:blip r:embed="rId7" cstate="print"/>
+          <a:stretch>
+            <a:fillRect/>
+          </a:stretch>
+        </p:blipFill>
+        <p:spPr>
+          <a:xfrm>
+            <a:off x="2318607" y="2067862"/>
+            <a:ext cx="2036643" cy="1512000"/>
+          </a:xfrm>
+          <a:prstGeom prst="rect">
+            <a:avLst/>
+          </a:prstGeom>
+        </p:spPr>
+      </p:pic>
+      <p:pic>
+        <p:nvPicPr>
+          <p:cNvPr id="19" name="Рисунок 18" descr="int_triangulate_4_1.png"/>
+          <p:cNvPicPr>
+            <a:picLocks noChangeAspect="1"/>
+          </p:cNvPicPr>
+          <p:nvPr/>
+        </p:nvPicPr>
+        <p:blipFill>
+          <a:blip r:embed="rId8" cstate="print"/>
+          <a:stretch>
+            <a:fillRect/>
+          </a:stretch>
+        </p:blipFill>
+        <p:spPr>
+          <a:xfrm>
+            <a:off x="4788024" y="2067862"/>
+            <a:ext cx="2036643" cy="1512000"/>
+          </a:xfrm>
+          <a:prstGeom prst="rect">
+            <a:avLst/>
+          </a:prstGeom>
+        </p:spPr>
+      </p:pic>
+      <p:pic>
+        <p:nvPicPr>
+          <p:cNvPr id="20" name="Рисунок 19" descr="int_triangulate_4_2.png"/>
+          <p:cNvPicPr>
+            <a:picLocks noChangeAspect="1"/>
+          </p:cNvPicPr>
+          <p:nvPr/>
+        </p:nvPicPr>
+        <p:blipFill>
+          <a:blip r:embed="rId9" cstate="print"/>
+          <a:stretch>
+            <a:fillRect/>
+          </a:stretch>
+        </p:blipFill>
+        <p:spPr>
+          <a:xfrm>
+            <a:off x="6804248" y="2067862"/>
+            <a:ext cx="2038095" cy="1512000"/>
+          </a:xfrm>
+          <a:prstGeom prst="rect">
+            <a:avLst/>
+          </a:prstGeom>
+        </p:spPr>
+      </p:pic>
+      <p:sp>
+        <p:nvSpPr>
+          <p:cNvPr id="14" name="Номер слайда 13"/>
           <p:cNvSpPr>
             <a:spLocks noGrp="1"/>
           </p:cNvSpPr>
@@ -4114,55 +4678,7 @@
                 <a:latin typeface="Times New Roman" pitchFamily="18" charset="0"/>
                 <a:cs typeface="Times New Roman" pitchFamily="18" charset="0"/>
               </a:rPr>
-              <a:t>Удаление самопересечений </a:t>
-            </a:r>
-            <a:r>
-              <a:rPr lang="ru-RU" b="1" dirty="0" err="1" smtClean="0">
-                <a:solidFill>
-                  <a:schemeClr val="accent1">
-                    <a:lumMod val="75000"/>
-                  </a:schemeClr>
-                </a:solidFill>
-                <a:latin typeface="Times New Roman" pitchFamily="18" charset="0"/>
-                <a:cs typeface="Times New Roman" pitchFamily="18" charset="0"/>
-              </a:rPr>
-              <a:t>псевдотрехмерного</a:t>
-            </a:r>
-            <a:r>
-              <a:rPr lang="ru-RU" b="1" dirty="0" smtClean="0">
-                <a:solidFill>
-                  <a:schemeClr val="accent1">
-                    <a:lumMod val="75000"/>
-                  </a:schemeClr>
-                </a:solidFill>
-                <a:latin typeface="Times New Roman" pitchFamily="18" charset="0"/>
-                <a:cs typeface="Times New Roman" pitchFamily="18" charset="0"/>
-              </a:rPr>
-              <a:t> профиля –</a:t>
-            </a:r>
-            <a:r>
-              <a:rPr lang="en-US" b="1" dirty="0" smtClean="0">
-                <a:solidFill>
-                  <a:schemeClr val="accent1">
-                    <a:lumMod val="75000"/>
-                  </a:schemeClr>
-                </a:solidFill>
-                <a:latin typeface="Times New Roman" pitchFamily="18" charset="0"/>
-                <a:cs typeface="Times New Roman" pitchFamily="18" charset="0"/>
-              </a:rPr>
-              <a:t> </a:t>
-            </a:r>
-            <a:r>
-              <a:rPr lang="ru-RU" b="1" dirty="0" smtClean="0">
-                <a:solidFill>
-                  <a:schemeClr val="accent1">
-                    <a:lumMod val="75000"/>
-                  </a:schemeClr>
-                </a:solidFill>
-                <a:latin typeface="Times New Roman" pitchFamily="18" charset="0"/>
-                <a:cs typeface="Times New Roman" pitchFamily="18" charset="0"/>
-              </a:rPr>
-              <a:t>с сохранением профиля</a:t>
+              <a:t>Демонстрация удаления самопересечений</a:t>
             </a:r>
             <a:endParaRPr lang="ru-RU" b="1" dirty="0">
               <a:solidFill>
@@ -4178,84 +4694,40 @@
       </p:sp>
       <p:sp>
         <p:nvSpPr>
-          <p:cNvPr id="9" name="TextBox 8"/>
-          <p:cNvSpPr txBox="1"/>
-          <p:nvPr/>
-        </p:nvSpPr>
-        <p:spPr>
-          <a:xfrm>
-            <a:off x="7020272" y="555526"/>
-            <a:ext cx="2016224" cy="3785652"/>
-          </a:xfrm>
-          <a:prstGeom prst="rect">
-            <a:avLst/>
-          </a:prstGeom>
-          <a:noFill/>
-        </p:spPr>
-        <p:txBody>
-          <a:bodyPr wrap="square" rtlCol="0">
-            <a:spAutoFit/>
-          </a:bodyPr>
-          <a:lstStyle/>
-          <a:p>
-            <a:r>
-              <a:rPr lang="ru-RU" sz="1600" b="1" dirty="0" smtClean="0">
-                <a:latin typeface="Times New Roman" pitchFamily="18" charset="0"/>
-                <a:cs typeface="Times New Roman" pitchFamily="18" charset="0"/>
-              </a:rPr>
-              <a:t>Шаги удаления самопересечений:</a:t>
-            </a:r>
-          </a:p>
-          <a:p>
-            <a:endParaRPr lang="ru-RU" sz="1600" dirty="0" smtClean="0">
-              <a:latin typeface="Times New Roman" pitchFamily="18" charset="0"/>
-              <a:cs typeface="Times New Roman" pitchFamily="18" charset="0"/>
-            </a:endParaRPr>
-          </a:p>
-          <a:p>
-            <a:r>
-              <a:rPr lang="ru-RU" sz="1600" dirty="0" smtClean="0">
-                <a:latin typeface="Times New Roman" pitchFamily="18" charset="0"/>
-                <a:cs typeface="Times New Roman" pitchFamily="18" charset="0"/>
-              </a:rPr>
-              <a:t>построение подложки в пространстве;</a:t>
-            </a:r>
-          </a:p>
-          <a:p>
-            <a:endParaRPr lang="ru-RU" sz="1600" dirty="0">
-              <a:latin typeface="Times New Roman" pitchFamily="18" charset="0"/>
-              <a:cs typeface="Times New Roman" pitchFamily="18" charset="0"/>
-            </a:endParaRPr>
-          </a:p>
-          <a:p>
-            <a:r>
-              <a:rPr lang="ru-RU" sz="1600" dirty="0" smtClean="0">
-                <a:latin typeface="Times New Roman" pitchFamily="18" charset="0"/>
-                <a:cs typeface="Times New Roman" pitchFamily="18" charset="0"/>
-              </a:rPr>
-              <a:t>поиск внешней поверхности путем обхода подложки;</a:t>
-            </a:r>
-          </a:p>
-          <a:p>
-            <a:endParaRPr lang="ru-RU" sz="1600" dirty="0">
-              <a:latin typeface="Times New Roman" pitchFamily="18" charset="0"/>
-              <a:cs typeface="Times New Roman" pitchFamily="18" charset="0"/>
-            </a:endParaRPr>
-          </a:p>
-          <a:p>
-            <a:r>
-              <a:rPr lang="ru-RU" sz="1600" dirty="0" smtClean="0">
-                <a:latin typeface="Times New Roman" pitchFamily="18" charset="0"/>
-                <a:cs typeface="Times New Roman" pitchFamily="18" charset="0"/>
-              </a:rPr>
-              <a:t>удаление лишних ячеек путем стягивания сетки по граничным ребрам.</a:t>
-            </a:r>
+          <p:cNvPr id="14" name="Номер слайда 13"/>
+          <p:cNvSpPr>
+            <a:spLocks noGrp="1"/>
+          </p:cNvSpPr>
+          <p:nvPr>
+            <p:ph type="sldNum" sz="quarter" idx="12"/>
+          </p:nvPr>
+        </p:nvSpPr>
+        <p:spPr>
+          <a:xfrm>
+            <a:off x="6553200" y="4767264"/>
+            <a:ext cx="2133600" cy="2016000"/>
+          </a:xfrm>
+        </p:spPr>
+        <p:txBody>
+          <a:bodyPr/>
+          <a:lstStyle/>
+          <a:p>
+            <a:fld id="{C5FC9A33-0AA4-4ABC-8991-60B335115267}" type="slidenum">
+              <a:rPr lang="ru-RU" smtClean="0"/>
+              <a:pPr/>
+              <a:t>11</a:t>
+            </a:fld>
+            <a:r>
+              <a:rPr lang="en-US" smtClean="0"/>
+              <a:t>/100</a:t>
+            </a:r>
+            <a:endParaRPr lang="ru-RU" dirty="0"/>
           </a:p>
         </p:txBody>
       </p:sp>
       <p:pic>
         <p:nvPicPr>
-          <p:cNvPr id="10" name="Рисунок 9" descr="wing_class.png"/>
+          <p:cNvPr id="21" name="Рисунок 20" descr="int_self_intersection_off.png"/>
           <p:cNvPicPr>
             <a:picLocks noChangeAspect="1"/>
           </p:cNvPicPr>
@@ -4269,8 +4741,8 @@
         </p:blipFill>
         <p:spPr>
           <a:xfrm>
-            <a:off x="2368215" y="2607966"/>
-            <a:ext cx="2221204" cy="1908000"/>
+            <a:off x="971092" y="2607754"/>
+            <a:ext cx="3001919" cy="2016000"/>
           </a:xfrm>
           <a:prstGeom prst="rect">
             <a:avLst/>
@@ -4279,7 +4751,7 @@
       </p:pic>
       <p:pic>
         <p:nvPicPr>
-          <p:cNvPr id="14" name="Рисунок 13" descr="wing_original.png"/>
+          <p:cNvPr id="22" name="Рисунок 21" descr="int_self_intersection_off_2.png"/>
           <p:cNvPicPr>
             <a:picLocks noChangeAspect="1"/>
           </p:cNvPicPr>
@@ -4293,8 +4765,8 @@
         </p:blipFill>
         <p:spPr>
           <a:xfrm>
-            <a:off x="106467" y="620688"/>
-            <a:ext cx="2238694" cy="1908000"/>
+            <a:off x="5255568" y="2607754"/>
+            <a:ext cx="3001919" cy="2016000"/>
           </a:xfrm>
           <a:prstGeom prst="rect">
             <a:avLst/>
@@ -4303,7 +4775,7 @@
       </p:pic>
       <p:pic>
         <p:nvPicPr>
-          <p:cNvPr id="15" name="Рисунок 14" descr="wing_pt_active.png"/>
+          <p:cNvPr id="23" name="Рисунок 22" descr="int_self_intersection_on.png"/>
           <p:cNvPicPr>
             <a:picLocks noChangeAspect="1"/>
           </p:cNvPicPr>
@@ -4317,8 +4789,8 @@
         </p:blipFill>
         <p:spPr>
           <a:xfrm>
-            <a:off x="96914" y="2607966"/>
-            <a:ext cx="2257800" cy="1908000"/>
+            <a:off x="971092" y="447514"/>
+            <a:ext cx="3001919" cy="2016000"/>
           </a:xfrm>
           <a:prstGeom prst="rect">
             <a:avLst/>
@@ -4327,7 +4799,7 @@
       </p:pic>
       <p:pic>
         <p:nvPicPr>
-          <p:cNvPr id="16" name="Рисунок 15" descr="wing_pt_all.png"/>
+          <p:cNvPr id="24" name="Рисунок 23" descr="int_self_intersection_on_2.png"/>
           <p:cNvPicPr>
             <a:picLocks noChangeAspect="1"/>
           </p:cNvPicPr>
@@ -4341,90 +4813,14 @@
         </p:blipFill>
         <p:spPr>
           <a:xfrm>
-            <a:off x="2366633" y="620688"/>
-            <a:ext cx="2224369" cy="1908000"/>
+            <a:off x="5255568" y="447514"/>
+            <a:ext cx="3001919" cy="2016000"/>
           </a:xfrm>
           <a:prstGeom prst="rect">
             <a:avLst/>
           </a:prstGeom>
         </p:spPr>
       </p:pic>
-      <p:pic>
-        <p:nvPicPr>
-          <p:cNvPr id="17" name="Рисунок 16" descr="wing_pt_leafs.png"/>
-          <p:cNvPicPr>
-            <a:picLocks noChangeAspect="1"/>
-          </p:cNvPicPr>
-          <p:nvPr/>
-        </p:nvPicPr>
-        <p:blipFill>
-          <a:blip r:embed="rId6" cstate="print"/>
-          <a:stretch>
-            <a:fillRect/>
-          </a:stretch>
-        </p:blipFill>
-        <p:spPr>
-          <a:xfrm>
-            <a:off x="4670889" y="620688"/>
-            <a:ext cx="2277375" cy="1908000"/>
-          </a:xfrm>
-          <a:prstGeom prst="rect">
-            <a:avLst/>
-          </a:prstGeom>
-        </p:spPr>
-      </p:pic>
-      <p:pic>
-        <p:nvPicPr>
-          <p:cNvPr id="18" name="Рисунок 17" descr="wing_reduce.png"/>
-          <p:cNvPicPr>
-            <a:picLocks noChangeAspect="1"/>
-          </p:cNvPicPr>
-          <p:nvPr/>
-        </p:nvPicPr>
-        <p:blipFill>
-          <a:blip r:embed="rId7" cstate="print"/>
-          <a:stretch>
-            <a:fillRect/>
-          </a:stretch>
-        </p:blipFill>
-        <p:spPr>
-          <a:xfrm>
-            <a:off x="4695066" y="2607966"/>
-            <a:ext cx="2229020" cy="1908000"/>
-          </a:xfrm>
-          <a:prstGeom prst="rect">
-            <a:avLst/>
-          </a:prstGeom>
-        </p:spPr>
-      </p:pic>
-      <p:sp>
-        <p:nvSpPr>
-          <p:cNvPr id="12" name="Номер слайда 11"/>
-          <p:cNvSpPr>
-            <a:spLocks noGrp="1"/>
-          </p:cNvSpPr>
-          <p:nvPr>
-            <p:ph type="sldNum" sz="quarter" idx="12"/>
-          </p:nvPr>
-        </p:nvSpPr>
-        <p:spPr/>
-        <p:txBody>
-          <a:bodyPr/>
-          <a:lstStyle/>
-          <a:p>
-            <a:fld id="{C5FC9A33-0AA4-4ABC-8991-60B335115267}" type="slidenum">
-              <a:rPr lang="ru-RU" smtClean="0"/>
-              <a:pPr/>
-              <a:t>11</a:t>
-            </a:fld>
-            <a:r>
-              <a:rPr lang="en-US" smtClean="0"/>
-              <a:t>/100</a:t>
-            </a:r>
-            <a:endParaRPr lang="ru-RU" dirty="0"/>
-          </a:p>
-        </p:txBody>
-      </p:sp>
     </p:spTree>
   </p:cSld>
   <p:clrMapOvr>
@@ -4552,7 +4948,19 @@
                 <a:latin typeface="Times New Roman" pitchFamily="18" charset="0"/>
                 <a:cs typeface="Times New Roman" pitchFamily="18" charset="0"/>
               </a:rPr>
-              <a:t> профиля –</a:t>
+              <a:t> профиля </a:t>
+            </a:r>
+            <a:r>
+              <a:rPr lang="ru-RU" b="1" dirty="0">
+                <a:solidFill>
+                  <a:schemeClr val="accent1">
+                    <a:lumMod val="75000"/>
+                  </a:schemeClr>
+                </a:solidFill>
+                <a:latin typeface="Times New Roman" pitchFamily="18" charset="0"/>
+                <a:cs typeface="Times New Roman" pitchFamily="18" charset="0"/>
+              </a:rPr>
+              <a:t>-</a:t>
             </a:r>
             <a:r>
               <a:rPr lang="en-US" b="1" dirty="0" smtClean="0">
@@ -4576,7 +4984,7 @@
                 <a:latin typeface="Times New Roman" pitchFamily="18" charset="0"/>
                 <a:cs typeface="Times New Roman" pitchFamily="18" charset="0"/>
               </a:rPr>
-              <a:t>сравнение методов</a:t>
+              <a:t>коррекция координат</a:t>
             </a:r>
             <a:endParaRPr lang="ru-RU" b="1" dirty="0">
               <a:solidFill>
@@ -4590,63 +4998,9 @@
           </a:p>
         </p:txBody>
       </p:sp>
-      <p:sp>
-        <p:nvSpPr>
-          <p:cNvPr id="9" name="TextBox 8"/>
-          <p:cNvSpPr txBox="1"/>
-          <p:nvPr/>
-        </p:nvSpPr>
-        <p:spPr>
-          <a:xfrm>
-            <a:off x="246565" y="3147814"/>
-            <a:ext cx="3893387" cy="1323439"/>
-          </a:xfrm>
-          <a:prstGeom prst="rect">
-            <a:avLst/>
-          </a:prstGeom>
-          <a:noFill/>
-        </p:spPr>
-        <p:txBody>
-          <a:bodyPr wrap="square" rtlCol="0">
-            <a:spAutoFit/>
-          </a:bodyPr>
-          <a:lstStyle/>
-          <a:p>
-            <a:r>
-              <a:rPr lang="ru-RU" sz="1600" dirty="0" smtClean="0">
-                <a:latin typeface="Times New Roman" pitchFamily="18" charset="0"/>
-                <a:cs typeface="Times New Roman" pitchFamily="18" charset="0"/>
-              </a:rPr>
-              <a:t>Удаление самопересечений путем стягивания по граничным ребрам.</a:t>
-            </a:r>
-          </a:p>
-          <a:p>
-            <a:endParaRPr lang="ru-RU" sz="1600" dirty="0">
-              <a:latin typeface="Times New Roman" pitchFamily="18" charset="0"/>
-              <a:cs typeface="Times New Roman" pitchFamily="18" charset="0"/>
-            </a:endParaRPr>
-          </a:p>
-          <a:p>
-            <a:r>
-              <a:rPr lang="ru-RU" sz="1600" dirty="0" err="1" smtClean="0">
-                <a:latin typeface="Times New Roman" pitchFamily="18" charset="0"/>
-                <a:cs typeface="Times New Roman" pitchFamily="18" charset="0"/>
-              </a:rPr>
-              <a:t>Псевдотрехмерный</a:t>
-            </a:r>
-            <a:r>
-              <a:rPr lang="ru-RU" sz="1600" dirty="0" smtClean="0">
-                <a:latin typeface="Times New Roman" pitchFamily="18" charset="0"/>
-                <a:cs typeface="Times New Roman" pitchFamily="18" charset="0"/>
-              </a:rPr>
-              <a:t> профиль сохраняется, но получается грубый результат.</a:t>
-            </a:r>
-          </a:p>
-        </p:txBody>
-      </p:sp>
       <p:pic>
         <p:nvPicPr>
-          <p:cNvPr id="11" name="Рисунок 10" descr="int_pseudo3d_result_by_reduce.png"/>
+          <p:cNvPr id="7" name="Рисунок 6" descr="int_pseudo3d_needs_coordinates_correction.png"/>
           <p:cNvPicPr>
             <a:picLocks noChangeAspect="1"/>
           </p:cNvPicPr>
@@ -4660,6 +5014,1117 @@
         </p:blipFill>
         <p:spPr>
           <a:xfrm>
+            <a:off x="107504" y="771550"/>
+            <a:ext cx="5256584" cy="3626839"/>
+          </a:xfrm>
+          <a:prstGeom prst="rect">
+            <a:avLst/>
+          </a:prstGeom>
+        </p:spPr>
+      </p:pic>
+      <p:sp>
+        <p:nvSpPr>
+          <p:cNvPr id="9" name="TextBox 8"/>
+          <p:cNvSpPr txBox="1"/>
+          <p:nvPr/>
+        </p:nvSpPr>
+        <p:spPr>
+          <a:xfrm>
+            <a:off x="5143109" y="483518"/>
+            <a:ext cx="3893387" cy="4278094"/>
+          </a:xfrm>
+          <a:prstGeom prst="rect">
+            <a:avLst/>
+          </a:prstGeom>
+          <a:noFill/>
+        </p:spPr>
+        <p:txBody>
+          <a:bodyPr wrap="square" rtlCol="0">
+            <a:spAutoFit/>
+          </a:bodyPr>
+          <a:lstStyle/>
+          <a:p>
+            <a:r>
+              <a:rPr lang="ru-RU" sz="1600" b="1" dirty="0" err="1" smtClean="0">
+                <a:latin typeface="Times New Roman" pitchFamily="18" charset="0"/>
+                <a:cs typeface="Times New Roman" pitchFamily="18" charset="0"/>
+              </a:rPr>
+              <a:t>Псевдотрехмерный</a:t>
+            </a:r>
+            <a:r>
+              <a:rPr lang="ru-RU" sz="1600" b="1" dirty="0" smtClean="0">
+                <a:latin typeface="Times New Roman" pitchFamily="18" charset="0"/>
+                <a:cs typeface="Times New Roman" pitchFamily="18" charset="0"/>
+              </a:rPr>
+              <a:t> профиль</a:t>
+            </a:r>
+            <a:r>
+              <a:rPr lang="ru-RU" sz="1600" dirty="0" smtClean="0">
+                <a:latin typeface="Times New Roman" pitchFamily="18" charset="0"/>
+                <a:cs typeface="Times New Roman" pitchFamily="18" charset="0"/>
+              </a:rPr>
+              <a:t> – незамкнутая поверхностная расчетная сетка, представленная лентой шириной в одну ячейку, заключенной между двумя параллельными плоскостями (</a:t>
+            </a:r>
+            <a:r>
+              <a:rPr lang="en-US" sz="1600" dirty="0" smtClean="0">
+                <a:latin typeface="Times New Roman" pitchFamily="18" charset="0"/>
+                <a:cs typeface="Times New Roman" pitchFamily="18" charset="0"/>
+              </a:rPr>
+              <a:t>back, front)</a:t>
+            </a:r>
+            <a:r>
+              <a:rPr lang="ru-RU" sz="1600" dirty="0" smtClean="0">
+                <a:latin typeface="Times New Roman" pitchFamily="18" charset="0"/>
+                <a:cs typeface="Times New Roman" pitchFamily="18" charset="0"/>
+              </a:rPr>
+              <a:t>. </a:t>
+            </a:r>
+          </a:p>
+          <a:p>
+            <a:endParaRPr lang="ru-RU" sz="1600" dirty="0">
+              <a:latin typeface="Times New Roman" pitchFamily="18" charset="0"/>
+              <a:cs typeface="Times New Roman" pitchFamily="18" charset="0"/>
+            </a:endParaRPr>
+          </a:p>
+          <a:p>
+            <a:r>
+              <a:rPr lang="ru-RU" sz="1600" dirty="0" smtClean="0">
+                <a:latin typeface="Times New Roman" pitchFamily="18" charset="0"/>
+                <a:cs typeface="Times New Roman" pitchFamily="18" charset="0"/>
+              </a:rPr>
+              <a:t>Для удаления самопересечений необходимо точное определение пересечения двух отрезков в пространстве, что затруднено из-за погрешности вычислений.</a:t>
+            </a:r>
+          </a:p>
+          <a:p>
+            <a:endParaRPr lang="ru-RU" sz="1600" dirty="0">
+              <a:latin typeface="Times New Roman" pitchFamily="18" charset="0"/>
+              <a:cs typeface="Times New Roman" pitchFamily="18" charset="0"/>
+            </a:endParaRPr>
+          </a:p>
+          <a:p>
+            <a:r>
+              <a:rPr lang="ru-RU" sz="1600" dirty="0" smtClean="0">
+                <a:latin typeface="Times New Roman" pitchFamily="18" charset="0"/>
+                <a:cs typeface="Times New Roman" pitchFamily="18" charset="0"/>
+              </a:rPr>
+              <a:t>Для решения этой проблемы требуется корректировка координат, что нетрудно выполнить при параллельности плоскостей </a:t>
+            </a:r>
+            <a:r>
+              <a:rPr lang="en-US" sz="1600" dirty="0" smtClean="0">
+                <a:latin typeface="Times New Roman" pitchFamily="18" charset="0"/>
+                <a:cs typeface="Times New Roman" pitchFamily="18" charset="0"/>
+              </a:rPr>
+              <a:t>back, front </a:t>
+            </a:r>
+            <a:r>
+              <a:rPr lang="ru-RU" sz="1600" dirty="0" smtClean="0">
+                <a:latin typeface="Times New Roman" pitchFamily="18" charset="0"/>
+                <a:cs typeface="Times New Roman" pitchFamily="18" charset="0"/>
+              </a:rPr>
+              <a:t>одной из плоскостей </a:t>
+            </a:r>
+            <a:r>
+              <a:rPr lang="en-US" sz="1600" dirty="0" smtClean="0">
+                <a:latin typeface="Times New Roman" pitchFamily="18" charset="0"/>
+                <a:cs typeface="Times New Roman" pitchFamily="18" charset="0"/>
+              </a:rPr>
+              <a:t>OXY, OYZ, OXZ.</a:t>
+            </a:r>
+            <a:endParaRPr lang="ru-RU" sz="1600" dirty="0" smtClean="0">
+              <a:latin typeface="Times New Roman" pitchFamily="18" charset="0"/>
+              <a:cs typeface="Times New Roman" pitchFamily="18" charset="0"/>
+            </a:endParaRPr>
+          </a:p>
+        </p:txBody>
+      </p:sp>
+      <p:sp>
+        <p:nvSpPr>
+          <p:cNvPr id="10" name="Номер слайда 9"/>
+          <p:cNvSpPr>
+            <a:spLocks noGrp="1"/>
+          </p:cNvSpPr>
+          <p:nvPr>
+            <p:ph type="sldNum" sz="quarter" idx="12"/>
+          </p:nvPr>
+        </p:nvSpPr>
+        <p:spPr/>
+        <p:txBody>
+          <a:bodyPr/>
+          <a:lstStyle/>
+          <a:p>
+            <a:fld id="{C5FC9A33-0AA4-4ABC-8991-60B335115267}" type="slidenum">
+              <a:rPr lang="ru-RU" smtClean="0"/>
+              <a:pPr/>
+              <a:t>12</a:t>
+            </a:fld>
+            <a:r>
+              <a:rPr lang="en-US" smtClean="0"/>
+              <a:t>/100</a:t>
+            </a:r>
+            <a:endParaRPr lang="ru-RU" dirty="0"/>
+          </a:p>
+        </p:txBody>
+      </p:sp>
+    </p:spTree>
+  </p:cSld>
+  <p:clrMapOvr>
+    <a:masterClrMapping/>
+  </p:clrMapOvr>
+  <p:timing>
+    <p:tnLst>
+      <p:par>
+        <p:cTn id="1" dur="indefinite" restart="never" nodeType="tmRoot"/>
+      </p:par>
+    </p:tnLst>
+  </p:timing>
+</p:sld>
+</file>
+
+<file path=ppt/slides/slide13.xml><?xml version="1.0" encoding="utf-8"?>
+<p:sld xmlns:a="http://schemas.openxmlformats.org/drawingml/2006/main" xmlns:r="http://schemas.openxmlformats.org/officeDocument/2006/relationships" xmlns:p="http://schemas.openxmlformats.org/presentationml/2006/main">
+  <p:cSld>
+    <p:spTree>
+      <p:nvGrpSpPr>
+        <p:cNvPr id="1" name=""/>
+        <p:cNvGrpSpPr/>
+        <p:nvPr/>
+      </p:nvGrpSpPr>
+      <p:grpSpPr>
+        <a:xfrm>
+          <a:off x="0" y="0"/>
+          <a:ext cx="0" cy="0"/>
+          <a:chOff x="0" y="0"/>
+          <a:chExt cx="0" cy="0"/>
+        </a:xfrm>
+      </p:grpSpPr>
+      <p:sp>
+        <p:nvSpPr>
+          <p:cNvPr id="8" name="TextBox 7"/>
+          <p:cNvSpPr txBox="1"/>
+          <p:nvPr/>
+        </p:nvSpPr>
+        <p:spPr>
+          <a:xfrm>
+            <a:off x="0" y="4774168"/>
+            <a:ext cx="9144000" cy="369332"/>
+          </a:xfrm>
+          <a:prstGeom prst="rect">
+            <a:avLst/>
+          </a:prstGeom>
+          <a:solidFill>
+            <a:schemeClr val="bg1">
+              <a:lumMod val="85000"/>
+            </a:schemeClr>
+          </a:solidFill>
+        </p:spPr>
+        <p:txBody>
+          <a:bodyPr wrap="square" rtlCol="0">
+            <a:spAutoFit/>
+          </a:bodyPr>
+          <a:lstStyle/>
+          <a:p>
+            <a:pPr algn="ctr"/>
+            <a:endParaRPr lang="ru-RU" b="1" dirty="0">
+              <a:latin typeface="Times New Roman" pitchFamily="18" charset="0"/>
+              <a:cs typeface="Times New Roman" pitchFamily="18" charset="0"/>
+            </a:endParaRPr>
+          </a:p>
+        </p:txBody>
+      </p:sp>
+      <p:sp>
+        <p:nvSpPr>
+          <p:cNvPr id="5" name="TextBox 4"/>
+          <p:cNvSpPr txBox="1"/>
+          <p:nvPr/>
+        </p:nvSpPr>
+        <p:spPr>
+          <a:xfrm>
+            <a:off x="0" y="0"/>
+            <a:ext cx="9144000" cy="369332"/>
+          </a:xfrm>
+          <a:prstGeom prst="rect">
+            <a:avLst/>
+          </a:prstGeom>
+          <a:solidFill>
+            <a:schemeClr val="bg1">
+              <a:lumMod val="85000"/>
+            </a:schemeClr>
+          </a:solidFill>
+        </p:spPr>
+        <p:txBody>
+          <a:bodyPr wrap="square" rtlCol="0">
+            <a:spAutoFit/>
+          </a:bodyPr>
+          <a:lstStyle/>
+          <a:p>
+            <a:pPr algn="ctr"/>
+            <a:r>
+              <a:rPr lang="ru-RU" b="1" dirty="0" smtClean="0">
+                <a:solidFill>
+                  <a:schemeClr val="accent1">
+                    <a:lumMod val="75000"/>
+                  </a:schemeClr>
+                </a:solidFill>
+                <a:latin typeface="Times New Roman" pitchFamily="18" charset="0"/>
+                <a:cs typeface="Times New Roman" pitchFamily="18" charset="0"/>
+              </a:rPr>
+              <a:t>Удаление самопересечений </a:t>
+            </a:r>
+            <a:r>
+              <a:rPr lang="ru-RU" b="1" dirty="0" err="1" smtClean="0">
+                <a:solidFill>
+                  <a:schemeClr val="accent1">
+                    <a:lumMod val="75000"/>
+                  </a:schemeClr>
+                </a:solidFill>
+                <a:latin typeface="Times New Roman" pitchFamily="18" charset="0"/>
+                <a:cs typeface="Times New Roman" pitchFamily="18" charset="0"/>
+              </a:rPr>
+              <a:t>псевдотрехмерного</a:t>
+            </a:r>
+            <a:r>
+              <a:rPr lang="ru-RU" b="1" dirty="0" smtClean="0">
+                <a:solidFill>
+                  <a:schemeClr val="accent1">
+                    <a:lumMod val="75000"/>
+                  </a:schemeClr>
+                </a:solidFill>
+                <a:latin typeface="Times New Roman" pitchFamily="18" charset="0"/>
+                <a:cs typeface="Times New Roman" pitchFamily="18" charset="0"/>
+              </a:rPr>
+              <a:t> профиля –</a:t>
+            </a:r>
+            <a:r>
+              <a:rPr lang="en-US" b="1" dirty="0" smtClean="0">
+                <a:solidFill>
+                  <a:schemeClr val="accent1">
+                    <a:lumMod val="75000"/>
+                  </a:schemeClr>
+                </a:solidFill>
+                <a:latin typeface="Times New Roman" pitchFamily="18" charset="0"/>
+                <a:cs typeface="Times New Roman" pitchFamily="18" charset="0"/>
+              </a:rPr>
+              <a:t> </a:t>
+            </a:r>
+            <a:r>
+              <a:rPr lang="ru-RU" b="1" dirty="0" smtClean="0">
+                <a:solidFill>
+                  <a:schemeClr val="accent1">
+                    <a:lumMod val="75000"/>
+                  </a:schemeClr>
+                </a:solidFill>
+                <a:latin typeface="Times New Roman" pitchFamily="18" charset="0"/>
+                <a:cs typeface="Times New Roman" pitchFamily="18" charset="0"/>
+              </a:rPr>
+              <a:t>коррекция профиля</a:t>
+            </a:r>
+            <a:endParaRPr lang="ru-RU" b="1" dirty="0">
+              <a:solidFill>
+                <a:schemeClr val="accent1">
+                  <a:lumMod val="75000"/>
+                </a:schemeClr>
+              </a:solidFill>
+              <a:latin typeface="Times New Roman" pitchFamily="18" charset="0"/>
+              <a:cs typeface="Times New Roman" pitchFamily="18" charset="0"/>
+            </a:endParaRPr>
+          </a:p>
+        </p:txBody>
+      </p:sp>
+      <p:sp>
+        <p:nvSpPr>
+          <p:cNvPr id="9" name="TextBox 8"/>
+          <p:cNvSpPr txBox="1"/>
+          <p:nvPr/>
+        </p:nvSpPr>
+        <p:spPr>
+          <a:xfrm>
+            <a:off x="4644008" y="3507854"/>
+            <a:ext cx="4176464" cy="830997"/>
+          </a:xfrm>
+          <a:prstGeom prst="rect">
+            <a:avLst/>
+          </a:prstGeom>
+          <a:noFill/>
+        </p:spPr>
+        <p:txBody>
+          <a:bodyPr wrap="square" rtlCol="0">
+            <a:spAutoFit/>
+          </a:bodyPr>
+          <a:lstStyle/>
+          <a:p>
+            <a:r>
+              <a:rPr lang="ru-RU" sz="1600" dirty="0" smtClean="0">
+                <a:latin typeface="Times New Roman" pitchFamily="18" charset="0"/>
+                <a:cs typeface="Times New Roman" pitchFamily="18" charset="0"/>
+              </a:rPr>
+              <a:t>После удаления самопересечений сетка может перестать быть </a:t>
+            </a:r>
+            <a:r>
+              <a:rPr lang="ru-RU" sz="1600" dirty="0" err="1" smtClean="0">
+                <a:latin typeface="Times New Roman" pitchFamily="18" charset="0"/>
+                <a:cs typeface="Times New Roman" pitchFamily="18" charset="0"/>
+              </a:rPr>
+              <a:t>псевдотрехмерным</a:t>
+            </a:r>
+            <a:r>
+              <a:rPr lang="ru-RU" sz="1600" dirty="0" smtClean="0">
+                <a:latin typeface="Times New Roman" pitchFamily="18" charset="0"/>
+                <a:cs typeface="Times New Roman" pitchFamily="18" charset="0"/>
+              </a:rPr>
+              <a:t> профилем, что потребует ее коррекции.</a:t>
+            </a:r>
+          </a:p>
+        </p:txBody>
+      </p:sp>
+      <p:pic>
+        <p:nvPicPr>
+          <p:cNvPr id="11" name="Рисунок 10" descr="int_pseudo3d_after_delete_self_intersections.png"/>
+          <p:cNvPicPr>
+            <a:picLocks noChangeAspect="1"/>
+          </p:cNvPicPr>
+          <p:nvPr/>
+        </p:nvPicPr>
+        <p:blipFill>
+          <a:blip r:embed="rId2" cstate="print"/>
+          <a:stretch>
+            <a:fillRect/>
+          </a:stretch>
+        </p:blipFill>
+        <p:spPr>
+          <a:xfrm>
+            <a:off x="4591041" y="519522"/>
+            <a:ext cx="3653367" cy="2520000"/>
+          </a:xfrm>
+          <a:prstGeom prst="rect">
+            <a:avLst/>
+          </a:prstGeom>
+        </p:spPr>
+      </p:pic>
+      <p:pic>
+        <p:nvPicPr>
+          <p:cNvPr id="12" name="Рисунок 11" descr="int_pseudo3d_before_self_intersections_2.png"/>
+          <p:cNvPicPr>
+            <a:picLocks noChangeAspect="1"/>
+          </p:cNvPicPr>
+          <p:nvPr/>
+        </p:nvPicPr>
+        <p:blipFill>
+          <a:blip r:embed="rId3" cstate="print"/>
+          <a:stretch>
+            <a:fillRect/>
+          </a:stretch>
+        </p:blipFill>
+        <p:spPr>
+          <a:xfrm>
+            <a:off x="774615" y="519522"/>
+            <a:ext cx="3652379" cy="2520000"/>
+          </a:xfrm>
+          <a:prstGeom prst="rect">
+            <a:avLst/>
+          </a:prstGeom>
+        </p:spPr>
+      </p:pic>
+      <p:pic>
+        <p:nvPicPr>
+          <p:cNvPr id="13" name="Рисунок 12" descr="int_pseudo3d_after_delete_self_intersections_needs_profile_correction.png"/>
+          <p:cNvPicPr>
+            <a:picLocks noChangeAspect="1"/>
+          </p:cNvPicPr>
+          <p:nvPr/>
+        </p:nvPicPr>
+        <p:blipFill>
+          <a:blip r:embed="rId4" cstate="print"/>
+          <a:stretch>
+            <a:fillRect/>
+          </a:stretch>
+        </p:blipFill>
+        <p:spPr>
+          <a:xfrm>
+            <a:off x="1547664" y="3219822"/>
+            <a:ext cx="2086681" cy="1439340"/>
+          </a:xfrm>
+          <a:prstGeom prst="rect">
+            <a:avLst/>
+          </a:prstGeom>
+        </p:spPr>
+      </p:pic>
+      <p:sp>
+        <p:nvSpPr>
+          <p:cNvPr id="10" name="Номер слайда 9"/>
+          <p:cNvSpPr>
+            <a:spLocks noGrp="1"/>
+          </p:cNvSpPr>
+          <p:nvPr>
+            <p:ph type="sldNum" sz="quarter" idx="12"/>
+          </p:nvPr>
+        </p:nvSpPr>
+        <p:spPr/>
+        <p:txBody>
+          <a:bodyPr/>
+          <a:lstStyle/>
+          <a:p>
+            <a:fld id="{C5FC9A33-0AA4-4ABC-8991-60B335115267}" type="slidenum">
+              <a:rPr lang="ru-RU" smtClean="0"/>
+              <a:pPr/>
+              <a:t>13</a:t>
+            </a:fld>
+            <a:r>
+              <a:rPr lang="en-US" smtClean="0"/>
+              <a:t>/100</a:t>
+            </a:r>
+            <a:endParaRPr lang="ru-RU" dirty="0"/>
+          </a:p>
+        </p:txBody>
+      </p:sp>
+    </p:spTree>
+  </p:cSld>
+  <p:clrMapOvr>
+    <a:masterClrMapping/>
+  </p:clrMapOvr>
+  <p:timing>
+    <p:tnLst>
+      <p:par>
+        <p:cTn id="1" dur="indefinite" restart="never" nodeType="tmRoot"/>
+      </p:par>
+    </p:tnLst>
+  </p:timing>
+</p:sld>
+</file>
+
+<file path=ppt/slides/slide14.xml><?xml version="1.0" encoding="utf-8"?>
+<p:sld xmlns:a="http://schemas.openxmlformats.org/drawingml/2006/main" xmlns:r="http://schemas.openxmlformats.org/officeDocument/2006/relationships" xmlns:p="http://schemas.openxmlformats.org/presentationml/2006/main">
+  <p:cSld>
+    <p:spTree>
+      <p:nvGrpSpPr>
+        <p:cNvPr id="1" name=""/>
+        <p:cNvGrpSpPr/>
+        <p:nvPr/>
+      </p:nvGrpSpPr>
+      <p:grpSpPr>
+        <a:xfrm>
+          <a:off x="0" y="0"/>
+          <a:ext cx="0" cy="0"/>
+          <a:chOff x="0" y="0"/>
+          <a:chExt cx="0" cy="0"/>
+        </a:xfrm>
+      </p:grpSpPr>
+      <p:sp>
+        <p:nvSpPr>
+          <p:cNvPr id="8" name="TextBox 7"/>
+          <p:cNvSpPr txBox="1"/>
+          <p:nvPr/>
+        </p:nvSpPr>
+        <p:spPr>
+          <a:xfrm>
+            <a:off x="0" y="4774168"/>
+            <a:ext cx="9144000" cy="369332"/>
+          </a:xfrm>
+          <a:prstGeom prst="rect">
+            <a:avLst/>
+          </a:prstGeom>
+          <a:solidFill>
+            <a:schemeClr val="bg1">
+              <a:lumMod val="85000"/>
+            </a:schemeClr>
+          </a:solidFill>
+        </p:spPr>
+        <p:txBody>
+          <a:bodyPr wrap="square" rtlCol="0">
+            <a:spAutoFit/>
+          </a:bodyPr>
+          <a:lstStyle/>
+          <a:p>
+            <a:pPr algn="ctr"/>
+            <a:endParaRPr lang="ru-RU" b="1" dirty="0">
+              <a:latin typeface="Times New Roman" pitchFamily="18" charset="0"/>
+              <a:cs typeface="Times New Roman" pitchFamily="18" charset="0"/>
+            </a:endParaRPr>
+          </a:p>
+        </p:txBody>
+      </p:sp>
+      <p:sp>
+        <p:nvSpPr>
+          <p:cNvPr id="5" name="TextBox 4"/>
+          <p:cNvSpPr txBox="1"/>
+          <p:nvPr/>
+        </p:nvSpPr>
+        <p:spPr>
+          <a:xfrm>
+            <a:off x="0" y="0"/>
+            <a:ext cx="9144000" cy="369332"/>
+          </a:xfrm>
+          <a:prstGeom prst="rect">
+            <a:avLst/>
+          </a:prstGeom>
+          <a:solidFill>
+            <a:schemeClr val="bg1">
+              <a:lumMod val="85000"/>
+            </a:schemeClr>
+          </a:solidFill>
+        </p:spPr>
+        <p:txBody>
+          <a:bodyPr wrap="square" rtlCol="0">
+            <a:spAutoFit/>
+          </a:bodyPr>
+          <a:lstStyle/>
+          <a:p>
+            <a:pPr algn="ctr"/>
+            <a:r>
+              <a:rPr lang="ru-RU" b="1" dirty="0" smtClean="0">
+                <a:solidFill>
+                  <a:schemeClr val="accent1">
+                    <a:lumMod val="75000"/>
+                  </a:schemeClr>
+                </a:solidFill>
+                <a:latin typeface="Times New Roman" pitchFamily="18" charset="0"/>
+                <a:cs typeface="Times New Roman" pitchFamily="18" charset="0"/>
+              </a:rPr>
+              <a:t>Удаление самопересечений </a:t>
+            </a:r>
+            <a:r>
+              <a:rPr lang="ru-RU" b="1" dirty="0" err="1" smtClean="0">
+                <a:solidFill>
+                  <a:schemeClr val="accent1">
+                    <a:lumMod val="75000"/>
+                  </a:schemeClr>
+                </a:solidFill>
+                <a:latin typeface="Times New Roman" pitchFamily="18" charset="0"/>
+                <a:cs typeface="Times New Roman" pitchFamily="18" charset="0"/>
+              </a:rPr>
+              <a:t>псевдотрехмерного</a:t>
+            </a:r>
+            <a:r>
+              <a:rPr lang="ru-RU" b="1" dirty="0" smtClean="0">
+                <a:solidFill>
+                  <a:schemeClr val="accent1">
+                    <a:lumMod val="75000"/>
+                  </a:schemeClr>
+                </a:solidFill>
+                <a:latin typeface="Times New Roman" pitchFamily="18" charset="0"/>
+                <a:cs typeface="Times New Roman" pitchFamily="18" charset="0"/>
+              </a:rPr>
+              <a:t> профиля –</a:t>
+            </a:r>
+            <a:r>
+              <a:rPr lang="en-US" b="1" dirty="0" smtClean="0">
+                <a:solidFill>
+                  <a:schemeClr val="accent1">
+                    <a:lumMod val="75000"/>
+                  </a:schemeClr>
+                </a:solidFill>
+                <a:latin typeface="Times New Roman" pitchFamily="18" charset="0"/>
+                <a:cs typeface="Times New Roman" pitchFamily="18" charset="0"/>
+              </a:rPr>
+              <a:t> </a:t>
+            </a:r>
+            <a:r>
+              <a:rPr lang="ru-RU" b="1" dirty="0" smtClean="0">
+                <a:solidFill>
+                  <a:schemeClr val="accent1">
+                    <a:lumMod val="75000"/>
+                  </a:schemeClr>
+                </a:solidFill>
+                <a:latin typeface="Times New Roman" pitchFamily="18" charset="0"/>
+                <a:cs typeface="Times New Roman" pitchFamily="18" charset="0"/>
+              </a:rPr>
+              <a:t>с сохранением профиля</a:t>
+            </a:r>
+            <a:endParaRPr lang="ru-RU" b="1" dirty="0">
+              <a:solidFill>
+                <a:schemeClr val="accent1">
+                  <a:lumMod val="75000"/>
+                </a:schemeClr>
+              </a:solidFill>
+              <a:latin typeface="Times New Roman" pitchFamily="18" charset="0"/>
+              <a:cs typeface="Times New Roman" pitchFamily="18" charset="0"/>
+            </a:endParaRPr>
+          </a:p>
+        </p:txBody>
+      </p:sp>
+      <p:sp>
+        <p:nvSpPr>
+          <p:cNvPr id="9" name="TextBox 8"/>
+          <p:cNvSpPr txBox="1"/>
+          <p:nvPr/>
+        </p:nvSpPr>
+        <p:spPr>
+          <a:xfrm>
+            <a:off x="7020272" y="555526"/>
+            <a:ext cx="2016224" cy="3785652"/>
+          </a:xfrm>
+          <a:prstGeom prst="rect">
+            <a:avLst/>
+          </a:prstGeom>
+          <a:noFill/>
+        </p:spPr>
+        <p:txBody>
+          <a:bodyPr wrap="square" rtlCol="0">
+            <a:spAutoFit/>
+          </a:bodyPr>
+          <a:lstStyle/>
+          <a:p>
+            <a:r>
+              <a:rPr lang="ru-RU" sz="1600" b="1" dirty="0" smtClean="0">
+                <a:latin typeface="Times New Roman" pitchFamily="18" charset="0"/>
+                <a:cs typeface="Times New Roman" pitchFamily="18" charset="0"/>
+              </a:rPr>
+              <a:t>Шаги удаления самопересечений:</a:t>
+            </a:r>
+          </a:p>
+          <a:p>
+            <a:endParaRPr lang="ru-RU" sz="1600" dirty="0" smtClean="0">
+              <a:latin typeface="Times New Roman" pitchFamily="18" charset="0"/>
+              <a:cs typeface="Times New Roman" pitchFamily="18" charset="0"/>
+            </a:endParaRPr>
+          </a:p>
+          <a:p>
+            <a:r>
+              <a:rPr lang="ru-RU" sz="1600" dirty="0" smtClean="0">
+                <a:latin typeface="Times New Roman" pitchFamily="18" charset="0"/>
+                <a:cs typeface="Times New Roman" pitchFamily="18" charset="0"/>
+              </a:rPr>
+              <a:t>построение подложки в пространстве;</a:t>
+            </a:r>
+          </a:p>
+          <a:p>
+            <a:endParaRPr lang="ru-RU" sz="1600" dirty="0">
+              <a:latin typeface="Times New Roman" pitchFamily="18" charset="0"/>
+              <a:cs typeface="Times New Roman" pitchFamily="18" charset="0"/>
+            </a:endParaRPr>
+          </a:p>
+          <a:p>
+            <a:r>
+              <a:rPr lang="ru-RU" sz="1600" dirty="0" smtClean="0">
+                <a:latin typeface="Times New Roman" pitchFamily="18" charset="0"/>
+                <a:cs typeface="Times New Roman" pitchFamily="18" charset="0"/>
+              </a:rPr>
+              <a:t>поиск внешней поверхности путем обхода подложки;</a:t>
+            </a:r>
+          </a:p>
+          <a:p>
+            <a:endParaRPr lang="ru-RU" sz="1600" dirty="0">
+              <a:latin typeface="Times New Roman" pitchFamily="18" charset="0"/>
+              <a:cs typeface="Times New Roman" pitchFamily="18" charset="0"/>
+            </a:endParaRPr>
+          </a:p>
+          <a:p>
+            <a:r>
+              <a:rPr lang="ru-RU" sz="1600" dirty="0" smtClean="0">
+                <a:latin typeface="Times New Roman" pitchFamily="18" charset="0"/>
+                <a:cs typeface="Times New Roman" pitchFamily="18" charset="0"/>
+              </a:rPr>
+              <a:t>удаление лишних ячеек путем стягивания сетки по граничным ребрам.</a:t>
+            </a:r>
+          </a:p>
+        </p:txBody>
+      </p:sp>
+      <p:pic>
+        <p:nvPicPr>
+          <p:cNvPr id="10" name="Рисунок 9" descr="wing_class.png"/>
+          <p:cNvPicPr>
+            <a:picLocks noChangeAspect="1"/>
+          </p:cNvPicPr>
+          <p:nvPr/>
+        </p:nvPicPr>
+        <p:blipFill>
+          <a:blip r:embed="rId2" cstate="print"/>
+          <a:stretch>
+            <a:fillRect/>
+          </a:stretch>
+        </p:blipFill>
+        <p:spPr>
+          <a:xfrm>
+            <a:off x="2368215" y="2607966"/>
+            <a:ext cx="2221204" cy="1908000"/>
+          </a:xfrm>
+          <a:prstGeom prst="rect">
+            <a:avLst/>
+          </a:prstGeom>
+        </p:spPr>
+      </p:pic>
+      <p:pic>
+        <p:nvPicPr>
+          <p:cNvPr id="14" name="Рисунок 13" descr="wing_original.png"/>
+          <p:cNvPicPr>
+            <a:picLocks noChangeAspect="1"/>
+          </p:cNvPicPr>
+          <p:nvPr/>
+        </p:nvPicPr>
+        <p:blipFill>
+          <a:blip r:embed="rId3" cstate="print"/>
+          <a:stretch>
+            <a:fillRect/>
+          </a:stretch>
+        </p:blipFill>
+        <p:spPr>
+          <a:xfrm>
+            <a:off x="106467" y="620688"/>
+            <a:ext cx="2238694" cy="1908000"/>
+          </a:xfrm>
+          <a:prstGeom prst="rect">
+            <a:avLst/>
+          </a:prstGeom>
+        </p:spPr>
+      </p:pic>
+      <p:pic>
+        <p:nvPicPr>
+          <p:cNvPr id="15" name="Рисунок 14" descr="wing_pt_active.png"/>
+          <p:cNvPicPr>
+            <a:picLocks noChangeAspect="1"/>
+          </p:cNvPicPr>
+          <p:nvPr/>
+        </p:nvPicPr>
+        <p:blipFill>
+          <a:blip r:embed="rId4" cstate="print"/>
+          <a:stretch>
+            <a:fillRect/>
+          </a:stretch>
+        </p:blipFill>
+        <p:spPr>
+          <a:xfrm>
+            <a:off x="96914" y="2607966"/>
+            <a:ext cx="2257800" cy="1908000"/>
+          </a:xfrm>
+          <a:prstGeom prst="rect">
+            <a:avLst/>
+          </a:prstGeom>
+        </p:spPr>
+      </p:pic>
+      <p:pic>
+        <p:nvPicPr>
+          <p:cNvPr id="16" name="Рисунок 15" descr="wing_pt_all.png"/>
+          <p:cNvPicPr>
+            <a:picLocks noChangeAspect="1"/>
+          </p:cNvPicPr>
+          <p:nvPr/>
+        </p:nvPicPr>
+        <p:blipFill>
+          <a:blip r:embed="rId5" cstate="print"/>
+          <a:stretch>
+            <a:fillRect/>
+          </a:stretch>
+        </p:blipFill>
+        <p:spPr>
+          <a:xfrm>
+            <a:off x="2366633" y="620688"/>
+            <a:ext cx="2224369" cy="1908000"/>
+          </a:xfrm>
+          <a:prstGeom prst="rect">
+            <a:avLst/>
+          </a:prstGeom>
+        </p:spPr>
+      </p:pic>
+      <p:pic>
+        <p:nvPicPr>
+          <p:cNvPr id="17" name="Рисунок 16" descr="wing_pt_leafs.png"/>
+          <p:cNvPicPr>
+            <a:picLocks noChangeAspect="1"/>
+          </p:cNvPicPr>
+          <p:nvPr/>
+        </p:nvPicPr>
+        <p:blipFill>
+          <a:blip r:embed="rId6" cstate="print"/>
+          <a:stretch>
+            <a:fillRect/>
+          </a:stretch>
+        </p:blipFill>
+        <p:spPr>
+          <a:xfrm>
+            <a:off x="4670889" y="620688"/>
+            <a:ext cx="2277375" cy="1908000"/>
+          </a:xfrm>
+          <a:prstGeom prst="rect">
+            <a:avLst/>
+          </a:prstGeom>
+        </p:spPr>
+      </p:pic>
+      <p:pic>
+        <p:nvPicPr>
+          <p:cNvPr id="18" name="Рисунок 17" descr="wing_reduce.png"/>
+          <p:cNvPicPr>
+            <a:picLocks noChangeAspect="1"/>
+          </p:cNvPicPr>
+          <p:nvPr/>
+        </p:nvPicPr>
+        <p:blipFill>
+          <a:blip r:embed="rId7" cstate="print"/>
+          <a:stretch>
+            <a:fillRect/>
+          </a:stretch>
+        </p:blipFill>
+        <p:spPr>
+          <a:xfrm>
+            <a:off x="4695066" y="2607966"/>
+            <a:ext cx="2229020" cy="1908000"/>
+          </a:xfrm>
+          <a:prstGeom prst="rect">
+            <a:avLst/>
+          </a:prstGeom>
+        </p:spPr>
+      </p:pic>
+      <p:sp>
+        <p:nvSpPr>
+          <p:cNvPr id="12" name="Номер слайда 11"/>
+          <p:cNvSpPr>
+            <a:spLocks noGrp="1"/>
+          </p:cNvSpPr>
+          <p:nvPr>
+            <p:ph type="sldNum" sz="quarter" idx="12"/>
+          </p:nvPr>
+        </p:nvSpPr>
+        <p:spPr/>
+        <p:txBody>
+          <a:bodyPr/>
+          <a:lstStyle/>
+          <a:p>
+            <a:fld id="{C5FC9A33-0AA4-4ABC-8991-60B335115267}" type="slidenum">
+              <a:rPr lang="ru-RU" smtClean="0"/>
+              <a:pPr/>
+              <a:t>14</a:t>
+            </a:fld>
+            <a:r>
+              <a:rPr lang="en-US" smtClean="0"/>
+              <a:t>/100</a:t>
+            </a:r>
+            <a:endParaRPr lang="ru-RU" dirty="0"/>
+          </a:p>
+        </p:txBody>
+      </p:sp>
+    </p:spTree>
+  </p:cSld>
+  <p:clrMapOvr>
+    <a:masterClrMapping/>
+  </p:clrMapOvr>
+  <p:timing>
+    <p:tnLst>
+      <p:par>
+        <p:cTn id="1" dur="indefinite" restart="never" nodeType="tmRoot"/>
+      </p:par>
+    </p:tnLst>
+  </p:timing>
+</p:sld>
+</file>
+
+<file path=ppt/slides/slide15.xml><?xml version="1.0" encoding="utf-8"?>
+<p:sld xmlns:a="http://schemas.openxmlformats.org/drawingml/2006/main" xmlns:r="http://schemas.openxmlformats.org/officeDocument/2006/relationships" xmlns:p="http://schemas.openxmlformats.org/presentationml/2006/main">
+  <p:cSld>
+    <p:spTree>
+      <p:nvGrpSpPr>
+        <p:cNvPr id="1" name=""/>
+        <p:cNvGrpSpPr/>
+        <p:nvPr/>
+      </p:nvGrpSpPr>
+      <p:grpSpPr>
+        <a:xfrm>
+          <a:off x="0" y="0"/>
+          <a:ext cx="0" cy="0"/>
+          <a:chOff x="0" y="0"/>
+          <a:chExt cx="0" cy="0"/>
+        </a:xfrm>
+      </p:grpSpPr>
+      <p:sp>
+        <p:nvSpPr>
+          <p:cNvPr id="8" name="TextBox 7"/>
+          <p:cNvSpPr txBox="1"/>
+          <p:nvPr/>
+        </p:nvSpPr>
+        <p:spPr>
+          <a:xfrm>
+            <a:off x="0" y="4774168"/>
+            <a:ext cx="9144000" cy="369332"/>
+          </a:xfrm>
+          <a:prstGeom prst="rect">
+            <a:avLst/>
+          </a:prstGeom>
+          <a:solidFill>
+            <a:schemeClr val="bg1">
+              <a:lumMod val="85000"/>
+            </a:schemeClr>
+          </a:solidFill>
+        </p:spPr>
+        <p:txBody>
+          <a:bodyPr wrap="square" rtlCol="0">
+            <a:spAutoFit/>
+          </a:bodyPr>
+          <a:lstStyle/>
+          <a:p>
+            <a:pPr algn="ctr"/>
+            <a:endParaRPr lang="ru-RU" b="1" dirty="0">
+              <a:latin typeface="Times New Roman" pitchFamily="18" charset="0"/>
+              <a:cs typeface="Times New Roman" pitchFamily="18" charset="0"/>
+            </a:endParaRPr>
+          </a:p>
+        </p:txBody>
+      </p:sp>
+      <p:sp>
+        <p:nvSpPr>
+          <p:cNvPr id="5" name="TextBox 4"/>
+          <p:cNvSpPr txBox="1"/>
+          <p:nvPr/>
+        </p:nvSpPr>
+        <p:spPr>
+          <a:xfrm>
+            <a:off x="0" y="0"/>
+            <a:ext cx="9144000" cy="369332"/>
+          </a:xfrm>
+          <a:prstGeom prst="rect">
+            <a:avLst/>
+          </a:prstGeom>
+          <a:solidFill>
+            <a:schemeClr val="bg1">
+              <a:lumMod val="85000"/>
+            </a:schemeClr>
+          </a:solidFill>
+        </p:spPr>
+        <p:txBody>
+          <a:bodyPr wrap="square" rtlCol="0">
+            <a:spAutoFit/>
+          </a:bodyPr>
+          <a:lstStyle/>
+          <a:p>
+            <a:pPr algn="ctr"/>
+            <a:r>
+              <a:rPr lang="ru-RU" b="1" dirty="0" smtClean="0">
+                <a:solidFill>
+                  <a:schemeClr val="accent1">
+                    <a:lumMod val="75000"/>
+                  </a:schemeClr>
+                </a:solidFill>
+                <a:latin typeface="Times New Roman" pitchFamily="18" charset="0"/>
+                <a:cs typeface="Times New Roman" pitchFamily="18" charset="0"/>
+              </a:rPr>
+              <a:t>Удаление самопересечений </a:t>
+            </a:r>
+            <a:r>
+              <a:rPr lang="ru-RU" b="1" dirty="0" err="1" smtClean="0">
+                <a:solidFill>
+                  <a:schemeClr val="accent1">
+                    <a:lumMod val="75000"/>
+                  </a:schemeClr>
+                </a:solidFill>
+                <a:latin typeface="Times New Roman" pitchFamily="18" charset="0"/>
+                <a:cs typeface="Times New Roman" pitchFamily="18" charset="0"/>
+              </a:rPr>
+              <a:t>псевдотрехмерного</a:t>
+            </a:r>
+            <a:r>
+              <a:rPr lang="ru-RU" b="1" dirty="0" smtClean="0">
+                <a:solidFill>
+                  <a:schemeClr val="accent1">
+                    <a:lumMod val="75000"/>
+                  </a:schemeClr>
+                </a:solidFill>
+                <a:latin typeface="Times New Roman" pitchFamily="18" charset="0"/>
+                <a:cs typeface="Times New Roman" pitchFamily="18" charset="0"/>
+              </a:rPr>
+              <a:t> профиля –</a:t>
+            </a:r>
+            <a:r>
+              <a:rPr lang="en-US" b="1" dirty="0" smtClean="0">
+                <a:solidFill>
+                  <a:schemeClr val="accent1">
+                    <a:lumMod val="75000"/>
+                  </a:schemeClr>
+                </a:solidFill>
+                <a:latin typeface="Times New Roman" pitchFamily="18" charset="0"/>
+                <a:cs typeface="Times New Roman" pitchFamily="18" charset="0"/>
+              </a:rPr>
+              <a:t> </a:t>
+            </a:r>
+            <a:r>
+              <a:rPr lang="ru-RU" b="1" dirty="0" smtClean="0">
+                <a:solidFill>
+                  <a:schemeClr val="accent1">
+                    <a:lumMod val="75000"/>
+                  </a:schemeClr>
+                </a:solidFill>
+                <a:latin typeface="Times New Roman" pitchFamily="18" charset="0"/>
+                <a:cs typeface="Times New Roman" pitchFamily="18" charset="0"/>
+              </a:rPr>
+              <a:t>сравнение методов</a:t>
+            </a:r>
+            <a:endParaRPr lang="ru-RU" b="1" dirty="0">
+              <a:solidFill>
+                <a:schemeClr val="accent1">
+                  <a:lumMod val="75000"/>
+                </a:schemeClr>
+              </a:solidFill>
+              <a:latin typeface="Times New Roman" pitchFamily="18" charset="0"/>
+              <a:cs typeface="Times New Roman" pitchFamily="18" charset="0"/>
+            </a:endParaRPr>
+          </a:p>
+        </p:txBody>
+      </p:sp>
+      <p:sp>
+        <p:nvSpPr>
+          <p:cNvPr id="9" name="TextBox 8"/>
+          <p:cNvSpPr txBox="1"/>
+          <p:nvPr/>
+        </p:nvSpPr>
+        <p:spPr>
+          <a:xfrm>
+            <a:off x="246565" y="3147814"/>
+            <a:ext cx="3893387" cy="1323439"/>
+          </a:xfrm>
+          <a:prstGeom prst="rect">
+            <a:avLst/>
+          </a:prstGeom>
+          <a:noFill/>
+        </p:spPr>
+        <p:txBody>
+          <a:bodyPr wrap="square" rtlCol="0">
+            <a:spAutoFit/>
+          </a:bodyPr>
+          <a:lstStyle/>
+          <a:p>
+            <a:r>
+              <a:rPr lang="ru-RU" sz="1600" dirty="0" smtClean="0">
+                <a:latin typeface="Times New Roman" pitchFamily="18" charset="0"/>
+                <a:cs typeface="Times New Roman" pitchFamily="18" charset="0"/>
+              </a:rPr>
+              <a:t>Удаление самопересечений путем стягивания по граничным ребрам.</a:t>
+            </a:r>
+          </a:p>
+          <a:p>
+            <a:endParaRPr lang="ru-RU" sz="1600" dirty="0">
+              <a:latin typeface="Times New Roman" pitchFamily="18" charset="0"/>
+              <a:cs typeface="Times New Roman" pitchFamily="18" charset="0"/>
+            </a:endParaRPr>
+          </a:p>
+          <a:p>
+            <a:r>
+              <a:rPr lang="ru-RU" sz="1600" dirty="0" err="1" smtClean="0">
+                <a:latin typeface="Times New Roman" pitchFamily="18" charset="0"/>
+                <a:cs typeface="Times New Roman" pitchFamily="18" charset="0"/>
+              </a:rPr>
+              <a:t>Псевдотрехмерный</a:t>
+            </a:r>
+            <a:r>
+              <a:rPr lang="ru-RU" sz="1600" dirty="0" smtClean="0">
+                <a:latin typeface="Times New Roman" pitchFamily="18" charset="0"/>
+                <a:cs typeface="Times New Roman" pitchFamily="18" charset="0"/>
+              </a:rPr>
+              <a:t> профиль сохраняется, но получается грубый результат.</a:t>
+            </a:r>
+          </a:p>
+        </p:txBody>
+      </p:sp>
+      <p:pic>
+        <p:nvPicPr>
+          <p:cNvPr id="11" name="Рисунок 10" descr="int_pseudo3d_result_by_reduce.png"/>
+          <p:cNvPicPr>
+            <a:picLocks noChangeAspect="1"/>
+          </p:cNvPicPr>
+          <p:nvPr/>
+        </p:nvPicPr>
+        <p:blipFill>
+          <a:blip r:embed="rId2" cstate="print"/>
+          <a:stretch>
+            <a:fillRect/>
+          </a:stretch>
+        </p:blipFill>
+        <p:spPr>
+          <a:xfrm>
             <a:off x="179512" y="699782"/>
             <a:ext cx="4206060" cy="2160000"/>
           </a:xfrm>
@@ -4757,7 +6222,7 @@
             <a:fld id="{C5FC9A33-0AA4-4ABC-8991-60B335115267}" type="slidenum">
               <a:rPr lang="ru-RU" smtClean="0"/>
               <a:pPr/>
-              <a:t>12</a:t>
+              <a:t>15</a:t>
             </a:fld>
             <a:r>
               <a:rPr lang="en-US" smtClean="0"/>
@@ -4799,30 +6264,6 @@
           <a:chExt cx="0" cy="0"/>
         </a:xfrm>
       </p:grpSpPr>
-      <p:pic>
-        <p:nvPicPr>
-          <p:cNvPr id="13" name="Рисунок 12" descr="int_we_need_find_outer_surface.png"/>
-          <p:cNvPicPr>
-            <a:picLocks noChangeAspect="1"/>
-          </p:cNvPicPr>
-          <p:nvPr/>
-        </p:nvPicPr>
-        <p:blipFill>
-          <a:blip r:embed="rId2" cstate="print"/>
-          <a:stretch>
-            <a:fillRect/>
-          </a:stretch>
-        </p:blipFill>
-        <p:spPr>
-          <a:xfrm>
-            <a:off x="5720292" y="1563638"/>
-            <a:ext cx="3028172" cy="2400502"/>
-          </a:xfrm>
-          <a:prstGeom prst="rect">
-            <a:avLst/>
-          </a:prstGeom>
-        </p:spPr>
-      </p:pic>
       <p:sp>
         <p:nvSpPr>
           <p:cNvPr id="8" name="TextBox 7"/>
@@ -4865,8 +6306,8 @@
         </p:nvSpPr>
         <p:spPr>
           <a:xfrm>
-            <a:off x="107504" y="483518"/>
-            <a:ext cx="8928992" cy="1077218"/>
+            <a:off x="35496" y="3291830"/>
+            <a:ext cx="4464496" cy="830997"/>
           </a:xfrm>
           <a:prstGeom prst="rect">
             <a:avLst/>
@@ -4880,11 +6321,34 @@
           <a:lstStyle/>
           <a:p>
             <a:r>
+              <a:rPr lang="ru-RU" sz="1600" b="1" dirty="0" smtClean="0">
+                <a:latin typeface="Times New Roman" pitchFamily="18" charset="0"/>
+                <a:cs typeface="Times New Roman" pitchFamily="18" charset="0"/>
+              </a:rPr>
+              <a:t>Метод прямоугольников</a:t>
+            </a:r>
+          </a:p>
+          <a:p>
+            <a:r>
               <a:rPr lang="ru-RU" sz="1600" dirty="0" smtClean="0">
                 <a:latin typeface="Times New Roman" pitchFamily="18" charset="0"/>
                 <a:cs typeface="Times New Roman" pitchFamily="18" charset="0"/>
               </a:rPr>
-              <a:t>Основные особенности поиска и удаления пересечения двух поверхностных сеток в существующих решениях: поиск пересечения в виде отдельных ломаных</a:t>
+              <a:t>Целевая площадь представлена прямоугольниками со сторонами </a:t>
+            </a:r>
+            <a:r>
+              <a:rPr lang="en-US" sz="1600" i="1" dirty="0" err="1" smtClean="0">
+                <a:latin typeface="Times New Roman" pitchFamily="18" charset="0"/>
+                <a:cs typeface="Times New Roman" pitchFamily="18" charset="0"/>
+              </a:rPr>
+              <a:t>l</a:t>
+            </a:r>
+            <a:r>
+              <a:rPr lang="en-US" sz="1600" i="1" baseline="-25000" dirty="0" err="1" smtClean="0">
+                <a:latin typeface="Times New Roman" pitchFamily="18" charset="0"/>
+                <a:cs typeface="Times New Roman" pitchFamily="18" charset="0"/>
+              </a:rPr>
+              <a:t>i</a:t>
             </a:r>
             <a:r>
               <a:rPr lang="en-US" sz="1600" dirty="0" smtClean="0">
@@ -4894,40 +6358,30 @@
               <a:t>, </a:t>
             </a:r>
             <a:r>
-              <a:rPr lang="ru-RU" sz="1600" dirty="0" smtClean="0">
-                <a:latin typeface="Times New Roman" pitchFamily="18" charset="0"/>
-                <a:cs typeface="Times New Roman" pitchFamily="18" charset="0"/>
-              </a:rPr>
-              <a:t>обход с использованием </a:t>
+              <a:rPr lang="en-US" sz="1600" i="1" dirty="0" smtClean="0">
+                <a:latin typeface="Times New Roman" pitchFamily="18" charset="0"/>
+                <a:cs typeface="Times New Roman" pitchFamily="18" charset="0"/>
+              </a:rPr>
+              <a:t>H</a:t>
+            </a:r>
+            <a:r>
+              <a:rPr lang="en-US" sz="1600" i="1" baseline="-25000" dirty="0" smtClean="0">
+                <a:latin typeface="Times New Roman" pitchFamily="18" charset="0"/>
+                <a:cs typeface="Times New Roman" pitchFamily="18" charset="0"/>
+              </a:rPr>
+              <a:t>i</a:t>
             </a:r>
             <a:r>
               <a:rPr lang="en-US" sz="1600" dirty="0" smtClean="0">
                 <a:latin typeface="Times New Roman" pitchFamily="18" charset="0"/>
                 <a:cs typeface="Times New Roman" pitchFamily="18" charset="0"/>
               </a:rPr>
-              <a:t>TNOIT (tracing of the </a:t>
-            </a:r>
-            <a:r>
-              <a:rPr lang="en-US" sz="1600" dirty="0" err="1" smtClean="0">
-                <a:latin typeface="Times New Roman" pitchFamily="18" charset="0"/>
-                <a:cs typeface="Times New Roman" pitchFamily="18" charset="0"/>
-              </a:rPr>
-              <a:t>neighbours</a:t>
-            </a:r>
-            <a:r>
-              <a:rPr lang="en-US" sz="1600" dirty="0" smtClean="0">
-                <a:latin typeface="Times New Roman" pitchFamily="18" charset="0"/>
-                <a:cs typeface="Times New Roman" pitchFamily="18" charset="0"/>
-              </a:rPr>
-              <a:t> of intersecting triangles), </a:t>
-            </a:r>
-            <a:r>
-              <a:rPr lang="ru-RU" sz="1600" dirty="0" smtClean="0">
-                <a:latin typeface="Times New Roman" pitchFamily="18" charset="0"/>
-                <a:cs typeface="Times New Roman" pitchFamily="18" charset="0"/>
-              </a:rPr>
-              <a:t>локальное дробление ячейки по ломаной, коррекция расчетной сетки, компенсация ошибок с плавающей арифметикой.</a:t>
-            </a:r>
+              <a:t>.</a:t>
+            </a:r>
+            <a:endParaRPr lang="ru-RU" sz="1600" dirty="0" smtClean="0">
+              <a:latin typeface="Times New Roman" pitchFamily="18" charset="0"/>
+              <a:cs typeface="Times New Roman" pitchFamily="18" charset="0"/>
+            </a:endParaRPr>
           </a:p>
         </p:txBody>
       </p:sp>
@@ -4968,9 +6422,9 @@
                 <a:latin typeface="Times New Roman" pitchFamily="18" charset="0"/>
                 <a:cs typeface="Times New Roman" pitchFamily="18" charset="0"/>
               </a:rPr>
-              <a:t>Удаление самопересечений для поверхностной расчетной сетки</a:t>
-            </a:r>
-            <a:endParaRPr lang="ru-RU" b="1" dirty="0">
+              <a:t>Методы прямоугольников и трапеций перестроения поверхностной сетки</a:t>
+            </a:r>
+            <a:endParaRPr lang="ru-RU" b="1" dirty="0" smtClean="0">
               <a:solidFill>
                 <a:schemeClr val="accent1">
                   <a:lumMod val="75000"/>
@@ -4984,265 +6438,7 @@
       </p:sp>
       <p:sp>
         <p:nvSpPr>
-          <p:cNvPr id="7" name="TextBox 6"/>
-          <p:cNvSpPr txBox="1"/>
-          <p:nvPr/>
-        </p:nvSpPr>
-        <p:spPr>
-          <a:xfrm>
-            <a:off x="0" y="4083918"/>
-            <a:ext cx="9144000" cy="707886"/>
-          </a:xfrm>
-          <a:prstGeom prst="rect">
-            <a:avLst/>
-          </a:prstGeom>
-          <a:noFill/>
-        </p:spPr>
-        <p:txBody>
-          <a:bodyPr wrap="square" rtlCol="0">
-            <a:spAutoFit/>
-          </a:bodyPr>
-          <a:lstStyle/>
-          <a:p>
-            <a:r>
-              <a:rPr lang="ru-RU" sz="1000" baseline="30000" dirty="0" smtClean="0">
-                <a:latin typeface="Bahnschrift Light Condensed" pitchFamily="34" charset="0"/>
-                <a:cs typeface="Times New Roman" pitchFamily="18" charset="0"/>
-              </a:rPr>
-              <a:t>1</a:t>
-            </a:r>
-            <a:r>
-              <a:rPr lang="en-US" sz="1000" baseline="30000" dirty="0" smtClean="0">
-                <a:latin typeface="Bahnschrift Light Condensed" pitchFamily="34" charset="0"/>
-                <a:cs typeface="Times New Roman" pitchFamily="18" charset="0"/>
-              </a:rPr>
-              <a:t> </a:t>
-            </a:r>
-            <a:r>
-              <a:rPr lang="en-US" sz="1000" dirty="0" smtClean="0">
-                <a:latin typeface="Bahnschrift Light Condensed" pitchFamily="34" charset="0"/>
-                <a:cs typeface="Times New Roman" pitchFamily="18" charset="0"/>
-              </a:rPr>
-              <a:t>V. </a:t>
-            </a:r>
-            <a:r>
-              <a:rPr lang="en-US" sz="1000" dirty="0" err="1" smtClean="0">
-                <a:latin typeface="Bahnschrift Light Condensed" pitchFamily="34" charset="0"/>
-                <a:cs typeface="Times New Roman" pitchFamily="18" charset="0"/>
-              </a:rPr>
-              <a:t>Skorkovská</a:t>
-            </a:r>
-            <a:r>
-              <a:rPr lang="en-US" sz="1000" dirty="0" smtClean="0">
-                <a:latin typeface="Bahnschrift Light Condensed" pitchFamily="34" charset="0"/>
-                <a:cs typeface="Times New Roman" pitchFamily="18" charset="0"/>
-              </a:rPr>
-              <a:t>, I. </a:t>
-            </a:r>
-            <a:r>
-              <a:rPr lang="en-US" sz="1000" dirty="0" err="1" smtClean="0">
-                <a:latin typeface="Bahnschrift Light Condensed" pitchFamily="34" charset="0"/>
-                <a:cs typeface="Times New Roman" pitchFamily="18" charset="0"/>
-              </a:rPr>
-              <a:t>Kolingerová</a:t>
-            </a:r>
-            <a:r>
-              <a:rPr lang="en-US" sz="1000" dirty="0" smtClean="0">
-                <a:latin typeface="Bahnschrift Light Condensed" pitchFamily="34" charset="0"/>
-                <a:cs typeface="Times New Roman" pitchFamily="18" charset="0"/>
-              </a:rPr>
-              <a:t>, B. Benes. A simple and robust approach to computation of meshes intersection. // in Proceedings of the 13th International Joint Conference on Computer Vision, Imaging and Computer Graphics Theory and Applications (VISIGRAPP 2018) </a:t>
-            </a:r>
-            <a:r>
-              <a:rPr lang="en-US" sz="1000" dirty="0" smtClean="0">
-                <a:latin typeface="Bahnschrift Light Condensed" pitchFamily="34" charset="0"/>
-                <a:cs typeface="Times New Roman" pitchFamily="18" charset="0"/>
-                <a:sym typeface="Symbol"/>
-              </a:rPr>
-              <a:t></a:t>
-            </a:r>
-            <a:r>
-              <a:rPr lang="en-US" sz="1000" dirty="0" smtClean="0">
-                <a:latin typeface="Bahnschrift Light Condensed" pitchFamily="34" charset="0"/>
-                <a:cs typeface="Times New Roman" pitchFamily="18" charset="0"/>
-              </a:rPr>
-              <a:t> Vol. 1: GRAPP, pages 175-182, </a:t>
-            </a:r>
-            <a:r>
-              <a:rPr lang="en-US" sz="1000" dirty="0" err="1" smtClean="0">
-                <a:latin typeface="Bahnschrift Light Condensed" pitchFamily="34" charset="0"/>
-                <a:cs typeface="Times New Roman" pitchFamily="18" charset="0"/>
-              </a:rPr>
-              <a:t>doi</a:t>
-            </a:r>
-            <a:r>
-              <a:rPr lang="en-US" sz="1000" dirty="0" smtClean="0">
-                <a:latin typeface="Bahnschrift Light Condensed" pitchFamily="34" charset="0"/>
-                <a:cs typeface="Times New Roman" pitchFamily="18" charset="0"/>
-              </a:rPr>
-              <a:t>: 10.5220/0006538401750182</a:t>
-            </a:r>
-          </a:p>
-          <a:p>
-            <a:r>
-              <a:rPr lang="ru-RU" sz="1000" baseline="30000" dirty="0" smtClean="0">
-                <a:latin typeface="Bahnschrift Light Condensed" pitchFamily="34" charset="0"/>
-                <a:cs typeface="Times New Roman" pitchFamily="18" charset="0"/>
-              </a:rPr>
-              <a:t>2</a:t>
-            </a:r>
-            <a:r>
-              <a:rPr lang="en-US" sz="1000" baseline="30000" dirty="0" smtClean="0">
-                <a:latin typeface="Bahnschrift Light Condensed" pitchFamily="34" charset="0"/>
-                <a:cs typeface="Times New Roman" pitchFamily="18" charset="0"/>
-              </a:rPr>
-              <a:t> </a:t>
-            </a:r>
-            <a:r>
-              <a:rPr lang="en-US" sz="1000" dirty="0" smtClean="0">
-                <a:latin typeface="Bahnschrift Light Condensed" pitchFamily="34" charset="0"/>
-                <a:cs typeface="Times New Roman" pitchFamily="18" charset="0"/>
-              </a:rPr>
-              <a:t>S. H. Lo, W. X. Wang. A fast robust algorithm for the intersection of triangulated surfaces. // Engineering with Computers, 2004, 20:11–21, </a:t>
-            </a:r>
-            <a:r>
-              <a:rPr lang="en-US" sz="1000" dirty="0" err="1" smtClean="0">
-                <a:latin typeface="Bahnschrift Light Condensed" pitchFamily="34" charset="0"/>
-                <a:cs typeface="Times New Roman" pitchFamily="18" charset="0"/>
-              </a:rPr>
-              <a:t>doi</a:t>
-            </a:r>
-            <a:r>
-              <a:rPr lang="en-US" sz="1000" dirty="0" smtClean="0">
-                <a:latin typeface="Bahnschrift Light Condensed" pitchFamily="34" charset="0"/>
-                <a:cs typeface="Times New Roman" pitchFamily="18" charset="0"/>
-              </a:rPr>
-              <a:t>: 10.1007/s00366-004-0277-3</a:t>
-            </a:r>
-          </a:p>
-          <a:p>
-            <a:r>
-              <a:rPr lang="ru-RU" sz="1000" baseline="30000" dirty="0" smtClean="0">
-                <a:latin typeface="Bahnschrift Light Condensed" pitchFamily="34" charset="0"/>
-                <a:cs typeface="Times New Roman" pitchFamily="18" charset="0"/>
-              </a:rPr>
-              <a:t>3</a:t>
-            </a:r>
-            <a:r>
-              <a:rPr lang="en-US" sz="1000" baseline="30000" dirty="0" smtClean="0">
-                <a:latin typeface="Bahnschrift Light Condensed" pitchFamily="34" charset="0"/>
-                <a:cs typeface="Times New Roman" pitchFamily="18" charset="0"/>
-              </a:rPr>
-              <a:t> </a:t>
-            </a:r>
-            <a:r>
-              <a:rPr lang="en-US" sz="1000" dirty="0" err="1" smtClean="0">
-                <a:latin typeface="Bahnschrift Light Condensed" pitchFamily="34" charset="0"/>
-                <a:cs typeface="Times New Roman" pitchFamily="18" charset="0"/>
-              </a:rPr>
-              <a:t>McLaurin</a:t>
-            </a:r>
-            <a:r>
-              <a:rPr lang="en-US" sz="1000" dirty="0" smtClean="0">
-                <a:latin typeface="Bahnschrift Light Condensed" pitchFamily="34" charset="0"/>
-                <a:cs typeface="Times New Roman" pitchFamily="18" charset="0"/>
-              </a:rPr>
-              <a:t> D., Marcum D., </a:t>
-            </a:r>
-            <a:r>
-              <a:rPr lang="en-US" sz="1000" dirty="0" err="1" smtClean="0">
-                <a:latin typeface="Bahnschrift Light Condensed" pitchFamily="34" charset="0"/>
-                <a:cs typeface="Times New Roman" pitchFamily="18" charset="0"/>
-              </a:rPr>
-              <a:t>Remotigue</a:t>
-            </a:r>
-            <a:r>
-              <a:rPr lang="en-US" sz="1000" dirty="0" smtClean="0">
-                <a:latin typeface="Bahnschrift Light Condensed" pitchFamily="34" charset="0"/>
-                <a:cs typeface="Times New Roman" pitchFamily="18" charset="0"/>
-              </a:rPr>
-              <a:t> M., Blades E. Repairing unstructured triangular mesh intersections. // International Journal for Numerical Methods in Engineering, 2013, 93(3):266–275, </a:t>
-            </a:r>
-            <a:r>
-              <a:rPr lang="en-US" sz="1000" dirty="0" err="1" smtClean="0">
-                <a:latin typeface="Bahnschrift Light Condensed" pitchFamily="34" charset="0"/>
-                <a:cs typeface="Times New Roman" pitchFamily="18" charset="0"/>
-              </a:rPr>
-              <a:t>doi</a:t>
-            </a:r>
-            <a:r>
-              <a:rPr lang="en-US" sz="1000" dirty="0" smtClean="0">
-                <a:latin typeface="Bahnschrift Light Condensed" pitchFamily="34" charset="0"/>
-                <a:cs typeface="Times New Roman" pitchFamily="18" charset="0"/>
-              </a:rPr>
-              <a:t>: 10.1002/nme.4385</a:t>
-            </a:r>
-          </a:p>
-        </p:txBody>
-      </p:sp>
-      <p:sp>
-        <p:nvSpPr>
-          <p:cNvPr id="11" name="TextBox 10"/>
-          <p:cNvSpPr txBox="1"/>
-          <p:nvPr/>
-        </p:nvSpPr>
-        <p:spPr>
-          <a:xfrm>
-            <a:off x="107504" y="1733783"/>
-            <a:ext cx="4464496" cy="2062103"/>
-          </a:xfrm>
-          <a:prstGeom prst="rect">
-            <a:avLst/>
-          </a:prstGeom>
-          <a:noFill/>
-        </p:spPr>
-        <p:txBody>
-          <a:bodyPr wrap="square" rtlCol="0">
-            <a:spAutoFit/>
-          </a:bodyPr>
-          <a:lstStyle/>
-          <a:p>
-            <a:r>
-              <a:rPr lang="ru-RU" sz="1600" dirty="0" smtClean="0">
-                <a:latin typeface="Times New Roman" pitchFamily="18" charset="0"/>
-                <a:cs typeface="Times New Roman" pitchFamily="18" charset="0"/>
-              </a:rPr>
-              <a:t>Особенности удаления </a:t>
-            </a:r>
-            <a:r>
-              <a:rPr lang="ru-RU" sz="1600" b="1" dirty="0" smtClean="0">
-                <a:latin typeface="Times New Roman" pitchFamily="18" charset="0"/>
-                <a:cs typeface="Times New Roman" pitchFamily="18" charset="0"/>
-              </a:rPr>
-              <a:t>самопересечений</a:t>
-            </a:r>
-            <a:r>
-              <a:rPr lang="ru-RU" sz="1600" dirty="0" smtClean="0">
-                <a:latin typeface="Times New Roman" pitchFamily="18" charset="0"/>
-                <a:cs typeface="Times New Roman" pitchFamily="18" charset="0"/>
-              </a:rPr>
-              <a:t>: могут состоять из произвольных ломаных (в том числе пересекающихся) и плоских объектов (в случае наложения ячеек), не требуется поиск всех пересечений, требуется поиск внешней поверхности в корректном состоянии, расчетная сетка может содержать ячейки с </a:t>
-            </a:r>
-            <a:r>
-              <a:rPr lang="ru-RU" sz="1600" dirty="0" err="1" smtClean="0">
-                <a:latin typeface="Times New Roman" pitchFamily="18" charset="0"/>
-                <a:cs typeface="Times New Roman" pitchFamily="18" charset="0"/>
-              </a:rPr>
-              <a:t>околонулевой</a:t>
-            </a:r>
-            <a:r>
-              <a:rPr lang="ru-RU" sz="1600" dirty="0" smtClean="0">
-                <a:latin typeface="Times New Roman" pitchFamily="18" charset="0"/>
-                <a:cs typeface="Times New Roman" pitchFamily="18" charset="0"/>
-              </a:rPr>
-              <a:t> площадью.</a:t>
-            </a:r>
-          </a:p>
-        </p:txBody>
-      </p:sp>
-      <p:sp>
-        <p:nvSpPr>
-          <p:cNvPr id="10" name="Номер слайда 9"/>
+          <p:cNvPr id="7" name="Номер слайда 6"/>
           <p:cNvSpPr>
             <a:spLocks noGrp="1"/>
           </p:cNvSpPr>
@@ -5265,6 +6461,263 @@
               <a:t>/100</a:t>
             </a:r>
             <a:endParaRPr lang="ru-RU" dirty="0"/>
+          </a:p>
+        </p:txBody>
+      </p:sp>
+      <p:pic>
+        <p:nvPicPr>
+          <p:cNvPr id="14" name="Рисунок 13" descr="2dr_remesh_rectangles.png"/>
+          <p:cNvPicPr>
+            <a:picLocks noChangeAspect="1"/>
+          </p:cNvPicPr>
+          <p:nvPr/>
+        </p:nvPicPr>
+        <p:blipFill>
+          <a:blip r:embed="rId3" cstate="print"/>
+          <a:stretch>
+            <a:fillRect/>
+          </a:stretch>
+        </p:blipFill>
+        <p:spPr>
+          <a:xfrm>
+            <a:off x="107504" y="411510"/>
+            <a:ext cx="4512300" cy="2808000"/>
+          </a:xfrm>
+          <a:prstGeom prst="rect">
+            <a:avLst/>
+          </a:prstGeom>
+        </p:spPr>
+      </p:pic>
+      <p:pic>
+        <p:nvPicPr>
+          <p:cNvPr id="15" name="Рисунок 14" descr="2dr_remesh_trapeziums.png"/>
+          <p:cNvPicPr>
+            <a:picLocks noChangeAspect="1"/>
+          </p:cNvPicPr>
+          <p:nvPr/>
+        </p:nvPicPr>
+        <p:blipFill>
+          <a:blip r:embed="rId4" cstate="print"/>
+          <a:stretch>
+            <a:fillRect/>
+          </a:stretch>
+        </p:blipFill>
+        <p:spPr>
+          <a:xfrm>
+            <a:off x="4689365" y="411510"/>
+            <a:ext cx="4305054" cy="2808000"/>
+          </a:xfrm>
+          <a:prstGeom prst="rect">
+            <a:avLst/>
+          </a:prstGeom>
+        </p:spPr>
+      </p:pic>
+      <p:sp>
+        <p:nvSpPr>
+          <p:cNvPr id="16" name="TextBox 15"/>
+          <p:cNvSpPr txBox="1"/>
+          <p:nvPr/>
+        </p:nvSpPr>
+        <p:spPr>
+          <a:xfrm>
+            <a:off x="4139952" y="3291830"/>
+            <a:ext cx="4824536" cy="830997"/>
+          </a:xfrm>
+          <a:prstGeom prst="rect">
+            <a:avLst/>
+          </a:prstGeom>
+          <a:noFill/>
+        </p:spPr>
+        <p:txBody>
+          <a:bodyPr wrap="square" rtlCol="0">
+            <a:spAutoFit/>
+          </a:bodyPr>
+          <a:lstStyle/>
+          <a:p>
+            <a:r>
+              <a:rPr lang="ru-RU" sz="1600" b="1" dirty="0" smtClean="0">
+                <a:latin typeface="Times New Roman" pitchFamily="18" charset="0"/>
+                <a:cs typeface="Times New Roman" pitchFamily="18" charset="0"/>
+              </a:rPr>
+              <a:t>Метод трапеций</a:t>
+            </a:r>
+          </a:p>
+          <a:p>
+            <a:r>
+              <a:rPr lang="ru-RU" sz="1600" dirty="0" smtClean="0">
+                <a:latin typeface="Times New Roman" pitchFamily="18" charset="0"/>
+                <a:cs typeface="Times New Roman" pitchFamily="18" charset="0"/>
+              </a:rPr>
+              <a:t>Целевая площадь представлена трапецией, боковые стороны которой направлены вдоль нормалей узло</a:t>
+            </a:r>
+            <a:r>
+              <a:rPr lang="ru-RU" sz="1600" dirty="0" smtClean="0">
+                <a:latin typeface="Times New Roman" pitchFamily="18" charset="0"/>
+                <a:cs typeface="Times New Roman" pitchFamily="18" charset="0"/>
+              </a:rPr>
+              <a:t>в.</a:t>
+            </a:r>
+            <a:endParaRPr lang="ru-RU" sz="1600" dirty="0" smtClean="0">
+              <a:latin typeface="Times New Roman" pitchFamily="18" charset="0"/>
+              <a:cs typeface="Times New Roman" pitchFamily="18" charset="0"/>
+            </a:endParaRPr>
+          </a:p>
+        </p:txBody>
+      </p:sp>
+      <p:sp>
+        <p:nvSpPr>
+          <p:cNvPr id="17" name="TextBox 16"/>
+          <p:cNvSpPr txBox="1"/>
+          <p:nvPr/>
+        </p:nvSpPr>
+        <p:spPr>
+          <a:xfrm>
+            <a:off x="0" y="4227934"/>
+            <a:ext cx="9144000" cy="553998"/>
+          </a:xfrm>
+          <a:prstGeom prst="rect">
+            <a:avLst/>
+          </a:prstGeom>
+          <a:noFill/>
+        </p:spPr>
+        <p:txBody>
+          <a:bodyPr wrap="square" rtlCol="0">
+            <a:spAutoFit/>
+          </a:bodyPr>
+          <a:lstStyle/>
+          <a:p>
+            <a:r>
+              <a:rPr lang="en-US" sz="1000" dirty="0" smtClean="0">
+                <a:latin typeface="Bahnschrift Light Condensed" pitchFamily="34" charset="0"/>
+                <a:cs typeface="Times New Roman" pitchFamily="18" charset="0"/>
+              </a:rPr>
+              <a:t>S. </a:t>
+            </a:r>
+            <a:r>
+              <a:rPr lang="en-US" sz="1000" dirty="0" err="1" smtClean="0">
+                <a:latin typeface="Bahnschrift Light Condensed" pitchFamily="34" charset="0"/>
+                <a:cs typeface="Times New Roman" pitchFamily="18" charset="0"/>
+              </a:rPr>
+              <a:t>Bourgault-Côté</a:t>
+            </a:r>
+            <a:r>
+              <a:rPr lang="en-US" sz="1000" dirty="0" smtClean="0">
+                <a:latin typeface="Bahnschrift Light Condensed" pitchFamily="34" charset="0"/>
+                <a:cs typeface="Times New Roman" pitchFamily="18" charset="0"/>
+              </a:rPr>
+              <a:t>, K. </a:t>
+            </a:r>
+            <a:r>
+              <a:rPr lang="en-US" sz="1000" dirty="0" err="1" smtClean="0">
+                <a:latin typeface="Bahnschrift Light Condensed" pitchFamily="34" charset="0"/>
+                <a:cs typeface="Times New Roman" pitchFamily="18" charset="0"/>
+              </a:rPr>
+              <a:t>Hasanzadeh</a:t>
+            </a:r>
+            <a:r>
+              <a:rPr lang="en-US" sz="1000" dirty="0" smtClean="0">
+                <a:latin typeface="Bahnschrift Light Condensed" pitchFamily="34" charset="0"/>
+                <a:cs typeface="Times New Roman" pitchFamily="18" charset="0"/>
+              </a:rPr>
+              <a:t>, P. Lavoie, E. </a:t>
+            </a:r>
+            <a:r>
+              <a:rPr lang="en-US" sz="1000" dirty="0" err="1" smtClean="0">
+                <a:latin typeface="Bahnschrift Light Condensed" pitchFamily="34" charset="0"/>
+                <a:cs typeface="Times New Roman" pitchFamily="18" charset="0"/>
+              </a:rPr>
+              <a:t>Laurendeau</a:t>
+            </a:r>
+            <a:r>
+              <a:rPr lang="en-US" sz="1000" dirty="0" smtClean="0">
+                <a:latin typeface="Bahnschrift Light Condensed" pitchFamily="34" charset="0"/>
+                <a:cs typeface="Times New Roman" pitchFamily="18" charset="0"/>
+              </a:rPr>
+              <a:t>. Multi-layer icing methodologies for conservative ice growth. // in Proceedings of the 7</a:t>
+            </a:r>
+            <a:r>
+              <a:rPr lang="en-US" sz="1000" baseline="30000" dirty="0" smtClean="0">
+                <a:latin typeface="Bahnschrift Light Condensed" pitchFamily="34" charset="0"/>
+                <a:cs typeface="Times New Roman" pitchFamily="18" charset="0"/>
+              </a:rPr>
+              <a:t>th</a:t>
+            </a:r>
+            <a:r>
+              <a:rPr lang="en-US" sz="1000" dirty="0" smtClean="0">
+                <a:latin typeface="Bahnschrift Light Condensed" pitchFamily="34" charset="0"/>
+                <a:cs typeface="Times New Roman" pitchFamily="18" charset="0"/>
+              </a:rPr>
+              <a:t> European Conference for Aeronautics and Aerospace Sciences (EUCASS), 2017, </a:t>
+            </a:r>
+            <a:r>
+              <a:rPr lang="en-US" sz="1000" dirty="0" err="1" smtClean="0">
+                <a:latin typeface="Bahnschrift Light Condensed" pitchFamily="34" charset="0"/>
+                <a:cs typeface="Times New Roman" pitchFamily="18" charset="0"/>
+              </a:rPr>
+              <a:t>doi</a:t>
+            </a:r>
+            <a:r>
+              <a:rPr lang="en-US" sz="1000" dirty="0" smtClean="0">
+                <a:latin typeface="Bahnschrift Light Condensed" pitchFamily="34" charset="0"/>
+                <a:cs typeface="Times New Roman" pitchFamily="18" charset="0"/>
+              </a:rPr>
+              <a:t>: 10.13009/EUCASS2017-258</a:t>
+            </a:r>
+          </a:p>
+          <a:p>
+            <a:r>
+              <a:rPr lang="en-US" sz="1000" dirty="0" smtClean="0">
+                <a:latin typeface="Bahnschrift Light Condensed" pitchFamily="34" charset="0"/>
+                <a:cs typeface="Times New Roman" pitchFamily="18" charset="0"/>
+              </a:rPr>
+              <a:t>G. Fortin, A. </a:t>
+            </a:r>
+            <a:r>
+              <a:rPr lang="en-US" sz="1000" dirty="0" err="1" smtClean="0">
+                <a:latin typeface="Bahnschrift Light Condensed" pitchFamily="34" charset="0"/>
+                <a:cs typeface="Times New Roman" pitchFamily="18" charset="0"/>
+              </a:rPr>
+              <a:t>Ilinca</a:t>
+            </a:r>
+            <a:r>
+              <a:rPr lang="en-US" sz="1000" dirty="0" smtClean="0">
+                <a:latin typeface="Bahnschrift Light Condensed" pitchFamily="34" charset="0"/>
+                <a:cs typeface="Times New Roman" pitchFamily="18" charset="0"/>
+              </a:rPr>
+              <a:t>, J.-L. </a:t>
+            </a:r>
+            <a:r>
+              <a:rPr lang="en-US" sz="1000" dirty="0" err="1" smtClean="0">
+                <a:latin typeface="Bahnschrift Light Condensed" pitchFamily="34" charset="0"/>
+                <a:cs typeface="Times New Roman" pitchFamily="18" charset="0"/>
+              </a:rPr>
+              <a:t>Laforte</a:t>
+            </a:r>
+            <a:r>
+              <a:rPr lang="en-US" sz="1000" dirty="0" smtClean="0">
+                <a:latin typeface="Bahnschrift Light Condensed" pitchFamily="34" charset="0"/>
+                <a:cs typeface="Times New Roman" pitchFamily="18" charset="0"/>
+              </a:rPr>
+              <a:t>, V. Brandi. New roughness computation method and geometric accretion model for airfoil icing. //  Journal of Aircraft, 2004, Vol. 41, No. 1, p. 119-127. </a:t>
+            </a:r>
+            <a:r>
+              <a:rPr lang="en-US" sz="1000" dirty="0" err="1" smtClean="0">
+                <a:latin typeface="Bahnschrift Light Condensed" pitchFamily="34" charset="0"/>
+                <a:cs typeface="Times New Roman" pitchFamily="18" charset="0"/>
+              </a:rPr>
+              <a:t>doi</a:t>
+            </a:r>
+            <a:r>
+              <a:rPr lang="en-US" sz="1000" dirty="0" smtClean="0">
+                <a:latin typeface="Bahnschrift Light Condensed" pitchFamily="34" charset="0"/>
+                <a:cs typeface="Times New Roman" pitchFamily="18" charset="0"/>
+              </a:rPr>
+              <a:t>: 10.2514/1.173</a:t>
+            </a:r>
+            <a:endParaRPr lang="en-US" sz="1000" dirty="0" smtClean="0">
+              <a:latin typeface="Bahnschrift Light Condensed" pitchFamily="34" charset="0"/>
+              <a:cs typeface="Times New Roman" pitchFamily="18" charset="0"/>
+            </a:endParaRPr>
           </a:p>
         </p:txBody>
       </p:sp>
@@ -5342,8 +6795,8 @@
         </p:nvSpPr>
         <p:spPr>
           <a:xfrm>
-            <a:off x="179512" y="483518"/>
-            <a:ext cx="8856984" cy="3293209"/>
+            <a:off x="35496" y="4075207"/>
+            <a:ext cx="9001000" cy="584775"/>
           </a:xfrm>
           <a:prstGeom prst="rect">
             <a:avLst/>
@@ -5357,91 +6810,16 @@
           <a:lstStyle/>
           <a:p>
             <a:r>
-              <a:rPr lang="ru-RU" sz="1600" b="1" dirty="0" smtClean="0">
-                <a:latin typeface="Times New Roman" pitchFamily="18" charset="0"/>
-                <a:cs typeface="Times New Roman" pitchFamily="18" charset="0"/>
-              </a:rPr>
-              <a:t>Поиск потенциально пересекающихся ячеек.</a:t>
-            </a:r>
-            <a:r>
               <a:rPr lang="ru-RU" sz="1600" dirty="0" smtClean="0">
                 <a:latin typeface="Times New Roman" pitchFamily="18" charset="0"/>
                 <a:cs typeface="Times New Roman" pitchFamily="18" charset="0"/>
               </a:rPr>
-              <a:t> Две ячейки называются потенциально пересекающимися, если пересекаются охватывающие их прямоугольные параллелепипеды</a:t>
-            </a:r>
-            <a:r>
-              <a:rPr lang="en-US" sz="1600" dirty="0" smtClean="0">
-                <a:latin typeface="Times New Roman" pitchFamily="18" charset="0"/>
-                <a:cs typeface="Times New Roman" pitchFamily="18" charset="0"/>
-              </a:rPr>
-              <a:t> (</a:t>
-            </a:r>
-            <a:r>
-              <a:rPr lang="ru-RU" sz="1600" dirty="0" smtClean="0">
-                <a:latin typeface="Times New Roman" pitchFamily="18" charset="0"/>
-                <a:cs typeface="Times New Roman" pitchFamily="18" charset="0"/>
-              </a:rPr>
-              <a:t>контейнеры).</a:t>
-            </a:r>
-          </a:p>
-          <a:p>
+              <a:t>В методе окрестностей новым положением узла сетки является точка пересечения направление нормали узла с границей окрестности.</a:t>
+            </a:r>
             <a:endParaRPr lang="ru-RU" sz="1600" dirty="0" smtClean="0">
               <a:latin typeface="Times New Roman" pitchFamily="18" charset="0"/>
               <a:cs typeface="Times New Roman" pitchFamily="18" charset="0"/>
             </a:endParaRPr>
-          </a:p>
-          <a:p>
-            <a:r>
-              <a:rPr lang="ru-RU" sz="1600" b="1" dirty="0" smtClean="0">
-                <a:latin typeface="Times New Roman" pitchFamily="18" charset="0"/>
-                <a:cs typeface="Times New Roman" pitchFamily="18" charset="0"/>
-              </a:rPr>
-              <a:t>Обход внешней поверхности.</a:t>
-            </a:r>
-            <a:r>
-              <a:rPr lang="ru-RU" sz="1600" dirty="0" smtClean="0">
-                <a:latin typeface="Times New Roman" pitchFamily="18" charset="0"/>
-                <a:cs typeface="Times New Roman" pitchFamily="18" charset="0"/>
-              </a:rPr>
-              <a:t> Если следующая ячейка обхода является потенциально пересекающейся, то выполняется поиск ее пересечения с другими ячейками. По найденному пересечению выполняется </a:t>
-            </a:r>
-            <a:r>
-              <a:rPr lang="ru-RU" sz="1600" b="1" dirty="0" smtClean="0">
-                <a:latin typeface="Times New Roman" pitchFamily="18" charset="0"/>
-                <a:cs typeface="Times New Roman" pitchFamily="18" charset="0"/>
-              </a:rPr>
-              <a:t>дробление ячейки</a:t>
-            </a:r>
-            <a:r>
-              <a:rPr lang="ru-RU" sz="1600" dirty="0" smtClean="0">
-                <a:latin typeface="Times New Roman" pitchFamily="18" charset="0"/>
-                <a:cs typeface="Times New Roman" pitchFamily="18" charset="0"/>
-              </a:rPr>
-              <a:t> на более мелкие, а также дробление всех конфликтующих с ней ячеек. После этой операции в сетке могут появляться ребра с количеством инцидентных ячеек, больше двух.</a:t>
-            </a:r>
-          </a:p>
-          <a:p>
-            <a:endParaRPr lang="ru-RU" sz="1600" dirty="0" smtClean="0">
-              <a:latin typeface="Times New Roman" pitchFamily="18" charset="0"/>
-              <a:cs typeface="Times New Roman" pitchFamily="18" charset="0"/>
-            </a:endParaRPr>
-          </a:p>
-          <a:p>
-            <a:r>
-              <a:rPr lang="ru-RU" sz="1600" b="1" dirty="0" smtClean="0">
-                <a:latin typeface="Times New Roman" pitchFamily="18" charset="0"/>
-                <a:cs typeface="Times New Roman" pitchFamily="18" charset="0"/>
-              </a:rPr>
-              <a:t>Удаление лишних ячеек.</a:t>
-            </a:r>
-            <a:r>
-              <a:rPr lang="ru-RU" sz="1600" dirty="0" smtClean="0">
-                <a:latin typeface="Times New Roman" pitchFamily="18" charset="0"/>
-                <a:cs typeface="Times New Roman" pitchFamily="18" charset="0"/>
-              </a:rPr>
-              <a:t>  После завершения обхода все ячейки, которые не были посещены, признаются лишними и удаляются. Результатом является внешняя поверхность исходной сетки, находящаяся в корректном состоянии.</a:t>
-            </a:r>
           </a:p>
         </p:txBody>
       </p:sp>
@@ -5482,9 +6860,33 @@
                 <a:latin typeface="Times New Roman" pitchFamily="18" charset="0"/>
                 <a:cs typeface="Times New Roman" pitchFamily="18" charset="0"/>
               </a:rPr>
-              <a:t>Предлагаемый метод удаления самопересечений поверхностной расчетной сетки</a:t>
-            </a:r>
-            <a:endParaRPr lang="ru-RU" b="1" dirty="0">
+              <a:t>Метод</a:t>
+            </a:r>
+            <a:r>
+              <a:rPr lang="en-US" b="1" dirty="0" smtClean="0">
+                <a:solidFill>
+                  <a:schemeClr val="accent1">
+                    <a:lumMod val="75000"/>
+                  </a:schemeClr>
+                </a:solidFill>
+                <a:latin typeface="Times New Roman" pitchFamily="18" charset="0"/>
+                <a:cs typeface="Times New Roman" pitchFamily="18" charset="0"/>
+              </a:rPr>
+              <a:t> </a:t>
+            </a:r>
+            <a:r>
+              <a:rPr lang="ru-RU" b="1" dirty="0" smtClean="0">
+                <a:solidFill>
+                  <a:schemeClr val="accent1">
+                    <a:lumMod val="75000"/>
+                  </a:schemeClr>
+                </a:solidFill>
+                <a:latin typeface="Times New Roman" pitchFamily="18" charset="0"/>
+                <a:cs typeface="Times New Roman" pitchFamily="18" charset="0"/>
+              </a:rPr>
+              <a:t>окрестностей перестроения поверхностной сетки</a:t>
+            </a:r>
+            <a:endParaRPr lang="ru-RU" b="1" dirty="0" smtClean="0">
               <a:solidFill>
                 <a:schemeClr val="accent1">
                   <a:lumMod val="75000"/>
@@ -5496,16 +6898,68 @@
           </a:p>
         </p:txBody>
       </p:sp>
+      <p:sp>
+        <p:nvSpPr>
+          <p:cNvPr id="7" name="Номер слайда 6"/>
+          <p:cNvSpPr>
+            <a:spLocks noGrp="1"/>
+          </p:cNvSpPr>
+          <p:nvPr>
+            <p:ph type="sldNum" sz="quarter" idx="12"/>
+          </p:nvPr>
+        </p:nvSpPr>
+        <p:spPr/>
+        <p:txBody>
+          <a:bodyPr/>
+          <a:lstStyle/>
+          <a:p>
+            <a:fld id="{C5FC9A33-0AA4-4ABC-8991-60B335115267}" type="slidenum">
+              <a:rPr lang="ru-RU" smtClean="0"/>
+              <a:pPr/>
+              <a:t>3</a:t>
+            </a:fld>
+            <a:r>
+              <a:rPr lang="en-US" smtClean="0"/>
+              <a:t>/100</a:t>
+            </a:r>
+            <a:endParaRPr lang="ru-RU" dirty="0"/>
+          </a:p>
+        </p:txBody>
+      </p:sp>
       <p:pic>
         <p:nvPicPr>
-          <p:cNvPr id="1026" name="Picture 2"/>
+          <p:cNvPr id="10" name="Рисунок 9" descr="2dr_remesh_okrestnost.png"/>
+          <p:cNvPicPr>
+            <a:picLocks noChangeAspect="1"/>
+          </p:cNvPicPr>
+          <p:nvPr/>
+        </p:nvPicPr>
+        <p:blipFill>
+          <a:blip r:embed="rId3" cstate="print"/>
+          <a:stretch>
+            <a:fillRect/>
+          </a:stretch>
+        </p:blipFill>
+        <p:spPr>
+          <a:xfrm>
+            <a:off x="318517" y="411510"/>
+            <a:ext cx="5837659" cy="3240360"/>
+          </a:xfrm>
+          <a:prstGeom prst="rect">
+            <a:avLst/>
+          </a:prstGeom>
+        </p:spPr>
+      </p:pic>
+      <p:pic>
+        <p:nvPicPr>
+          <p:cNvPr id="3074" name="Picture 2"/>
           <p:cNvPicPr>
             <a:picLocks noChangeAspect="1" noChangeArrowheads="1"/>
           </p:cNvPicPr>
           <p:nvPr/>
         </p:nvPicPr>
         <p:blipFill>
-          <a:blip r:embed="rId2" cstate="print"/>
+          <a:blip r:embed="rId4" cstate="print"/>
           <a:srcRect/>
           <a:stretch>
             <a:fillRect/>
@@ -5513,8 +6967,8 @@
         </p:blipFill>
         <p:spPr bwMode="auto">
           <a:xfrm>
-            <a:off x="4139952" y="3507854"/>
-            <a:ext cx="2436540" cy="1087449"/>
+            <a:off x="2339752" y="3075806"/>
+            <a:ext cx="6757268" cy="720080"/>
           </a:xfrm>
           <a:prstGeom prst="rect">
             <a:avLst/>
@@ -5526,34 +6980,37 @@
             <a:headEnd/>
             <a:tailEnd/>
           </a:ln>
-          <a:effectLst/>
         </p:spPr>
       </p:pic>
       <p:sp>
         <p:nvSpPr>
-          <p:cNvPr id="7" name="Номер слайда 6"/>
-          <p:cNvSpPr>
-            <a:spLocks noGrp="1"/>
-          </p:cNvSpPr>
-          <p:nvPr>
-            <p:ph type="sldNum" sz="quarter" idx="12"/>
-          </p:nvPr>
-        </p:nvSpPr>
-        <p:spPr/>
-        <p:txBody>
-          <a:bodyPr/>
-          <a:lstStyle/>
-          <a:p>
-            <a:fld id="{C5FC9A33-0AA4-4ABC-8991-60B335115267}" type="slidenum">
-              <a:rPr lang="ru-RU" smtClean="0"/>
-              <a:pPr/>
-              <a:t>3</a:t>
-            </a:fld>
-            <a:r>
-              <a:rPr lang="en-US" smtClean="0"/>
-              <a:t>/100</a:t>
-            </a:r>
-            <a:endParaRPr lang="ru-RU" dirty="0"/>
+          <p:cNvPr id="12" name="TextBox 11"/>
+          <p:cNvSpPr txBox="1"/>
+          <p:nvPr/>
+        </p:nvSpPr>
+        <p:spPr>
+          <a:xfrm>
+            <a:off x="6372200" y="1206500"/>
+            <a:ext cx="2592288" cy="1077218"/>
+          </a:xfrm>
+          <a:prstGeom prst="rect">
+            <a:avLst/>
+          </a:prstGeom>
+          <a:noFill/>
+        </p:spPr>
+        <p:txBody>
+          <a:bodyPr wrap="square" rtlCol="0">
+            <a:spAutoFit/>
+          </a:bodyPr>
+          <a:lstStyle/>
+          <a:p>
+            <a:r>
+              <a:rPr lang="ru-RU" sz="1600" dirty="0" smtClean="0">
+                <a:latin typeface="Times New Roman" pitchFamily="18" charset="0"/>
+                <a:cs typeface="Times New Roman" pitchFamily="18" charset="0"/>
+              </a:rPr>
+              <a:t>Поиск метода перестроения сетки, позволяющего сглаживать дефекты – пики и впадины.</a:t>
+            </a:r>
           </a:p>
         </p:txBody>
       </p:sp>
@@ -5631,8 +7088,8 @@
         </p:nvSpPr>
         <p:spPr>
           <a:xfrm>
-            <a:off x="179512" y="960279"/>
-            <a:ext cx="4536504" cy="1323439"/>
+            <a:off x="323528" y="3435846"/>
+            <a:ext cx="8712968" cy="1323439"/>
           </a:xfrm>
           <a:prstGeom prst="rect">
             <a:avLst/>
@@ -5646,64 +7103,61 @@
           <a:lstStyle/>
           <a:p>
             <a:r>
+              <a:rPr lang="ru-RU" sz="1600" b="1" dirty="0" smtClean="0">
+                <a:latin typeface="Times New Roman" pitchFamily="18" charset="0"/>
+                <a:cs typeface="Times New Roman" pitchFamily="18" charset="0"/>
+              </a:rPr>
+              <a:t>Самопересечение</a:t>
+            </a:r>
+            <a:r>
               <a:rPr lang="ru-RU" sz="1600" dirty="0" smtClean="0">
                 <a:latin typeface="Times New Roman" pitchFamily="18" charset="0"/>
                 <a:cs typeface="Times New Roman" pitchFamily="18" charset="0"/>
               </a:rPr>
-              <a:t>Для поиска всех пар потенциально пересекающихся ячеек используются </a:t>
-            </a:r>
-            <a:r>
-              <a:rPr lang="en-US" sz="1600" dirty="0" smtClean="0">
-                <a:latin typeface="Times New Roman" pitchFamily="18" charset="0"/>
-                <a:cs typeface="Times New Roman" pitchFamily="18" charset="0"/>
-              </a:rPr>
-              <a:t>BHV-</a:t>
-            </a:r>
+              <a:t> – критический дефект расчетной сетки, который должен быть удален для возможности продолжения корректных расчетов.</a:t>
+            </a:r>
+          </a:p>
+          <a:p>
+            <a:endParaRPr lang="ru-RU" sz="1600" dirty="0" smtClean="0">
+              <a:latin typeface="Times New Roman" pitchFamily="18" charset="0"/>
+              <a:cs typeface="Times New Roman" pitchFamily="18" charset="0"/>
+            </a:endParaRPr>
+          </a:p>
+          <a:p>
             <a:r>
               <a:rPr lang="ru-RU" sz="1600" dirty="0" smtClean="0">
                 <a:latin typeface="Times New Roman" pitchFamily="18" charset="0"/>
                 <a:cs typeface="Times New Roman" pitchFamily="18" charset="0"/>
               </a:rPr>
-              <a:t>деревья (</a:t>
-            </a:r>
-            <a:r>
-              <a:rPr lang="en-US" sz="1600" dirty="0" smtClean="0">
-                <a:latin typeface="Times New Roman" pitchFamily="18" charset="0"/>
-                <a:cs typeface="Times New Roman" pitchFamily="18" charset="0"/>
-              </a:rPr>
-              <a:t>Bounding Volume Hierarchy tree), </a:t>
-            </a:r>
-            <a:r>
-              <a:rPr lang="ru-RU" sz="1600" dirty="0" smtClean="0">
-                <a:latin typeface="Times New Roman" pitchFamily="18" charset="0"/>
-                <a:cs typeface="Times New Roman" pitchFamily="18" charset="0"/>
-              </a:rPr>
-              <a:t>что позволяет найти все пары со сложностью </a:t>
-            </a:r>
-            <a:r>
-              <a:rPr lang="en-US" sz="1600" i="1" dirty="0" smtClean="0">
-                <a:latin typeface="Times New Roman" pitchFamily="18" charset="0"/>
-                <a:cs typeface="Times New Roman" pitchFamily="18" charset="0"/>
-              </a:rPr>
-              <a:t>n log n</a:t>
-            </a:r>
-            <a:r>
-              <a:rPr lang="en-US" sz="1600" dirty="0" smtClean="0">
-                <a:latin typeface="Times New Roman" pitchFamily="18" charset="0"/>
-                <a:cs typeface="Times New Roman" pitchFamily="18" charset="0"/>
-              </a:rPr>
-              <a:t> </a:t>
-            </a:r>
-            <a:r>
-              <a:rPr lang="ru-RU" sz="1600" dirty="0" smtClean="0">
-                <a:latin typeface="Times New Roman" pitchFamily="18" charset="0"/>
-                <a:cs typeface="Times New Roman" pitchFamily="18" charset="0"/>
-              </a:rPr>
-              <a:t>от количества ячеек. </a:t>
-            </a:r>
-          </a:p>
-        </p:txBody>
-      </p:sp>
+              <a:t>Сглаживание сетки может отложить возникновение самопересечений, однако не может предотвратить их появление.</a:t>
+            </a:r>
+          </a:p>
+        </p:txBody>
+      </p:sp>
+      <p:pic>
+        <p:nvPicPr>
+          <p:cNvPr id="10" name="Рисунок 9" descr="int_critical_defect.png"/>
+          <p:cNvPicPr>
+            <a:picLocks noChangeAspect="1"/>
+          </p:cNvPicPr>
+          <p:nvPr/>
+        </p:nvPicPr>
+        <p:blipFill>
+          <a:blip r:embed="rId3" cstate="print"/>
+          <a:stretch>
+            <a:fillRect/>
+          </a:stretch>
+        </p:blipFill>
+        <p:spPr>
+          <a:xfrm>
+            <a:off x="1547664" y="146613"/>
+            <a:ext cx="6264696" cy="3217225"/>
+          </a:xfrm>
+          <a:prstGeom prst="rect">
+            <a:avLst/>
+          </a:prstGeom>
+        </p:spPr>
+      </p:pic>
       <p:sp>
         <p:nvSpPr>
           <p:cNvPr id="5" name="TextBox 4"/>
@@ -5741,7 +7195,19 @@
                 <a:latin typeface="Times New Roman" pitchFamily="18" charset="0"/>
                 <a:cs typeface="Times New Roman" pitchFamily="18" charset="0"/>
               </a:rPr>
-              <a:t>Поиск потенциально пересекающихся ячеек</a:t>
+              <a:t>Возникновение самопересечений поверхностной </a:t>
+            </a:r>
+            <a:r>
+              <a:rPr lang="ru-RU" b="1" dirty="0" smtClean="0">
+                <a:solidFill>
+                  <a:schemeClr val="accent1">
+                    <a:lumMod val="75000"/>
+                  </a:schemeClr>
+                </a:solidFill>
+                <a:latin typeface="Times New Roman" pitchFamily="18" charset="0"/>
+                <a:cs typeface="Times New Roman" pitchFamily="18" charset="0"/>
+              </a:rPr>
+              <a:t>сетки</a:t>
             </a:r>
             <a:endParaRPr lang="ru-RU" b="1" dirty="0">
               <a:solidFill>
@@ -5755,156 +7221,9 @@
           </a:p>
         </p:txBody>
       </p:sp>
-      <p:pic>
-        <p:nvPicPr>
-          <p:cNvPr id="2050" name="Picture 2"/>
-          <p:cNvPicPr>
-            <a:picLocks noChangeAspect="1" noChangeArrowheads="1"/>
-          </p:cNvPicPr>
-          <p:nvPr/>
-        </p:nvPicPr>
-        <p:blipFill>
-          <a:blip r:embed="rId2" cstate="print"/>
-          <a:srcRect/>
-          <a:stretch>
-            <a:fillRect/>
-          </a:stretch>
-        </p:blipFill>
-        <p:spPr bwMode="auto">
-          <a:xfrm>
-            <a:off x="5004048" y="843558"/>
-            <a:ext cx="3600400" cy="1449990"/>
-          </a:xfrm>
-          <a:prstGeom prst="rect">
-            <a:avLst/>
-          </a:prstGeom>
-          <a:noFill/>
-          <a:ln w="9525">
-            <a:noFill/>
-            <a:miter lim="800000"/>
-            <a:headEnd/>
-            <a:tailEnd/>
-          </a:ln>
-          <a:effectLst/>
-        </p:spPr>
-      </p:pic>
-      <p:pic>
-        <p:nvPicPr>
-          <p:cNvPr id="2052" name="Picture 4"/>
-          <p:cNvPicPr>
-            <a:picLocks noChangeAspect="1" noChangeArrowheads="1"/>
-          </p:cNvPicPr>
-          <p:nvPr/>
-        </p:nvPicPr>
-        <p:blipFill>
-          <a:blip r:embed="rId3" cstate="print"/>
-          <a:srcRect/>
-          <a:stretch>
-            <a:fillRect/>
-          </a:stretch>
-        </p:blipFill>
-        <p:spPr bwMode="auto">
-          <a:xfrm>
-            <a:off x="3785715" y="2715766"/>
-            <a:ext cx="5106765" cy="1497896"/>
-          </a:xfrm>
-          <a:prstGeom prst="rect">
-            <a:avLst/>
-          </a:prstGeom>
-          <a:noFill/>
-          <a:ln w="9525">
-            <a:noFill/>
-            <a:miter lim="800000"/>
-            <a:headEnd/>
-            <a:tailEnd/>
-          </a:ln>
-          <a:effectLst/>
-        </p:spPr>
-      </p:pic>
-      <p:sp>
-        <p:nvSpPr>
-          <p:cNvPr id="10" name="TextBox 9"/>
-          <p:cNvSpPr txBox="1"/>
-          <p:nvPr/>
-        </p:nvSpPr>
-        <p:spPr>
-          <a:xfrm>
-            <a:off x="179512" y="2790676"/>
-            <a:ext cx="2952328" cy="1323439"/>
-          </a:xfrm>
-          <a:prstGeom prst="rect">
-            <a:avLst/>
-          </a:prstGeom>
-          <a:noFill/>
-        </p:spPr>
-        <p:txBody>
-          <a:bodyPr wrap="square" rtlCol="0">
-            <a:spAutoFit/>
-          </a:bodyPr>
-          <a:lstStyle/>
-          <a:p>
-            <a:r>
-              <a:rPr lang="ru-RU" sz="1600" dirty="0" smtClean="0">
-                <a:latin typeface="Times New Roman" pitchFamily="18" charset="0"/>
-                <a:cs typeface="Times New Roman" pitchFamily="18" charset="0"/>
-              </a:rPr>
-              <a:t>Вычисление пар потенциально пересекающихся ячеек двух контейнеров </a:t>
-            </a:r>
-            <a:r>
-              <a:rPr lang="en-US" sz="1600" i="1" dirty="0" smtClean="0">
-                <a:latin typeface="Times New Roman" pitchFamily="18" charset="0"/>
-                <a:cs typeface="Times New Roman" pitchFamily="18" charset="0"/>
-              </a:rPr>
-              <a:t>K</a:t>
-            </a:r>
-            <a:r>
-              <a:rPr lang="ru-RU" sz="1600" i="1" dirty="0" smtClean="0">
-                <a:latin typeface="Times New Roman" pitchFamily="18" charset="0"/>
-                <a:cs typeface="Times New Roman" pitchFamily="18" charset="0"/>
-              </a:rPr>
-              <a:t> = </a:t>
-            </a:r>
-            <a:r>
-              <a:rPr lang="en-US" sz="1600" i="1" dirty="0" smtClean="0">
-                <a:latin typeface="Times New Roman" pitchFamily="18" charset="0"/>
-                <a:cs typeface="Times New Roman" pitchFamily="18" charset="0"/>
-              </a:rPr>
-              <a:t>[M], K</a:t>
-            </a:r>
-            <a:r>
-              <a:rPr lang="ru-RU" sz="1600" i="1" dirty="0" smtClean="0">
-                <a:latin typeface="Times New Roman" pitchFamily="18" charset="0"/>
-                <a:cs typeface="Times New Roman" pitchFamily="18" charset="0"/>
-                <a:sym typeface="Symbol"/>
-              </a:rPr>
-              <a:t></a:t>
-            </a:r>
-            <a:r>
-              <a:rPr lang="en-US" sz="1600" i="1" dirty="0" smtClean="0">
-                <a:latin typeface="Times New Roman" pitchFamily="18" charset="0"/>
-                <a:cs typeface="Times New Roman" pitchFamily="18" charset="0"/>
-                <a:sym typeface="Symbol"/>
-              </a:rPr>
-              <a:t> = [M]</a:t>
-            </a:r>
-            <a:r>
-              <a:rPr lang="ru-RU" sz="1600" dirty="0" smtClean="0">
-                <a:latin typeface="Times New Roman" pitchFamily="18" charset="0"/>
-                <a:cs typeface="Times New Roman" pitchFamily="18" charset="0"/>
-                <a:sym typeface="Symbol"/>
-              </a:rPr>
-              <a:t> рекурсивно через из дочерние контейнеры.</a:t>
-            </a:r>
-            <a:endParaRPr lang="ru-RU" sz="1600" dirty="0" smtClean="0">
-              <a:latin typeface="Times New Roman" pitchFamily="18" charset="0"/>
-              <a:cs typeface="Times New Roman" pitchFamily="18" charset="0"/>
-            </a:endParaRPr>
-          </a:p>
-        </p:txBody>
-      </p:sp>
-      <p:sp>
-        <p:nvSpPr>
-          <p:cNvPr id="11" name="Номер слайда 10"/>
+      <p:sp>
+        <p:nvSpPr>
+          <p:cNvPr id="7" name="Номер слайда 6"/>
           <p:cNvSpPr>
             <a:spLocks noGrp="1"/>
           </p:cNvSpPr>
@@ -5964,35 +7283,26 @@
       </p:grpSpPr>
       <p:pic>
         <p:nvPicPr>
-          <p:cNvPr id="1029" name="Picture 5"/>
+          <p:cNvPr id="13" name="Рисунок 12" descr="int_we_need_find_outer_surface.png"/>
           <p:cNvPicPr>
-            <a:picLocks noChangeAspect="1" noChangeArrowheads="1"/>
+            <a:picLocks noChangeAspect="1"/>
           </p:cNvPicPr>
           <p:nvPr/>
         </p:nvPicPr>
         <p:blipFill>
           <a:blip r:embed="rId2" cstate="print"/>
-          <a:srcRect/>
           <a:stretch>
             <a:fillRect/>
           </a:stretch>
         </p:blipFill>
-        <p:spPr bwMode="auto">
-          <a:xfrm>
-            <a:off x="7525966" y="3461143"/>
-            <a:ext cx="286394" cy="324000"/>
-          </a:xfrm>
-          <a:prstGeom prst="rect">
-            <a:avLst/>
-          </a:prstGeom>
-          <a:noFill/>
-          <a:ln w="9525">
-            <a:noFill/>
-            <a:miter lim="800000"/>
-            <a:headEnd/>
-            <a:tailEnd/>
-          </a:ln>
-          <a:effectLst/>
+        <p:spPr>
+          <a:xfrm>
+            <a:off x="5720292" y="1563638"/>
+            <a:ext cx="3028172" cy="2400502"/>
+          </a:xfrm>
+          <a:prstGeom prst="rect">
+            <a:avLst/>
+          </a:prstGeom>
         </p:spPr>
       </p:pic>
       <p:sp>
@@ -6037,8 +7347,8 @@
         </p:nvSpPr>
         <p:spPr>
           <a:xfrm>
-            <a:off x="3491880" y="483518"/>
-            <a:ext cx="5544616" cy="1077218"/>
+            <a:off x="107504" y="483518"/>
+            <a:ext cx="8928992" cy="1077218"/>
           </a:xfrm>
           <a:prstGeom prst="rect">
             <a:avLst/>
@@ -6056,32 +7366,50 @@
                 <a:latin typeface="Times New Roman" pitchFamily="18" charset="0"/>
                 <a:cs typeface="Times New Roman" pitchFamily="18" charset="0"/>
               </a:rPr>
-              <a:t>Во время обхода внешней поверхности по необходимости выполняется дробление ячеек.</a:t>
-            </a:r>
-            <a:endParaRPr lang="ru-RU" sz="1600" dirty="0" smtClean="0">
-              <a:latin typeface="Times New Roman" pitchFamily="18" charset="0"/>
-              <a:cs typeface="Times New Roman" pitchFamily="18" charset="0"/>
-            </a:endParaRPr>
-          </a:p>
-          <a:p>
+              <a:t>Основные особенности поиска и удаления пересечения двух поверхностных сеток в существующих решениях: поиск пересечения в виде отдельных ломаных</a:t>
+            </a:r>
+            <a:r>
+              <a:rPr lang="en-US" sz="1600" dirty="0" smtClean="0">
+                <a:latin typeface="Times New Roman" pitchFamily="18" charset="0"/>
+                <a:cs typeface="Times New Roman" pitchFamily="18" charset="0"/>
+              </a:rPr>
+              <a:t>, </a:t>
+            </a:r>
             <a:r>
               <a:rPr lang="ru-RU" sz="1600" dirty="0" smtClean="0">
                 <a:latin typeface="Times New Roman" pitchFamily="18" charset="0"/>
                 <a:cs typeface="Times New Roman" pitchFamily="18" charset="0"/>
               </a:rPr>
-              <a:t>При переходе чере</a:t>
+              <a:t>обход с использованием </a:t>
+            </a:r>
+            <a:r>
+              <a:rPr lang="en-US" sz="1600" dirty="0" smtClean="0">
+                <a:latin typeface="Times New Roman" pitchFamily="18" charset="0"/>
+                <a:cs typeface="Times New Roman" pitchFamily="18" charset="0"/>
+              </a:rPr>
+              <a:t>TNOIT (tracing of the </a:t>
+            </a:r>
+            <a:r>
+              <a:rPr lang="en-US" sz="1600" dirty="0" err="1" smtClean="0">
+                <a:latin typeface="Times New Roman" pitchFamily="18" charset="0"/>
+                <a:cs typeface="Times New Roman" pitchFamily="18" charset="0"/>
+              </a:rPr>
+              <a:t>neighbours</a:t>
+            </a:r>
+            <a:r>
+              <a:rPr lang="en-US" sz="1600" dirty="0" smtClean="0">
+                <a:latin typeface="Times New Roman" pitchFamily="18" charset="0"/>
+                <a:cs typeface="Times New Roman" pitchFamily="18" charset="0"/>
+              </a:rPr>
+              <a:t> of intersecting triangles), </a:t>
             </a:r>
             <a:r>
               <a:rPr lang="ru-RU" sz="1600" dirty="0" smtClean="0">
                 <a:latin typeface="Times New Roman" pitchFamily="18" charset="0"/>
                 <a:cs typeface="Times New Roman" pitchFamily="18" charset="0"/>
               </a:rPr>
-              <a:t>з ребро, имеющее более двух инцидентных ячеек требуется выбрать следующую ячейку.</a:t>
-            </a:r>
-            <a:endParaRPr lang="ru-RU" sz="1600" dirty="0" smtClean="0">
-              <a:latin typeface="Times New Roman" pitchFamily="18" charset="0"/>
-              <a:cs typeface="Times New Roman" pitchFamily="18" charset="0"/>
-            </a:endParaRPr>
+              <a:t>локальное дробление ячейки по ломаной, коррекция расчетной сетки, компенсация ошибок с плавающей арифметикой.</a:t>
+            </a:r>
           </a:p>
         </p:txBody>
       </p:sp>
@@ -6122,7 +7450,19 @@
                 <a:latin typeface="Times New Roman" pitchFamily="18" charset="0"/>
                 <a:cs typeface="Times New Roman" pitchFamily="18" charset="0"/>
               </a:rPr>
-              <a:t>Обход внешней поверхности</a:t>
+              <a:t>Удаление самопересечений для поверхностной </a:t>
+            </a:r>
+            <a:r>
+              <a:rPr lang="ru-RU" b="1" dirty="0" smtClean="0">
+                <a:solidFill>
+                  <a:schemeClr val="accent1">
+                    <a:lumMod val="75000"/>
+                  </a:schemeClr>
+                </a:solidFill>
+                <a:latin typeface="Times New Roman" pitchFamily="18" charset="0"/>
+                <a:cs typeface="Times New Roman" pitchFamily="18" charset="0"/>
+              </a:rPr>
+              <a:t>сетки</a:t>
             </a:r>
             <a:endParaRPr lang="ru-RU" b="1" dirty="0">
               <a:solidFill>
@@ -6138,7 +7478,272 @@
       </p:sp>
       <p:sp>
         <p:nvSpPr>
-          <p:cNvPr id="11" name="Номер слайда 10"/>
+          <p:cNvPr id="7" name="TextBox 6"/>
+          <p:cNvSpPr txBox="1"/>
+          <p:nvPr/>
+        </p:nvSpPr>
+        <p:spPr>
+          <a:xfrm>
+            <a:off x="0" y="4083918"/>
+            <a:ext cx="9144000" cy="707886"/>
+          </a:xfrm>
+          <a:prstGeom prst="rect">
+            <a:avLst/>
+          </a:prstGeom>
+          <a:noFill/>
+        </p:spPr>
+        <p:txBody>
+          <a:bodyPr wrap="square" rtlCol="0">
+            <a:spAutoFit/>
+          </a:bodyPr>
+          <a:lstStyle/>
+          <a:p>
+            <a:r>
+              <a:rPr lang="en-US" sz="1000" dirty="0" smtClean="0">
+                <a:latin typeface="Bahnschrift Light Condensed" pitchFamily="34" charset="0"/>
+                <a:cs typeface="Times New Roman" pitchFamily="18" charset="0"/>
+              </a:rPr>
+              <a:t>V</a:t>
+            </a:r>
+            <a:r>
+              <a:rPr lang="en-US" sz="1000" dirty="0" smtClean="0">
+                <a:latin typeface="Bahnschrift Light Condensed" pitchFamily="34" charset="0"/>
+                <a:cs typeface="Times New Roman" pitchFamily="18" charset="0"/>
+              </a:rPr>
+              <a:t>. </a:t>
+            </a:r>
+            <a:r>
+              <a:rPr lang="en-US" sz="1000" dirty="0" err="1" smtClean="0">
+                <a:latin typeface="Bahnschrift Light Condensed" pitchFamily="34" charset="0"/>
+                <a:cs typeface="Times New Roman" pitchFamily="18" charset="0"/>
+              </a:rPr>
+              <a:t>Skorkovská</a:t>
+            </a:r>
+            <a:r>
+              <a:rPr lang="en-US" sz="1000" dirty="0" smtClean="0">
+                <a:latin typeface="Bahnschrift Light Condensed" pitchFamily="34" charset="0"/>
+                <a:cs typeface="Times New Roman" pitchFamily="18" charset="0"/>
+              </a:rPr>
+              <a:t>, I. </a:t>
+            </a:r>
+            <a:r>
+              <a:rPr lang="en-US" sz="1000" dirty="0" err="1" smtClean="0">
+                <a:latin typeface="Bahnschrift Light Condensed" pitchFamily="34" charset="0"/>
+                <a:cs typeface="Times New Roman" pitchFamily="18" charset="0"/>
+              </a:rPr>
+              <a:t>Kolingerová</a:t>
+            </a:r>
+            <a:r>
+              <a:rPr lang="en-US" sz="1000" dirty="0" smtClean="0">
+                <a:latin typeface="Bahnschrift Light Condensed" pitchFamily="34" charset="0"/>
+                <a:cs typeface="Times New Roman" pitchFamily="18" charset="0"/>
+              </a:rPr>
+              <a:t>, B. Benes. A simple and robust approach to computation of meshes intersection. // in Proceedings of the </a:t>
+            </a:r>
+            <a:r>
+              <a:rPr lang="en-US" sz="1000" dirty="0" smtClean="0">
+                <a:latin typeface="Bahnschrift Light Condensed" pitchFamily="34" charset="0"/>
+                <a:cs typeface="Times New Roman" pitchFamily="18" charset="0"/>
+              </a:rPr>
+              <a:t>13</a:t>
+            </a:r>
+            <a:r>
+              <a:rPr lang="en-US" sz="1000" baseline="30000" dirty="0" smtClean="0">
+                <a:latin typeface="Bahnschrift Light Condensed" pitchFamily="34" charset="0"/>
+                <a:cs typeface="Times New Roman" pitchFamily="18" charset="0"/>
+              </a:rPr>
+              <a:t>th</a:t>
+            </a:r>
+            <a:r>
+              <a:rPr lang="en-US" sz="1000" dirty="0" smtClean="0">
+                <a:latin typeface="Bahnschrift Light Condensed" pitchFamily="34" charset="0"/>
+                <a:cs typeface="Times New Roman" pitchFamily="18" charset="0"/>
+              </a:rPr>
+              <a:t> International </a:t>
+            </a:r>
+            <a:r>
+              <a:rPr lang="en-US" sz="1000" dirty="0" smtClean="0">
+                <a:latin typeface="Bahnschrift Light Condensed" pitchFamily="34" charset="0"/>
+                <a:cs typeface="Times New Roman" pitchFamily="18" charset="0"/>
+              </a:rPr>
+              <a:t>Joint Conference on Computer Vision, Imaging and Computer Graphics Theory and Applications (VISIGRAPP 2018) </a:t>
+            </a:r>
+            <a:r>
+              <a:rPr lang="en-US" sz="1000" dirty="0" smtClean="0">
+                <a:latin typeface="Bahnschrift Light Condensed" pitchFamily="34" charset="0"/>
+                <a:cs typeface="Times New Roman" pitchFamily="18" charset="0"/>
+                <a:sym typeface="Symbol"/>
+              </a:rPr>
+              <a:t></a:t>
+            </a:r>
+            <a:r>
+              <a:rPr lang="en-US" sz="1000" dirty="0" smtClean="0">
+                <a:latin typeface="Bahnschrift Light Condensed" pitchFamily="34" charset="0"/>
+                <a:cs typeface="Times New Roman" pitchFamily="18" charset="0"/>
+              </a:rPr>
+              <a:t> Vol. 1: GRAPP, pages 175-182, </a:t>
+            </a:r>
+            <a:r>
+              <a:rPr lang="en-US" sz="1000" dirty="0" err="1" smtClean="0">
+                <a:latin typeface="Bahnschrift Light Condensed" pitchFamily="34" charset="0"/>
+                <a:cs typeface="Times New Roman" pitchFamily="18" charset="0"/>
+              </a:rPr>
+              <a:t>doi</a:t>
+            </a:r>
+            <a:r>
+              <a:rPr lang="en-US" sz="1000" dirty="0" smtClean="0">
+                <a:latin typeface="Bahnschrift Light Condensed" pitchFamily="34" charset="0"/>
+                <a:cs typeface="Times New Roman" pitchFamily="18" charset="0"/>
+              </a:rPr>
+              <a:t>: 10.5220/0006538401750182</a:t>
+            </a:r>
+          </a:p>
+          <a:p>
+            <a:r>
+              <a:rPr lang="en-US" sz="1000" dirty="0" smtClean="0">
+                <a:latin typeface="Bahnschrift Light Condensed" pitchFamily="34" charset="0"/>
+                <a:cs typeface="Times New Roman" pitchFamily="18" charset="0"/>
+              </a:rPr>
+              <a:t>S</a:t>
+            </a:r>
+            <a:r>
+              <a:rPr lang="en-US" sz="1000" dirty="0" smtClean="0">
+                <a:latin typeface="Bahnschrift Light Condensed" pitchFamily="34" charset="0"/>
+                <a:cs typeface="Times New Roman" pitchFamily="18" charset="0"/>
+              </a:rPr>
+              <a:t>. H. Lo, W. X. Wang. A fast robust algorithm for the intersection of triangulated surfaces. // Engineering with Computers, 2004, 20:11–21, </a:t>
+            </a:r>
+            <a:r>
+              <a:rPr lang="en-US" sz="1000" dirty="0" err="1" smtClean="0">
+                <a:latin typeface="Bahnschrift Light Condensed" pitchFamily="34" charset="0"/>
+                <a:cs typeface="Times New Roman" pitchFamily="18" charset="0"/>
+              </a:rPr>
+              <a:t>doi</a:t>
+            </a:r>
+            <a:r>
+              <a:rPr lang="en-US" sz="1000" dirty="0" smtClean="0">
+                <a:latin typeface="Bahnschrift Light Condensed" pitchFamily="34" charset="0"/>
+                <a:cs typeface="Times New Roman" pitchFamily="18" charset="0"/>
+              </a:rPr>
+              <a:t>: 10.1007/s00366-004-0277-3</a:t>
+            </a:r>
+          </a:p>
+          <a:p>
+            <a:r>
+              <a:rPr lang="en-US" sz="1000" dirty="0" err="1" smtClean="0">
+                <a:latin typeface="Bahnschrift Light Condensed" pitchFamily="34" charset="0"/>
+                <a:cs typeface="Times New Roman" pitchFamily="18" charset="0"/>
+              </a:rPr>
+              <a:t>McLaurin</a:t>
+            </a:r>
+            <a:r>
+              <a:rPr lang="en-US" sz="1000" dirty="0" smtClean="0">
+                <a:latin typeface="Bahnschrift Light Condensed" pitchFamily="34" charset="0"/>
+                <a:cs typeface="Times New Roman" pitchFamily="18" charset="0"/>
+              </a:rPr>
+              <a:t> </a:t>
+            </a:r>
+            <a:r>
+              <a:rPr lang="en-US" sz="1000" dirty="0" smtClean="0">
+                <a:latin typeface="Bahnschrift Light Condensed" pitchFamily="34" charset="0"/>
+                <a:cs typeface="Times New Roman" pitchFamily="18" charset="0"/>
+              </a:rPr>
+              <a:t>D., Marcum D., </a:t>
+            </a:r>
+            <a:r>
+              <a:rPr lang="en-US" sz="1000" dirty="0" err="1" smtClean="0">
+                <a:latin typeface="Bahnschrift Light Condensed" pitchFamily="34" charset="0"/>
+                <a:cs typeface="Times New Roman" pitchFamily="18" charset="0"/>
+              </a:rPr>
+              <a:t>Remotigue</a:t>
+            </a:r>
+            <a:r>
+              <a:rPr lang="en-US" sz="1000" dirty="0" smtClean="0">
+                <a:latin typeface="Bahnschrift Light Condensed" pitchFamily="34" charset="0"/>
+                <a:cs typeface="Times New Roman" pitchFamily="18" charset="0"/>
+              </a:rPr>
+              <a:t> M., Blades E. Repairing unstructured triangular mesh intersections. // International Journal for Numerical Methods in Engineering, 2013, 93(3):266–275, </a:t>
+            </a:r>
+            <a:r>
+              <a:rPr lang="en-US" sz="1000" dirty="0" err="1" smtClean="0">
+                <a:latin typeface="Bahnschrift Light Condensed" pitchFamily="34" charset="0"/>
+                <a:cs typeface="Times New Roman" pitchFamily="18" charset="0"/>
+              </a:rPr>
+              <a:t>doi</a:t>
+            </a:r>
+            <a:r>
+              <a:rPr lang="en-US" sz="1000" dirty="0" smtClean="0">
+                <a:latin typeface="Bahnschrift Light Condensed" pitchFamily="34" charset="0"/>
+                <a:cs typeface="Times New Roman" pitchFamily="18" charset="0"/>
+              </a:rPr>
+              <a:t>: 10.1002/nme.4385</a:t>
+            </a:r>
+          </a:p>
+        </p:txBody>
+      </p:sp>
+      <p:sp>
+        <p:nvSpPr>
+          <p:cNvPr id="11" name="TextBox 10"/>
+          <p:cNvSpPr txBox="1"/>
+          <p:nvPr/>
+        </p:nvSpPr>
+        <p:spPr>
+          <a:xfrm>
+            <a:off x="107504" y="1733783"/>
+            <a:ext cx="4464496" cy="2062103"/>
+          </a:xfrm>
+          <a:prstGeom prst="rect">
+            <a:avLst/>
+          </a:prstGeom>
+          <a:noFill/>
+        </p:spPr>
+        <p:txBody>
+          <a:bodyPr wrap="square" rtlCol="0">
+            <a:spAutoFit/>
+          </a:bodyPr>
+          <a:lstStyle/>
+          <a:p>
+            <a:r>
+              <a:rPr lang="ru-RU" sz="1600" dirty="0" smtClean="0">
+                <a:latin typeface="Times New Roman" pitchFamily="18" charset="0"/>
+                <a:cs typeface="Times New Roman" pitchFamily="18" charset="0"/>
+              </a:rPr>
+              <a:t>Особенности удаления </a:t>
+            </a:r>
+            <a:r>
+              <a:rPr lang="ru-RU" sz="1600" b="1" dirty="0" smtClean="0">
+                <a:latin typeface="Times New Roman" pitchFamily="18" charset="0"/>
+                <a:cs typeface="Times New Roman" pitchFamily="18" charset="0"/>
+              </a:rPr>
+              <a:t>самопересечений</a:t>
+            </a:r>
+            <a:r>
+              <a:rPr lang="ru-RU" sz="1600" dirty="0" smtClean="0">
+                <a:latin typeface="Times New Roman" pitchFamily="18" charset="0"/>
+                <a:cs typeface="Times New Roman" pitchFamily="18" charset="0"/>
+              </a:rPr>
+              <a:t>: могут состоять из произвольных ломаных (в том числе пересекающихся) и плоских объектов (в случае наложения ячеек), не требуется поиск всех пересечений, требуется поиск внешней поверхности в корректном состоянии, расчетная сетка может содержать ячейки с </a:t>
+            </a:r>
+            <a:r>
+              <a:rPr lang="ru-RU" sz="1600" dirty="0" err="1" smtClean="0">
+                <a:latin typeface="Times New Roman" pitchFamily="18" charset="0"/>
+                <a:cs typeface="Times New Roman" pitchFamily="18" charset="0"/>
+              </a:rPr>
+              <a:t>околонулевой</a:t>
+            </a:r>
+            <a:r>
+              <a:rPr lang="ru-RU" sz="1600" dirty="0" smtClean="0">
+                <a:latin typeface="Times New Roman" pitchFamily="18" charset="0"/>
+                <a:cs typeface="Times New Roman" pitchFamily="18" charset="0"/>
+              </a:rPr>
+              <a:t> площадью.</a:t>
+            </a:r>
+          </a:p>
+        </p:txBody>
+      </p:sp>
+      <p:sp>
+        <p:nvSpPr>
+          <p:cNvPr id="10" name="Номер слайда 9"/>
           <p:cNvSpPr>
             <a:spLocks noGrp="1"/>
           </p:cNvSpPr>
@@ -6161,337 +7766,6 @@
               <a:t>/100</a:t>
             </a:r>
             <a:endParaRPr lang="ru-RU" dirty="0"/>
-          </a:p>
-        </p:txBody>
-      </p:sp>
-      <p:pic>
-        <p:nvPicPr>
-          <p:cNvPr id="12" name="Рисунок 11" descr="int_walk_faces_with_cut.png"/>
-          <p:cNvPicPr>
-            <a:picLocks noChangeAspect="1"/>
-          </p:cNvPicPr>
-          <p:nvPr/>
-        </p:nvPicPr>
-        <p:blipFill>
-          <a:blip r:embed="rId3" cstate="print"/>
-          <a:stretch>
-            <a:fillRect/>
-          </a:stretch>
-        </p:blipFill>
-        <p:spPr>
-          <a:xfrm>
-            <a:off x="251520" y="771550"/>
-            <a:ext cx="3102802" cy="3672408"/>
-          </a:xfrm>
-          <a:prstGeom prst="rect">
-            <a:avLst/>
-          </a:prstGeom>
-        </p:spPr>
-      </p:pic>
-      <p:pic>
-        <p:nvPicPr>
-          <p:cNvPr id="13" name="Рисунок 12" descr="int_walk_centre_big.png"/>
-          <p:cNvPicPr>
-            <a:picLocks noChangeAspect="1"/>
-          </p:cNvPicPr>
-          <p:nvPr/>
-        </p:nvPicPr>
-        <p:blipFill>
-          <a:blip r:embed="rId4" cstate="print"/>
-          <a:stretch>
-            <a:fillRect/>
-          </a:stretch>
-        </p:blipFill>
-        <p:spPr>
-          <a:xfrm>
-            <a:off x="5220804" y="2203654"/>
-            <a:ext cx="1871476" cy="1069850"/>
-          </a:xfrm>
-          <a:prstGeom prst="rect">
-            <a:avLst/>
-          </a:prstGeom>
-        </p:spPr>
-      </p:pic>
-      <p:pic>
-        <p:nvPicPr>
-          <p:cNvPr id="14" name="Рисунок 13" descr="int_walk_not_simple_big.png"/>
-          <p:cNvPicPr>
-            <a:picLocks noChangeAspect="1"/>
-          </p:cNvPicPr>
-          <p:nvPr/>
-        </p:nvPicPr>
-        <p:blipFill>
-          <a:blip r:embed="rId5" cstate="print"/>
-          <a:stretch>
-            <a:fillRect/>
-          </a:stretch>
-        </p:blipFill>
-        <p:spPr>
-          <a:xfrm>
-            <a:off x="7328093" y="2196034"/>
-            <a:ext cx="1420371" cy="1085090"/>
-          </a:xfrm>
-          <a:prstGeom prst="rect">
-            <a:avLst/>
-          </a:prstGeom>
-        </p:spPr>
-      </p:pic>
-      <p:pic>
-        <p:nvPicPr>
-          <p:cNvPr id="15" name="Рисунок 14" descr="int_walk_simple_big.png"/>
-          <p:cNvPicPr>
-            <a:picLocks noChangeAspect="1"/>
-          </p:cNvPicPr>
-          <p:nvPr/>
-        </p:nvPicPr>
-        <p:blipFill>
-          <a:blip r:embed="rId6" cstate="print"/>
-          <a:stretch>
-            <a:fillRect/>
-          </a:stretch>
-        </p:blipFill>
-        <p:spPr>
-          <a:xfrm>
-            <a:off x="3707904" y="2212798"/>
-            <a:ext cx="1060706" cy="1051562"/>
-          </a:xfrm>
-          <a:prstGeom prst="rect">
-            <a:avLst/>
-          </a:prstGeom>
-        </p:spPr>
-      </p:pic>
-      <p:pic>
-        <p:nvPicPr>
-          <p:cNvPr id="1026" name="Picture 2"/>
-          <p:cNvPicPr>
-            <a:picLocks noChangeAspect="1" noChangeArrowheads="1"/>
-          </p:cNvPicPr>
-          <p:nvPr/>
-        </p:nvPicPr>
-        <p:blipFill>
-          <a:blip r:embed="rId7" cstate="print"/>
-          <a:srcRect/>
-          <a:stretch>
-            <a:fillRect/>
-          </a:stretch>
-        </p:blipFill>
-        <p:spPr bwMode="auto">
-          <a:xfrm>
-            <a:off x="3616493" y="3461143"/>
-            <a:ext cx="2179643" cy="324000"/>
-          </a:xfrm>
-          <a:prstGeom prst="rect">
-            <a:avLst/>
-          </a:prstGeom>
-          <a:noFill/>
-          <a:ln w="9525">
-            <a:noFill/>
-            <a:miter lim="800000"/>
-            <a:headEnd/>
-            <a:tailEnd/>
-          </a:ln>
-          <a:effectLst/>
-        </p:spPr>
-      </p:pic>
-      <p:pic>
-        <p:nvPicPr>
-          <p:cNvPr id="1027" name="Picture 3"/>
-          <p:cNvPicPr>
-            <a:picLocks noChangeAspect="1" noChangeArrowheads="1"/>
-          </p:cNvPicPr>
-          <p:nvPr/>
-        </p:nvPicPr>
-        <p:blipFill>
-          <a:blip r:embed="rId8" cstate="print"/>
-          <a:srcRect/>
-          <a:stretch>
-            <a:fillRect/>
-          </a:stretch>
-        </p:blipFill>
-        <p:spPr bwMode="auto">
-          <a:xfrm>
-            <a:off x="7740352" y="3461143"/>
-            <a:ext cx="1106141" cy="324000"/>
-          </a:xfrm>
-          <a:prstGeom prst="rect">
-            <a:avLst/>
-          </a:prstGeom>
-          <a:noFill/>
-          <a:ln w="9525">
-            <a:noFill/>
-            <a:miter lim="800000"/>
-            <a:headEnd/>
-            <a:tailEnd/>
-          </a:ln>
-          <a:effectLst/>
-        </p:spPr>
-      </p:pic>
-      <p:pic>
-        <p:nvPicPr>
-          <p:cNvPr id="1028" name="Picture 4"/>
-          <p:cNvPicPr>
-            <a:picLocks noChangeAspect="1" noChangeArrowheads="1"/>
-          </p:cNvPicPr>
-          <p:nvPr/>
-        </p:nvPicPr>
-        <p:blipFill>
-          <a:blip r:embed="rId9" cstate="print"/>
-          <a:srcRect/>
-          <a:stretch>
-            <a:fillRect/>
-          </a:stretch>
-        </p:blipFill>
-        <p:spPr bwMode="auto">
-          <a:xfrm>
-            <a:off x="6563983" y="3461143"/>
-            <a:ext cx="960345" cy="324000"/>
-          </a:xfrm>
-          <a:prstGeom prst="rect">
-            <a:avLst/>
-          </a:prstGeom>
-          <a:noFill/>
-          <a:ln w="9525">
-            <a:noFill/>
-            <a:miter lim="800000"/>
-            <a:headEnd/>
-            <a:tailEnd/>
-          </a:ln>
-          <a:effectLst/>
-        </p:spPr>
-      </p:pic>
-      <p:sp>
-        <p:nvSpPr>
-          <p:cNvPr id="17" name="TextBox 16"/>
-          <p:cNvSpPr txBox="1"/>
-          <p:nvPr/>
-        </p:nvSpPr>
-        <p:spPr>
-          <a:xfrm>
-            <a:off x="3491880" y="1779662"/>
-            <a:ext cx="1620688" cy="338554"/>
-          </a:xfrm>
-          <a:prstGeom prst="rect">
-            <a:avLst/>
-          </a:prstGeom>
-          <a:noFill/>
-        </p:spPr>
-        <p:txBody>
-          <a:bodyPr wrap="square" rtlCol="0">
-            <a:spAutoFit/>
-          </a:bodyPr>
-          <a:lstStyle/>
-          <a:p>
-            <a:r>
-              <a:rPr lang="ru-RU" sz="1600" dirty="0" smtClean="0">
-                <a:latin typeface="Times New Roman" pitchFamily="18" charset="0"/>
-                <a:cs typeface="Times New Roman" pitchFamily="18" charset="0"/>
-              </a:rPr>
-              <a:t>Простая сетка</a:t>
-            </a:r>
-            <a:endParaRPr lang="ru-RU" sz="1600" dirty="0" smtClean="0">
-              <a:latin typeface="Times New Roman" pitchFamily="18" charset="0"/>
-              <a:cs typeface="Times New Roman" pitchFamily="18" charset="0"/>
-            </a:endParaRPr>
-          </a:p>
-        </p:txBody>
-      </p:sp>
-      <p:sp>
-        <p:nvSpPr>
-          <p:cNvPr id="18" name="TextBox 17"/>
-          <p:cNvSpPr txBox="1"/>
-          <p:nvPr/>
-        </p:nvSpPr>
-        <p:spPr>
-          <a:xfrm>
-            <a:off x="7271792" y="1779662"/>
-            <a:ext cx="1620688" cy="338554"/>
-          </a:xfrm>
-          <a:prstGeom prst="rect">
-            <a:avLst/>
-          </a:prstGeom>
-          <a:noFill/>
-        </p:spPr>
-        <p:txBody>
-          <a:bodyPr wrap="square" rtlCol="0">
-            <a:spAutoFit/>
-          </a:bodyPr>
-          <a:lstStyle/>
-          <a:p>
-            <a:r>
-              <a:rPr lang="ru-RU" sz="1600" dirty="0" smtClean="0">
-                <a:latin typeface="Times New Roman" pitchFamily="18" charset="0"/>
-                <a:cs typeface="Times New Roman" pitchFamily="18" charset="0"/>
-              </a:rPr>
-              <a:t>Общий случай</a:t>
-            </a:r>
-            <a:endParaRPr lang="ru-RU" sz="1600" dirty="0" smtClean="0">
-              <a:latin typeface="Times New Roman" pitchFamily="18" charset="0"/>
-              <a:cs typeface="Times New Roman" pitchFamily="18" charset="0"/>
-            </a:endParaRPr>
-          </a:p>
-        </p:txBody>
-      </p:sp>
-      <p:sp>
-        <p:nvSpPr>
-          <p:cNvPr id="19" name="TextBox 18"/>
-          <p:cNvSpPr txBox="1"/>
-          <p:nvPr/>
-        </p:nvSpPr>
-        <p:spPr>
-          <a:xfrm>
-            <a:off x="3491880" y="4155926"/>
-            <a:ext cx="5400600" cy="584775"/>
-          </a:xfrm>
-          <a:prstGeom prst="rect">
-            <a:avLst/>
-          </a:prstGeom>
-          <a:noFill/>
-        </p:spPr>
-        <p:txBody>
-          <a:bodyPr wrap="square" rtlCol="0">
-            <a:spAutoFit/>
-          </a:bodyPr>
-          <a:lstStyle/>
-          <a:p>
-            <a:r>
-              <a:rPr lang="ru-RU" sz="1600" dirty="0" smtClean="0">
-                <a:latin typeface="Times New Roman" pitchFamily="18" charset="0"/>
-                <a:cs typeface="Times New Roman" pitchFamily="18" charset="0"/>
-              </a:rPr>
-              <a:t>В качестве следующей  выбирается ячейка с максимальным значением функции</a:t>
-            </a:r>
-            <a:r>
-              <a:rPr lang="en-US" sz="1600" dirty="0" smtClean="0">
-                <a:latin typeface="Times New Roman" pitchFamily="18" charset="0"/>
-                <a:cs typeface="Times New Roman" pitchFamily="18" charset="0"/>
-              </a:rPr>
-              <a:t> </a:t>
-            </a:r>
-            <a:r>
-              <a:rPr lang="ru-RU" sz="1600" dirty="0" smtClean="0">
-                <a:latin typeface="Times New Roman" pitchFamily="18" charset="0"/>
-                <a:cs typeface="Times New Roman" pitchFamily="18" charset="0"/>
-              </a:rPr>
-              <a:t> </a:t>
-            </a:r>
-            <a:r>
-              <a:rPr lang="en-US" sz="1600" i="1" dirty="0" smtClean="0">
-                <a:latin typeface="Times New Roman" pitchFamily="18" charset="0"/>
-                <a:cs typeface="Times New Roman" pitchFamily="18" charset="0"/>
-              </a:rPr>
-              <a:t>f</a:t>
-            </a:r>
-            <a:r>
-              <a:rPr lang="en-US" sz="1600" dirty="0" smtClean="0">
-                <a:latin typeface="Times New Roman" pitchFamily="18" charset="0"/>
-                <a:cs typeface="Times New Roman" pitchFamily="18" charset="0"/>
-              </a:rPr>
-              <a:t>.</a:t>
-            </a:r>
-            <a:endParaRPr lang="ru-RU" sz="1600" dirty="0" smtClean="0">
-              <a:latin typeface="Times New Roman" pitchFamily="18" charset="0"/>
-              <a:cs typeface="Times New Roman" pitchFamily="18" charset="0"/>
-            </a:endParaRPr>
           </a:p>
         </p:txBody>
       </p:sp>
@@ -6527,30 +7801,6 @@
           <a:chExt cx="0" cy="0"/>
         </a:xfrm>
       </p:grpSpPr>
-      <p:pic>
-        <p:nvPicPr>
-          <p:cNvPr id="14" name="Рисунок 13" descr="int_primitives_intersection.png"/>
-          <p:cNvPicPr>
-            <a:picLocks noChangeAspect="1"/>
-          </p:cNvPicPr>
-          <p:nvPr/>
-        </p:nvPicPr>
-        <p:blipFill>
-          <a:blip r:embed="rId2" cstate="print"/>
-          <a:stretch>
-            <a:fillRect/>
-          </a:stretch>
-        </p:blipFill>
-        <p:spPr>
-          <a:xfrm>
-            <a:off x="3192059" y="411510"/>
-            <a:ext cx="5772429" cy="4284000"/>
-          </a:xfrm>
-          <a:prstGeom prst="rect">
-            <a:avLst/>
-          </a:prstGeom>
-        </p:spPr>
-      </p:pic>
       <p:sp>
         <p:nvSpPr>
           <p:cNvPr id="8" name="TextBox 7"/>
@@ -6582,6 +7832,117 @@
               <a:latin typeface="Times New Roman" pitchFamily="18" charset="0"/>
               <a:cs typeface="Times New Roman" pitchFamily="18" charset="0"/>
             </a:endParaRPr>
+          </a:p>
+        </p:txBody>
+      </p:sp>
+      <p:sp>
+        <p:nvSpPr>
+          <p:cNvPr id="9" name="TextBox 8"/>
+          <p:cNvSpPr txBox="1"/>
+          <p:nvPr/>
+        </p:nvSpPr>
+        <p:spPr>
+          <a:xfrm>
+            <a:off x="179512" y="483518"/>
+            <a:ext cx="8856984" cy="3293209"/>
+          </a:xfrm>
+          <a:prstGeom prst="rect">
+            <a:avLst/>
+          </a:prstGeom>
+          <a:noFill/>
+        </p:spPr>
+        <p:txBody>
+          <a:bodyPr wrap="square" rtlCol="0">
+            <a:spAutoFit/>
+          </a:bodyPr>
+          <a:lstStyle/>
+          <a:p>
+            <a:r>
+              <a:rPr lang="ru-RU" sz="1600" b="1" dirty="0" smtClean="0">
+                <a:latin typeface="Times New Roman" pitchFamily="18" charset="0"/>
+                <a:cs typeface="Times New Roman" pitchFamily="18" charset="0"/>
+              </a:rPr>
+              <a:t>Поиск потенциально пересекающихся ячеек.</a:t>
+            </a:r>
+            <a:r>
+              <a:rPr lang="ru-RU" sz="1600" dirty="0" smtClean="0">
+                <a:latin typeface="Times New Roman" pitchFamily="18" charset="0"/>
+                <a:cs typeface="Times New Roman" pitchFamily="18" charset="0"/>
+              </a:rPr>
+              <a:t> Две ячейки называются потенциально пересекающимися, если пересекаются охватывающие их прямоугольные параллелепипеды</a:t>
+            </a:r>
+            <a:r>
+              <a:rPr lang="en-US" sz="1600" dirty="0" smtClean="0">
+                <a:latin typeface="Times New Roman" pitchFamily="18" charset="0"/>
+                <a:cs typeface="Times New Roman" pitchFamily="18" charset="0"/>
+              </a:rPr>
+              <a:t> (</a:t>
+            </a:r>
+            <a:r>
+              <a:rPr lang="ru-RU" sz="1600" dirty="0" smtClean="0">
+                <a:latin typeface="Times New Roman" pitchFamily="18" charset="0"/>
+                <a:cs typeface="Times New Roman" pitchFamily="18" charset="0"/>
+              </a:rPr>
+              <a:t>контейнеры).</a:t>
+            </a:r>
+          </a:p>
+          <a:p>
+            <a:endParaRPr lang="ru-RU" sz="1600" dirty="0" smtClean="0">
+              <a:latin typeface="Times New Roman" pitchFamily="18" charset="0"/>
+              <a:cs typeface="Times New Roman" pitchFamily="18" charset="0"/>
+            </a:endParaRPr>
+          </a:p>
+          <a:p>
+            <a:r>
+              <a:rPr lang="ru-RU" sz="1600" b="1" dirty="0" smtClean="0">
+                <a:latin typeface="Times New Roman" pitchFamily="18" charset="0"/>
+                <a:cs typeface="Times New Roman" pitchFamily="18" charset="0"/>
+              </a:rPr>
+              <a:t>Обход внешней поверхности.</a:t>
+            </a:r>
+            <a:r>
+              <a:rPr lang="ru-RU" sz="1600" dirty="0" smtClean="0">
+                <a:latin typeface="Times New Roman" pitchFamily="18" charset="0"/>
+                <a:cs typeface="Times New Roman" pitchFamily="18" charset="0"/>
+              </a:rPr>
+              <a:t> Если следующая ячейка обхода является потенциально пересекающейся, то выполняется поиск ее пересечения с другими ячейками. По найденному пересечению выполняется </a:t>
+            </a:r>
+            <a:r>
+              <a:rPr lang="ru-RU" sz="1600" b="1" dirty="0" smtClean="0">
+                <a:latin typeface="Times New Roman" pitchFamily="18" charset="0"/>
+                <a:cs typeface="Times New Roman" pitchFamily="18" charset="0"/>
+              </a:rPr>
+              <a:t>дробление ячейки</a:t>
+            </a:r>
+            <a:r>
+              <a:rPr lang="ru-RU" sz="1600" dirty="0" smtClean="0">
+                <a:latin typeface="Times New Roman" pitchFamily="18" charset="0"/>
+                <a:cs typeface="Times New Roman" pitchFamily="18" charset="0"/>
+              </a:rPr>
+              <a:t> на более мелкие, а также дробление всех конфликтующих с ней ячеек. После этой операции в сетке могут появляться ребра с количеством инцидентных ячеек, больше двух.</a:t>
+            </a:r>
+          </a:p>
+          <a:p>
+            <a:endParaRPr lang="ru-RU" sz="1600" dirty="0" smtClean="0">
+              <a:latin typeface="Times New Roman" pitchFamily="18" charset="0"/>
+              <a:cs typeface="Times New Roman" pitchFamily="18" charset="0"/>
+            </a:endParaRPr>
+          </a:p>
+          <a:p>
+            <a:r>
+              <a:rPr lang="ru-RU" sz="1600" b="1" dirty="0" smtClean="0">
+                <a:latin typeface="Times New Roman" pitchFamily="18" charset="0"/>
+                <a:cs typeface="Times New Roman" pitchFamily="18" charset="0"/>
+              </a:rPr>
+              <a:t>Удаление лишних ячеек.</a:t>
+            </a:r>
+            <a:r>
+              <a:rPr lang="ru-RU" sz="1600" dirty="0" smtClean="0">
+                <a:latin typeface="Times New Roman" pitchFamily="18" charset="0"/>
+                <a:cs typeface="Times New Roman" pitchFamily="18" charset="0"/>
+              </a:rPr>
+              <a:t>  После завершения обхода все ячейки, которые не были посещены, признаются лишними и удаляются. Результатом является внешняя поверхность исходной сетки, находящаяся в корректном состоянии.</a:t>
+            </a:r>
           </a:p>
         </p:txBody>
       </p:sp>
@@ -6622,7 +7983,19 @@
                 <a:latin typeface="Times New Roman" pitchFamily="18" charset="0"/>
                 <a:cs typeface="Times New Roman" pitchFamily="18" charset="0"/>
               </a:rPr>
-              <a:t>Поиск пересечений ячейки с другими ячейками</a:t>
+              <a:t>Предлагаемый метод удаления самопересечений поверхностной </a:t>
+            </a:r>
+            <a:r>
+              <a:rPr lang="ru-RU" b="1" dirty="0" smtClean="0">
+                <a:solidFill>
+                  <a:schemeClr val="accent1">
+                    <a:lumMod val="75000"/>
+                  </a:schemeClr>
+                </a:solidFill>
+                <a:latin typeface="Times New Roman" pitchFamily="18" charset="0"/>
+                <a:cs typeface="Times New Roman" pitchFamily="18" charset="0"/>
+              </a:rPr>
+              <a:t>сетки</a:t>
             </a:r>
             <a:endParaRPr lang="ru-RU" b="1" dirty="0">
               <a:solidFill>
@@ -6636,177 +8009,16 @@
           </a:p>
         </p:txBody>
       </p:sp>
-      <p:sp>
-        <p:nvSpPr>
-          <p:cNvPr id="9" name="TextBox 8"/>
-          <p:cNvSpPr txBox="1"/>
-          <p:nvPr/>
-        </p:nvSpPr>
-        <p:spPr>
-          <a:xfrm>
-            <a:off x="107504" y="411510"/>
-            <a:ext cx="3024336" cy="1077218"/>
-          </a:xfrm>
-          <a:prstGeom prst="rect">
-            <a:avLst/>
-          </a:prstGeom>
-          <a:noFill/>
-        </p:spPr>
-        <p:txBody>
-          <a:bodyPr wrap="square" rtlCol="0">
-            <a:spAutoFit/>
-          </a:bodyPr>
-          <a:lstStyle/>
-          <a:p>
-            <a:r>
-              <a:rPr lang="ru-RU" sz="1600" dirty="0" smtClean="0">
-                <a:latin typeface="Times New Roman" pitchFamily="18" charset="0"/>
-                <a:cs typeface="Times New Roman" pitchFamily="18" charset="0"/>
-              </a:rPr>
-              <a:t>Операции для работы с</a:t>
-            </a:r>
-            <a:r>
-              <a:rPr lang="ru-RU" sz="1600" dirty="0">
-                <a:latin typeface="Times New Roman" pitchFamily="18" charset="0"/>
-                <a:cs typeface="Times New Roman" pitchFamily="18" charset="0"/>
-              </a:rPr>
-              <a:t> </a:t>
-            </a:r>
-            <a:r>
-              <a:rPr lang="ru-RU" sz="1600" dirty="0" smtClean="0">
-                <a:latin typeface="Times New Roman" pitchFamily="18" charset="0"/>
-                <a:cs typeface="Times New Roman" pitchFamily="18" charset="0"/>
-              </a:rPr>
-              <a:t>геометрическими примитивами: точка, прямая, отрезок, плоскость, треугольник.</a:t>
-            </a:r>
-          </a:p>
-        </p:txBody>
-      </p:sp>
-      <p:sp>
-        <p:nvSpPr>
-          <p:cNvPr id="13" name="TextBox 12"/>
-          <p:cNvSpPr txBox="1"/>
-          <p:nvPr/>
-        </p:nvSpPr>
-        <p:spPr>
-          <a:xfrm>
-            <a:off x="107504" y="1563638"/>
-            <a:ext cx="4176464" cy="1077218"/>
-          </a:xfrm>
-          <a:prstGeom prst="rect">
-            <a:avLst/>
-          </a:prstGeom>
-          <a:noFill/>
-        </p:spPr>
-        <p:txBody>
-          <a:bodyPr wrap="square" rtlCol="0">
-            <a:spAutoFit/>
-          </a:bodyPr>
-          <a:lstStyle/>
-          <a:p>
-            <a:r>
-              <a:rPr lang="ru-RU" sz="1600" dirty="0" smtClean="0">
-                <a:latin typeface="Times New Roman" pitchFamily="18" charset="0"/>
-                <a:cs typeface="Times New Roman" pitchFamily="18" charset="0"/>
-              </a:rPr>
-              <a:t>При работе с геометрическими примитивами используются рациональные координаты, в которых результаты пересечения находятся без потери точности.</a:t>
-            </a:r>
-          </a:p>
-        </p:txBody>
-      </p:sp>
-      <p:sp>
-        <p:nvSpPr>
-          <p:cNvPr id="10" name="TextBox 9"/>
-          <p:cNvSpPr txBox="1"/>
-          <p:nvPr/>
-        </p:nvSpPr>
-        <p:spPr>
-          <a:xfrm>
-            <a:off x="3491880" y="2741895"/>
-            <a:ext cx="2304256" cy="2062103"/>
-          </a:xfrm>
-          <a:prstGeom prst="rect">
-            <a:avLst/>
-          </a:prstGeom>
-          <a:noFill/>
-        </p:spPr>
-        <p:txBody>
-          <a:bodyPr wrap="square" rtlCol="0">
-            <a:spAutoFit/>
-          </a:bodyPr>
-          <a:lstStyle/>
-          <a:p>
-            <a:r>
-              <a:rPr lang="ru-RU" sz="1600" dirty="0" smtClean="0">
-                <a:latin typeface="Times New Roman" pitchFamily="18" charset="0"/>
-                <a:cs typeface="Times New Roman" pitchFamily="18" charset="0"/>
-              </a:rPr>
-              <a:t>Две ячейки могут пересекаться плоскому выпуклому объекту с </a:t>
-            </a:r>
-            <a:r>
-              <a:rPr lang="en-US" sz="1600" i="1" dirty="0" smtClean="0">
-                <a:latin typeface="Times New Roman" pitchFamily="18" charset="0"/>
-                <a:cs typeface="Times New Roman" pitchFamily="18" charset="0"/>
-              </a:rPr>
-              <a:t>n</a:t>
-            </a:r>
-            <a:r>
-              <a:rPr lang="ru-RU" sz="1600" i="1" dirty="0" smtClean="0">
-                <a:latin typeface="Times New Roman" pitchFamily="18" charset="0"/>
-                <a:cs typeface="Times New Roman" pitchFamily="18" charset="0"/>
-              </a:rPr>
-              <a:t> </a:t>
-            </a:r>
-            <a:r>
-              <a:rPr lang="ru-RU" sz="1600" dirty="0" smtClean="0">
-                <a:latin typeface="Times New Roman" pitchFamily="18" charset="0"/>
-                <a:cs typeface="Times New Roman" pitchFamily="18" charset="0"/>
-              </a:rPr>
-              <a:t>вершинами </a:t>
-            </a:r>
-            <a:r>
-              <a:rPr lang="ru-RU" sz="1600" i="1" dirty="0" smtClean="0">
-                <a:latin typeface="Times New Roman" pitchFamily="18" charset="0"/>
-                <a:cs typeface="Times New Roman" pitchFamily="18" charset="0"/>
-              </a:rPr>
-              <a:t>(1</a:t>
-            </a:r>
-            <a:r>
-              <a:rPr lang="en-US" sz="1600" i="1" dirty="0" smtClean="0">
-                <a:latin typeface="Times New Roman" pitchFamily="18" charset="0"/>
-                <a:cs typeface="Times New Roman" pitchFamily="18" charset="0"/>
-              </a:rPr>
-              <a:t> </a:t>
-            </a:r>
-            <a:r>
-              <a:rPr lang="en-US" sz="1600" i="1" dirty="0" smtClean="0">
-                <a:latin typeface="Times New Roman" pitchFamily="18" charset="0"/>
-                <a:cs typeface="Times New Roman" pitchFamily="18" charset="0"/>
-                <a:sym typeface="Symbol"/>
-              </a:rPr>
-              <a:t> n  6)</a:t>
-            </a:r>
-            <a:r>
-              <a:rPr lang="ru-RU" sz="1600" dirty="0" smtClean="0">
-                <a:latin typeface="Times New Roman" pitchFamily="18" charset="0"/>
-                <a:cs typeface="Times New Roman" pitchFamily="18" charset="0"/>
-                <a:sym typeface="Symbol"/>
-              </a:rPr>
-              <a:t>. Пересечение может быть описано в виде набора точек и отрезков.</a:t>
-            </a:r>
-          </a:p>
-        </p:txBody>
-      </p:sp>
       <p:pic>
         <p:nvPicPr>
-          <p:cNvPr id="3074" name="Picture 2"/>
+          <p:cNvPr id="1026" name="Picture 2"/>
           <p:cNvPicPr>
             <a:picLocks noChangeAspect="1" noChangeArrowheads="1"/>
           </p:cNvPicPr>
           <p:nvPr/>
         </p:nvPicPr>
         <p:blipFill>
-          <a:blip r:embed="rId3" cstate="print"/>
+          <a:blip r:embed="rId2" cstate="print"/>
           <a:srcRect/>
           <a:stretch>
             <a:fillRect/>
@@ -6814,8 +8026,8 @@
         </p:blipFill>
         <p:spPr bwMode="auto">
           <a:xfrm>
-            <a:off x="179512" y="2787774"/>
-            <a:ext cx="3110745" cy="1728192"/>
+            <a:off x="4139952" y="3507854"/>
+            <a:ext cx="2436540" cy="1087449"/>
           </a:xfrm>
           <a:prstGeom prst="rect">
             <a:avLst/>
@@ -6832,7 +8044,7 @@
       </p:pic>
       <p:sp>
         <p:nvSpPr>
-          <p:cNvPr id="11" name="Номер слайда 10"/>
+          <p:cNvPr id="7" name="Номер слайда 6"/>
           <p:cNvSpPr>
             <a:spLocks noGrp="1"/>
           </p:cNvSpPr>
@@ -6926,6 +8138,87 @@
       </p:sp>
       <p:sp>
         <p:nvSpPr>
+          <p:cNvPr id="9" name="TextBox 8"/>
+          <p:cNvSpPr txBox="1"/>
+          <p:nvPr/>
+        </p:nvSpPr>
+        <p:spPr>
+          <a:xfrm>
+            <a:off x="179512" y="960279"/>
+            <a:ext cx="4536504" cy="1323439"/>
+          </a:xfrm>
+          <a:prstGeom prst="rect">
+            <a:avLst/>
+          </a:prstGeom>
+          <a:noFill/>
+        </p:spPr>
+        <p:txBody>
+          <a:bodyPr wrap="square" rtlCol="0">
+            <a:spAutoFit/>
+          </a:bodyPr>
+          <a:lstStyle/>
+          <a:p>
+            <a:r>
+              <a:rPr lang="ru-RU" sz="1600" dirty="0" smtClean="0">
+                <a:latin typeface="Times New Roman" pitchFamily="18" charset="0"/>
+                <a:cs typeface="Times New Roman" pitchFamily="18" charset="0"/>
+              </a:rPr>
+              <a:t>Для поиска всех пар потенциально пересекающихся ячеек используются </a:t>
+            </a:r>
+            <a:r>
+              <a:rPr lang="en-US" sz="1600" dirty="0" smtClean="0">
+                <a:latin typeface="Times New Roman" pitchFamily="18" charset="0"/>
+                <a:cs typeface="Times New Roman" pitchFamily="18" charset="0"/>
+              </a:rPr>
+              <a:t>BHV-</a:t>
+            </a:r>
+            <a:r>
+              <a:rPr lang="ru-RU" sz="1600" dirty="0" smtClean="0">
+                <a:latin typeface="Times New Roman" pitchFamily="18" charset="0"/>
+                <a:cs typeface="Times New Roman" pitchFamily="18" charset="0"/>
+              </a:rPr>
+              <a:t>деревья (</a:t>
+            </a:r>
+            <a:r>
+              <a:rPr lang="en-US" sz="1600" dirty="0" smtClean="0">
+                <a:latin typeface="Times New Roman" pitchFamily="18" charset="0"/>
+                <a:cs typeface="Times New Roman" pitchFamily="18" charset="0"/>
+              </a:rPr>
+              <a:t>Bounding Volume Hierarchy tree), </a:t>
+            </a:r>
+            <a:r>
+              <a:rPr lang="ru-RU" sz="1600" dirty="0" smtClean="0">
+                <a:latin typeface="Times New Roman" pitchFamily="18" charset="0"/>
+                <a:cs typeface="Times New Roman" pitchFamily="18" charset="0"/>
+              </a:rPr>
+              <a:t>что позволяет найти все пары со сложностью </a:t>
+            </a:r>
+            <a:r>
+              <a:rPr lang="en-US" sz="1600" i="1" dirty="0" smtClean="0">
+                <a:latin typeface="Times New Roman" pitchFamily="18" charset="0"/>
+                <a:cs typeface="Times New Roman" pitchFamily="18" charset="0"/>
+              </a:rPr>
+              <a:t>n log n</a:t>
+            </a:r>
+            <a:r>
+              <a:rPr lang="en-US" sz="1600" dirty="0" smtClean="0">
+                <a:latin typeface="Times New Roman" pitchFamily="18" charset="0"/>
+                <a:cs typeface="Times New Roman" pitchFamily="18" charset="0"/>
+              </a:rPr>
+              <a:t> </a:t>
+            </a:r>
+            <a:r>
+              <a:rPr lang="ru-RU" sz="1600" dirty="0" smtClean="0">
+                <a:latin typeface="Times New Roman" pitchFamily="18" charset="0"/>
+                <a:cs typeface="Times New Roman" pitchFamily="18" charset="0"/>
+              </a:rPr>
+              <a:t>от количества ячеек. </a:t>
+            </a:r>
+          </a:p>
+        </p:txBody>
+      </p:sp>
+      <p:sp>
+        <p:nvSpPr>
           <p:cNvPr id="5" name="TextBox 4"/>
           <p:cNvSpPr txBox="1"/>
           <p:nvPr/>
@@ -6961,7 +8254,7 @@
                 <a:latin typeface="Times New Roman" pitchFamily="18" charset="0"/>
                 <a:cs typeface="Times New Roman" pitchFamily="18" charset="0"/>
               </a:rPr>
-              <a:t>Дробление ячейки по множеству отрезков и точек</a:t>
+              <a:t>Поиск потенциально пересекающихся ячеек</a:t>
             </a:r>
             <a:endParaRPr lang="ru-RU" b="1" dirty="0">
               <a:solidFill>
@@ -6975,233 +8268,156 @@
           </a:p>
         </p:txBody>
       </p:sp>
-      <p:sp>
-        <p:nvSpPr>
-          <p:cNvPr id="12" name="TextBox 11"/>
-          <p:cNvSpPr txBox="1"/>
-          <p:nvPr/>
-        </p:nvSpPr>
-        <p:spPr>
-          <a:xfrm>
-            <a:off x="107504" y="3651870"/>
-            <a:ext cx="8928992" cy="1077218"/>
-          </a:xfrm>
-          <a:prstGeom prst="rect">
-            <a:avLst/>
-          </a:prstGeom>
-          <a:noFill/>
-        </p:spPr>
-        <p:txBody>
-          <a:bodyPr wrap="square" rtlCol="0">
-            <a:spAutoFit/>
-          </a:bodyPr>
-          <a:lstStyle/>
-          <a:p>
-            <a:r>
-              <a:rPr lang="ru-RU" sz="1600" dirty="0" smtClean="0">
-                <a:latin typeface="Times New Roman" pitchFamily="18" charset="0"/>
-                <a:cs typeface="Times New Roman" pitchFamily="18" charset="0"/>
-              </a:rPr>
-              <a:t>Для разбиения ячейки на более мелкие треугольники по множеству отрезков и точек необходимо устранить конфликты отрезков и выполнить триангуляцию по множеству точек с фиксацией отдельных ребер. После триангуляции исходная ячейка удаляется из сетки, а результаты триангуляции добавляются в нее.</a:t>
-            </a:r>
-          </a:p>
-        </p:txBody>
-      </p:sp>
       <p:pic>
         <p:nvPicPr>
-          <p:cNvPr id="10" name="Рисунок 9" descr="int_triangulate_1_1.png"/>
+          <p:cNvPr id="2050" name="Picture 2"/>
           <p:cNvPicPr>
-            <a:picLocks noChangeAspect="1"/>
+            <a:picLocks noChangeAspect="1" noChangeArrowheads="1"/>
           </p:cNvPicPr>
           <p:nvPr/>
         </p:nvPicPr>
         <p:blipFill>
           <a:blip r:embed="rId2" cstate="print"/>
+          <a:srcRect/>
           <a:stretch>
             <a:fillRect/>
           </a:stretch>
         </p:blipFill>
-        <p:spPr>
-          <a:xfrm>
-            <a:off x="301657" y="411510"/>
-            <a:ext cx="2036643" cy="1512000"/>
-          </a:xfrm>
-          <a:prstGeom prst="rect">
-            <a:avLst/>
-          </a:prstGeom>
+        <p:spPr bwMode="auto">
+          <a:xfrm>
+            <a:off x="5004048" y="843558"/>
+            <a:ext cx="3600400" cy="1449990"/>
+          </a:xfrm>
+          <a:prstGeom prst="rect">
+            <a:avLst/>
+          </a:prstGeom>
+          <a:noFill/>
+          <a:ln w="9525">
+            <a:noFill/>
+            <a:miter lim="800000"/>
+            <a:headEnd/>
+            <a:tailEnd/>
+          </a:ln>
+          <a:effectLst/>
         </p:spPr>
       </p:pic>
       <p:pic>
         <p:nvPicPr>
-          <p:cNvPr id="11" name="Рисунок 10" descr="int_triangulate_1_2.png"/>
+          <p:cNvPr id="2052" name="Picture 4"/>
           <p:cNvPicPr>
-            <a:picLocks noChangeAspect="1"/>
+            <a:picLocks noChangeAspect="1" noChangeArrowheads="1"/>
           </p:cNvPicPr>
           <p:nvPr/>
         </p:nvPicPr>
         <p:blipFill>
           <a:blip r:embed="rId3" cstate="print"/>
+          <a:srcRect/>
           <a:stretch>
             <a:fillRect/>
           </a:stretch>
         </p:blipFill>
-        <p:spPr>
-          <a:xfrm>
-            <a:off x="2317881" y="411510"/>
-            <a:ext cx="2038095" cy="1512000"/>
-          </a:xfrm>
-          <a:prstGeom prst="rect">
-            <a:avLst/>
-          </a:prstGeom>
+        <p:spPr bwMode="auto">
+          <a:xfrm>
+            <a:off x="3785715" y="2715766"/>
+            <a:ext cx="5106765" cy="1497896"/>
+          </a:xfrm>
+          <a:prstGeom prst="rect">
+            <a:avLst/>
+          </a:prstGeom>
+          <a:noFill/>
+          <a:ln w="9525">
+            <a:noFill/>
+            <a:miter lim="800000"/>
+            <a:headEnd/>
+            <a:tailEnd/>
+          </a:ln>
+          <a:effectLst/>
         </p:spPr>
       </p:pic>
-      <p:pic>
-        <p:nvPicPr>
-          <p:cNvPr id="15" name="Рисунок 14" descr="int_triangulate_2_1.png"/>
-          <p:cNvPicPr>
-            <a:picLocks noChangeAspect="1"/>
-          </p:cNvPicPr>
-          <p:nvPr/>
-        </p:nvPicPr>
-        <p:blipFill>
-          <a:blip r:embed="rId4" cstate="print"/>
-          <a:stretch>
-            <a:fillRect/>
-          </a:stretch>
-        </p:blipFill>
-        <p:spPr>
-          <a:xfrm>
-            <a:off x="4788024" y="411510"/>
-            <a:ext cx="2036643" cy="1512000"/>
-          </a:xfrm>
-          <a:prstGeom prst="rect">
-            <a:avLst/>
-          </a:prstGeom>
-        </p:spPr>
-      </p:pic>
-      <p:pic>
-        <p:nvPicPr>
-          <p:cNvPr id="16" name="Рисунок 15" descr="int_triangulate_2_2.png"/>
-          <p:cNvPicPr>
-            <a:picLocks noChangeAspect="1"/>
-          </p:cNvPicPr>
-          <p:nvPr/>
-        </p:nvPicPr>
-        <p:blipFill>
-          <a:blip r:embed="rId5" cstate="print"/>
-          <a:stretch>
-            <a:fillRect/>
-          </a:stretch>
-        </p:blipFill>
-        <p:spPr>
-          <a:xfrm>
-            <a:off x="6804248" y="411510"/>
-            <a:ext cx="2038095" cy="1512000"/>
-          </a:xfrm>
-          <a:prstGeom prst="rect">
-            <a:avLst/>
-          </a:prstGeom>
-        </p:spPr>
-      </p:pic>
-      <p:pic>
-        <p:nvPicPr>
-          <p:cNvPr id="17" name="Рисунок 16" descr="int_triangulate_3_1.png"/>
-          <p:cNvPicPr>
-            <a:picLocks noChangeAspect="1"/>
-          </p:cNvPicPr>
-          <p:nvPr/>
-        </p:nvPicPr>
-        <p:blipFill>
-          <a:blip r:embed="rId6" cstate="print"/>
-          <a:stretch>
-            <a:fillRect/>
-          </a:stretch>
-        </p:blipFill>
-        <p:spPr>
-          <a:xfrm>
-            <a:off x="300931" y="2067862"/>
-            <a:ext cx="2038095" cy="1512000"/>
-          </a:xfrm>
-          <a:prstGeom prst="rect">
-            <a:avLst/>
-          </a:prstGeom>
-        </p:spPr>
-      </p:pic>
-      <p:pic>
-        <p:nvPicPr>
-          <p:cNvPr id="18" name="Рисунок 17" descr="int_triangulate_3_2.png"/>
-          <p:cNvPicPr>
-            <a:picLocks noChangeAspect="1"/>
-          </p:cNvPicPr>
-          <p:nvPr/>
-        </p:nvPicPr>
-        <p:blipFill>
-          <a:blip r:embed="rId7" cstate="print"/>
-          <a:stretch>
-            <a:fillRect/>
-          </a:stretch>
-        </p:blipFill>
-        <p:spPr>
-          <a:xfrm>
-            <a:off x="2318607" y="2067862"/>
-            <a:ext cx="2036643" cy="1512000"/>
-          </a:xfrm>
-          <a:prstGeom prst="rect">
-            <a:avLst/>
-          </a:prstGeom>
-        </p:spPr>
-      </p:pic>
-      <p:pic>
-        <p:nvPicPr>
-          <p:cNvPr id="19" name="Рисунок 18" descr="int_triangulate_4_1.png"/>
-          <p:cNvPicPr>
-            <a:picLocks noChangeAspect="1"/>
-          </p:cNvPicPr>
-          <p:nvPr/>
-        </p:nvPicPr>
-        <p:blipFill>
-          <a:blip r:embed="rId8" cstate="print"/>
-          <a:stretch>
-            <a:fillRect/>
-          </a:stretch>
-        </p:blipFill>
-        <p:spPr>
-          <a:xfrm>
-            <a:off x="4788024" y="2067862"/>
-            <a:ext cx="2036643" cy="1512000"/>
-          </a:xfrm>
-          <a:prstGeom prst="rect">
-            <a:avLst/>
-          </a:prstGeom>
-        </p:spPr>
-      </p:pic>
-      <p:pic>
-        <p:nvPicPr>
-          <p:cNvPr id="20" name="Рисунок 19" descr="int_triangulate_4_2.png"/>
-          <p:cNvPicPr>
-            <a:picLocks noChangeAspect="1"/>
-          </p:cNvPicPr>
-          <p:nvPr/>
-        </p:nvPicPr>
-        <p:blipFill>
-          <a:blip r:embed="rId9" cstate="print"/>
-          <a:stretch>
-            <a:fillRect/>
-          </a:stretch>
-        </p:blipFill>
-        <p:spPr>
-          <a:xfrm>
-            <a:off x="6804248" y="2067862"/>
-            <a:ext cx="2038095" cy="1512000"/>
-          </a:xfrm>
-          <a:prstGeom prst="rect">
-            <a:avLst/>
-          </a:prstGeom>
-        </p:spPr>
-      </p:pic>
-      <p:sp>
-        <p:nvSpPr>
-          <p:cNvPr id="14" name="Номер слайда 13"/>
+      <p:sp>
+        <p:nvSpPr>
+          <p:cNvPr id="10" name="TextBox 9"/>
+          <p:cNvSpPr txBox="1"/>
+          <p:nvPr/>
+        </p:nvSpPr>
+        <p:spPr>
+          <a:xfrm>
+            <a:off x="179512" y="2790676"/>
+            <a:ext cx="2952328" cy="1323439"/>
+          </a:xfrm>
+          <a:prstGeom prst="rect">
+            <a:avLst/>
+          </a:prstGeom>
+          <a:noFill/>
+        </p:spPr>
+        <p:txBody>
+          <a:bodyPr wrap="square" rtlCol="0">
+            <a:spAutoFit/>
+          </a:bodyPr>
+          <a:lstStyle/>
+          <a:p>
+            <a:r>
+              <a:rPr lang="ru-RU" sz="1600" dirty="0" smtClean="0">
+                <a:latin typeface="Times New Roman" pitchFamily="18" charset="0"/>
+                <a:cs typeface="Times New Roman" pitchFamily="18" charset="0"/>
+              </a:rPr>
+              <a:t>Вычисление пар потенциально пересекающихся ячеек двух контейнеров </a:t>
+            </a:r>
+            <a:r>
+              <a:rPr lang="en-US" sz="1600" i="1" dirty="0" smtClean="0">
+                <a:latin typeface="Times New Roman" pitchFamily="18" charset="0"/>
+                <a:cs typeface="Times New Roman" pitchFamily="18" charset="0"/>
+              </a:rPr>
+              <a:t>K</a:t>
+            </a:r>
+            <a:r>
+              <a:rPr lang="ru-RU" sz="1600" i="1" dirty="0" smtClean="0">
+                <a:latin typeface="Times New Roman" pitchFamily="18" charset="0"/>
+                <a:cs typeface="Times New Roman" pitchFamily="18" charset="0"/>
+              </a:rPr>
+              <a:t> = </a:t>
+            </a:r>
+            <a:r>
+              <a:rPr lang="en-US" sz="1600" i="1" dirty="0" smtClean="0">
+                <a:latin typeface="Times New Roman" pitchFamily="18" charset="0"/>
+                <a:cs typeface="Times New Roman" pitchFamily="18" charset="0"/>
+              </a:rPr>
+              <a:t>[M], K</a:t>
+            </a:r>
+            <a:r>
+              <a:rPr lang="ru-RU" sz="1600" i="1" dirty="0" smtClean="0">
+                <a:latin typeface="Times New Roman" pitchFamily="18" charset="0"/>
+                <a:cs typeface="Times New Roman" pitchFamily="18" charset="0"/>
+                <a:sym typeface="Symbol"/>
+              </a:rPr>
+              <a:t></a:t>
+            </a:r>
+            <a:r>
+              <a:rPr lang="en-US" sz="1600" i="1" dirty="0" smtClean="0">
+                <a:latin typeface="Times New Roman" pitchFamily="18" charset="0"/>
+                <a:cs typeface="Times New Roman" pitchFamily="18" charset="0"/>
+                <a:sym typeface="Symbol"/>
+              </a:rPr>
+              <a:t> = [M]</a:t>
+            </a:r>
+            <a:r>
+              <a:rPr lang="ru-RU" sz="1600" dirty="0" smtClean="0">
+                <a:latin typeface="Times New Roman" pitchFamily="18" charset="0"/>
+                <a:cs typeface="Times New Roman" pitchFamily="18" charset="0"/>
+                <a:sym typeface="Symbol"/>
+              </a:rPr>
+              <a:t> рекурсивно через из дочерние контейнеры.</a:t>
+            </a:r>
+            <a:endParaRPr lang="ru-RU" sz="1600" dirty="0" smtClean="0">
+              <a:latin typeface="Times New Roman" pitchFamily="18" charset="0"/>
+              <a:cs typeface="Times New Roman" pitchFamily="18" charset="0"/>
+            </a:endParaRPr>
+          </a:p>
+        </p:txBody>
+      </p:sp>
+      <p:sp>
+        <p:nvSpPr>
+          <p:cNvPr id="11" name="Номер слайда 10"/>
           <p:cNvSpPr>
             <a:spLocks noGrp="1"/>
           </p:cNvSpPr>
@@ -7259,6 +8475,39 @@
           <a:chExt cx="0" cy="0"/>
         </a:xfrm>
       </p:grpSpPr>
+      <p:pic>
+        <p:nvPicPr>
+          <p:cNvPr id="1029" name="Picture 5"/>
+          <p:cNvPicPr>
+            <a:picLocks noChangeAspect="1" noChangeArrowheads="1"/>
+          </p:cNvPicPr>
+          <p:nvPr/>
+        </p:nvPicPr>
+        <p:blipFill>
+          <a:blip r:embed="rId2" cstate="print"/>
+          <a:srcRect/>
+          <a:stretch>
+            <a:fillRect/>
+          </a:stretch>
+        </p:blipFill>
+        <p:spPr bwMode="auto">
+          <a:xfrm>
+            <a:off x="7525966" y="3461143"/>
+            <a:ext cx="254572" cy="288000"/>
+          </a:xfrm>
+          <a:prstGeom prst="rect">
+            <a:avLst/>
+          </a:prstGeom>
+          <a:noFill/>
+          <a:ln w="9525">
+            <a:noFill/>
+            <a:miter lim="800000"/>
+            <a:headEnd/>
+            <a:tailEnd/>
+          </a:ln>
+          <a:effectLst/>
+        </p:spPr>
+      </p:pic>
       <p:sp>
         <p:nvSpPr>
           <p:cNvPr id="8" name="TextBox 7"/>
@@ -7287,6 +8536,62 @@
           <a:p>
             <a:pPr algn="ctr"/>
             <a:endParaRPr lang="ru-RU" b="1" dirty="0">
+              <a:latin typeface="Times New Roman" pitchFamily="18" charset="0"/>
+              <a:cs typeface="Times New Roman" pitchFamily="18" charset="0"/>
+            </a:endParaRPr>
+          </a:p>
+        </p:txBody>
+      </p:sp>
+      <p:sp>
+        <p:nvSpPr>
+          <p:cNvPr id="9" name="TextBox 8"/>
+          <p:cNvSpPr txBox="1"/>
+          <p:nvPr/>
+        </p:nvSpPr>
+        <p:spPr>
+          <a:xfrm>
+            <a:off x="3491880" y="483518"/>
+            <a:ext cx="5544616" cy="1077218"/>
+          </a:xfrm>
+          <a:prstGeom prst="rect">
+            <a:avLst/>
+          </a:prstGeom>
+          <a:noFill/>
+        </p:spPr>
+        <p:txBody>
+          <a:bodyPr wrap="square" rtlCol="0">
+            <a:spAutoFit/>
+          </a:bodyPr>
+          <a:lstStyle/>
+          <a:p>
+            <a:r>
+              <a:rPr lang="ru-RU" sz="1600" dirty="0" smtClean="0">
+                <a:latin typeface="Times New Roman" pitchFamily="18" charset="0"/>
+                <a:cs typeface="Times New Roman" pitchFamily="18" charset="0"/>
+              </a:rPr>
+              <a:t>Во время обхода внешней поверхности по необходимости выполняется дробление ячеек.</a:t>
+            </a:r>
+            <a:endParaRPr lang="ru-RU" sz="1600" dirty="0" smtClean="0">
+              <a:latin typeface="Times New Roman" pitchFamily="18" charset="0"/>
+              <a:cs typeface="Times New Roman" pitchFamily="18" charset="0"/>
+            </a:endParaRPr>
+          </a:p>
+          <a:p>
+            <a:r>
+              <a:rPr lang="ru-RU" sz="1600" dirty="0" smtClean="0">
+                <a:latin typeface="Times New Roman" pitchFamily="18" charset="0"/>
+                <a:cs typeface="Times New Roman" pitchFamily="18" charset="0"/>
+              </a:rPr>
+              <a:t>При переходе чере</a:t>
+            </a:r>
+            <a:r>
+              <a:rPr lang="ru-RU" sz="1600" dirty="0" smtClean="0">
+                <a:latin typeface="Times New Roman" pitchFamily="18" charset="0"/>
+                <a:cs typeface="Times New Roman" pitchFamily="18" charset="0"/>
+              </a:rPr>
+              <a:t>з ребро, имеющее более двух инцидентных ячеек требуется выбрать следующую ячейку.</a:t>
+            </a:r>
+            <a:endParaRPr lang="ru-RU" sz="1600" dirty="0" smtClean="0">
               <a:latin typeface="Times New Roman" pitchFamily="18" charset="0"/>
               <a:cs typeface="Times New Roman" pitchFamily="18" charset="0"/>
             </a:endParaRPr>
@@ -7330,7 +8635,7 @@
                 <a:latin typeface="Times New Roman" pitchFamily="18" charset="0"/>
                 <a:cs typeface="Times New Roman" pitchFamily="18" charset="0"/>
               </a:rPr>
-              <a:t>Демонстрация удаления самопересечений</a:t>
+              <a:t>Обход внешней поверхности</a:t>
             </a:r>
             <a:endParaRPr lang="ru-RU" b="1" dirty="0">
               <a:solidFill>
@@ -7346,7 +8651,7 @@
       </p:sp>
       <p:sp>
         <p:nvSpPr>
-          <p:cNvPr id="14" name="Номер слайда 13"/>
+          <p:cNvPr id="11" name="Номер слайда 10"/>
           <p:cNvSpPr>
             <a:spLocks noGrp="1"/>
           </p:cNvSpPr>
@@ -7354,12 +8659,7 @@
             <p:ph type="sldNum" sz="quarter" idx="12"/>
           </p:nvPr>
         </p:nvSpPr>
-        <p:spPr>
-          <a:xfrm>
-            <a:off x="6553200" y="4767264"/>
-            <a:ext cx="2133600" cy="2016000"/>
-          </a:xfrm>
-        </p:spPr>
+        <p:spPr/>
         <p:txBody>
           <a:bodyPr/>
           <a:lstStyle/>
@@ -7379,31 +8679,7 @@
       </p:sp>
       <p:pic>
         <p:nvPicPr>
-          <p:cNvPr id="21" name="Рисунок 20" descr="int_self_intersection_off.png"/>
-          <p:cNvPicPr>
-            <a:picLocks noChangeAspect="1"/>
-          </p:cNvPicPr>
-          <p:nvPr/>
-        </p:nvPicPr>
-        <p:blipFill>
-          <a:blip r:embed="rId2" cstate="print"/>
-          <a:stretch>
-            <a:fillRect/>
-          </a:stretch>
-        </p:blipFill>
-        <p:spPr>
-          <a:xfrm>
-            <a:off x="971092" y="2607754"/>
-            <a:ext cx="3001919" cy="2016000"/>
-          </a:xfrm>
-          <a:prstGeom prst="rect">
-            <a:avLst/>
-          </a:prstGeom>
-        </p:spPr>
-      </p:pic>
-      <p:pic>
-        <p:nvPicPr>
-          <p:cNvPr id="22" name="Рисунок 21" descr="int_self_intersection_off_2.png"/>
+          <p:cNvPr id="12" name="Рисунок 11" descr="int_walk_faces_with_cut.png"/>
           <p:cNvPicPr>
             <a:picLocks noChangeAspect="1"/>
           </p:cNvPicPr>
@@ -7417,8 +8693,8 @@
         </p:blipFill>
         <p:spPr>
           <a:xfrm>
-            <a:off x="5255568" y="2607754"/>
-            <a:ext cx="3001919" cy="2016000"/>
+            <a:off x="251520" y="771550"/>
+            <a:ext cx="3102802" cy="3672408"/>
           </a:xfrm>
           <a:prstGeom prst="rect">
             <a:avLst/>
@@ -7427,7 +8703,7 @@
       </p:pic>
       <p:pic>
         <p:nvPicPr>
-          <p:cNvPr id="23" name="Рисунок 22" descr="int_self_intersection_on.png"/>
+          <p:cNvPr id="13" name="Рисунок 12" descr="int_walk_centre_big.png"/>
           <p:cNvPicPr>
             <a:picLocks noChangeAspect="1"/>
           </p:cNvPicPr>
@@ -7441,8 +8717,8 @@
         </p:blipFill>
         <p:spPr>
           <a:xfrm>
-            <a:off x="971092" y="447514"/>
-            <a:ext cx="3001919" cy="2016000"/>
+            <a:off x="5220804" y="2203654"/>
+            <a:ext cx="1871476" cy="1069850"/>
           </a:xfrm>
           <a:prstGeom prst="rect">
             <a:avLst/>
@@ -7451,7 +8727,7 @@
       </p:pic>
       <p:pic>
         <p:nvPicPr>
-          <p:cNvPr id="24" name="Рисунок 23" descr="int_self_intersection_on_2.png"/>
+          <p:cNvPr id="14" name="Рисунок 13" descr="int_walk_not_simple_big.png"/>
           <p:cNvPicPr>
             <a:picLocks noChangeAspect="1"/>
           </p:cNvPicPr>
@@ -7465,14 +8741,273 @@
         </p:blipFill>
         <p:spPr>
           <a:xfrm>
-            <a:off x="5255568" y="447514"/>
-            <a:ext cx="3001919" cy="2016000"/>
+            <a:off x="7328093" y="2196034"/>
+            <a:ext cx="1420371" cy="1085090"/>
           </a:xfrm>
           <a:prstGeom prst="rect">
             <a:avLst/>
           </a:prstGeom>
         </p:spPr>
       </p:pic>
+      <p:pic>
+        <p:nvPicPr>
+          <p:cNvPr id="15" name="Рисунок 14" descr="int_walk_simple_big.png"/>
+          <p:cNvPicPr>
+            <a:picLocks noChangeAspect="1"/>
+          </p:cNvPicPr>
+          <p:nvPr/>
+        </p:nvPicPr>
+        <p:blipFill>
+          <a:blip r:embed="rId6" cstate="print"/>
+          <a:stretch>
+            <a:fillRect/>
+          </a:stretch>
+        </p:blipFill>
+        <p:spPr>
+          <a:xfrm>
+            <a:off x="3707904" y="2212798"/>
+            <a:ext cx="1060706" cy="1051562"/>
+          </a:xfrm>
+          <a:prstGeom prst="rect">
+            <a:avLst/>
+          </a:prstGeom>
+        </p:spPr>
+      </p:pic>
+      <p:pic>
+        <p:nvPicPr>
+          <p:cNvPr id="1026" name="Picture 2"/>
+          <p:cNvPicPr>
+            <a:picLocks noChangeAspect="1" noChangeArrowheads="1"/>
+          </p:cNvPicPr>
+          <p:nvPr/>
+        </p:nvPicPr>
+        <p:blipFill>
+          <a:blip r:embed="rId7" cstate="print"/>
+          <a:srcRect/>
+          <a:stretch>
+            <a:fillRect/>
+          </a:stretch>
+        </p:blipFill>
+        <p:spPr bwMode="auto">
+          <a:xfrm>
+            <a:off x="3616493" y="3461143"/>
+            <a:ext cx="1937460" cy="288000"/>
+          </a:xfrm>
+          <a:prstGeom prst="rect">
+            <a:avLst/>
+          </a:prstGeom>
+          <a:noFill/>
+          <a:ln w="9525">
+            <a:noFill/>
+            <a:miter lim="800000"/>
+            <a:headEnd/>
+            <a:tailEnd/>
+          </a:ln>
+          <a:effectLst/>
+        </p:spPr>
+      </p:pic>
+      <p:pic>
+        <p:nvPicPr>
+          <p:cNvPr id="1027" name="Picture 3"/>
+          <p:cNvPicPr>
+            <a:picLocks noChangeAspect="1" noChangeArrowheads="1"/>
+          </p:cNvPicPr>
+          <p:nvPr/>
+        </p:nvPicPr>
+        <p:blipFill>
+          <a:blip r:embed="rId8" cstate="print"/>
+          <a:srcRect/>
+          <a:stretch>
+            <a:fillRect/>
+          </a:stretch>
+        </p:blipFill>
+        <p:spPr bwMode="auto">
+          <a:xfrm>
+            <a:off x="7740352" y="3461143"/>
+            <a:ext cx="983236" cy="288000"/>
+          </a:xfrm>
+          <a:prstGeom prst="rect">
+            <a:avLst/>
+          </a:prstGeom>
+          <a:noFill/>
+          <a:ln w="9525">
+            <a:noFill/>
+            <a:miter lim="800000"/>
+            <a:headEnd/>
+            <a:tailEnd/>
+          </a:ln>
+          <a:effectLst/>
+        </p:spPr>
+      </p:pic>
+      <p:pic>
+        <p:nvPicPr>
+          <p:cNvPr id="1028" name="Picture 4"/>
+          <p:cNvPicPr>
+            <a:picLocks noChangeAspect="1" noChangeArrowheads="1"/>
+          </p:cNvPicPr>
+          <p:nvPr/>
+        </p:nvPicPr>
+        <p:blipFill>
+          <a:blip r:embed="rId9" cstate="print"/>
+          <a:srcRect/>
+          <a:stretch>
+            <a:fillRect/>
+          </a:stretch>
+        </p:blipFill>
+        <p:spPr bwMode="auto">
+          <a:xfrm>
+            <a:off x="6660232" y="3461143"/>
+            <a:ext cx="853640" cy="288000"/>
+          </a:xfrm>
+          <a:prstGeom prst="rect">
+            <a:avLst/>
+          </a:prstGeom>
+          <a:noFill/>
+          <a:ln w="9525">
+            <a:noFill/>
+            <a:miter lim="800000"/>
+            <a:headEnd/>
+            <a:tailEnd/>
+          </a:ln>
+          <a:effectLst/>
+        </p:spPr>
+      </p:pic>
+      <p:sp>
+        <p:nvSpPr>
+          <p:cNvPr id="17" name="TextBox 16"/>
+          <p:cNvSpPr txBox="1"/>
+          <p:nvPr/>
+        </p:nvSpPr>
+        <p:spPr>
+          <a:xfrm>
+            <a:off x="3491880" y="1779662"/>
+            <a:ext cx="1620688" cy="338554"/>
+          </a:xfrm>
+          <a:prstGeom prst="rect">
+            <a:avLst/>
+          </a:prstGeom>
+          <a:noFill/>
+        </p:spPr>
+        <p:txBody>
+          <a:bodyPr wrap="square" rtlCol="0">
+            <a:spAutoFit/>
+          </a:bodyPr>
+          <a:lstStyle/>
+          <a:p>
+            <a:r>
+              <a:rPr lang="ru-RU" sz="1600" dirty="0" smtClean="0">
+                <a:latin typeface="Times New Roman" pitchFamily="18" charset="0"/>
+                <a:cs typeface="Times New Roman" pitchFamily="18" charset="0"/>
+              </a:rPr>
+              <a:t>Простая сетка</a:t>
+            </a:r>
+            <a:endParaRPr lang="ru-RU" sz="1600" dirty="0" smtClean="0">
+              <a:latin typeface="Times New Roman" pitchFamily="18" charset="0"/>
+              <a:cs typeface="Times New Roman" pitchFamily="18" charset="0"/>
+            </a:endParaRPr>
+          </a:p>
+        </p:txBody>
+      </p:sp>
+      <p:sp>
+        <p:nvSpPr>
+          <p:cNvPr id="18" name="TextBox 17"/>
+          <p:cNvSpPr txBox="1"/>
+          <p:nvPr/>
+        </p:nvSpPr>
+        <p:spPr>
+          <a:xfrm>
+            <a:off x="7271792" y="1779662"/>
+            <a:ext cx="1620688" cy="338554"/>
+          </a:xfrm>
+          <a:prstGeom prst="rect">
+            <a:avLst/>
+          </a:prstGeom>
+          <a:noFill/>
+        </p:spPr>
+        <p:txBody>
+          <a:bodyPr wrap="square" rtlCol="0">
+            <a:spAutoFit/>
+          </a:bodyPr>
+          <a:lstStyle/>
+          <a:p>
+            <a:r>
+              <a:rPr lang="ru-RU" sz="1600" dirty="0" smtClean="0">
+                <a:latin typeface="Times New Roman" pitchFamily="18" charset="0"/>
+                <a:cs typeface="Times New Roman" pitchFamily="18" charset="0"/>
+              </a:rPr>
+              <a:t>Общий случай</a:t>
+            </a:r>
+            <a:endParaRPr lang="ru-RU" sz="1600" dirty="0" smtClean="0">
+              <a:latin typeface="Times New Roman" pitchFamily="18" charset="0"/>
+              <a:cs typeface="Times New Roman" pitchFamily="18" charset="0"/>
+            </a:endParaRPr>
+          </a:p>
+        </p:txBody>
+      </p:sp>
+      <p:sp>
+        <p:nvSpPr>
+          <p:cNvPr id="19" name="TextBox 18"/>
+          <p:cNvSpPr txBox="1"/>
+          <p:nvPr/>
+        </p:nvSpPr>
+        <p:spPr>
+          <a:xfrm>
+            <a:off x="3491880" y="4155926"/>
+            <a:ext cx="5400600" cy="584775"/>
+          </a:xfrm>
+          <a:prstGeom prst="rect">
+            <a:avLst/>
+          </a:prstGeom>
+          <a:noFill/>
+        </p:spPr>
+        <p:txBody>
+          <a:bodyPr wrap="square" rtlCol="0">
+            <a:spAutoFit/>
+          </a:bodyPr>
+          <a:lstStyle/>
+          <a:p>
+            <a:r>
+              <a:rPr lang="ru-RU" sz="1600" dirty="0" smtClean="0">
+                <a:latin typeface="Times New Roman" pitchFamily="18" charset="0"/>
+                <a:cs typeface="Times New Roman" pitchFamily="18" charset="0"/>
+              </a:rPr>
+              <a:t>В качестве следующей  выбирается ячейка с максимальным значением функции</a:t>
+            </a:r>
+            <a:r>
+              <a:rPr lang="en-US" sz="1600" dirty="0" smtClean="0">
+                <a:latin typeface="Times New Roman" pitchFamily="18" charset="0"/>
+                <a:cs typeface="Times New Roman" pitchFamily="18" charset="0"/>
+              </a:rPr>
+              <a:t> </a:t>
+            </a:r>
+            <a:r>
+              <a:rPr lang="ru-RU" sz="1600" dirty="0" smtClean="0">
+                <a:latin typeface="Times New Roman" pitchFamily="18" charset="0"/>
+                <a:cs typeface="Times New Roman" pitchFamily="18" charset="0"/>
+              </a:rPr>
+              <a:t> </a:t>
+            </a:r>
+            <a:r>
+              <a:rPr lang="en-US" sz="1600" i="1" dirty="0" smtClean="0">
+                <a:latin typeface="Times New Roman" pitchFamily="18" charset="0"/>
+                <a:cs typeface="Times New Roman" pitchFamily="18" charset="0"/>
+              </a:rPr>
+              <a:t>f</a:t>
+            </a:r>
+            <a:r>
+              <a:rPr lang="en-US" sz="1600" dirty="0" smtClean="0">
+                <a:latin typeface="Times New Roman" pitchFamily="18" charset="0"/>
+                <a:cs typeface="Times New Roman" pitchFamily="18" charset="0"/>
+              </a:rPr>
+              <a:t>.</a:t>
+            </a:r>
+            <a:endParaRPr lang="ru-RU" sz="1600" dirty="0" smtClean="0">
+              <a:latin typeface="Times New Roman" pitchFamily="18" charset="0"/>
+              <a:cs typeface="Times New Roman" pitchFamily="18" charset="0"/>
+            </a:endParaRPr>
+          </a:p>
+        </p:txBody>
+      </p:sp>
     </p:spTree>
   </p:cSld>
   <p:clrMapOvr>
@@ -7505,6 +9040,30 @@
           <a:chExt cx="0" cy="0"/>
         </a:xfrm>
       </p:grpSpPr>
+      <p:pic>
+        <p:nvPicPr>
+          <p:cNvPr id="14" name="Рисунок 13" descr="int_primitives_intersection.png"/>
+          <p:cNvPicPr>
+            <a:picLocks noChangeAspect="1"/>
+          </p:cNvPicPr>
+          <p:nvPr/>
+        </p:nvPicPr>
+        <p:blipFill>
+          <a:blip r:embed="rId2" cstate="print"/>
+          <a:stretch>
+            <a:fillRect/>
+          </a:stretch>
+        </p:blipFill>
+        <p:spPr>
+          <a:xfrm>
+            <a:off x="3192059" y="411510"/>
+            <a:ext cx="5772429" cy="4284000"/>
+          </a:xfrm>
+          <a:prstGeom prst="rect">
+            <a:avLst/>
+          </a:prstGeom>
+        </p:spPr>
+      </p:pic>
       <p:sp>
         <p:nvSpPr>
           <p:cNvPr id="8" name="TextBox 7"/>
@@ -7576,67 +9135,7 @@
                 <a:latin typeface="Times New Roman" pitchFamily="18" charset="0"/>
                 <a:cs typeface="Times New Roman" pitchFamily="18" charset="0"/>
               </a:rPr>
-              <a:t>Удаление самопересечений </a:t>
-            </a:r>
-            <a:r>
-              <a:rPr lang="ru-RU" b="1" dirty="0" err="1" smtClean="0">
-                <a:solidFill>
-                  <a:schemeClr val="accent1">
-                    <a:lumMod val="75000"/>
-                  </a:schemeClr>
-                </a:solidFill>
-                <a:latin typeface="Times New Roman" pitchFamily="18" charset="0"/>
-                <a:cs typeface="Times New Roman" pitchFamily="18" charset="0"/>
-              </a:rPr>
-              <a:t>псевдотрехмерного</a:t>
-            </a:r>
-            <a:r>
-              <a:rPr lang="ru-RU" b="1" dirty="0" smtClean="0">
-                <a:solidFill>
-                  <a:schemeClr val="accent1">
-                    <a:lumMod val="75000"/>
-                  </a:schemeClr>
-                </a:solidFill>
-                <a:latin typeface="Times New Roman" pitchFamily="18" charset="0"/>
-                <a:cs typeface="Times New Roman" pitchFamily="18" charset="0"/>
-              </a:rPr>
-              <a:t> профиля </a:t>
-            </a:r>
-            <a:r>
-              <a:rPr lang="ru-RU" b="1" dirty="0">
-                <a:solidFill>
-                  <a:schemeClr val="accent1">
-                    <a:lumMod val="75000"/>
-                  </a:schemeClr>
-                </a:solidFill>
-                <a:latin typeface="Times New Roman" pitchFamily="18" charset="0"/>
-                <a:cs typeface="Times New Roman" pitchFamily="18" charset="0"/>
-              </a:rPr>
-              <a:t>-</a:t>
-            </a:r>
-            <a:r>
-              <a:rPr lang="en-US" b="1" dirty="0" smtClean="0">
-                <a:solidFill>
-                  <a:schemeClr val="accent1">
-                    <a:lumMod val="75000"/>
-                  </a:schemeClr>
-                </a:solidFill>
-                <a:latin typeface="Times New Roman" pitchFamily="18" charset="0"/>
-                <a:cs typeface="Times New Roman" pitchFamily="18" charset="0"/>
-              </a:rPr>
-              <a:t> </a:t>
-            </a:r>
-            <a:r>
-              <a:rPr lang="ru-RU" b="1" dirty="0" smtClean="0">
-                <a:solidFill>
-                  <a:schemeClr val="accent1">
-                    <a:lumMod val="75000"/>
-                  </a:schemeClr>
-                </a:solidFill>
-                <a:latin typeface="Times New Roman" pitchFamily="18" charset="0"/>
-                <a:cs typeface="Times New Roman" pitchFamily="18" charset="0"/>
-              </a:rPr>
-              <a:t>коррекция координат</a:t>
+              <a:t>Поиск пересечений ячейки с другими ячейками</a:t>
             </a:r>
             <a:endParaRPr lang="ru-RU" b="1" dirty="0">
               <a:solidFill>
@@ -7650,148 +9149,203 @@
           </a:p>
         </p:txBody>
       </p:sp>
+      <p:sp>
+        <p:nvSpPr>
+          <p:cNvPr id="9" name="TextBox 8"/>
+          <p:cNvSpPr txBox="1"/>
+          <p:nvPr/>
+        </p:nvSpPr>
+        <p:spPr>
+          <a:xfrm>
+            <a:off x="107504" y="411510"/>
+            <a:ext cx="3024336" cy="1077218"/>
+          </a:xfrm>
+          <a:prstGeom prst="rect">
+            <a:avLst/>
+          </a:prstGeom>
+          <a:noFill/>
+        </p:spPr>
+        <p:txBody>
+          <a:bodyPr wrap="square" rtlCol="0">
+            <a:spAutoFit/>
+          </a:bodyPr>
+          <a:lstStyle/>
+          <a:p>
+            <a:r>
+              <a:rPr lang="ru-RU" sz="1600" dirty="0" smtClean="0">
+                <a:latin typeface="Times New Roman" pitchFamily="18" charset="0"/>
+                <a:cs typeface="Times New Roman" pitchFamily="18" charset="0"/>
+              </a:rPr>
+              <a:t>Операции для работы с</a:t>
+            </a:r>
+            <a:r>
+              <a:rPr lang="ru-RU" sz="1600" dirty="0">
+                <a:latin typeface="Times New Roman" pitchFamily="18" charset="0"/>
+                <a:cs typeface="Times New Roman" pitchFamily="18" charset="0"/>
+              </a:rPr>
+              <a:t> </a:t>
+            </a:r>
+            <a:r>
+              <a:rPr lang="ru-RU" sz="1600" dirty="0" smtClean="0">
+                <a:latin typeface="Times New Roman" pitchFamily="18" charset="0"/>
+                <a:cs typeface="Times New Roman" pitchFamily="18" charset="0"/>
+              </a:rPr>
+              <a:t>геометрическими примитивами: точка, прямая, отрезок, плоскость, треугольник.</a:t>
+            </a:r>
+          </a:p>
+        </p:txBody>
+      </p:sp>
+      <p:sp>
+        <p:nvSpPr>
+          <p:cNvPr id="13" name="TextBox 12"/>
+          <p:cNvSpPr txBox="1"/>
+          <p:nvPr/>
+        </p:nvSpPr>
+        <p:spPr>
+          <a:xfrm>
+            <a:off x="107504" y="1563638"/>
+            <a:ext cx="4176464" cy="1077218"/>
+          </a:xfrm>
+          <a:prstGeom prst="rect">
+            <a:avLst/>
+          </a:prstGeom>
+          <a:noFill/>
+        </p:spPr>
+        <p:txBody>
+          <a:bodyPr wrap="square" rtlCol="0">
+            <a:spAutoFit/>
+          </a:bodyPr>
+          <a:lstStyle/>
+          <a:p>
+            <a:r>
+              <a:rPr lang="ru-RU" sz="1600" dirty="0" smtClean="0">
+                <a:latin typeface="Times New Roman" pitchFamily="18" charset="0"/>
+                <a:cs typeface="Times New Roman" pitchFamily="18" charset="0"/>
+              </a:rPr>
+              <a:t>При работе с геометрическими примитивами используются рациональные координаты, в которых результаты пересечения находятся без потери точности.</a:t>
+            </a:r>
+          </a:p>
+        </p:txBody>
+      </p:sp>
+      <p:sp>
+        <p:nvSpPr>
+          <p:cNvPr id="10" name="TextBox 9"/>
+          <p:cNvSpPr txBox="1"/>
+          <p:nvPr/>
+        </p:nvSpPr>
+        <p:spPr>
+          <a:xfrm>
+            <a:off x="3491880" y="2741895"/>
+            <a:ext cx="2304256" cy="2062103"/>
+          </a:xfrm>
+          <a:prstGeom prst="rect">
+            <a:avLst/>
+          </a:prstGeom>
+          <a:noFill/>
+        </p:spPr>
+        <p:txBody>
+          <a:bodyPr wrap="square" rtlCol="0">
+            <a:spAutoFit/>
+          </a:bodyPr>
+          <a:lstStyle/>
+          <a:p>
+            <a:r>
+              <a:rPr lang="ru-RU" sz="1600" dirty="0" smtClean="0">
+                <a:latin typeface="Times New Roman" pitchFamily="18" charset="0"/>
+                <a:cs typeface="Times New Roman" pitchFamily="18" charset="0"/>
+              </a:rPr>
+              <a:t>Две ячейки могут пересекаться плоскому выпуклому объекту с </a:t>
+            </a:r>
+            <a:r>
+              <a:rPr lang="en-US" sz="1600" i="1" dirty="0" smtClean="0">
+                <a:latin typeface="Times New Roman" pitchFamily="18" charset="0"/>
+                <a:cs typeface="Times New Roman" pitchFamily="18" charset="0"/>
+              </a:rPr>
+              <a:t>n</a:t>
+            </a:r>
+            <a:r>
+              <a:rPr lang="ru-RU" sz="1600" i="1" dirty="0" smtClean="0">
+                <a:latin typeface="Times New Roman" pitchFamily="18" charset="0"/>
+                <a:cs typeface="Times New Roman" pitchFamily="18" charset="0"/>
+              </a:rPr>
+              <a:t> </a:t>
+            </a:r>
+            <a:r>
+              <a:rPr lang="ru-RU" sz="1600" dirty="0" smtClean="0">
+                <a:latin typeface="Times New Roman" pitchFamily="18" charset="0"/>
+                <a:cs typeface="Times New Roman" pitchFamily="18" charset="0"/>
+              </a:rPr>
+              <a:t>вершинами </a:t>
+            </a:r>
+            <a:r>
+              <a:rPr lang="ru-RU" sz="1600" i="1" dirty="0" smtClean="0">
+                <a:latin typeface="Times New Roman" pitchFamily="18" charset="0"/>
+                <a:cs typeface="Times New Roman" pitchFamily="18" charset="0"/>
+              </a:rPr>
+              <a:t>(1</a:t>
+            </a:r>
+            <a:r>
+              <a:rPr lang="en-US" sz="1600" i="1" dirty="0" smtClean="0">
+                <a:latin typeface="Times New Roman" pitchFamily="18" charset="0"/>
+                <a:cs typeface="Times New Roman" pitchFamily="18" charset="0"/>
+              </a:rPr>
+              <a:t> </a:t>
+            </a:r>
+            <a:r>
+              <a:rPr lang="en-US" sz="1600" i="1" dirty="0" smtClean="0">
+                <a:latin typeface="Times New Roman" pitchFamily="18" charset="0"/>
+                <a:cs typeface="Times New Roman" pitchFamily="18" charset="0"/>
+                <a:sym typeface="Symbol"/>
+              </a:rPr>
+              <a:t> n  6)</a:t>
+            </a:r>
+            <a:r>
+              <a:rPr lang="ru-RU" sz="1600" dirty="0" smtClean="0">
+                <a:latin typeface="Times New Roman" pitchFamily="18" charset="0"/>
+                <a:cs typeface="Times New Roman" pitchFamily="18" charset="0"/>
+                <a:sym typeface="Symbol"/>
+              </a:rPr>
+              <a:t>. Пересечение может быть описано в виде набора точек и отрезков.</a:t>
+            </a:r>
+          </a:p>
+        </p:txBody>
+      </p:sp>
       <p:pic>
         <p:nvPicPr>
-          <p:cNvPr id="7" name="Рисунок 6" descr="int_pseudo3d_needs_coordinates_correction.png"/>
+          <p:cNvPr id="3074" name="Picture 2"/>
           <p:cNvPicPr>
-            <a:picLocks noChangeAspect="1"/>
+            <a:picLocks noChangeAspect="1" noChangeArrowheads="1"/>
           </p:cNvPicPr>
           <p:nvPr/>
         </p:nvPicPr>
         <p:blipFill>
-          <a:blip r:embed="rId2" cstate="print"/>
+          <a:blip r:embed="rId3" cstate="print"/>
+          <a:srcRect/>
           <a:stretch>
             <a:fillRect/>
           </a:stretch>
         </p:blipFill>
-        <p:spPr>
-          <a:xfrm>
-            <a:off x="107504" y="771550"/>
-            <a:ext cx="5256584" cy="3626839"/>
-          </a:xfrm>
-          <a:prstGeom prst="rect">
-            <a:avLst/>
-          </a:prstGeom>
+        <p:spPr bwMode="auto">
+          <a:xfrm>
+            <a:off x="179512" y="2787774"/>
+            <a:ext cx="3110745" cy="1728192"/>
+          </a:xfrm>
+          <a:prstGeom prst="rect">
+            <a:avLst/>
+          </a:prstGeom>
+          <a:noFill/>
+          <a:ln w="9525">
+            <a:noFill/>
+            <a:miter lim="800000"/>
+            <a:headEnd/>
+            <a:tailEnd/>
+          </a:ln>
+          <a:effectLst/>
         </p:spPr>
       </p:pic>
       <p:sp>
         <p:nvSpPr>
-          <p:cNvPr id="9" name="TextBox 8"/>
-          <p:cNvSpPr txBox="1"/>
-          <p:nvPr/>
-        </p:nvSpPr>
-        <p:spPr>
-          <a:xfrm>
-            <a:off x="5143109" y="483518"/>
-            <a:ext cx="3893387" cy="4278094"/>
-          </a:xfrm>
-          <a:prstGeom prst="rect">
-            <a:avLst/>
-          </a:prstGeom>
-          <a:noFill/>
-        </p:spPr>
-        <p:txBody>
-          <a:bodyPr wrap="square" rtlCol="0">
-            <a:spAutoFit/>
-          </a:bodyPr>
-          <a:lstStyle/>
-          <a:p>
-            <a:r>
-              <a:rPr lang="ru-RU" sz="1600" b="1" dirty="0" err="1" smtClean="0">
-                <a:latin typeface="Times New Roman" pitchFamily="18" charset="0"/>
-                <a:cs typeface="Times New Roman" pitchFamily="18" charset="0"/>
-              </a:rPr>
-              <a:t>Псевдотрехмерный</a:t>
-            </a:r>
-            <a:r>
-              <a:rPr lang="ru-RU" sz="1600" b="1" dirty="0" smtClean="0">
-                <a:latin typeface="Times New Roman" pitchFamily="18" charset="0"/>
-                <a:cs typeface="Times New Roman" pitchFamily="18" charset="0"/>
-              </a:rPr>
-              <a:t> профиль</a:t>
-            </a:r>
-            <a:r>
-              <a:rPr lang="ru-RU" sz="1600" dirty="0" smtClean="0">
-                <a:latin typeface="Times New Roman" pitchFamily="18" charset="0"/>
-                <a:cs typeface="Times New Roman" pitchFamily="18" charset="0"/>
-              </a:rPr>
-              <a:t> – незамкнутая поверхностная расчетная сетка, представленная лентой шириной в одну ячейку, заключенной между двумя параллельными плоскостями (</a:t>
-            </a:r>
-            <a:r>
-              <a:rPr lang="en-US" sz="1600" dirty="0" smtClean="0">
-                <a:latin typeface="Times New Roman" pitchFamily="18" charset="0"/>
-                <a:cs typeface="Times New Roman" pitchFamily="18" charset="0"/>
-              </a:rPr>
-              <a:t>back, front)</a:t>
-            </a:r>
-            <a:r>
-              <a:rPr lang="ru-RU" sz="1600" dirty="0" smtClean="0">
-                <a:latin typeface="Times New Roman" pitchFamily="18" charset="0"/>
-                <a:cs typeface="Times New Roman" pitchFamily="18" charset="0"/>
-              </a:rPr>
-              <a:t>. </a:t>
-            </a:r>
-          </a:p>
-          <a:p>
-            <a:endParaRPr lang="ru-RU" sz="1600" dirty="0">
-              <a:latin typeface="Times New Roman" pitchFamily="18" charset="0"/>
-              <a:cs typeface="Times New Roman" pitchFamily="18" charset="0"/>
-            </a:endParaRPr>
-          </a:p>
-          <a:p>
-            <a:r>
-              <a:rPr lang="ru-RU" sz="1600" dirty="0" smtClean="0">
-                <a:latin typeface="Times New Roman" pitchFamily="18" charset="0"/>
-                <a:cs typeface="Times New Roman" pitchFamily="18" charset="0"/>
-              </a:rPr>
-              <a:t>Для удаления самопересечений необходимо точное определение пересечения двух отрезков в пространстве, что затруднено из-за погрешности вычислений.</a:t>
-            </a:r>
-          </a:p>
-          <a:p>
-            <a:endParaRPr lang="ru-RU" sz="1600" dirty="0">
-              <a:latin typeface="Times New Roman" pitchFamily="18" charset="0"/>
-              <a:cs typeface="Times New Roman" pitchFamily="18" charset="0"/>
-            </a:endParaRPr>
-          </a:p>
-          <a:p>
-            <a:r>
-              <a:rPr lang="ru-RU" sz="1600" dirty="0" smtClean="0">
-                <a:latin typeface="Times New Roman" pitchFamily="18" charset="0"/>
-                <a:cs typeface="Times New Roman" pitchFamily="18" charset="0"/>
-              </a:rPr>
-              <a:t>Для решения этой проблемы требуется корректировка координат, что нетрудно выполнить при параллельности плоскостей </a:t>
-            </a:r>
-            <a:r>
-              <a:rPr lang="en-US" sz="1600" dirty="0" smtClean="0">
-                <a:latin typeface="Times New Roman" pitchFamily="18" charset="0"/>
-                <a:cs typeface="Times New Roman" pitchFamily="18" charset="0"/>
-              </a:rPr>
-              <a:t>back, front </a:t>
-            </a:r>
-            <a:r>
-              <a:rPr lang="ru-RU" sz="1600" dirty="0" smtClean="0">
-                <a:latin typeface="Times New Roman" pitchFamily="18" charset="0"/>
-                <a:cs typeface="Times New Roman" pitchFamily="18" charset="0"/>
-              </a:rPr>
-              <a:t>одной из плоскостей </a:t>
-            </a:r>
-            <a:r>
-              <a:rPr lang="en-US" sz="1600" dirty="0" smtClean="0">
-                <a:latin typeface="Times New Roman" pitchFamily="18" charset="0"/>
-                <a:cs typeface="Times New Roman" pitchFamily="18" charset="0"/>
-              </a:rPr>
-              <a:t>OXY, OYZ, OXZ.</a:t>
-            </a:r>
-            <a:endParaRPr lang="ru-RU" sz="1600" dirty="0" smtClean="0">
-              <a:latin typeface="Times New Roman" pitchFamily="18" charset="0"/>
-              <a:cs typeface="Times New Roman" pitchFamily="18" charset="0"/>
-            </a:endParaRPr>
-          </a:p>
-        </p:txBody>
-      </p:sp>
-      <p:sp>
-        <p:nvSpPr>
-          <p:cNvPr id="10" name="Номер слайда 9"/>
+          <p:cNvPr id="11" name="Номер слайда 10"/>
           <p:cNvSpPr>
             <a:spLocks noGrp="1"/>
           </p:cNvSpPr>
